--- a/golang-e2e.pptx
+++ b/golang-e2e.pptx
@@ -5,7 +5,7 @@
     <p:sldMasterId id="2147483648" r:id="rId1"/>
   </p:sldMasterIdLst>
   <p:notesMasterIdLst>
-    <p:notesMasterId r:id="rId29"/>
+    <p:notesMasterId r:id="rId31"/>
   </p:notesMasterIdLst>
   <p:sldIdLst>
     <p:sldId id="256" r:id="rId2"/>
@@ -24,17 +24,19 @@
     <p:sldId id="274" r:id="rId15"/>
     <p:sldId id="270" r:id="rId16"/>
     <p:sldId id="271" r:id="rId17"/>
-    <p:sldId id="272" r:id="rId18"/>
-    <p:sldId id="275" r:id="rId19"/>
-    <p:sldId id="276" r:id="rId20"/>
-    <p:sldId id="277" r:id="rId21"/>
-    <p:sldId id="281" r:id="rId22"/>
-    <p:sldId id="280" r:id="rId23"/>
-    <p:sldId id="282" r:id="rId24"/>
-    <p:sldId id="283" r:id="rId25"/>
-    <p:sldId id="278" r:id="rId26"/>
-    <p:sldId id="284" r:id="rId27"/>
-    <p:sldId id="279" r:id="rId28"/>
+    <p:sldId id="285" r:id="rId18"/>
+    <p:sldId id="272" r:id="rId19"/>
+    <p:sldId id="275" r:id="rId20"/>
+    <p:sldId id="276" r:id="rId21"/>
+    <p:sldId id="286" r:id="rId22"/>
+    <p:sldId id="277" r:id="rId23"/>
+    <p:sldId id="280" r:id="rId24"/>
+    <p:sldId id="287" r:id="rId25"/>
+    <p:sldId id="281" r:id="rId26"/>
+    <p:sldId id="283" r:id="rId27"/>
+    <p:sldId id="278" r:id="rId28"/>
+    <p:sldId id="284" r:id="rId29"/>
+    <p:sldId id="279" r:id="rId30"/>
   </p:sldIdLst>
   <p:sldSz cx="12192000" cy="6858000"/>
   <p:notesSz cx="6858000" cy="9144000"/>
@@ -7603,8 +7605,8 @@
     <dgm:cxn modelId="{3A62AC13-7DD2-EC41-B3CF-873210D683C8}" type="presOf" srcId="{C398BE27-1828-0D43-A3DA-85EA13906BC2}" destId="{A880C02D-37F6-6E49-8111-5C13B06163E9}" srcOrd="1" destOrd="0" presId="urn:microsoft.com/office/officeart/2005/8/layout/process1"/>
     <dgm:cxn modelId="{F3BD7D10-C4AE-0D41-8D31-71E2AC2B16A5}" srcId="{C0408FEF-7259-BA40-8B74-B6ECD5F06C32}" destId="{E48C8927-38DC-164A-B5F7-EFB7C23E7DDF}" srcOrd="2" destOrd="0" parTransId="{69511960-463C-E847-B17A-D4815E06415D}" sibTransId="{EF3C530E-FF5F-7948-B989-29B075615792}"/>
     <dgm:cxn modelId="{9D0709E1-26A7-A649-9BFA-AEB87979E99B}" type="presOf" srcId="{C0408FEF-7259-BA40-8B74-B6ECD5F06C32}" destId="{E77C3153-EF9F-1343-9F2C-0142443E233B}" srcOrd="0" destOrd="0" presId="urn:microsoft.com/office/officeart/2005/8/layout/process1"/>
+    <dgm:cxn modelId="{EAC2A9EF-8BB5-1A4B-97FF-E5B6F8E47636}" srcId="{C0408FEF-7259-BA40-8B74-B6ECD5F06C32}" destId="{87C28358-AF64-AE43-A83D-5E74D43FD17B}" srcOrd="1" destOrd="0" parTransId="{44407844-5F3B-9D41-8C7E-733B4D2E70BA}" sibTransId="{2988BF57-8C96-E742-BF3F-BD400BC10D8F}"/>
     <dgm:cxn modelId="{1D2F2EEC-97F1-7B44-B61E-7A22CC0592A6}" type="presOf" srcId="{E48C8927-38DC-164A-B5F7-EFB7C23E7DDF}" destId="{41EAD350-3657-084C-8DC3-A32FAA937C19}" srcOrd="0" destOrd="0" presId="urn:microsoft.com/office/officeart/2005/8/layout/process1"/>
-    <dgm:cxn modelId="{EAC2A9EF-8BB5-1A4B-97FF-E5B6F8E47636}" srcId="{C0408FEF-7259-BA40-8B74-B6ECD5F06C32}" destId="{87C28358-AF64-AE43-A83D-5E74D43FD17B}" srcOrd="1" destOrd="0" parTransId="{44407844-5F3B-9D41-8C7E-733B4D2E70BA}" sibTransId="{2988BF57-8C96-E742-BF3F-BD400BC10D8F}"/>
     <dgm:cxn modelId="{DF7CF118-03AD-E341-B575-1E44DBBD345C}" type="presOf" srcId="{C398BE27-1828-0D43-A3DA-85EA13906BC2}" destId="{708D9161-D4CE-3A49-9B67-434DD607E1E8}" srcOrd="0" destOrd="0" presId="urn:microsoft.com/office/officeart/2005/8/layout/process1"/>
     <dgm:cxn modelId="{39B8C894-3F39-2646-ADE3-D392816F86D4}" type="presParOf" srcId="{E77C3153-EF9F-1343-9F2C-0142443E233B}" destId="{77B928C5-C2D6-EA44-93FC-635F3CEA46CC}" srcOrd="0" destOrd="0" presId="urn:microsoft.com/office/officeart/2005/8/layout/process1"/>
     <dgm:cxn modelId="{D9EE0BAB-3C50-CF42-8A24-12E9D4086BE5}" type="presParOf" srcId="{E77C3153-EF9F-1343-9F2C-0142443E233B}" destId="{708D9161-D4CE-3A49-9B67-434DD607E1E8}" srcOrd="1" destOrd="0" presId="urn:microsoft.com/office/officeart/2005/8/layout/process1"/>
@@ -31819,6 +31821,3279 @@
 </p:notes>
 </file>
 
+<file path=ppt/notesSlides/notesSlide15.xml><?xml version="1.0" encoding="utf-8"?>
+<p:notes xmlns:a="http://schemas.openxmlformats.org/drawingml/2006/main" xmlns:r="http://schemas.openxmlformats.org/officeDocument/2006/relationships" xmlns:p="http://schemas.openxmlformats.org/presentationml/2006/main">
+  <p:cSld>
+    <p:spTree>
+      <p:nvGrpSpPr>
+        <p:cNvPr id="1" name=""/>
+        <p:cNvGrpSpPr/>
+        <p:nvPr/>
+      </p:nvGrpSpPr>
+      <p:grpSpPr>
+        <a:xfrm>
+          <a:off x="0" y="0"/>
+          <a:ext cx="0" cy="0"/>
+          <a:chOff x="0" y="0"/>
+          <a:chExt cx="0" cy="0"/>
+        </a:xfrm>
+      </p:grpSpPr>
+      <p:sp>
+        <p:nvSpPr>
+          <p:cNvPr id="2" name="Slide Image Placeholder 1"/>
+          <p:cNvSpPr>
+            <a:spLocks noGrp="1" noRot="1" noChangeAspect="1"/>
+          </p:cNvSpPr>
+          <p:nvPr>
+            <p:ph type="sldImg"/>
+          </p:nvPr>
+        </p:nvSpPr>
+        <p:spPr/>
+      </p:sp>
+      <p:sp>
+        <p:nvSpPr>
+          <p:cNvPr id="3" name="Notes Placeholder 2"/>
+          <p:cNvSpPr>
+            <a:spLocks noGrp="1"/>
+          </p:cNvSpPr>
+          <p:nvPr>
+            <p:ph type="body" idx="1"/>
+          </p:nvPr>
+        </p:nvSpPr>
+        <p:spPr/>
+        <p:txBody>
+          <a:bodyPr/>
+          <a:lstStyle/>
+          <a:p>
+            <a:endParaRPr lang="en-US" dirty="0"/>
+          </a:p>
+        </p:txBody>
+      </p:sp>
+      <p:sp>
+        <p:nvSpPr>
+          <p:cNvPr id="4" name="Slide Number Placeholder 3"/>
+          <p:cNvSpPr>
+            <a:spLocks noGrp="1"/>
+          </p:cNvSpPr>
+          <p:nvPr>
+            <p:ph type="sldNum" sz="quarter" idx="10"/>
+          </p:nvPr>
+        </p:nvSpPr>
+        <p:spPr/>
+        <p:txBody>
+          <a:bodyPr/>
+          <a:lstStyle/>
+          <a:p>
+            <a:fld id="{F0593C4D-DAC8-294B-98EA-94939A182283}" type="slidenum">
+              <a:rPr lang="en-US" smtClean="0"/>
+              <a:t>16</a:t>
+            </a:fld>
+            <a:endParaRPr lang="en-US"/>
+          </a:p>
+        </p:txBody>
+      </p:sp>
+    </p:spTree>
+    <p:extLst>
+      <p:ext uri="{BB962C8B-B14F-4D97-AF65-F5344CB8AC3E}">
+        <p14:creationId xmlns:p14="http://schemas.microsoft.com/office/powerpoint/2010/main" val="830043052"/>
+      </p:ext>
+    </p:extLst>
+  </p:cSld>
+  <p:clrMapOvr>
+    <a:masterClrMapping/>
+  </p:clrMapOvr>
+</p:notes>
+</file>
+
+<file path=ppt/notesSlides/notesSlide16.xml><?xml version="1.0" encoding="utf-8"?>
+<p:notes xmlns:a="http://schemas.openxmlformats.org/drawingml/2006/main" xmlns:r="http://schemas.openxmlformats.org/officeDocument/2006/relationships" xmlns:p="http://schemas.openxmlformats.org/presentationml/2006/main">
+  <p:cSld>
+    <p:spTree>
+      <p:nvGrpSpPr>
+        <p:cNvPr id="1" name=""/>
+        <p:cNvGrpSpPr/>
+        <p:nvPr/>
+      </p:nvGrpSpPr>
+      <p:grpSpPr>
+        <a:xfrm>
+          <a:off x="0" y="0"/>
+          <a:ext cx="0" cy="0"/>
+          <a:chOff x="0" y="0"/>
+          <a:chExt cx="0" cy="0"/>
+        </a:xfrm>
+      </p:grpSpPr>
+      <p:sp>
+        <p:nvSpPr>
+          <p:cNvPr id="2" name="Slide Image Placeholder 1"/>
+          <p:cNvSpPr>
+            <a:spLocks noGrp="1" noRot="1" noChangeAspect="1"/>
+          </p:cNvSpPr>
+          <p:nvPr>
+            <p:ph type="sldImg"/>
+          </p:nvPr>
+        </p:nvSpPr>
+        <p:spPr/>
+      </p:sp>
+      <p:sp>
+        <p:nvSpPr>
+          <p:cNvPr id="3" name="Notes Placeholder 2"/>
+          <p:cNvSpPr>
+            <a:spLocks noGrp="1"/>
+          </p:cNvSpPr>
+          <p:nvPr>
+            <p:ph type="body" idx="1"/>
+          </p:nvPr>
+        </p:nvSpPr>
+        <p:spPr/>
+        <p:txBody>
+          <a:bodyPr/>
+          <a:lstStyle/>
+          <a:p>
+            <a:endParaRPr lang="en-US" dirty="0"/>
+          </a:p>
+        </p:txBody>
+      </p:sp>
+      <p:sp>
+        <p:nvSpPr>
+          <p:cNvPr id="4" name="Slide Number Placeholder 3"/>
+          <p:cNvSpPr>
+            <a:spLocks noGrp="1"/>
+          </p:cNvSpPr>
+          <p:nvPr>
+            <p:ph type="sldNum" sz="quarter" idx="10"/>
+          </p:nvPr>
+        </p:nvSpPr>
+        <p:spPr/>
+        <p:txBody>
+          <a:bodyPr/>
+          <a:lstStyle/>
+          <a:p>
+            <a:fld id="{F0593C4D-DAC8-294B-98EA-94939A182283}" type="slidenum">
+              <a:rPr lang="en-US" smtClean="0"/>
+              <a:t>17</a:t>
+            </a:fld>
+            <a:endParaRPr lang="en-US"/>
+          </a:p>
+        </p:txBody>
+      </p:sp>
+    </p:spTree>
+    <p:extLst>
+      <p:ext uri="{BB962C8B-B14F-4D97-AF65-F5344CB8AC3E}">
+        <p14:creationId xmlns:p14="http://schemas.microsoft.com/office/powerpoint/2010/main" val="1101807658"/>
+      </p:ext>
+    </p:extLst>
+  </p:cSld>
+  <p:clrMapOvr>
+    <a:masterClrMapping/>
+  </p:clrMapOvr>
+</p:notes>
+</file>
+
+<file path=ppt/notesSlides/notesSlide17.xml><?xml version="1.0" encoding="utf-8"?>
+<p:notes xmlns:a="http://schemas.openxmlformats.org/drawingml/2006/main" xmlns:r="http://schemas.openxmlformats.org/officeDocument/2006/relationships" xmlns:p="http://schemas.openxmlformats.org/presentationml/2006/main">
+  <p:cSld>
+    <p:spTree>
+      <p:nvGrpSpPr>
+        <p:cNvPr id="1" name=""/>
+        <p:cNvGrpSpPr/>
+        <p:nvPr/>
+      </p:nvGrpSpPr>
+      <p:grpSpPr>
+        <a:xfrm>
+          <a:off x="0" y="0"/>
+          <a:ext cx="0" cy="0"/>
+          <a:chOff x="0" y="0"/>
+          <a:chExt cx="0" cy="0"/>
+        </a:xfrm>
+      </p:grpSpPr>
+      <p:sp>
+        <p:nvSpPr>
+          <p:cNvPr id="2" name="Slide Image Placeholder 1"/>
+          <p:cNvSpPr>
+            <a:spLocks noGrp="1" noRot="1" noChangeAspect="1"/>
+          </p:cNvSpPr>
+          <p:nvPr>
+            <p:ph type="sldImg"/>
+          </p:nvPr>
+        </p:nvSpPr>
+        <p:spPr/>
+      </p:sp>
+      <p:sp>
+        <p:nvSpPr>
+          <p:cNvPr id="3" name="Notes Placeholder 2"/>
+          <p:cNvSpPr>
+            <a:spLocks noGrp="1"/>
+          </p:cNvSpPr>
+          <p:nvPr>
+            <p:ph type="body" idx="1"/>
+          </p:nvPr>
+        </p:nvSpPr>
+        <p:spPr/>
+        <p:txBody>
+          <a:bodyPr/>
+          <a:lstStyle/>
+          <a:p>
+            <a:r>
+              <a:rPr lang="en-US" sz="1200" b="1" kern="1200" dirty="0" smtClean="0">
+                <a:solidFill>
+                  <a:schemeClr val="tx1"/>
+                </a:solidFill>
+                <a:effectLst/>
+                <a:latin typeface="+mn-lt"/>
+                <a:ea typeface="+mn-ea"/>
+                <a:cs typeface="+mn-cs"/>
+              </a:rPr>
+              <a:t>tasks: </a:t>
+            </a:r>
+            <a:r>
+              <a:rPr lang="en-US" dirty="0" smtClean="0"/>
+              <a:t>$tasks</a:t>
+            </a:r>
+            <a:br>
+              <a:rPr lang="en-US" dirty="0" smtClean="0"/>
+            </a:br>
+            <a:r>
+              <a:rPr lang="en-US" sz="1200" b="1" kern="1200" dirty="0" smtClean="0">
+                <a:solidFill>
+                  <a:schemeClr val="tx1"/>
+                </a:solidFill>
+                <a:effectLst/>
+                <a:latin typeface="+mn-lt"/>
+                <a:ea typeface="+mn-ea"/>
+                <a:cs typeface="+mn-cs"/>
+              </a:rPr>
+              <a:t>defaults:</a:t>
+            </a:r>
+            <a:br>
+              <a:rPr lang="en-US" sz="1200" b="1" kern="1200" dirty="0" smtClean="0">
+                <a:solidFill>
+                  <a:schemeClr val="tx1"/>
+                </a:solidFill>
+                <a:effectLst/>
+                <a:latin typeface="+mn-lt"/>
+                <a:ea typeface="+mn-ea"/>
+                <a:cs typeface="+mn-cs"/>
+              </a:rPr>
+            </a:br>
+            <a:r>
+              <a:rPr lang="en-US" sz="1200" b="1" kern="1200" dirty="0" smtClean="0">
+                <a:solidFill>
+                  <a:schemeClr val="tx1"/>
+                </a:solidFill>
+                <a:effectLst/>
+                <a:latin typeface="+mn-lt"/>
+                <a:ea typeface="+mn-ea"/>
+                <a:cs typeface="+mn-cs"/>
+              </a:rPr>
+              <a:t>  target: </a:t>
+            </a:r>
+            <a:r>
+              <a:rPr lang="en-US" dirty="0" smtClean="0"/>
+              <a:t>$</a:t>
+            </a:r>
+            <a:r>
+              <a:rPr lang="en-US" dirty="0" err="1" smtClean="0"/>
+              <a:t>serviceTarget</a:t>
+            </a:r>
+            <a:r>
+              <a:rPr lang="en-US" dirty="0" smtClean="0"/>
+              <a:t/>
+            </a:r>
+            <a:br>
+              <a:rPr lang="en-US" dirty="0" smtClean="0"/>
+            </a:br>
+            <a:r>
+              <a:rPr lang="en-US" sz="1200" b="1" kern="1200" dirty="0" smtClean="0">
+                <a:solidFill>
+                  <a:schemeClr val="tx1"/>
+                </a:solidFill>
+                <a:effectLst/>
+                <a:latin typeface="+mn-lt"/>
+                <a:ea typeface="+mn-ea"/>
+                <a:cs typeface="+mn-cs"/>
+              </a:rPr>
+              <a:t>pipeline:</a:t>
+            </a:r>
+            <a:br>
+              <a:rPr lang="en-US" sz="1200" b="1" kern="1200" dirty="0" smtClean="0">
+                <a:solidFill>
+                  <a:schemeClr val="tx1"/>
+                </a:solidFill>
+                <a:effectLst/>
+                <a:latin typeface="+mn-lt"/>
+                <a:ea typeface="+mn-ea"/>
+                <a:cs typeface="+mn-cs"/>
+              </a:rPr>
+            </a:br>
+            <a:r>
+              <a:rPr lang="en-US" sz="1200" b="1" kern="1200" dirty="0" smtClean="0">
+                <a:solidFill>
+                  <a:schemeClr val="tx1"/>
+                </a:solidFill>
+                <a:effectLst/>
+                <a:latin typeface="+mn-lt"/>
+                <a:ea typeface="+mn-ea"/>
+                <a:cs typeface="+mn-cs"/>
+              </a:rPr>
+              <a:t>  destroy:</a:t>
+            </a:r>
+            <a:br>
+              <a:rPr lang="en-US" sz="1200" b="1" kern="1200" dirty="0" smtClean="0">
+                <a:solidFill>
+                  <a:schemeClr val="tx1"/>
+                </a:solidFill>
+                <a:effectLst/>
+                <a:latin typeface="+mn-lt"/>
+                <a:ea typeface="+mn-ea"/>
+                <a:cs typeface="+mn-cs"/>
+              </a:rPr>
+            </a:br>
+            <a:r>
+              <a:rPr lang="en-US" sz="1200" b="1" kern="1200" dirty="0" smtClean="0">
+                <a:solidFill>
+                  <a:schemeClr val="tx1"/>
+                </a:solidFill>
+                <a:effectLst/>
+                <a:latin typeface="+mn-lt"/>
+                <a:ea typeface="+mn-ea"/>
+                <a:cs typeface="+mn-cs"/>
+              </a:rPr>
+              <a:t>    stop-images:</a:t>
+            </a:r>
+            <a:br>
+              <a:rPr lang="en-US" sz="1200" b="1" kern="1200" dirty="0" smtClean="0">
+                <a:solidFill>
+                  <a:schemeClr val="tx1"/>
+                </a:solidFill>
+                <a:effectLst/>
+                <a:latin typeface="+mn-lt"/>
+                <a:ea typeface="+mn-ea"/>
+                <a:cs typeface="+mn-cs"/>
+              </a:rPr>
+            </a:br>
+            <a:r>
+              <a:rPr lang="en-US" sz="1200" b="1" kern="1200" dirty="0" smtClean="0">
+                <a:solidFill>
+                  <a:schemeClr val="tx1"/>
+                </a:solidFill>
+                <a:effectLst/>
+                <a:latin typeface="+mn-lt"/>
+                <a:ea typeface="+mn-ea"/>
+                <a:cs typeface="+mn-cs"/>
+              </a:rPr>
+              <a:t>      action: </a:t>
+            </a:r>
+            <a:r>
+              <a:rPr lang="en-US" dirty="0" err="1" smtClean="0"/>
+              <a:t>docker:stop-images</a:t>
+            </a:r>
+            <a:r>
+              <a:rPr lang="en-US" dirty="0" smtClean="0"/>
+              <a:t/>
+            </a:r>
+            <a:br>
+              <a:rPr lang="en-US" dirty="0" smtClean="0"/>
+            </a:br>
+            <a:r>
+              <a:rPr lang="en-US" dirty="0" smtClean="0"/>
+              <a:t>      </a:t>
+            </a:r>
+            <a:r>
+              <a:rPr lang="en-US" sz="1200" b="1" kern="1200" dirty="0" smtClean="0">
+                <a:solidFill>
+                  <a:schemeClr val="tx1"/>
+                </a:solidFill>
+                <a:effectLst/>
+                <a:latin typeface="+mn-lt"/>
+                <a:ea typeface="+mn-ea"/>
+                <a:cs typeface="+mn-cs"/>
+              </a:rPr>
+              <a:t>images:</a:t>
+            </a:r>
+            <a:br>
+              <a:rPr lang="en-US" sz="1200" b="1" kern="1200" dirty="0" smtClean="0">
+                <a:solidFill>
+                  <a:schemeClr val="tx1"/>
+                </a:solidFill>
+                <a:effectLst/>
+                <a:latin typeface="+mn-lt"/>
+                <a:ea typeface="+mn-ea"/>
+                <a:cs typeface="+mn-cs"/>
+              </a:rPr>
+            </a:br>
+            <a:r>
+              <a:rPr lang="en-US" sz="1200" b="1" kern="1200" dirty="0" smtClean="0">
+                <a:solidFill>
+                  <a:schemeClr val="tx1"/>
+                </a:solidFill>
+                <a:effectLst/>
+                <a:latin typeface="+mn-lt"/>
+                <a:ea typeface="+mn-ea"/>
+                <a:cs typeface="+mn-cs"/>
+              </a:rPr>
+              <a:t>      </a:t>
+            </a:r>
+            <a:r>
+              <a:rPr lang="en-US" dirty="0" smtClean="0"/>
+              <a:t>- </a:t>
+            </a:r>
+            <a:r>
+              <a:rPr lang="en-US" dirty="0" err="1" smtClean="0"/>
+              <a:t>mysql</a:t>
+            </a:r>
+            <a:r>
+              <a:rPr lang="en-US" dirty="0" smtClean="0"/>
+              <a:t/>
+            </a:r>
+            <a:br>
+              <a:rPr lang="en-US" dirty="0" smtClean="0"/>
+            </a:br>
+            <a:r>
+              <a:rPr lang="en-US" dirty="0" smtClean="0"/>
+              <a:t>  </a:t>
+            </a:r>
+            <a:r>
+              <a:rPr lang="en-US" sz="1200" b="1" kern="1200" dirty="0" err="1" smtClean="0">
+                <a:solidFill>
+                  <a:schemeClr val="tx1"/>
+                </a:solidFill>
+                <a:effectLst/>
+                <a:latin typeface="+mn-lt"/>
+                <a:ea typeface="+mn-ea"/>
+                <a:cs typeface="+mn-cs"/>
+              </a:rPr>
+              <a:t>init</a:t>
+            </a:r>
+            <a:r>
+              <a:rPr lang="en-US" sz="1200" b="1" kern="1200" dirty="0" smtClean="0">
+                <a:solidFill>
+                  <a:schemeClr val="tx1"/>
+                </a:solidFill>
+                <a:effectLst/>
+                <a:latin typeface="+mn-lt"/>
+                <a:ea typeface="+mn-ea"/>
+                <a:cs typeface="+mn-cs"/>
+              </a:rPr>
+              <a:t>:</a:t>
+            </a:r>
+            <a:br>
+              <a:rPr lang="en-US" sz="1200" b="1" kern="1200" dirty="0" smtClean="0">
+                <a:solidFill>
+                  <a:schemeClr val="tx1"/>
+                </a:solidFill>
+                <a:effectLst/>
+                <a:latin typeface="+mn-lt"/>
+                <a:ea typeface="+mn-ea"/>
+                <a:cs typeface="+mn-cs"/>
+              </a:rPr>
+            </a:br>
+            <a:r>
+              <a:rPr lang="en-US" sz="1200" b="1" kern="1200" dirty="0" smtClean="0">
+                <a:solidFill>
+                  <a:schemeClr val="tx1"/>
+                </a:solidFill>
+                <a:effectLst/>
+                <a:latin typeface="+mn-lt"/>
+                <a:ea typeface="+mn-ea"/>
+                <a:cs typeface="+mn-cs"/>
+              </a:rPr>
+              <a:t>    services:</a:t>
+            </a:r>
+            <a:br>
+              <a:rPr lang="en-US" sz="1200" b="1" kern="1200" dirty="0" smtClean="0">
+                <a:solidFill>
+                  <a:schemeClr val="tx1"/>
+                </a:solidFill>
+                <a:effectLst/>
+                <a:latin typeface="+mn-lt"/>
+                <a:ea typeface="+mn-ea"/>
+                <a:cs typeface="+mn-cs"/>
+              </a:rPr>
+            </a:br>
+            <a:r>
+              <a:rPr lang="en-US" sz="1200" b="1" kern="1200" dirty="0" smtClean="0">
+                <a:solidFill>
+                  <a:schemeClr val="tx1"/>
+                </a:solidFill>
+                <a:effectLst/>
+                <a:latin typeface="+mn-lt"/>
+                <a:ea typeface="+mn-ea"/>
+                <a:cs typeface="+mn-cs"/>
+              </a:rPr>
+              <a:t>      </a:t>
+            </a:r>
+            <a:r>
+              <a:rPr lang="en-US" sz="1200" b="1" kern="1200" dirty="0" err="1" smtClean="0">
+                <a:solidFill>
+                  <a:schemeClr val="tx1"/>
+                </a:solidFill>
+                <a:effectLst/>
+                <a:latin typeface="+mn-lt"/>
+                <a:ea typeface="+mn-ea"/>
+                <a:cs typeface="+mn-cs"/>
+              </a:rPr>
+              <a:t>mysql</a:t>
+            </a:r>
+            <a:r>
+              <a:rPr lang="en-US" sz="1200" b="1" kern="1200" dirty="0" smtClean="0">
+                <a:solidFill>
+                  <a:schemeClr val="tx1"/>
+                </a:solidFill>
+                <a:effectLst/>
+                <a:latin typeface="+mn-lt"/>
+                <a:ea typeface="+mn-ea"/>
+                <a:cs typeface="+mn-cs"/>
+              </a:rPr>
+              <a:t>:</a:t>
+            </a:r>
+            <a:br>
+              <a:rPr lang="en-US" sz="1200" b="1" kern="1200" dirty="0" smtClean="0">
+                <a:solidFill>
+                  <a:schemeClr val="tx1"/>
+                </a:solidFill>
+                <a:effectLst/>
+                <a:latin typeface="+mn-lt"/>
+                <a:ea typeface="+mn-ea"/>
+                <a:cs typeface="+mn-cs"/>
+              </a:rPr>
+            </a:br>
+            <a:r>
+              <a:rPr lang="en-US" sz="1200" b="1" kern="1200" dirty="0" smtClean="0">
+                <a:solidFill>
+                  <a:schemeClr val="tx1"/>
+                </a:solidFill>
+                <a:effectLst/>
+                <a:latin typeface="+mn-lt"/>
+                <a:ea typeface="+mn-ea"/>
+                <a:cs typeface="+mn-cs"/>
+              </a:rPr>
+              <a:t>        workflow: </a:t>
+            </a:r>
+            <a:r>
+              <a:rPr lang="en-US" dirty="0" smtClean="0"/>
+              <a:t>service/</a:t>
+            </a:r>
+            <a:r>
+              <a:rPr lang="en-US" dirty="0" err="1" smtClean="0"/>
+              <a:t>mysql</a:t>
+            </a:r>
+            <a:r>
+              <a:rPr lang="en-US" dirty="0" smtClean="0"/>
+              <a:t/>
+            </a:r>
+            <a:br>
+              <a:rPr lang="en-US" dirty="0" smtClean="0"/>
+            </a:br>
+            <a:r>
+              <a:rPr lang="en-US" dirty="0" smtClean="0"/>
+              <a:t>        </a:t>
+            </a:r>
+            <a:r>
+              <a:rPr lang="en-US" sz="1200" b="1" kern="1200" dirty="0" smtClean="0">
+                <a:solidFill>
+                  <a:schemeClr val="tx1"/>
+                </a:solidFill>
+                <a:effectLst/>
+                <a:latin typeface="+mn-lt"/>
+                <a:ea typeface="+mn-ea"/>
+                <a:cs typeface="+mn-cs"/>
+              </a:rPr>
+              <a:t>name: </a:t>
+            </a:r>
+            <a:r>
+              <a:rPr lang="en-US" dirty="0" smtClean="0"/>
+              <a:t>endly_db1</a:t>
+            </a:r>
+            <a:br>
+              <a:rPr lang="en-US" dirty="0" smtClean="0"/>
+            </a:br>
+            <a:r>
+              <a:rPr lang="en-US" dirty="0" smtClean="0"/>
+              <a:t>        </a:t>
+            </a:r>
+            <a:r>
+              <a:rPr lang="en-US" sz="1200" b="1" kern="1200" dirty="0" smtClean="0">
+                <a:solidFill>
+                  <a:schemeClr val="tx1"/>
+                </a:solidFill>
+                <a:effectLst/>
+                <a:latin typeface="+mn-lt"/>
+                <a:ea typeface="+mn-ea"/>
+                <a:cs typeface="+mn-cs"/>
+              </a:rPr>
+              <a:t>version: </a:t>
+            </a:r>
+            <a:r>
+              <a:rPr lang="en-US" dirty="0" smtClean="0"/>
+              <a:t>latest</a:t>
+            </a:r>
+            <a:br>
+              <a:rPr lang="en-US" dirty="0" smtClean="0"/>
+            </a:br>
+            <a:r>
+              <a:rPr lang="en-US" dirty="0" smtClean="0"/>
+              <a:t>        </a:t>
+            </a:r>
+            <a:r>
+              <a:rPr lang="en-US" sz="1200" b="1" kern="1200" dirty="0" smtClean="0">
+                <a:solidFill>
+                  <a:schemeClr val="tx1"/>
+                </a:solidFill>
+                <a:effectLst/>
+                <a:latin typeface="+mn-lt"/>
+                <a:ea typeface="+mn-ea"/>
+                <a:cs typeface="+mn-cs"/>
+              </a:rPr>
+              <a:t>credentials: </a:t>
+            </a:r>
+            <a:r>
+              <a:rPr lang="en-US" dirty="0" smtClean="0"/>
+              <a:t>$</a:t>
+            </a:r>
+            <a:r>
+              <a:rPr lang="en-US" dirty="0" err="1" smtClean="0"/>
+              <a:t>mysqlCredentials</a:t>
+            </a:r>
+            <a:r>
+              <a:rPr lang="en-US" dirty="0" smtClean="0"/>
+              <a:t/>
+            </a:r>
+            <a:br>
+              <a:rPr lang="en-US" dirty="0" smtClean="0"/>
+            </a:br>
+            <a:r>
+              <a:rPr lang="en-US" dirty="0" smtClean="0"/>
+              <a:t>        </a:t>
+            </a:r>
+            <a:r>
+              <a:rPr lang="en-US" sz="1200" b="1" kern="1200" dirty="0" smtClean="0">
+                <a:solidFill>
+                  <a:schemeClr val="tx1"/>
+                </a:solidFill>
+                <a:effectLst/>
+                <a:latin typeface="+mn-lt"/>
+                <a:ea typeface="+mn-ea"/>
+                <a:cs typeface="+mn-cs"/>
+              </a:rPr>
+              <a:t>config: </a:t>
+            </a:r>
+            <a:r>
+              <a:rPr lang="en-US" dirty="0" smtClean="0"/>
+              <a:t>datastore/config/</a:t>
+            </a:r>
+            <a:r>
+              <a:rPr lang="en-US" dirty="0" err="1" smtClean="0"/>
+              <a:t>my.cnf</a:t>
+            </a:r>
+            <a:r>
+              <a:rPr lang="en-US" dirty="0" smtClean="0"/>
+              <a:t/>
+            </a:r>
+            <a:br>
+              <a:rPr lang="en-US" dirty="0" smtClean="0"/>
+            </a:br>
+            <a:r>
+              <a:rPr lang="en-US" dirty="0" smtClean="0"/>
+              <a:t>      </a:t>
+            </a:r>
+            <a:r>
+              <a:rPr lang="en-US" sz="1200" b="1" kern="1200" dirty="0" err="1" smtClean="0">
+                <a:solidFill>
+                  <a:schemeClr val="tx1"/>
+                </a:solidFill>
+                <a:effectLst/>
+                <a:latin typeface="+mn-lt"/>
+                <a:ea typeface="+mn-ea"/>
+                <a:cs typeface="+mn-cs"/>
+              </a:rPr>
+              <a:t>mysql-ip</a:t>
+            </a:r>
+            <a:r>
+              <a:rPr lang="en-US" sz="1200" b="1" kern="1200" dirty="0" smtClean="0">
+                <a:solidFill>
+                  <a:schemeClr val="tx1"/>
+                </a:solidFill>
+                <a:effectLst/>
+                <a:latin typeface="+mn-lt"/>
+                <a:ea typeface="+mn-ea"/>
+                <a:cs typeface="+mn-cs"/>
+              </a:rPr>
+              <a:t>:</a:t>
+            </a:r>
+            <a:br>
+              <a:rPr lang="en-US" sz="1200" b="1" kern="1200" dirty="0" smtClean="0">
+                <a:solidFill>
+                  <a:schemeClr val="tx1"/>
+                </a:solidFill>
+                <a:effectLst/>
+                <a:latin typeface="+mn-lt"/>
+                <a:ea typeface="+mn-ea"/>
+                <a:cs typeface="+mn-cs"/>
+              </a:rPr>
+            </a:br>
+            <a:r>
+              <a:rPr lang="en-US" sz="1200" b="1" kern="1200" dirty="0" smtClean="0">
+                <a:solidFill>
+                  <a:schemeClr val="tx1"/>
+                </a:solidFill>
+                <a:effectLst/>
+                <a:latin typeface="+mn-lt"/>
+                <a:ea typeface="+mn-ea"/>
+                <a:cs typeface="+mn-cs"/>
+              </a:rPr>
+              <a:t>        action: </a:t>
+            </a:r>
+            <a:r>
+              <a:rPr lang="en-US" dirty="0" err="1" smtClean="0"/>
+              <a:t>docker:inspect</a:t>
+            </a:r>
+            <a:r>
+              <a:rPr lang="en-US" dirty="0" smtClean="0"/>
+              <a:t/>
+            </a:r>
+            <a:br>
+              <a:rPr lang="en-US" dirty="0" smtClean="0"/>
+            </a:br>
+            <a:r>
+              <a:rPr lang="en-US" dirty="0" smtClean="0"/>
+              <a:t>        </a:t>
+            </a:r>
+            <a:r>
+              <a:rPr lang="en-US" sz="1200" b="1" kern="1200" dirty="0" smtClean="0">
+                <a:solidFill>
+                  <a:schemeClr val="tx1"/>
+                </a:solidFill>
+                <a:effectLst/>
+                <a:latin typeface="+mn-lt"/>
+                <a:ea typeface="+mn-ea"/>
+                <a:cs typeface="+mn-cs"/>
+              </a:rPr>
+              <a:t>name: </a:t>
+            </a:r>
+            <a:r>
+              <a:rPr lang="en-US" dirty="0" smtClean="0"/>
+              <a:t>endly_db1</a:t>
+            </a:r>
+            <a:br>
+              <a:rPr lang="en-US" dirty="0" smtClean="0"/>
+            </a:br>
+            <a:r>
+              <a:rPr lang="en-US" dirty="0" smtClean="0"/>
+              <a:t>        </a:t>
+            </a:r>
+            <a:r>
+              <a:rPr lang="en-US" sz="1200" b="1" kern="1200" dirty="0" smtClean="0">
+                <a:solidFill>
+                  <a:schemeClr val="tx1"/>
+                </a:solidFill>
+                <a:effectLst/>
+                <a:latin typeface="+mn-lt"/>
+                <a:ea typeface="+mn-ea"/>
+                <a:cs typeface="+mn-cs"/>
+              </a:rPr>
+              <a:t>post:</a:t>
+            </a:r>
+            <a:br>
+              <a:rPr lang="en-US" sz="1200" b="1" kern="1200" dirty="0" smtClean="0">
+                <a:solidFill>
+                  <a:schemeClr val="tx1"/>
+                </a:solidFill>
+                <a:effectLst/>
+                <a:latin typeface="+mn-lt"/>
+                <a:ea typeface="+mn-ea"/>
+                <a:cs typeface="+mn-cs"/>
+              </a:rPr>
+            </a:br>
+            <a:r>
+              <a:rPr lang="en-US" sz="1200" b="1" kern="1200" dirty="0" smtClean="0">
+                <a:solidFill>
+                  <a:schemeClr val="tx1"/>
+                </a:solidFill>
+                <a:effectLst/>
+                <a:latin typeface="+mn-lt"/>
+                <a:ea typeface="+mn-ea"/>
+                <a:cs typeface="+mn-cs"/>
+              </a:rPr>
+              <a:t>        </a:t>
+            </a:r>
+            <a:r>
+              <a:rPr lang="en-US" dirty="0" smtClean="0"/>
+              <a:t>- </a:t>
+            </a:r>
+            <a:r>
+              <a:rPr lang="en-US" dirty="0" err="1" smtClean="0"/>
+              <a:t>dbIP</a:t>
+            </a:r>
+            <a:r>
+              <a:rPr lang="en-US" dirty="0" smtClean="0"/>
+              <a:t> = $Info[0].</a:t>
+            </a:r>
+            <a:r>
+              <a:rPr lang="en-US" dirty="0" err="1" smtClean="0"/>
+              <a:t>NetworkSettings.IPAddress</a:t>
+            </a:r>
+            <a:r>
+              <a:rPr lang="en-US" dirty="0" smtClean="0"/>
+              <a:t/>
+            </a:r>
+            <a:br>
+              <a:rPr lang="en-US" dirty="0" smtClean="0"/>
+            </a:br>
+            <a:endParaRPr lang="en-US" dirty="0"/>
+          </a:p>
+        </p:txBody>
+      </p:sp>
+      <p:sp>
+        <p:nvSpPr>
+          <p:cNvPr id="4" name="Slide Number Placeholder 3"/>
+          <p:cNvSpPr>
+            <a:spLocks noGrp="1"/>
+          </p:cNvSpPr>
+          <p:nvPr>
+            <p:ph type="sldNum" sz="quarter" idx="10"/>
+          </p:nvPr>
+        </p:nvSpPr>
+        <p:spPr/>
+        <p:txBody>
+          <a:bodyPr/>
+          <a:lstStyle/>
+          <a:p>
+            <a:fld id="{F0593C4D-DAC8-294B-98EA-94939A182283}" type="slidenum">
+              <a:rPr lang="en-US" smtClean="0"/>
+              <a:t>18</a:t>
+            </a:fld>
+            <a:endParaRPr lang="en-US"/>
+          </a:p>
+        </p:txBody>
+      </p:sp>
+    </p:spTree>
+    <p:extLst>
+      <p:ext uri="{BB962C8B-B14F-4D97-AF65-F5344CB8AC3E}">
+        <p14:creationId xmlns:p14="http://schemas.microsoft.com/office/powerpoint/2010/main" val="329819925"/>
+      </p:ext>
+    </p:extLst>
+  </p:cSld>
+  <p:clrMapOvr>
+    <a:masterClrMapping/>
+  </p:clrMapOvr>
+</p:notes>
+</file>
+
+<file path=ppt/notesSlides/notesSlide18.xml><?xml version="1.0" encoding="utf-8"?>
+<p:notes xmlns:a="http://schemas.openxmlformats.org/drawingml/2006/main" xmlns:r="http://schemas.openxmlformats.org/officeDocument/2006/relationships" xmlns:p="http://schemas.openxmlformats.org/presentationml/2006/main">
+  <p:cSld>
+    <p:spTree>
+      <p:nvGrpSpPr>
+        <p:cNvPr id="1" name=""/>
+        <p:cNvGrpSpPr/>
+        <p:nvPr/>
+      </p:nvGrpSpPr>
+      <p:grpSpPr>
+        <a:xfrm>
+          <a:off x="0" y="0"/>
+          <a:ext cx="0" cy="0"/>
+          <a:chOff x="0" y="0"/>
+          <a:chExt cx="0" cy="0"/>
+        </a:xfrm>
+      </p:grpSpPr>
+      <p:sp>
+        <p:nvSpPr>
+          <p:cNvPr id="2" name="Slide Image Placeholder 1"/>
+          <p:cNvSpPr>
+            <a:spLocks noGrp="1" noRot="1" noChangeAspect="1"/>
+          </p:cNvSpPr>
+          <p:nvPr>
+            <p:ph type="sldImg"/>
+          </p:nvPr>
+        </p:nvSpPr>
+        <p:spPr/>
+      </p:sp>
+      <p:sp>
+        <p:nvSpPr>
+          <p:cNvPr id="3" name="Notes Placeholder 2"/>
+          <p:cNvSpPr>
+            <a:spLocks noGrp="1"/>
+          </p:cNvSpPr>
+          <p:nvPr>
+            <p:ph type="body" idx="1"/>
+          </p:nvPr>
+        </p:nvSpPr>
+        <p:spPr/>
+        <p:txBody>
+          <a:bodyPr/>
+          <a:lstStyle/>
+          <a:p>
+            <a:r>
+              <a:rPr lang="en-US" sz="1200" b="1" kern="1200" dirty="0" smtClean="0">
+                <a:solidFill>
+                  <a:schemeClr val="tx1"/>
+                </a:solidFill>
+                <a:effectLst/>
+                <a:latin typeface="+mn-lt"/>
+                <a:ea typeface="+mn-ea"/>
+                <a:cs typeface="+mn-cs"/>
+              </a:rPr>
+              <a:t>pipeline:</a:t>
+            </a:r>
+            <a:br>
+              <a:rPr lang="en-US" sz="1200" b="1" kern="1200" dirty="0" smtClean="0">
+                <a:solidFill>
+                  <a:schemeClr val="tx1"/>
+                </a:solidFill>
+                <a:effectLst/>
+                <a:latin typeface="+mn-lt"/>
+                <a:ea typeface="+mn-ea"/>
+                <a:cs typeface="+mn-cs"/>
+              </a:rPr>
+            </a:br>
+            <a:r>
+              <a:rPr lang="en-US" sz="1200" b="1" kern="1200" dirty="0" smtClean="0">
+                <a:solidFill>
+                  <a:schemeClr val="tx1"/>
+                </a:solidFill>
+                <a:effectLst/>
+                <a:latin typeface="+mn-lt"/>
+                <a:ea typeface="+mn-ea"/>
+                <a:cs typeface="+mn-cs"/>
+              </a:rPr>
+              <a:t>  create-</a:t>
+            </a:r>
+            <a:r>
+              <a:rPr lang="en-US" sz="1200" b="1" kern="1200" dirty="0" err="1" smtClean="0">
+                <a:solidFill>
+                  <a:schemeClr val="tx1"/>
+                </a:solidFill>
+                <a:effectLst/>
+                <a:latin typeface="+mn-lt"/>
+                <a:ea typeface="+mn-ea"/>
+                <a:cs typeface="+mn-cs"/>
+              </a:rPr>
+              <a:t>db</a:t>
+            </a:r>
+            <a:r>
+              <a:rPr lang="en-US" sz="1200" b="1" kern="1200" dirty="0" smtClean="0">
+                <a:solidFill>
+                  <a:schemeClr val="tx1"/>
+                </a:solidFill>
+                <a:effectLst/>
+                <a:latin typeface="+mn-lt"/>
+                <a:ea typeface="+mn-ea"/>
+                <a:cs typeface="+mn-cs"/>
+              </a:rPr>
+              <a:t>:</a:t>
+            </a:r>
+            <a:br>
+              <a:rPr lang="en-US" sz="1200" b="1" kern="1200" dirty="0" smtClean="0">
+                <a:solidFill>
+                  <a:schemeClr val="tx1"/>
+                </a:solidFill>
+                <a:effectLst/>
+                <a:latin typeface="+mn-lt"/>
+                <a:ea typeface="+mn-ea"/>
+                <a:cs typeface="+mn-cs"/>
+              </a:rPr>
+            </a:br>
+            <a:r>
+              <a:rPr lang="en-US" sz="1200" b="1" kern="1200" dirty="0" smtClean="0">
+                <a:solidFill>
+                  <a:schemeClr val="tx1"/>
+                </a:solidFill>
+                <a:effectLst/>
+                <a:latin typeface="+mn-lt"/>
+                <a:ea typeface="+mn-ea"/>
+                <a:cs typeface="+mn-cs"/>
+              </a:rPr>
+              <a:t>    db1:</a:t>
+            </a:r>
+            <a:br>
+              <a:rPr lang="en-US" sz="1200" b="1" kern="1200" dirty="0" smtClean="0">
+                <a:solidFill>
+                  <a:schemeClr val="tx1"/>
+                </a:solidFill>
+                <a:effectLst/>
+                <a:latin typeface="+mn-lt"/>
+                <a:ea typeface="+mn-ea"/>
+                <a:cs typeface="+mn-cs"/>
+              </a:rPr>
+            </a:br>
+            <a:r>
+              <a:rPr lang="en-US" sz="1200" b="1" kern="1200" dirty="0" smtClean="0">
+                <a:solidFill>
+                  <a:schemeClr val="tx1"/>
+                </a:solidFill>
+                <a:effectLst/>
+                <a:latin typeface="+mn-lt"/>
+                <a:ea typeface="+mn-ea"/>
+                <a:cs typeface="+mn-cs"/>
+              </a:rPr>
+              <a:t>      action: </a:t>
+            </a:r>
+            <a:r>
+              <a:rPr lang="en-US" dirty="0" err="1" smtClean="0"/>
+              <a:t>dsunit:init</a:t>
+            </a:r>
+            <a:r>
+              <a:rPr lang="en-US" dirty="0" smtClean="0"/>
+              <a:t/>
+            </a:r>
+            <a:br>
+              <a:rPr lang="en-US" dirty="0" smtClean="0"/>
+            </a:br>
+            <a:r>
+              <a:rPr lang="en-US" dirty="0" smtClean="0"/>
+              <a:t>      </a:t>
+            </a:r>
+            <a:r>
+              <a:rPr lang="en-US" sz="1200" b="1" kern="1200" dirty="0" smtClean="0">
+                <a:solidFill>
+                  <a:schemeClr val="tx1"/>
+                </a:solidFill>
+                <a:effectLst/>
+                <a:latin typeface="+mn-lt"/>
+                <a:ea typeface="+mn-ea"/>
+                <a:cs typeface="+mn-cs"/>
+              </a:rPr>
+              <a:t>datastore: </a:t>
+            </a:r>
+            <a:r>
+              <a:rPr lang="en-US" dirty="0" smtClean="0"/>
+              <a:t>db1</a:t>
+            </a:r>
+            <a:br>
+              <a:rPr lang="en-US" dirty="0" smtClean="0"/>
+            </a:br>
+            <a:r>
+              <a:rPr lang="en-US" dirty="0" smtClean="0"/>
+              <a:t>      </a:t>
+            </a:r>
+            <a:r>
+              <a:rPr lang="en-US" sz="1200" b="1" kern="1200" dirty="0" smtClean="0">
+                <a:solidFill>
+                  <a:schemeClr val="tx1"/>
+                </a:solidFill>
+                <a:effectLst/>
+                <a:latin typeface="+mn-lt"/>
+                <a:ea typeface="+mn-ea"/>
+                <a:cs typeface="+mn-cs"/>
+              </a:rPr>
+              <a:t>recreate: </a:t>
+            </a:r>
+            <a:r>
+              <a:rPr lang="en-US" dirty="0" smtClean="0"/>
+              <a:t>true</a:t>
+            </a:r>
+            <a:br>
+              <a:rPr lang="en-US" dirty="0" smtClean="0"/>
+            </a:br>
+            <a:r>
+              <a:rPr lang="en-US" dirty="0" smtClean="0"/>
+              <a:t>      </a:t>
+            </a:r>
+            <a:r>
+              <a:rPr lang="en-US" sz="1200" b="1" kern="1200" dirty="0" smtClean="0">
+                <a:solidFill>
+                  <a:schemeClr val="tx1"/>
+                </a:solidFill>
+                <a:effectLst/>
+                <a:latin typeface="+mn-lt"/>
+                <a:ea typeface="+mn-ea"/>
+                <a:cs typeface="+mn-cs"/>
+              </a:rPr>
+              <a:t>config:</a:t>
+            </a:r>
+            <a:br>
+              <a:rPr lang="en-US" sz="1200" b="1" kern="1200" dirty="0" smtClean="0">
+                <a:solidFill>
+                  <a:schemeClr val="tx1"/>
+                </a:solidFill>
+                <a:effectLst/>
+                <a:latin typeface="+mn-lt"/>
+                <a:ea typeface="+mn-ea"/>
+                <a:cs typeface="+mn-cs"/>
+              </a:rPr>
+            </a:br>
+            <a:r>
+              <a:rPr lang="en-US" sz="1200" b="1" kern="1200" dirty="0" smtClean="0">
+                <a:solidFill>
+                  <a:schemeClr val="tx1"/>
+                </a:solidFill>
+                <a:effectLst/>
+                <a:latin typeface="+mn-lt"/>
+                <a:ea typeface="+mn-ea"/>
+                <a:cs typeface="+mn-cs"/>
+              </a:rPr>
+              <a:t>        </a:t>
+            </a:r>
+            <a:r>
+              <a:rPr lang="en-US" sz="1200" b="1" kern="1200" dirty="0" err="1" smtClean="0">
+                <a:solidFill>
+                  <a:schemeClr val="tx1"/>
+                </a:solidFill>
+                <a:effectLst/>
+                <a:latin typeface="+mn-lt"/>
+                <a:ea typeface="+mn-ea"/>
+                <a:cs typeface="+mn-cs"/>
+              </a:rPr>
+              <a:t>driverName</a:t>
+            </a:r>
+            <a:r>
+              <a:rPr lang="en-US" sz="1200" b="1" kern="1200" dirty="0" smtClean="0">
+                <a:solidFill>
+                  <a:schemeClr val="tx1"/>
+                </a:solidFill>
+                <a:effectLst/>
+                <a:latin typeface="+mn-lt"/>
+                <a:ea typeface="+mn-ea"/>
+                <a:cs typeface="+mn-cs"/>
+              </a:rPr>
+              <a:t>: </a:t>
+            </a:r>
+            <a:r>
+              <a:rPr lang="en-US" dirty="0" err="1" smtClean="0"/>
+              <a:t>mysql</a:t>
+            </a:r>
+            <a:r>
+              <a:rPr lang="en-US" dirty="0" smtClean="0"/>
+              <a:t/>
+            </a:r>
+            <a:br>
+              <a:rPr lang="en-US" dirty="0" smtClean="0"/>
+            </a:br>
+            <a:r>
+              <a:rPr lang="en-US" dirty="0" smtClean="0"/>
+              <a:t>        </a:t>
+            </a:r>
+            <a:r>
+              <a:rPr lang="en-US" sz="1200" b="1" kern="1200" dirty="0" smtClean="0">
+                <a:solidFill>
+                  <a:schemeClr val="tx1"/>
+                </a:solidFill>
+                <a:effectLst/>
+                <a:latin typeface="+mn-lt"/>
+                <a:ea typeface="+mn-ea"/>
+                <a:cs typeface="+mn-cs"/>
+              </a:rPr>
+              <a:t>descriptor: '[username]:[password]@</a:t>
+            </a:r>
+            <a:r>
+              <a:rPr lang="en-US" sz="1200" b="1" kern="1200" dirty="0" err="1" smtClean="0">
+                <a:solidFill>
+                  <a:schemeClr val="tx1"/>
+                </a:solidFill>
+                <a:effectLst/>
+                <a:latin typeface="+mn-lt"/>
+                <a:ea typeface="+mn-ea"/>
+                <a:cs typeface="+mn-cs"/>
+              </a:rPr>
+              <a:t>tcp</a:t>
+            </a:r>
+            <a:r>
+              <a:rPr lang="en-US" sz="1200" b="1" kern="1200" dirty="0" smtClean="0">
+                <a:solidFill>
+                  <a:schemeClr val="tx1"/>
+                </a:solidFill>
+                <a:effectLst/>
+                <a:latin typeface="+mn-lt"/>
+                <a:ea typeface="+mn-ea"/>
+                <a:cs typeface="+mn-cs"/>
+              </a:rPr>
+              <a:t>(127.0.0.1:3306)/[</a:t>
+            </a:r>
+            <a:r>
+              <a:rPr lang="en-US" sz="1200" b="1" kern="1200" dirty="0" err="1" smtClean="0">
+                <a:solidFill>
+                  <a:schemeClr val="tx1"/>
+                </a:solidFill>
+                <a:effectLst/>
+                <a:latin typeface="+mn-lt"/>
+                <a:ea typeface="+mn-ea"/>
+                <a:cs typeface="+mn-cs"/>
+              </a:rPr>
+              <a:t>dbname</a:t>
+            </a:r>
+            <a:r>
+              <a:rPr lang="en-US" sz="1200" b="1" kern="1200" dirty="0" smtClean="0">
+                <a:solidFill>
+                  <a:schemeClr val="tx1"/>
+                </a:solidFill>
+                <a:effectLst/>
+                <a:latin typeface="+mn-lt"/>
+                <a:ea typeface="+mn-ea"/>
+                <a:cs typeface="+mn-cs"/>
+              </a:rPr>
+              <a:t>]?</a:t>
+            </a:r>
+            <a:r>
+              <a:rPr lang="en-US" sz="1200" b="1" kern="1200" dirty="0" err="1" smtClean="0">
+                <a:solidFill>
+                  <a:schemeClr val="tx1"/>
+                </a:solidFill>
+                <a:effectLst/>
+                <a:latin typeface="+mn-lt"/>
+                <a:ea typeface="+mn-ea"/>
+                <a:cs typeface="+mn-cs"/>
+              </a:rPr>
+              <a:t>parseTime</a:t>
+            </a:r>
+            <a:r>
+              <a:rPr lang="en-US" sz="1200" b="1" kern="1200" dirty="0" smtClean="0">
+                <a:solidFill>
+                  <a:schemeClr val="tx1"/>
+                </a:solidFill>
+                <a:effectLst/>
+                <a:latin typeface="+mn-lt"/>
+                <a:ea typeface="+mn-ea"/>
+                <a:cs typeface="+mn-cs"/>
+              </a:rPr>
+              <a:t>=true'</a:t>
+            </a:r>
+            <a:br>
+              <a:rPr lang="en-US" sz="1200" b="1" kern="1200" dirty="0" smtClean="0">
+                <a:solidFill>
+                  <a:schemeClr val="tx1"/>
+                </a:solidFill>
+                <a:effectLst/>
+                <a:latin typeface="+mn-lt"/>
+                <a:ea typeface="+mn-ea"/>
+                <a:cs typeface="+mn-cs"/>
+              </a:rPr>
+            </a:br>
+            <a:r>
+              <a:rPr lang="en-US" sz="1200" b="1" kern="1200" dirty="0" smtClean="0">
+                <a:solidFill>
+                  <a:schemeClr val="tx1"/>
+                </a:solidFill>
+                <a:effectLst/>
+                <a:latin typeface="+mn-lt"/>
+                <a:ea typeface="+mn-ea"/>
+                <a:cs typeface="+mn-cs"/>
+              </a:rPr>
+              <a:t>        credentials: </a:t>
+            </a:r>
+            <a:r>
+              <a:rPr lang="en-US" dirty="0" smtClean="0"/>
+              <a:t>$</a:t>
+            </a:r>
+            <a:r>
+              <a:rPr lang="en-US" dirty="0" err="1" smtClean="0"/>
+              <a:t>mysqlCredentials</a:t>
+            </a:r>
+            <a:r>
+              <a:rPr lang="en-US" dirty="0" smtClean="0"/>
+              <a:t/>
+            </a:r>
+            <a:br>
+              <a:rPr lang="en-US" dirty="0" smtClean="0"/>
+            </a:br>
+            <a:r>
+              <a:rPr lang="en-US" dirty="0" smtClean="0"/>
+              <a:t>      </a:t>
+            </a:r>
+            <a:r>
+              <a:rPr lang="en-US" sz="1200" b="1" kern="1200" dirty="0" smtClean="0">
+                <a:solidFill>
+                  <a:schemeClr val="tx1"/>
+                </a:solidFill>
+                <a:effectLst/>
+                <a:latin typeface="+mn-lt"/>
+                <a:ea typeface="+mn-ea"/>
+                <a:cs typeface="+mn-cs"/>
+              </a:rPr>
+              <a:t>admin:</a:t>
+            </a:r>
+            <a:br>
+              <a:rPr lang="en-US" sz="1200" b="1" kern="1200" dirty="0" smtClean="0">
+                <a:solidFill>
+                  <a:schemeClr val="tx1"/>
+                </a:solidFill>
+                <a:effectLst/>
+                <a:latin typeface="+mn-lt"/>
+                <a:ea typeface="+mn-ea"/>
+                <a:cs typeface="+mn-cs"/>
+              </a:rPr>
+            </a:br>
+            <a:r>
+              <a:rPr lang="en-US" sz="1200" b="1" kern="1200" dirty="0" smtClean="0">
+                <a:solidFill>
+                  <a:schemeClr val="tx1"/>
+                </a:solidFill>
+                <a:effectLst/>
+                <a:latin typeface="+mn-lt"/>
+                <a:ea typeface="+mn-ea"/>
+                <a:cs typeface="+mn-cs"/>
+              </a:rPr>
+              <a:t>        datastore: </a:t>
+            </a:r>
+            <a:r>
+              <a:rPr lang="en-US" dirty="0" err="1" smtClean="0"/>
+              <a:t>mysql</a:t>
+            </a:r>
+            <a:r>
+              <a:rPr lang="en-US" dirty="0" smtClean="0"/>
+              <a:t/>
+            </a:r>
+            <a:br>
+              <a:rPr lang="en-US" dirty="0" smtClean="0"/>
+            </a:br>
+            <a:r>
+              <a:rPr lang="en-US" dirty="0" smtClean="0"/>
+              <a:t>        </a:t>
+            </a:r>
+            <a:r>
+              <a:rPr lang="en-US" sz="1200" b="1" kern="1200" dirty="0" smtClean="0">
+                <a:solidFill>
+                  <a:schemeClr val="tx1"/>
+                </a:solidFill>
+                <a:effectLst/>
+                <a:latin typeface="+mn-lt"/>
+                <a:ea typeface="+mn-ea"/>
+                <a:cs typeface="+mn-cs"/>
+              </a:rPr>
+              <a:t>config:</a:t>
+            </a:r>
+            <a:br>
+              <a:rPr lang="en-US" sz="1200" b="1" kern="1200" dirty="0" smtClean="0">
+                <a:solidFill>
+                  <a:schemeClr val="tx1"/>
+                </a:solidFill>
+                <a:effectLst/>
+                <a:latin typeface="+mn-lt"/>
+                <a:ea typeface="+mn-ea"/>
+                <a:cs typeface="+mn-cs"/>
+              </a:rPr>
+            </a:br>
+            <a:r>
+              <a:rPr lang="en-US" sz="1200" b="1" kern="1200" dirty="0" smtClean="0">
+                <a:solidFill>
+                  <a:schemeClr val="tx1"/>
+                </a:solidFill>
+                <a:effectLst/>
+                <a:latin typeface="+mn-lt"/>
+                <a:ea typeface="+mn-ea"/>
+                <a:cs typeface="+mn-cs"/>
+              </a:rPr>
+              <a:t>          </a:t>
+            </a:r>
+            <a:r>
+              <a:rPr lang="en-US" sz="1200" b="1" kern="1200" dirty="0" err="1" smtClean="0">
+                <a:solidFill>
+                  <a:schemeClr val="tx1"/>
+                </a:solidFill>
+                <a:effectLst/>
+                <a:latin typeface="+mn-lt"/>
+                <a:ea typeface="+mn-ea"/>
+                <a:cs typeface="+mn-cs"/>
+              </a:rPr>
+              <a:t>driverName</a:t>
+            </a:r>
+            <a:r>
+              <a:rPr lang="en-US" sz="1200" b="1" kern="1200" dirty="0" smtClean="0">
+                <a:solidFill>
+                  <a:schemeClr val="tx1"/>
+                </a:solidFill>
+                <a:effectLst/>
+                <a:latin typeface="+mn-lt"/>
+                <a:ea typeface="+mn-ea"/>
+                <a:cs typeface="+mn-cs"/>
+              </a:rPr>
+              <a:t>: </a:t>
+            </a:r>
+            <a:r>
+              <a:rPr lang="en-US" dirty="0" err="1" smtClean="0"/>
+              <a:t>mysql</a:t>
+            </a:r>
+            <a:r>
+              <a:rPr lang="en-US" dirty="0" smtClean="0"/>
+              <a:t/>
+            </a:r>
+            <a:br>
+              <a:rPr lang="en-US" dirty="0" smtClean="0"/>
+            </a:br>
+            <a:r>
+              <a:rPr lang="en-US" dirty="0" smtClean="0"/>
+              <a:t>          </a:t>
+            </a:r>
+            <a:r>
+              <a:rPr lang="en-US" sz="1200" b="1" kern="1200" dirty="0" smtClean="0">
+                <a:solidFill>
+                  <a:schemeClr val="tx1"/>
+                </a:solidFill>
+                <a:effectLst/>
+                <a:latin typeface="+mn-lt"/>
+                <a:ea typeface="+mn-ea"/>
+                <a:cs typeface="+mn-cs"/>
+              </a:rPr>
+              <a:t>descriptor: '[username]:[password]@</a:t>
+            </a:r>
+            <a:r>
+              <a:rPr lang="en-US" sz="1200" b="1" kern="1200" dirty="0" err="1" smtClean="0">
+                <a:solidFill>
+                  <a:schemeClr val="tx1"/>
+                </a:solidFill>
+                <a:effectLst/>
+                <a:latin typeface="+mn-lt"/>
+                <a:ea typeface="+mn-ea"/>
+                <a:cs typeface="+mn-cs"/>
+              </a:rPr>
+              <a:t>tcp</a:t>
+            </a:r>
+            <a:r>
+              <a:rPr lang="en-US" sz="1200" b="1" kern="1200" dirty="0" smtClean="0">
+                <a:solidFill>
+                  <a:schemeClr val="tx1"/>
+                </a:solidFill>
+                <a:effectLst/>
+                <a:latin typeface="+mn-lt"/>
+                <a:ea typeface="+mn-ea"/>
+                <a:cs typeface="+mn-cs"/>
+              </a:rPr>
+              <a:t>(127.0.0.1:3306)/[</a:t>
+            </a:r>
+            <a:r>
+              <a:rPr lang="en-US" sz="1200" b="1" kern="1200" dirty="0" err="1" smtClean="0">
+                <a:solidFill>
+                  <a:schemeClr val="tx1"/>
+                </a:solidFill>
+                <a:effectLst/>
+                <a:latin typeface="+mn-lt"/>
+                <a:ea typeface="+mn-ea"/>
+                <a:cs typeface="+mn-cs"/>
+              </a:rPr>
+              <a:t>dbname</a:t>
+            </a:r>
+            <a:r>
+              <a:rPr lang="en-US" sz="1200" b="1" kern="1200" dirty="0" smtClean="0">
+                <a:solidFill>
+                  <a:schemeClr val="tx1"/>
+                </a:solidFill>
+                <a:effectLst/>
+                <a:latin typeface="+mn-lt"/>
+                <a:ea typeface="+mn-ea"/>
+                <a:cs typeface="+mn-cs"/>
+              </a:rPr>
+              <a:t>]?</a:t>
+            </a:r>
+            <a:r>
+              <a:rPr lang="en-US" sz="1200" b="1" kern="1200" dirty="0" err="1" smtClean="0">
+                <a:solidFill>
+                  <a:schemeClr val="tx1"/>
+                </a:solidFill>
+                <a:effectLst/>
+                <a:latin typeface="+mn-lt"/>
+                <a:ea typeface="+mn-ea"/>
+                <a:cs typeface="+mn-cs"/>
+              </a:rPr>
+              <a:t>parseTime</a:t>
+            </a:r>
+            <a:r>
+              <a:rPr lang="en-US" sz="1200" b="1" kern="1200" dirty="0" smtClean="0">
+                <a:solidFill>
+                  <a:schemeClr val="tx1"/>
+                </a:solidFill>
+                <a:effectLst/>
+                <a:latin typeface="+mn-lt"/>
+                <a:ea typeface="+mn-ea"/>
+                <a:cs typeface="+mn-cs"/>
+              </a:rPr>
+              <a:t>=true'</a:t>
+            </a:r>
+            <a:br>
+              <a:rPr lang="en-US" sz="1200" b="1" kern="1200" dirty="0" smtClean="0">
+                <a:solidFill>
+                  <a:schemeClr val="tx1"/>
+                </a:solidFill>
+                <a:effectLst/>
+                <a:latin typeface="+mn-lt"/>
+                <a:ea typeface="+mn-ea"/>
+                <a:cs typeface="+mn-cs"/>
+              </a:rPr>
+            </a:br>
+            <a:r>
+              <a:rPr lang="en-US" sz="1200" b="1" kern="1200" dirty="0" smtClean="0">
+                <a:solidFill>
+                  <a:schemeClr val="tx1"/>
+                </a:solidFill>
+                <a:effectLst/>
+                <a:latin typeface="+mn-lt"/>
+                <a:ea typeface="+mn-ea"/>
+                <a:cs typeface="+mn-cs"/>
+              </a:rPr>
+              <a:t>          credentials: </a:t>
+            </a:r>
+            <a:r>
+              <a:rPr lang="en-US" dirty="0" smtClean="0"/>
+              <a:t>$</a:t>
+            </a:r>
+            <a:r>
+              <a:rPr lang="en-US" dirty="0" err="1" smtClean="0"/>
+              <a:t>mysqlCredentials</a:t>
+            </a:r>
+            <a:r>
+              <a:rPr lang="en-US" dirty="0" smtClean="0"/>
+              <a:t/>
+            </a:r>
+            <a:br>
+              <a:rPr lang="en-US" dirty="0" smtClean="0"/>
+            </a:br>
+            <a:r>
+              <a:rPr lang="en-US" dirty="0" smtClean="0"/>
+              <a:t>      </a:t>
+            </a:r>
+            <a:r>
+              <a:rPr lang="en-US" sz="1200" b="1" kern="1200" dirty="0" smtClean="0">
+                <a:solidFill>
+                  <a:schemeClr val="tx1"/>
+                </a:solidFill>
+                <a:effectLst/>
+                <a:latin typeface="+mn-lt"/>
+                <a:ea typeface="+mn-ea"/>
+                <a:cs typeface="+mn-cs"/>
+              </a:rPr>
+              <a:t>scripts:</a:t>
+            </a:r>
+            <a:br>
+              <a:rPr lang="en-US" sz="1200" b="1" kern="1200" dirty="0" smtClean="0">
+                <a:solidFill>
+                  <a:schemeClr val="tx1"/>
+                </a:solidFill>
+                <a:effectLst/>
+                <a:latin typeface="+mn-lt"/>
+                <a:ea typeface="+mn-ea"/>
+                <a:cs typeface="+mn-cs"/>
+              </a:rPr>
+            </a:br>
+            <a:r>
+              <a:rPr lang="en-US" sz="1200" b="1" kern="1200" dirty="0" smtClean="0">
+                <a:solidFill>
+                  <a:schemeClr val="tx1"/>
+                </a:solidFill>
+                <a:effectLst/>
+                <a:latin typeface="+mn-lt"/>
+                <a:ea typeface="+mn-ea"/>
+                <a:cs typeface="+mn-cs"/>
+              </a:rPr>
+              <a:t>      </a:t>
+            </a:r>
+            <a:r>
+              <a:rPr lang="en-US" dirty="0" smtClean="0"/>
+              <a:t>- </a:t>
+            </a:r>
+            <a:r>
+              <a:rPr lang="en-US" sz="1200" b="1" kern="1200" dirty="0" smtClean="0">
+                <a:solidFill>
+                  <a:schemeClr val="tx1"/>
+                </a:solidFill>
+                <a:effectLst/>
+                <a:latin typeface="+mn-lt"/>
+                <a:ea typeface="+mn-ea"/>
+                <a:cs typeface="+mn-cs"/>
+              </a:rPr>
+              <a:t>URL: </a:t>
+            </a:r>
+            <a:r>
+              <a:rPr lang="en-US" dirty="0" smtClean="0"/>
+              <a:t>datastore/db1/</a:t>
+            </a:r>
+            <a:r>
+              <a:rPr lang="en-US" dirty="0" err="1" smtClean="0"/>
+              <a:t>schema.sql</a:t>
+            </a:r>
+            <a:r>
+              <a:rPr lang="en-US" dirty="0" smtClean="0"/>
+              <a:t/>
+            </a:r>
+            <a:br>
+              <a:rPr lang="en-US" dirty="0" smtClean="0"/>
+            </a:br>
+            <a:r>
+              <a:rPr lang="en-US" dirty="0" smtClean="0"/>
+              <a:t>  </a:t>
+            </a:r>
+            <a:r>
+              <a:rPr lang="en-US" sz="1200" b="1" kern="1200" dirty="0" smtClean="0">
+                <a:solidFill>
+                  <a:schemeClr val="tx1"/>
+                </a:solidFill>
+                <a:effectLst/>
+                <a:latin typeface="+mn-lt"/>
+                <a:ea typeface="+mn-ea"/>
+                <a:cs typeface="+mn-cs"/>
+              </a:rPr>
+              <a:t>prepare:</a:t>
+            </a:r>
+            <a:br>
+              <a:rPr lang="en-US" sz="1200" b="1" kern="1200" dirty="0" smtClean="0">
+                <a:solidFill>
+                  <a:schemeClr val="tx1"/>
+                </a:solidFill>
+                <a:effectLst/>
+                <a:latin typeface="+mn-lt"/>
+                <a:ea typeface="+mn-ea"/>
+                <a:cs typeface="+mn-cs"/>
+              </a:rPr>
+            </a:br>
+            <a:r>
+              <a:rPr lang="en-US" sz="1200" b="1" kern="1200" dirty="0" smtClean="0">
+                <a:solidFill>
+                  <a:schemeClr val="tx1"/>
+                </a:solidFill>
+                <a:effectLst/>
+                <a:latin typeface="+mn-lt"/>
+                <a:ea typeface="+mn-ea"/>
+                <a:cs typeface="+mn-cs"/>
+              </a:rPr>
+              <a:t>    db1:</a:t>
+            </a:r>
+            <a:br>
+              <a:rPr lang="en-US" sz="1200" b="1" kern="1200" dirty="0" smtClean="0">
+                <a:solidFill>
+                  <a:schemeClr val="tx1"/>
+                </a:solidFill>
+                <a:effectLst/>
+                <a:latin typeface="+mn-lt"/>
+                <a:ea typeface="+mn-ea"/>
+                <a:cs typeface="+mn-cs"/>
+              </a:rPr>
+            </a:br>
+            <a:r>
+              <a:rPr lang="en-US" sz="1200" b="1" kern="1200" dirty="0" smtClean="0">
+                <a:solidFill>
+                  <a:schemeClr val="tx1"/>
+                </a:solidFill>
+                <a:effectLst/>
+                <a:latin typeface="+mn-lt"/>
+                <a:ea typeface="+mn-ea"/>
+                <a:cs typeface="+mn-cs"/>
+              </a:rPr>
+              <a:t>      action: </a:t>
+            </a:r>
+            <a:r>
+              <a:rPr lang="en-US" dirty="0" err="1" smtClean="0"/>
+              <a:t>dsunit:prepare</a:t>
+            </a:r>
+            <a:r>
+              <a:rPr lang="en-US" dirty="0" smtClean="0"/>
+              <a:t/>
+            </a:r>
+            <a:br>
+              <a:rPr lang="en-US" dirty="0" smtClean="0"/>
+            </a:br>
+            <a:r>
+              <a:rPr lang="en-US" dirty="0" smtClean="0"/>
+              <a:t>      </a:t>
+            </a:r>
+            <a:r>
+              <a:rPr lang="en-US" sz="1200" b="1" kern="1200" dirty="0" smtClean="0">
+                <a:solidFill>
+                  <a:schemeClr val="tx1"/>
+                </a:solidFill>
+                <a:effectLst/>
+                <a:latin typeface="+mn-lt"/>
+                <a:ea typeface="+mn-ea"/>
+                <a:cs typeface="+mn-cs"/>
+              </a:rPr>
+              <a:t>datastore: </a:t>
+            </a:r>
+            <a:r>
+              <a:rPr lang="en-US" dirty="0" smtClean="0"/>
+              <a:t>db1</a:t>
+            </a:r>
+            <a:br>
+              <a:rPr lang="en-US" dirty="0" smtClean="0"/>
+            </a:br>
+            <a:r>
+              <a:rPr lang="en-US" dirty="0" smtClean="0"/>
+              <a:t>      </a:t>
+            </a:r>
+            <a:r>
+              <a:rPr lang="en-US" sz="1200" b="1" kern="1200" dirty="0" smtClean="0">
+                <a:solidFill>
+                  <a:schemeClr val="tx1"/>
+                </a:solidFill>
+                <a:effectLst/>
+                <a:latin typeface="+mn-lt"/>
+                <a:ea typeface="+mn-ea"/>
+                <a:cs typeface="+mn-cs"/>
+              </a:rPr>
+              <a:t>URL: </a:t>
+            </a:r>
+            <a:r>
+              <a:rPr lang="en-US" dirty="0" smtClean="0"/>
+              <a:t>datastore/db1/dictionary</a:t>
+            </a:r>
+            <a:br>
+              <a:rPr lang="en-US" dirty="0" smtClean="0"/>
+            </a:br>
+            <a:endParaRPr lang="en-US" dirty="0"/>
+          </a:p>
+        </p:txBody>
+      </p:sp>
+      <p:sp>
+        <p:nvSpPr>
+          <p:cNvPr id="4" name="Slide Number Placeholder 3"/>
+          <p:cNvSpPr>
+            <a:spLocks noGrp="1"/>
+          </p:cNvSpPr>
+          <p:nvPr>
+            <p:ph type="sldNum" sz="quarter" idx="10"/>
+          </p:nvPr>
+        </p:nvSpPr>
+        <p:spPr/>
+        <p:txBody>
+          <a:bodyPr/>
+          <a:lstStyle/>
+          <a:p>
+            <a:fld id="{F0593C4D-DAC8-294B-98EA-94939A182283}" type="slidenum">
+              <a:rPr lang="en-US" smtClean="0"/>
+              <a:t>19</a:t>
+            </a:fld>
+            <a:endParaRPr lang="en-US"/>
+          </a:p>
+        </p:txBody>
+      </p:sp>
+    </p:spTree>
+    <p:extLst>
+      <p:ext uri="{BB962C8B-B14F-4D97-AF65-F5344CB8AC3E}">
+        <p14:creationId xmlns:p14="http://schemas.microsoft.com/office/powerpoint/2010/main" val="628186568"/>
+      </p:ext>
+    </p:extLst>
+  </p:cSld>
+  <p:clrMapOvr>
+    <a:masterClrMapping/>
+  </p:clrMapOvr>
+</p:notes>
+</file>
+
+<file path=ppt/notesSlides/notesSlide19.xml><?xml version="1.0" encoding="utf-8"?>
+<p:notes xmlns:a="http://schemas.openxmlformats.org/drawingml/2006/main" xmlns:r="http://schemas.openxmlformats.org/officeDocument/2006/relationships" xmlns:p="http://schemas.openxmlformats.org/presentationml/2006/main">
+  <p:cSld>
+    <p:spTree>
+      <p:nvGrpSpPr>
+        <p:cNvPr id="1" name=""/>
+        <p:cNvGrpSpPr/>
+        <p:nvPr/>
+      </p:nvGrpSpPr>
+      <p:grpSpPr>
+        <a:xfrm>
+          <a:off x="0" y="0"/>
+          <a:ext cx="0" cy="0"/>
+          <a:chOff x="0" y="0"/>
+          <a:chExt cx="0" cy="0"/>
+        </a:xfrm>
+      </p:grpSpPr>
+      <p:sp>
+        <p:nvSpPr>
+          <p:cNvPr id="2" name="Slide Image Placeholder 1"/>
+          <p:cNvSpPr>
+            <a:spLocks noGrp="1" noRot="1" noChangeAspect="1"/>
+          </p:cNvSpPr>
+          <p:nvPr>
+            <p:ph type="sldImg"/>
+          </p:nvPr>
+        </p:nvSpPr>
+        <p:spPr/>
+      </p:sp>
+      <p:sp>
+        <p:nvSpPr>
+          <p:cNvPr id="3" name="Notes Placeholder 2"/>
+          <p:cNvSpPr>
+            <a:spLocks noGrp="1"/>
+          </p:cNvSpPr>
+          <p:nvPr>
+            <p:ph type="body" idx="1"/>
+          </p:nvPr>
+        </p:nvSpPr>
+        <p:spPr/>
+        <p:txBody>
+          <a:bodyPr/>
+          <a:lstStyle/>
+          <a:p>
+            <a:r>
+              <a:rPr lang="en-US" sz="1200" b="1" kern="1200" dirty="0" smtClean="0">
+                <a:solidFill>
+                  <a:schemeClr val="tx1"/>
+                </a:solidFill>
+                <a:effectLst/>
+                <a:latin typeface="+mn-lt"/>
+                <a:ea typeface="+mn-ea"/>
+                <a:cs typeface="+mn-cs"/>
+              </a:rPr>
+              <a:t>tasks: </a:t>
+            </a:r>
+            <a:r>
+              <a:rPr lang="en-US" dirty="0" smtClean="0"/>
+              <a:t>$tasks</a:t>
+            </a:r>
+            <a:br>
+              <a:rPr lang="en-US" dirty="0" smtClean="0"/>
+            </a:br>
+            <a:r>
+              <a:rPr lang="en-US" sz="1200" b="1" kern="1200" dirty="0" smtClean="0">
+                <a:solidFill>
+                  <a:schemeClr val="tx1"/>
+                </a:solidFill>
+                <a:effectLst/>
+                <a:latin typeface="+mn-lt"/>
+                <a:ea typeface="+mn-ea"/>
+                <a:cs typeface="+mn-cs"/>
+              </a:rPr>
+              <a:t>defaults:</a:t>
+            </a:r>
+            <a:br>
+              <a:rPr lang="en-US" sz="1200" b="1" kern="1200" dirty="0" smtClean="0">
+                <a:solidFill>
+                  <a:schemeClr val="tx1"/>
+                </a:solidFill>
+                <a:effectLst/>
+                <a:latin typeface="+mn-lt"/>
+                <a:ea typeface="+mn-ea"/>
+                <a:cs typeface="+mn-cs"/>
+              </a:rPr>
+            </a:br>
+            <a:r>
+              <a:rPr lang="en-US" sz="1200" b="1" kern="1200" dirty="0" smtClean="0">
+                <a:solidFill>
+                  <a:schemeClr val="tx1"/>
+                </a:solidFill>
+                <a:effectLst/>
+                <a:latin typeface="+mn-lt"/>
+                <a:ea typeface="+mn-ea"/>
+                <a:cs typeface="+mn-cs"/>
+              </a:rPr>
+              <a:t>  app: </a:t>
+            </a:r>
+            <a:r>
+              <a:rPr lang="en-US" dirty="0" smtClean="0"/>
+              <a:t>$app</a:t>
+            </a:r>
+            <a:br>
+              <a:rPr lang="en-US" dirty="0" smtClean="0"/>
+            </a:br>
+            <a:r>
+              <a:rPr lang="en-US" dirty="0" smtClean="0"/>
+              <a:t>  </a:t>
+            </a:r>
+            <a:r>
+              <a:rPr lang="en-US" sz="1200" b="1" kern="1200" dirty="0" smtClean="0">
+                <a:solidFill>
+                  <a:schemeClr val="tx1"/>
+                </a:solidFill>
+                <a:effectLst/>
+                <a:latin typeface="+mn-lt"/>
+                <a:ea typeface="+mn-ea"/>
+                <a:cs typeface="+mn-cs"/>
+              </a:rPr>
+              <a:t>sdk: </a:t>
+            </a:r>
+            <a:r>
+              <a:rPr lang="en-US" dirty="0" smtClean="0"/>
+              <a:t>$sdk</a:t>
+            </a:r>
+            <a:br>
+              <a:rPr lang="en-US" dirty="0" smtClean="0"/>
+            </a:br>
+            <a:r>
+              <a:rPr lang="en-US" dirty="0" smtClean="0"/>
+              <a:t>  </a:t>
+            </a:r>
+            <a:r>
+              <a:rPr lang="en-US" sz="1200" b="1" kern="1200" dirty="0" smtClean="0">
+                <a:solidFill>
+                  <a:schemeClr val="tx1"/>
+                </a:solidFill>
+                <a:effectLst/>
+                <a:latin typeface="+mn-lt"/>
+                <a:ea typeface="+mn-ea"/>
+                <a:cs typeface="+mn-cs"/>
+              </a:rPr>
+              <a:t>target: </a:t>
+            </a:r>
+            <a:r>
+              <a:rPr lang="en-US" dirty="0" smtClean="0"/>
+              <a:t>$target</a:t>
+            </a:r>
+            <a:br>
+              <a:rPr lang="en-US" dirty="0" smtClean="0"/>
+            </a:br>
+            <a:r>
+              <a:rPr lang="en-US" dirty="0" smtClean="0"/>
+              <a:t>  </a:t>
+            </a:r>
+            <a:r>
+              <a:rPr lang="en-US" sz="1200" b="1" kern="1200" dirty="0" err="1" smtClean="0">
+                <a:solidFill>
+                  <a:schemeClr val="tx1"/>
+                </a:solidFill>
+                <a:effectLst/>
+                <a:latin typeface="+mn-lt"/>
+                <a:ea typeface="+mn-ea"/>
+                <a:cs typeface="+mn-cs"/>
+              </a:rPr>
+              <a:t>buildTarget</a:t>
+            </a:r>
+            <a:r>
+              <a:rPr lang="en-US" sz="1200" b="1" kern="1200" dirty="0" smtClean="0">
+                <a:solidFill>
+                  <a:schemeClr val="tx1"/>
+                </a:solidFill>
+                <a:effectLst/>
+                <a:latin typeface="+mn-lt"/>
+                <a:ea typeface="+mn-ea"/>
+                <a:cs typeface="+mn-cs"/>
+              </a:rPr>
+              <a:t>: </a:t>
+            </a:r>
+            <a:r>
+              <a:rPr lang="en-US" dirty="0" smtClean="0"/>
+              <a:t>$</a:t>
+            </a:r>
+            <a:r>
+              <a:rPr lang="en-US" dirty="0" err="1" smtClean="0"/>
+              <a:t>buildTarget</a:t>
+            </a:r>
+            <a:r>
+              <a:rPr lang="en-US" dirty="0" smtClean="0"/>
+              <a:t/>
+            </a:r>
+            <a:br>
+              <a:rPr lang="en-US" dirty="0" smtClean="0"/>
+            </a:br>
+            <a:r>
+              <a:rPr lang="en-US" dirty="0" smtClean="0"/>
+              <a:t>  </a:t>
+            </a:r>
+            <a:r>
+              <a:rPr lang="en-US" sz="1200" b="1" kern="1200" dirty="0" err="1" smtClean="0">
+                <a:solidFill>
+                  <a:schemeClr val="tx1"/>
+                </a:solidFill>
+                <a:effectLst/>
+                <a:latin typeface="+mn-lt"/>
+                <a:ea typeface="+mn-ea"/>
+                <a:cs typeface="+mn-cs"/>
+              </a:rPr>
+              <a:t>appTarget</a:t>
+            </a:r>
+            <a:r>
+              <a:rPr lang="en-US" sz="1200" b="1" kern="1200" dirty="0" smtClean="0">
+                <a:solidFill>
+                  <a:schemeClr val="tx1"/>
+                </a:solidFill>
+                <a:effectLst/>
+                <a:latin typeface="+mn-lt"/>
+                <a:ea typeface="+mn-ea"/>
+                <a:cs typeface="+mn-cs"/>
+              </a:rPr>
+              <a:t>: </a:t>
+            </a:r>
+            <a:r>
+              <a:rPr lang="en-US" dirty="0" smtClean="0"/>
+              <a:t>$</a:t>
+            </a:r>
+            <a:r>
+              <a:rPr lang="en-US" dirty="0" err="1" smtClean="0"/>
+              <a:t>appTarget</a:t>
+            </a:r>
+            <a:r>
+              <a:rPr lang="en-US" dirty="0" smtClean="0"/>
+              <a:t/>
+            </a:r>
+            <a:br>
+              <a:rPr lang="en-US" dirty="0" smtClean="0"/>
+            </a:br>
+            <a:r>
+              <a:rPr lang="en-US" sz="1200" b="1" kern="1200" dirty="0" smtClean="0">
+                <a:solidFill>
+                  <a:schemeClr val="tx1"/>
+                </a:solidFill>
+                <a:effectLst/>
+                <a:latin typeface="+mn-lt"/>
+                <a:ea typeface="+mn-ea"/>
+                <a:cs typeface="+mn-cs"/>
+              </a:rPr>
+              <a:t>pipeline:</a:t>
+            </a:r>
+            <a:br>
+              <a:rPr lang="en-US" sz="1200" b="1" kern="1200" dirty="0" smtClean="0">
+                <a:solidFill>
+                  <a:schemeClr val="tx1"/>
+                </a:solidFill>
+                <a:effectLst/>
+                <a:latin typeface="+mn-lt"/>
+                <a:ea typeface="+mn-ea"/>
+                <a:cs typeface="+mn-cs"/>
+              </a:rPr>
+            </a:br>
+            <a:r>
+              <a:rPr lang="en-US" sz="1200" b="1" kern="1200" dirty="0" smtClean="0">
+                <a:solidFill>
+                  <a:schemeClr val="tx1"/>
+                </a:solidFill>
+                <a:effectLst/>
+                <a:latin typeface="+mn-lt"/>
+                <a:ea typeface="+mn-ea"/>
+                <a:cs typeface="+mn-cs"/>
+              </a:rPr>
+              <a:t>  build:</a:t>
+            </a:r>
+            <a:br>
+              <a:rPr lang="en-US" sz="1200" b="1" kern="1200" dirty="0" smtClean="0">
+                <a:solidFill>
+                  <a:schemeClr val="tx1"/>
+                </a:solidFill>
+                <a:effectLst/>
+                <a:latin typeface="+mn-lt"/>
+                <a:ea typeface="+mn-ea"/>
+                <a:cs typeface="+mn-cs"/>
+              </a:rPr>
+            </a:br>
+            <a:r>
+              <a:rPr lang="en-US" sz="1200" b="1" kern="1200" dirty="0" smtClean="0">
+                <a:solidFill>
+                  <a:schemeClr val="tx1"/>
+                </a:solidFill>
+                <a:effectLst/>
+                <a:latin typeface="+mn-lt"/>
+                <a:ea typeface="+mn-ea"/>
+                <a:cs typeface="+mn-cs"/>
+              </a:rPr>
+              <a:t>    workflow: </a:t>
+            </a:r>
+            <a:r>
+              <a:rPr lang="en-US" dirty="0" smtClean="0"/>
+              <a:t>app/build</a:t>
+            </a:r>
+            <a:br>
+              <a:rPr lang="en-US" dirty="0" smtClean="0"/>
+            </a:br>
+            <a:r>
+              <a:rPr lang="en-US" dirty="0" smtClean="0"/>
+              <a:t>    </a:t>
+            </a:r>
+            <a:r>
+              <a:rPr lang="en-US" sz="1200" b="1" kern="1200" dirty="0" smtClean="0">
+                <a:solidFill>
+                  <a:schemeClr val="tx1"/>
+                </a:solidFill>
+                <a:effectLst/>
+                <a:latin typeface="+mn-lt"/>
+                <a:ea typeface="+mn-ea"/>
+                <a:cs typeface="+mn-cs"/>
+              </a:rPr>
+              <a:t>origin:</a:t>
+            </a:r>
+            <a:br>
+              <a:rPr lang="en-US" sz="1200" b="1" kern="1200" dirty="0" smtClean="0">
+                <a:solidFill>
+                  <a:schemeClr val="tx1"/>
+                </a:solidFill>
+                <a:effectLst/>
+                <a:latin typeface="+mn-lt"/>
+                <a:ea typeface="+mn-ea"/>
+                <a:cs typeface="+mn-cs"/>
+              </a:rPr>
+            </a:br>
+            <a:r>
+              <a:rPr lang="en-US" sz="1200" b="1" kern="1200" dirty="0" smtClean="0">
+                <a:solidFill>
+                  <a:schemeClr val="tx1"/>
+                </a:solidFill>
+                <a:effectLst/>
+                <a:latin typeface="+mn-lt"/>
+                <a:ea typeface="+mn-ea"/>
+                <a:cs typeface="+mn-cs"/>
+              </a:rPr>
+              <a:t>      URL: </a:t>
+            </a:r>
+            <a:r>
+              <a:rPr lang="en-US" dirty="0" smtClean="0"/>
+              <a:t>./../</a:t>
+            </a:r>
+            <a:br>
+              <a:rPr lang="en-US" dirty="0" smtClean="0"/>
+            </a:br>
+            <a:r>
+              <a:rPr lang="en-US" dirty="0" smtClean="0"/>
+              <a:t>    </a:t>
+            </a:r>
+            <a:r>
+              <a:rPr lang="en-US" sz="1200" b="1" kern="1200" dirty="0" smtClean="0">
+                <a:solidFill>
+                  <a:schemeClr val="tx1"/>
+                </a:solidFill>
+                <a:effectLst/>
+                <a:latin typeface="+mn-lt"/>
+                <a:ea typeface="+mn-ea"/>
+                <a:cs typeface="+mn-cs"/>
+              </a:rPr>
+              <a:t>commands:</a:t>
+            </a:r>
+            <a:br>
+              <a:rPr lang="en-US" sz="1200" b="1" kern="1200" dirty="0" smtClean="0">
+                <a:solidFill>
+                  <a:schemeClr val="tx1"/>
+                </a:solidFill>
+                <a:effectLst/>
+                <a:latin typeface="+mn-lt"/>
+                <a:ea typeface="+mn-ea"/>
+                <a:cs typeface="+mn-cs"/>
+              </a:rPr>
+            </a:br>
+            <a:r>
+              <a:rPr lang="en-US" sz="1200" b="1" kern="1200" dirty="0" smtClean="0">
+                <a:solidFill>
+                  <a:schemeClr val="tx1"/>
+                </a:solidFill>
+                <a:effectLst/>
+                <a:latin typeface="+mn-lt"/>
+                <a:ea typeface="+mn-ea"/>
+                <a:cs typeface="+mn-cs"/>
+              </a:rPr>
+              <a:t>    </a:t>
+            </a:r>
+            <a:r>
+              <a:rPr lang="en-US" dirty="0" smtClean="0"/>
+              <a:t>- export GOPATH=/</a:t>
+            </a:r>
+            <a:r>
+              <a:rPr lang="en-US" dirty="0" err="1" smtClean="0"/>
+              <a:t>tmp</a:t>
+            </a:r>
+            <a:r>
+              <a:rPr lang="en-US" dirty="0" smtClean="0"/>
+              <a:t>/go</a:t>
+            </a:r>
+            <a:br>
+              <a:rPr lang="en-US" dirty="0" smtClean="0"/>
+            </a:br>
+            <a:r>
+              <a:rPr lang="en-US" dirty="0" smtClean="0"/>
+              <a:t>    - go get -u github.com/viant/endly/bootstrap</a:t>
+            </a:r>
+            <a:br>
+              <a:rPr lang="en-US" dirty="0" smtClean="0"/>
+            </a:br>
+            <a:r>
+              <a:rPr lang="en-US" dirty="0" smtClean="0"/>
+              <a:t>    - cd ${</a:t>
+            </a:r>
+            <a:r>
+              <a:rPr lang="en-US" dirty="0" err="1" smtClean="0"/>
+              <a:t>buildPath</a:t>
+            </a:r>
+            <a:r>
+              <a:rPr lang="en-US" dirty="0" smtClean="0"/>
+              <a:t>}app</a:t>
+            </a:r>
+            <a:br>
+              <a:rPr lang="en-US" dirty="0" smtClean="0"/>
+            </a:br>
+            <a:r>
+              <a:rPr lang="en-US" dirty="0" smtClean="0"/>
+              <a:t>    - go build -o $app</a:t>
+            </a:r>
+            <a:br>
+              <a:rPr lang="en-US" dirty="0" smtClean="0"/>
+            </a:br>
+            <a:r>
+              <a:rPr lang="en-US" dirty="0" smtClean="0"/>
+              <a:t>    - </a:t>
+            </a:r>
+            <a:r>
+              <a:rPr lang="en-US" dirty="0" err="1" smtClean="0"/>
+              <a:t>chmod</a:t>
+            </a:r>
+            <a:r>
+              <a:rPr lang="en-US" dirty="0" smtClean="0"/>
+              <a:t> +x $app</a:t>
+            </a:r>
+            <a:br>
+              <a:rPr lang="en-US" dirty="0" smtClean="0"/>
+            </a:br>
+            <a:r>
+              <a:rPr lang="en-US" dirty="0" smtClean="0"/>
+              <a:t>    </a:t>
+            </a:r>
+            <a:r>
+              <a:rPr lang="en-US" sz="1200" b="1" kern="1200" dirty="0" smtClean="0">
+                <a:solidFill>
+                  <a:schemeClr val="tx1"/>
+                </a:solidFill>
+                <a:effectLst/>
+                <a:latin typeface="+mn-lt"/>
+                <a:ea typeface="+mn-ea"/>
+                <a:cs typeface="+mn-cs"/>
+              </a:rPr>
+              <a:t>download:</a:t>
+            </a:r>
+            <a:br>
+              <a:rPr lang="en-US" sz="1200" b="1" kern="1200" dirty="0" smtClean="0">
+                <a:solidFill>
+                  <a:schemeClr val="tx1"/>
+                </a:solidFill>
+                <a:effectLst/>
+                <a:latin typeface="+mn-lt"/>
+                <a:ea typeface="+mn-ea"/>
+                <a:cs typeface="+mn-cs"/>
+              </a:rPr>
+            </a:br>
+            <a:r>
+              <a:rPr lang="en-US" sz="1200" b="1" kern="1200" dirty="0" smtClean="0">
+                <a:solidFill>
+                  <a:schemeClr val="tx1"/>
+                </a:solidFill>
+                <a:effectLst/>
+                <a:latin typeface="+mn-lt"/>
+                <a:ea typeface="+mn-ea"/>
+                <a:cs typeface="+mn-cs"/>
+              </a:rPr>
+              <a:t>      ${</a:t>
+            </a:r>
+            <a:r>
+              <a:rPr lang="en-US" sz="1200" b="1" kern="1200" dirty="0" err="1" smtClean="0">
+                <a:solidFill>
+                  <a:schemeClr val="tx1"/>
+                </a:solidFill>
+                <a:effectLst/>
+                <a:latin typeface="+mn-lt"/>
+                <a:ea typeface="+mn-ea"/>
+                <a:cs typeface="+mn-cs"/>
+              </a:rPr>
+              <a:t>buildPath</a:t>
+            </a:r>
+            <a:r>
+              <a:rPr lang="en-US" sz="1200" b="1" kern="1200" dirty="0" smtClean="0">
+                <a:solidFill>
+                  <a:schemeClr val="tx1"/>
+                </a:solidFill>
+                <a:effectLst/>
+                <a:latin typeface="+mn-lt"/>
+                <a:ea typeface="+mn-ea"/>
+                <a:cs typeface="+mn-cs"/>
+              </a:rPr>
+              <a:t>}/app/${app}: </a:t>
+            </a:r>
+            <a:r>
+              <a:rPr lang="en-US" dirty="0" smtClean="0"/>
+              <a:t>$</a:t>
+            </a:r>
+            <a:r>
+              <a:rPr lang="en-US" dirty="0" err="1" smtClean="0"/>
+              <a:t>releasePath</a:t>
+            </a:r>
+            <a:r>
+              <a:rPr lang="en-US" dirty="0" smtClean="0"/>
+              <a:t/>
+            </a:r>
+            <a:br>
+              <a:rPr lang="en-US" dirty="0" smtClean="0"/>
+            </a:br>
+            <a:r>
+              <a:rPr lang="en-US" dirty="0" smtClean="0"/>
+              <a:t>      </a:t>
+            </a:r>
+            <a:r>
+              <a:rPr lang="en-US" sz="1200" b="1" kern="1200" dirty="0" smtClean="0">
+                <a:solidFill>
+                  <a:schemeClr val="tx1"/>
+                </a:solidFill>
+                <a:effectLst/>
+                <a:latin typeface="+mn-lt"/>
+                <a:ea typeface="+mn-ea"/>
+                <a:cs typeface="+mn-cs"/>
+              </a:rPr>
+              <a:t>${</a:t>
+            </a:r>
+            <a:r>
+              <a:rPr lang="en-US" sz="1200" b="1" kern="1200" dirty="0" err="1" smtClean="0">
+                <a:solidFill>
+                  <a:schemeClr val="tx1"/>
+                </a:solidFill>
+                <a:effectLst/>
+                <a:latin typeface="+mn-lt"/>
+                <a:ea typeface="+mn-ea"/>
+                <a:cs typeface="+mn-cs"/>
+              </a:rPr>
+              <a:t>buildPath</a:t>
+            </a:r>
+            <a:r>
+              <a:rPr lang="en-US" sz="1200" b="1" kern="1200" dirty="0" smtClean="0">
+                <a:solidFill>
+                  <a:schemeClr val="tx1"/>
+                </a:solidFill>
+                <a:effectLst/>
+                <a:latin typeface="+mn-lt"/>
+                <a:ea typeface="+mn-ea"/>
+                <a:cs typeface="+mn-cs"/>
+              </a:rPr>
+              <a:t>}/</a:t>
+            </a:r>
+            <a:r>
+              <a:rPr lang="en-US" sz="1200" b="1" kern="1200" dirty="0" err="1" smtClean="0">
+                <a:solidFill>
+                  <a:schemeClr val="tx1"/>
+                </a:solidFill>
+                <a:effectLst/>
+                <a:latin typeface="+mn-lt"/>
+                <a:ea typeface="+mn-ea"/>
+                <a:cs typeface="+mn-cs"/>
+              </a:rPr>
+              <a:t>config</a:t>
+            </a:r>
+            <a:r>
+              <a:rPr lang="en-US" sz="1200" b="1" kern="1200" dirty="0" smtClean="0">
+                <a:solidFill>
+                  <a:schemeClr val="tx1"/>
+                </a:solidFill>
+                <a:effectLst/>
+                <a:latin typeface="+mn-lt"/>
+                <a:ea typeface="+mn-ea"/>
+                <a:cs typeface="+mn-cs"/>
+              </a:rPr>
+              <a:t>/</a:t>
+            </a:r>
+            <a:r>
+              <a:rPr lang="en-US" sz="1200" b="1" kern="1200" dirty="0" err="1" smtClean="0">
+                <a:solidFill>
+                  <a:schemeClr val="tx1"/>
+                </a:solidFill>
+                <a:effectLst/>
+                <a:latin typeface="+mn-lt"/>
+                <a:ea typeface="+mn-ea"/>
+                <a:cs typeface="+mn-cs"/>
+              </a:rPr>
+              <a:t>config.yaml</a:t>
+            </a:r>
+            <a:r>
+              <a:rPr lang="en-US" sz="1200" b="1" kern="1200" dirty="0" smtClean="0">
+                <a:solidFill>
+                  <a:schemeClr val="tx1"/>
+                </a:solidFill>
+                <a:effectLst/>
+                <a:latin typeface="+mn-lt"/>
+                <a:ea typeface="+mn-ea"/>
+                <a:cs typeface="+mn-cs"/>
+              </a:rPr>
+              <a:t>: </a:t>
+            </a:r>
+            <a:r>
+              <a:rPr lang="en-US" dirty="0" smtClean="0"/>
+              <a:t>${</a:t>
+            </a:r>
+            <a:r>
+              <a:rPr lang="en-US" dirty="0" err="1" smtClean="0"/>
+              <a:t>releasePath</a:t>
+            </a:r>
+            <a:r>
+              <a:rPr lang="en-US" dirty="0" smtClean="0"/>
+              <a:t>}</a:t>
+            </a:r>
+            <a:r>
+              <a:rPr lang="en-US" dirty="0" err="1" smtClean="0"/>
+              <a:t>config</a:t>
+            </a:r>
+            <a:r>
+              <a:rPr lang="en-US" dirty="0" smtClean="0"/>
+              <a:t>/</a:t>
+            </a:r>
+            <a:r>
+              <a:rPr lang="en-US" dirty="0" err="1" smtClean="0"/>
+              <a:t>config.yaml</a:t>
+            </a:r>
+            <a:r>
+              <a:rPr lang="en-US" dirty="0" smtClean="0"/>
+              <a:t/>
+            </a:r>
+            <a:br>
+              <a:rPr lang="en-US" dirty="0" smtClean="0"/>
+            </a:br>
+            <a:r>
+              <a:rPr lang="en-US" dirty="0" smtClean="0"/>
+              <a:t>      </a:t>
+            </a:r>
+            <a:r>
+              <a:rPr lang="en-US" sz="1200" b="1" kern="1200" dirty="0" smtClean="0">
+                <a:solidFill>
+                  <a:schemeClr val="tx1"/>
+                </a:solidFill>
+                <a:effectLst/>
+                <a:latin typeface="+mn-lt"/>
+                <a:ea typeface="+mn-ea"/>
+                <a:cs typeface="+mn-cs"/>
+              </a:rPr>
+              <a:t>${</a:t>
+            </a:r>
+            <a:r>
+              <a:rPr lang="en-US" sz="1200" b="1" kern="1200" dirty="0" err="1" smtClean="0">
+                <a:solidFill>
+                  <a:schemeClr val="tx1"/>
+                </a:solidFill>
+                <a:effectLst/>
+                <a:latin typeface="+mn-lt"/>
+                <a:ea typeface="+mn-ea"/>
+                <a:cs typeface="+mn-cs"/>
+              </a:rPr>
+              <a:t>buildPath</a:t>
+            </a:r>
+            <a:r>
+              <a:rPr lang="en-US" sz="1200" b="1" kern="1200" dirty="0" smtClean="0">
+                <a:solidFill>
+                  <a:schemeClr val="tx1"/>
+                </a:solidFill>
+                <a:effectLst/>
+                <a:latin typeface="+mn-lt"/>
+                <a:ea typeface="+mn-ea"/>
+                <a:cs typeface="+mn-cs"/>
+              </a:rPr>
+              <a:t>}/static/: </a:t>
+            </a:r>
+            <a:r>
+              <a:rPr lang="en-US" dirty="0" smtClean="0"/>
+              <a:t>${</a:t>
+            </a:r>
+            <a:r>
+              <a:rPr lang="en-US" dirty="0" err="1" smtClean="0"/>
+              <a:t>releasePath</a:t>
+            </a:r>
+            <a:r>
+              <a:rPr lang="en-US" dirty="0" smtClean="0"/>
+              <a:t>}static/</a:t>
+            </a:r>
+            <a:br>
+              <a:rPr lang="en-US" dirty="0" smtClean="0"/>
+            </a:br>
+            <a:r>
+              <a:rPr lang="en-US" dirty="0" smtClean="0"/>
+              <a:t>  </a:t>
+            </a:r>
+            <a:r>
+              <a:rPr lang="en-US" sz="1200" b="1" kern="1200" dirty="0" smtClean="0">
+                <a:solidFill>
+                  <a:schemeClr val="tx1"/>
+                </a:solidFill>
+                <a:effectLst/>
+                <a:latin typeface="+mn-lt"/>
+                <a:ea typeface="+mn-ea"/>
+                <a:cs typeface="+mn-cs"/>
+              </a:rPr>
+              <a:t>deploy:</a:t>
+            </a:r>
+            <a:br>
+              <a:rPr lang="en-US" sz="1200" b="1" kern="1200" dirty="0" smtClean="0">
+                <a:solidFill>
+                  <a:schemeClr val="tx1"/>
+                </a:solidFill>
+                <a:effectLst/>
+                <a:latin typeface="+mn-lt"/>
+                <a:ea typeface="+mn-ea"/>
+                <a:cs typeface="+mn-cs"/>
+              </a:rPr>
+            </a:br>
+            <a:r>
+              <a:rPr lang="en-US" sz="1200" b="1" kern="1200" dirty="0" smtClean="0">
+                <a:solidFill>
+                  <a:schemeClr val="tx1"/>
+                </a:solidFill>
+                <a:effectLst/>
+                <a:latin typeface="+mn-lt"/>
+                <a:ea typeface="+mn-ea"/>
+                <a:cs typeface="+mn-cs"/>
+              </a:rPr>
+              <a:t>    workflow: </a:t>
+            </a:r>
+            <a:r>
+              <a:rPr lang="en-US" dirty="0" smtClean="0"/>
+              <a:t>app/deploy</a:t>
+            </a:r>
+            <a:br>
+              <a:rPr lang="en-US" dirty="0" smtClean="0"/>
+            </a:br>
+            <a:r>
+              <a:rPr lang="en-US" dirty="0" smtClean="0"/>
+              <a:t>    </a:t>
+            </a:r>
+            <a:r>
+              <a:rPr lang="en-US" sz="1200" b="1" kern="1200" dirty="0" err="1" smtClean="0">
+                <a:solidFill>
+                  <a:schemeClr val="tx1"/>
+                </a:solidFill>
+                <a:effectLst/>
+                <a:latin typeface="+mn-lt"/>
+                <a:ea typeface="+mn-ea"/>
+                <a:cs typeface="+mn-cs"/>
+              </a:rPr>
+              <a:t>init</a:t>
+            </a:r>
+            <a:r>
+              <a:rPr lang="en-US" sz="1200" b="1" kern="1200" dirty="0" smtClean="0">
+                <a:solidFill>
+                  <a:schemeClr val="tx1"/>
+                </a:solidFill>
+                <a:effectLst/>
+                <a:latin typeface="+mn-lt"/>
+                <a:ea typeface="+mn-ea"/>
+                <a:cs typeface="+mn-cs"/>
+              </a:rPr>
+              <a:t>:</a:t>
+            </a:r>
+            <a:br>
+              <a:rPr lang="en-US" sz="1200" b="1" kern="1200" dirty="0" smtClean="0">
+                <a:solidFill>
+                  <a:schemeClr val="tx1"/>
+                </a:solidFill>
+                <a:effectLst/>
+                <a:latin typeface="+mn-lt"/>
+                <a:ea typeface="+mn-ea"/>
+                <a:cs typeface="+mn-cs"/>
+              </a:rPr>
+            </a:br>
+            <a:r>
+              <a:rPr lang="en-US" sz="1200" b="1" kern="1200" dirty="0" smtClean="0">
+                <a:solidFill>
+                  <a:schemeClr val="tx1"/>
+                </a:solidFill>
+                <a:effectLst/>
+                <a:latin typeface="+mn-lt"/>
+                <a:ea typeface="+mn-ea"/>
+                <a:cs typeface="+mn-cs"/>
+              </a:rPr>
+              <a:t>    </a:t>
+            </a:r>
+            <a:r>
+              <a:rPr lang="en-US" dirty="0" smtClean="0"/>
+              <a:t>- </a:t>
+            </a:r>
+            <a:r>
+              <a:rPr lang="en-US" dirty="0" err="1" smtClean="0"/>
+              <a:t>mkdir</a:t>
+            </a:r>
+            <a:r>
+              <a:rPr lang="en-US" dirty="0" smtClean="0"/>
+              <a:t> -p $</a:t>
+            </a:r>
+            <a:r>
+              <a:rPr lang="en-US" dirty="0" err="1" smtClean="0"/>
+              <a:t>appPath</a:t>
+            </a:r>
+            <a:r>
+              <a:rPr lang="en-US" dirty="0" smtClean="0"/>
+              <a:t/>
+            </a:r>
+            <a:br>
+              <a:rPr lang="en-US" dirty="0" smtClean="0"/>
+            </a:br>
+            <a:r>
+              <a:rPr lang="en-US" dirty="0" smtClean="0"/>
+              <a:t>    - </a:t>
+            </a:r>
+            <a:r>
+              <a:rPr lang="en-US" dirty="0" err="1" smtClean="0"/>
+              <a:t>mkdir</a:t>
+            </a:r>
+            <a:r>
+              <a:rPr lang="en-US" dirty="0" smtClean="0"/>
+              <a:t> -p $</a:t>
+            </a:r>
+            <a:r>
+              <a:rPr lang="en-US" dirty="0" err="1" smtClean="0"/>
+              <a:t>appPath</a:t>
+            </a:r>
+            <a:r>
+              <a:rPr lang="en-US" dirty="0" smtClean="0"/>
+              <a:t>/</a:t>
+            </a:r>
+            <a:r>
+              <a:rPr lang="en-US" dirty="0" err="1" smtClean="0"/>
+              <a:t>config</a:t>
+            </a:r>
+            <a:r>
+              <a:rPr lang="en-US" dirty="0" smtClean="0"/>
+              <a:t/>
+            </a:r>
+            <a:br>
+              <a:rPr lang="en-US" dirty="0" smtClean="0"/>
+            </a:br>
+            <a:r>
+              <a:rPr lang="en-US" dirty="0" smtClean="0"/>
+              <a:t>    - </a:t>
+            </a:r>
+            <a:r>
+              <a:rPr lang="en-US" dirty="0" err="1" smtClean="0"/>
+              <a:t>mkdir</a:t>
+            </a:r>
+            <a:r>
+              <a:rPr lang="en-US" dirty="0" smtClean="0"/>
+              <a:t> -p $</a:t>
+            </a:r>
+            <a:r>
+              <a:rPr lang="en-US" dirty="0" err="1" smtClean="0"/>
+              <a:t>appPath</a:t>
+            </a:r>
+            <a:r>
+              <a:rPr lang="en-US" dirty="0" smtClean="0"/>
+              <a:t>/static</a:t>
+            </a:r>
+            <a:br>
+              <a:rPr lang="en-US" dirty="0" smtClean="0"/>
+            </a:br>
+            <a:r>
+              <a:rPr lang="en-US" dirty="0" smtClean="0"/>
+              <a:t>    - </a:t>
+            </a:r>
+            <a:r>
+              <a:rPr lang="en-US" dirty="0" err="1" smtClean="0"/>
+              <a:t>chown</a:t>
+            </a:r>
+            <a:r>
+              <a:rPr lang="en-US" dirty="0" smtClean="0"/>
+              <a:t> -R ${</a:t>
+            </a:r>
+            <a:r>
+              <a:rPr lang="en-US" dirty="0" err="1" smtClean="0"/>
+              <a:t>os.user</a:t>
+            </a:r>
+            <a:r>
+              <a:rPr lang="en-US" dirty="0" smtClean="0"/>
+              <a:t>} $</a:t>
+            </a:r>
+            <a:r>
+              <a:rPr lang="en-US" dirty="0" err="1" smtClean="0"/>
+              <a:t>appPath</a:t>
+            </a:r>
+            <a:r>
+              <a:rPr lang="en-US" dirty="0" smtClean="0"/>
+              <a:t/>
+            </a:r>
+            <a:br>
+              <a:rPr lang="en-US" dirty="0" smtClean="0"/>
+            </a:br>
+            <a:r>
+              <a:rPr lang="en-US" dirty="0" smtClean="0"/>
+              <a:t>    </a:t>
+            </a:r>
+            <a:r>
+              <a:rPr lang="en-US" sz="1200" b="1" kern="1200" dirty="0" smtClean="0">
+                <a:solidFill>
+                  <a:schemeClr val="tx1"/>
+                </a:solidFill>
+                <a:effectLst/>
+                <a:latin typeface="+mn-lt"/>
+                <a:ea typeface="+mn-ea"/>
+                <a:cs typeface="+mn-cs"/>
+              </a:rPr>
+              <a:t>upload:</a:t>
+            </a:r>
+            <a:br>
+              <a:rPr lang="en-US" sz="1200" b="1" kern="1200" dirty="0" smtClean="0">
+                <a:solidFill>
+                  <a:schemeClr val="tx1"/>
+                </a:solidFill>
+                <a:effectLst/>
+                <a:latin typeface="+mn-lt"/>
+                <a:ea typeface="+mn-ea"/>
+                <a:cs typeface="+mn-cs"/>
+              </a:rPr>
+            </a:br>
+            <a:r>
+              <a:rPr lang="en-US" sz="1200" b="1" kern="1200" dirty="0" smtClean="0">
+                <a:solidFill>
+                  <a:schemeClr val="tx1"/>
+                </a:solidFill>
+                <a:effectLst/>
+                <a:latin typeface="+mn-lt"/>
+                <a:ea typeface="+mn-ea"/>
+                <a:cs typeface="+mn-cs"/>
+              </a:rPr>
+              <a:t>      ${</a:t>
+            </a:r>
+            <a:r>
+              <a:rPr lang="en-US" sz="1200" b="1" kern="1200" dirty="0" err="1" smtClean="0">
+                <a:solidFill>
+                  <a:schemeClr val="tx1"/>
+                </a:solidFill>
+                <a:effectLst/>
+                <a:latin typeface="+mn-lt"/>
+                <a:ea typeface="+mn-ea"/>
+                <a:cs typeface="+mn-cs"/>
+              </a:rPr>
+              <a:t>releasePath</a:t>
+            </a:r>
+            <a:r>
+              <a:rPr lang="en-US" sz="1200" b="1" kern="1200" dirty="0" smtClean="0">
+                <a:solidFill>
+                  <a:schemeClr val="tx1"/>
+                </a:solidFill>
+                <a:effectLst/>
+                <a:latin typeface="+mn-lt"/>
+                <a:ea typeface="+mn-ea"/>
+                <a:cs typeface="+mn-cs"/>
+              </a:rPr>
+              <a:t>}/${app}: </a:t>
+            </a:r>
+            <a:r>
+              <a:rPr lang="en-US" dirty="0" smtClean="0"/>
+              <a:t>$</a:t>
+            </a:r>
+            <a:r>
+              <a:rPr lang="en-US" dirty="0" err="1" smtClean="0"/>
+              <a:t>appPath</a:t>
+            </a:r>
+            <a:r>
+              <a:rPr lang="en-US" dirty="0" smtClean="0"/>
+              <a:t/>
+            </a:r>
+            <a:br>
+              <a:rPr lang="en-US" dirty="0" smtClean="0"/>
+            </a:br>
+            <a:r>
+              <a:rPr lang="en-US" dirty="0" smtClean="0"/>
+              <a:t>      </a:t>
+            </a:r>
+            <a:r>
+              <a:rPr lang="en-US" sz="1200" b="1" kern="1200" dirty="0" smtClean="0">
+                <a:solidFill>
+                  <a:schemeClr val="tx1"/>
+                </a:solidFill>
+                <a:effectLst/>
+                <a:latin typeface="+mn-lt"/>
+                <a:ea typeface="+mn-ea"/>
+                <a:cs typeface="+mn-cs"/>
+              </a:rPr>
+              <a:t>${</a:t>
+            </a:r>
+            <a:r>
+              <a:rPr lang="en-US" sz="1200" b="1" kern="1200" dirty="0" err="1" smtClean="0">
+                <a:solidFill>
+                  <a:schemeClr val="tx1"/>
+                </a:solidFill>
+                <a:effectLst/>
+                <a:latin typeface="+mn-lt"/>
+                <a:ea typeface="+mn-ea"/>
+                <a:cs typeface="+mn-cs"/>
+              </a:rPr>
+              <a:t>releasePath</a:t>
+            </a:r>
+            <a:r>
+              <a:rPr lang="en-US" sz="1200" b="1" kern="1200" dirty="0" smtClean="0">
+                <a:solidFill>
+                  <a:schemeClr val="tx1"/>
+                </a:solidFill>
+                <a:effectLst/>
+                <a:latin typeface="+mn-lt"/>
+                <a:ea typeface="+mn-ea"/>
+                <a:cs typeface="+mn-cs"/>
+              </a:rPr>
+              <a:t>}/</a:t>
+            </a:r>
+            <a:r>
+              <a:rPr lang="en-US" sz="1200" b="1" kern="1200" dirty="0" err="1" smtClean="0">
+                <a:solidFill>
+                  <a:schemeClr val="tx1"/>
+                </a:solidFill>
+                <a:effectLst/>
+                <a:latin typeface="+mn-lt"/>
+                <a:ea typeface="+mn-ea"/>
+                <a:cs typeface="+mn-cs"/>
+              </a:rPr>
+              <a:t>config</a:t>
+            </a:r>
+            <a:r>
+              <a:rPr lang="en-US" sz="1200" b="1" kern="1200" dirty="0" smtClean="0">
+                <a:solidFill>
+                  <a:schemeClr val="tx1"/>
+                </a:solidFill>
+                <a:effectLst/>
+                <a:latin typeface="+mn-lt"/>
+                <a:ea typeface="+mn-ea"/>
+                <a:cs typeface="+mn-cs"/>
+              </a:rPr>
+              <a:t>/</a:t>
+            </a:r>
+            <a:r>
+              <a:rPr lang="en-US" sz="1200" b="1" kern="1200" dirty="0" err="1" smtClean="0">
+                <a:solidFill>
+                  <a:schemeClr val="tx1"/>
+                </a:solidFill>
+                <a:effectLst/>
+                <a:latin typeface="+mn-lt"/>
+                <a:ea typeface="+mn-ea"/>
+                <a:cs typeface="+mn-cs"/>
+              </a:rPr>
+              <a:t>config.yaml</a:t>
+            </a:r>
+            <a:r>
+              <a:rPr lang="en-US" sz="1200" b="1" kern="1200" dirty="0" smtClean="0">
+                <a:solidFill>
+                  <a:schemeClr val="tx1"/>
+                </a:solidFill>
+                <a:effectLst/>
+                <a:latin typeface="+mn-lt"/>
+                <a:ea typeface="+mn-ea"/>
+                <a:cs typeface="+mn-cs"/>
+              </a:rPr>
+              <a:t>: </a:t>
+            </a:r>
+            <a:r>
+              <a:rPr lang="en-US" dirty="0" smtClean="0"/>
+              <a:t>${</a:t>
+            </a:r>
+            <a:r>
+              <a:rPr lang="en-US" dirty="0" err="1" smtClean="0"/>
+              <a:t>appPath</a:t>
+            </a:r>
+            <a:r>
+              <a:rPr lang="en-US" dirty="0" smtClean="0"/>
+              <a:t>}/</a:t>
+            </a:r>
+            <a:r>
+              <a:rPr lang="en-US" dirty="0" err="1" smtClean="0"/>
+              <a:t>config</a:t>
+            </a:r>
+            <a:r>
+              <a:rPr lang="en-US" dirty="0" smtClean="0"/>
+              <a:t>/</a:t>
+            </a:r>
+            <a:r>
+              <a:rPr lang="en-US" dirty="0" err="1" smtClean="0"/>
+              <a:t>config.yaml</a:t>
+            </a:r>
+            <a:r>
+              <a:rPr lang="en-US" dirty="0" smtClean="0"/>
+              <a:t/>
+            </a:r>
+            <a:br>
+              <a:rPr lang="en-US" dirty="0" smtClean="0"/>
+            </a:br>
+            <a:r>
+              <a:rPr lang="en-US" dirty="0" smtClean="0"/>
+              <a:t>      </a:t>
+            </a:r>
+            <a:r>
+              <a:rPr lang="en-US" sz="1200" b="1" kern="1200" dirty="0" smtClean="0">
+                <a:solidFill>
+                  <a:schemeClr val="tx1"/>
+                </a:solidFill>
+                <a:effectLst/>
+                <a:latin typeface="+mn-lt"/>
+                <a:ea typeface="+mn-ea"/>
+                <a:cs typeface="+mn-cs"/>
+              </a:rPr>
+              <a:t>${</a:t>
+            </a:r>
+            <a:r>
+              <a:rPr lang="en-US" sz="1200" b="1" kern="1200" dirty="0" err="1" smtClean="0">
+                <a:solidFill>
+                  <a:schemeClr val="tx1"/>
+                </a:solidFill>
+                <a:effectLst/>
+                <a:latin typeface="+mn-lt"/>
+                <a:ea typeface="+mn-ea"/>
+                <a:cs typeface="+mn-cs"/>
+              </a:rPr>
+              <a:t>releasePath</a:t>
+            </a:r>
+            <a:r>
+              <a:rPr lang="en-US" sz="1200" b="1" kern="1200" dirty="0" smtClean="0">
+                <a:solidFill>
+                  <a:schemeClr val="tx1"/>
+                </a:solidFill>
+                <a:effectLst/>
+                <a:latin typeface="+mn-lt"/>
+                <a:ea typeface="+mn-ea"/>
+                <a:cs typeface="+mn-cs"/>
+              </a:rPr>
+              <a:t>}/static/: </a:t>
+            </a:r>
+            <a:r>
+              <a:rPr lang="en-US" dirty="0" smtClean="0"/>
+              <a:t>${</a:t>
+            </a:r>
+            <a:r>
+              <a:rPr lang="en-US" dirty="0" err="1" smtClean="0"/>
+              <a:t>appPath</a:t>
+            </a:r>
+            <a:r>
+              <a:rPr lang="en-US" dirty="0" smtClean="0"/>
+              <a:t>}/static/</a:t>
+            </a:r>
+            <a:br>
+              <a:rPr lang="en-US" dirty="0" smtClean="0"/>
+            </a:br>
+            <a:r>
+              <a:rPr lang="en-US" dirty="0" smtClean="0"/>
+              <a:t>    </a:t>
+            </a:r>
+            <a:r>
+              <a:rPr lang="en-US" sz="1200" b="1" kern="1200" dirty="0" smtClean="0">
+                <a:solidFill>
+                  <a:schemeClr val="tx1"/>
+                </a:solidFill>
+                <a:effectLst/>
+                <a:latin typeface="+mn-lt"/>
+                <a:ea typeface="+mn-ea"/>
+                <a:cs typeface="+mn-cs"/>
+              </a:rPr>
+              <a:t>commands:</a:t>
+            </a:r>
+            <a:br>
+              <a:rPr lang="en-US" sz="1200" b="1" kern="1200" dirty="0" smtClean="0">
+                <a:solidFill>
+                  <a:schemeClr val="tx1"/>
+                </a:solidFill>
+                <a:effectLst/>
+                <a:latin typeface="+mn-lt"/>
+                <a:ea typeface="+mn-ea"/>
+                <a:cs typeface="+mn-cs"/>
+              </a:rPr>
+            </a:br>
+            <a:r>
+              <a:rPr lang="en-US" sz="1200" b="1" kern="1200" dirty="0" smtClean="0">
+                <a:solidFill>
+                  <a:schemeClr val="tx1"/>
+                </a:solidFill>
+                <a:effectLst/>
+                <a:latin typeface="+mn-lt"/>
+                <a:ea typeface="+mn-ea"/>
+                <a:cs typeface="+mn-cs"/>
+              </a:rPr>
+              <a:t>    </a:t>
+            </a:r>
+            <a:r>
+              <a:rPr lang="en-US" dirty="0" smtClean="0"/>
+              <a:t>- echo 'deployed'</a:t>
+            </a:r>
+            <a:br>
+              <a:rPr lang="en-US" dirty="0" smtClean="0"/>
+            </a:br>
+            <a:r>
+              <a:rPr lang="en-US" dirty="0" smtClean="0"/>
+              <a:t>  </a:t>
+            </a:r>
+            <a:r>
+              <a:rPr lang="en-US" sz="1200" b="1" kern="1200" dirty="0" smtClean="0">
+                <a:solidFill>
+                  <a:schemeClr val="tx1"/>
+                </a:solidFill>
+                <a:effectLst/>
+                <a:latin typeface="+mn-lt"/>
+                <a:ea typeface="+mn-ea"/>
+                <a:cs typeface="+mn-cs"/>
+              </a:rPr>
+              <a:t>stop:</a:t>
+            </a:r>
+            <a:br>
+              <a:rPr lang="en-US" sz="1200" b="1" kern="1200" dirty="0" smtClean="0">
+                <a:solidFill>
+                  <a:schemeClr val="tx1"/>
+                </a:solidFill>
+                <a:effectLst/>
+                <a:latin typeface="+mn-lt"/>
+                <a:ea typeface="+mn-ea"/>
+                <a:cs typeface="+mn-cs"/>
+              </a:rPr>
+            </a:br>
+            <a:r>
+              <a:rPr lang="en-US" sz="1200" b="1" kern="1200" dirty="0" smtClean="0">
+                <a:solidFill>
+                  <a:schemeClr val="tx1"/>
+                </a:solidFill>
+                <a:effectLst/>
+                <a:latin typeface="+mn-lt"/>
+                <a:ea typeface="+mn-ea"/>
+                <a:cs typeface="+mn-cs"/>
+              </a:rPr>
+              <a:t>    action: </a:t>
+            </a:r>
+            <a:r>
+              <a:rPr lang="en-US" dirty="0" err="1" smtClean="0"/>
+              <a:t>process:stop-all</a:t>
+            </a:r>
+            <a:r>
+              <a:rPr lang="en-US" dirty="0" smtClean="0"/>
+              <a:t/>
+            </a:r>
+            <a:br>
+              <a:rPr lang="en-US" dirty="0" smtClean="0"/>
+            </a:br>
+            <a:r>
+              <a:rPr lang="en-US" dirty="0" smtClean="0"/>
+              <a:t>    </a:t>
+            </a:r>
+            <a:r>
+              <a:rPr lang="en-US" sz="1200" b="1" kern="1200" dirty="0" smtClean="0">
+                <a:solidFill>
+                  <a:schemeClr val="tx1"/>
+                </a:solidFill>
+                <a:effectLst/>
+                <a:latin typeface="+mn-lt"/>
+                <a:ea typeface="+mn-ea"/>
+                <a:cs typeface="+mn-cs"/>
+              </a:rPr>
+              <a:t>input: </a:t>
+            </a:r>
+            <a:r>
+              <a:rPr lang="en-US" dirty="0" smtClean="0"/>
+              <a:t>${app}</a:t>
+            </a:r>
+            <a:br>
+              <a:rPr lang="en-US" dirty="0" smtClean="0"/>
+            </a:br>
+            <a:r>
+              <a:rPr lang="en-US" dirty="0" smtClean="0"/>
+              <a:t>  </a:t>
+            </a:r>
+            <a:r>
+              <a:rPr lang="en-US" sz="1200" b="1" kern="1200" dirty="0" smtClean="0">
+                <a:solidFill>
+                  <a:schemeClr val="tx1"/>
+                </a:solidFill>
+                <a:effectLst/>
+                <a:latin typeface="+mn-lt"/>
+                <a:ea typeface="+mn-ea"/>
+                <a:cs typeface="+mn-cs"/>
+              </a:rPr>
+              <a:t>start:</a:t>
+            </a:r>
+            <a:br>
+              <a:rPr lang="en-US" sz="1200" b="1" kern="1200" dirty="0" smtClean="0">
+                <a:solidFill>
+                  <a:schemeClr val="tx1"/>
+                </a:solidFill>
+                <a:effectLst/>
+                <a:latin typeface="+mn-lt"/>
+                <a:ea typeface="+mn-ea"/>
+                <a:cs typeface="+mn-cs"/>
+              </a:rPr>
+            </a:br>
+            <a:r>
+              <a:rPr lang="en-US" sz="1200" b="1" kern="1200" dirty="0" smtClean="0">
+                <a:solidFill>
+                  <a:schemeClr val="tx1"/>
+                </a:solidFill>
+                <a:effectLst/>
+                <a:latin typeface="+mn-lt"/>
+                <a:ea typeface="+mn-ea"/>
+                <a:cs typeface="+mn-cs"/>
+              </a:rPr>
+              <a:t>    action: </a:t>
+            </a:r>
+            <a:r>
+              <a:rPr lang="en-US" dirty="0" err="1" smtClean="0"/>
+              <a:t>process:start</a:t>
+            </a:r>
+            <a:r>
+              <a:rPr lang="en-US" dirty="0" smtClean="0"/>
+              <a:t/>
+            </a:r>
+            <a:br>
+              <a:rPr lang="en-US" dirty="0" smtClean="0"/>
+            </a:br>
+            <a:r>
+              <a:rPr lang="en-US" dirty="0" smtClean="0"/>
+              <a:t>    </a:t>
+            </a:r>
+            <a:r>
+              <a:rPr lang="en-US" sz="1200" b="1" kern="1200" dirty="0" smtClean="0">
+                <a:solidFill>
+                  <a:schemeClr val="tx1"/>
+                </a:solidFill>
+                <a:effectLst/>
+                <a:latin typeface="+mn-lt"/>
+                <a:ea typeface="+mn-ea"/>
+                <a:cs typeface="+mn-cs"/>
+              </a:rPr>
+              <a:t>directory: </a:t>
+            </a:r>
+            <a:r>
+              <a:rPr lang="en-US" dirty="0" smtClean="0"/>
+              <a:t>$</a:t>
+            </a:r>
+            <a:r>
+              <a:rPr lang="en-US" dirty="0" err="1" smtClean="0"/>
+              <a:t>appPath</a:t>
+            </a:r>
+            <a:r>
+              <a:rPr lang="en-US" dirty="0" smtClean="0"/>
+              <a:t/>
+            </a:r>
+            <a:br>
+              <a:rPr lang="en-US" dirty="0" smtClean="0"/>
+            </a:br>
+            <a:r>
+              <a:rPr lang="en-US" dirty="0" smtClean="0"/>
+              <a:t>    </a:t>
+            </a:r>
+            <a:r>
+              <a:rPr lang="en-US" sz="1200" b="1" kern="1200" dirty="0" err="1" smtClean="0">
+                <a:solidFill>
+                  <a:schemeClr val="tx1"/>
+                </a:solidFill>
+                <a:effectLst/>
+                <a:latin typeface="+mn-lt"/>
+                <a:ea typeface="+mn-ea"/>
+                <a:cs typeface="+mn-cs"/>
+              </a:rPr>
+              <a:t>immuneToHangups</a:t>
+            </a:r>
+            <a:r>
+              <a:rPr lang="en-US" sz="1200" b="1" kern="1200" dirty="0" smtClean="0">
+                <a:solidFill>
+                  <a:schemeClr val="tx1"/>
+                </a:solidFill>
+                <a:effectLst/>
+                <a:latin typeface="+mn-lt"/>
+                <a:ea typeface="+mn-ea"/>
+                <a:cs typeface="+mn-cs"/>
+              </a:rPr>
+              <a:t>: </a:t>
+            </a:r>
+            <a:r>
+              <a:rPr lang="en-US" dirty="0" smtClean="0"/>
+              <a:t>true</a:t>
+            </a:r>
+            <a:br>
+              <a:rPr lang="en-US" dirty="0" smtClean="0"/>
+            </a:br>
+            <a:r>
+              <a:rPr lang="en-US" dirty="0" smtClean="0"/>
+              <a:t>    </a:t>
+            </a:r>
+            <a:r>
+              <a:rPr lang="en-US" sz="1200" b="1" kern="1200" dirty="0" smtClean="0">
+                <a:solidFill>
+                  <a:schemeClr val="tx1"/>
+                </a:solidFill>
+                <a:effectLst/>
+                <a:latin typeface="+mn-lt"/>
+                <a:ea typeface="+mn-ea"/>
+                <a:cs typeface="+mn-cs"/>
+              </a:rPr>
+              <a:t>command: </a:t>
+            </a:r>
+            <a:r>
+              <a:rPr lang="en-US" dirty="0" smtClean="0"/>
+              <a:t>./${app}</a:t>
+            </a:r>
+            <a:br>
+              <a:rPr lang="en-US" dirty="0" smtClean="0"/>
+            </a:br>
+            <a:r>
+              <a:rPr lang="en-US" dirty="0" smtClean="0"/>
+              <a:t>    </a:t>
+            </a:r>
+            <a:r>
+              <a:rPr lang="en-US" sz="1200" b="1" kern="1200" dirty="0" smtClean="0">
+                <a:solidFill>
+                  <a:schemeClr val="tx1"/>
+                </a:solidFill>
+                <a:effectLst/>
+                <a:latin typeface="+mn-lt"/>
+                <a:ea typeface="+mn-ea"/>
+                <a:cs typeface="+mn-cs"/>
+              </a:rPr>
+              <a:t>arguments:</a:t>
+            </a:r>
+            <a:br>
+              <a:rPr lang="en-US" sz="1200" b="1" kern="1200" dirty="0" smtClean="0">
+                <a:solidFill>
+                  <a:schemeClr val="tx1"/>
+                </a:solidFill>
+                <a:effectLst/>
+                <a:latin typeface="+mn-lt"/>
+                <a:ea typeface="+mn-ea"/>
+                <a:cs typeface="+mn-cs"/>
+              </a:rPr>
+            </a:br>
+            <a:r>
+              <a:rPr lang="en-US" sz="1200" b="1" kern="1200" dirty="0" smtClean="0">
+                <a:solidFill>
+                  <a:schemeClr val="tx1"/>
+                </a:solidFill>
+                <a:effectLst/>
+                <a:latin typeface="+mn-lt"/>
+                <a:ea typeface="+mn-ea"/>
+                <a:cs typeface="+mn-cs"/>
+              </a:rPr>
+              <a:t>    </a:t>
+            </a:r>
+            <a:r>
+              <a:rPr lang="en-US" dirty="0" smtClean="0"/>
+              <a:t>- -</a:t>
+            </a:r>
+            <a:r>
+              <a:rPr lang="en-US" dirty="0" err="1" smtClean="0"/>
+              <a:t>configURL</a:t>
+            </a:r>
+            <a:r>
+              <a:rPr lang="en-US" dirty="0" smtClean="0"/>
+              <a:t/>
+            </a:r>
+            <a:br>
+              <a:rPr lang="en-US" dirty="0" smtClean="0"/>
+            </a:br>
+            <a:r>
+              <a:rPr lang="en-US" dirty="0" smtClean="0"/>
+              <a:t>    - </a:t>
+            </a:r>
+            <a:r>
+              <a:rPr lang="en-US" dirty="0" err="1" smtClean="0"/>
+              <a:t>config</a:t>
+            </a:r>
+            <a:r>
+              <a:rPr lang="en-US" dirty="0" smtClean="0"/>
+              <a:t>/</a:t>
+            </a:r>
+            <a:r>
+              <a:rPr lang="en-US" dirty="0" err="1" smtClean="0"/>
+              <a:t>config.yaml</a:t>
+            </a:r>
+            <a:r>
+              <a:rPr lang="en-US" dirty="0" smtClean="0"/>
+              <a:t/>
+            </a:r>
+            <a:br>
+              <a:rPr lang="en-US" dirty="0" smtClean="0"/>
+            </a:br>
+            <a:endParaRPr lang="en-US" dirty="0"/>
+          </a:p>
+        </p:txBody>
+      </p:sp>
+      <p:sp>
+        <p:nvSpPr>
+          <p:cNvPr id="4" name="Slide Number Placeholder 3"/>
+          <p:cNvSpPr>
+            <a:spLocks noGrp="1"/>
+          </p:cNvSpPr>
+          <p:nvPr>
+            <p:ph type="sldNum" sz="quarter" idx="10"/>
+          </p:nvPr>
+        </p:nvSpPr>
+        <p:spPr/>
+        <p:txBody>
+          <a:bodyPr/>
+          <a:lstStyle/>
+          <a:p>
+            <a:fld id="{F0593C4D-DAC8-294B-98EA-94939A182283}" type="slidenum">
+              <a:rPr lang="en-US" smtClean="0"/>
+              <a:t>20</a:t>
+            </a:fld>
+            <a:endParaRPr lang="en-US"/>
+          </a:p>
+        </p:txBody>
+      </p:sp>
+    </p:spTree>
+    <p:extLst>
+      <p:ext uri="{BB962C8B-B14F-4D97-AF65-F5344CB8AC3E}">
+        <p14:creationId xmlns:p14="http://schemas.microsoft.com/office/powerpoint/2010/main" val="1992245217"/>
+      </p:ext>
+    </p:extLst>
+  </p:cSld>
+  <p:clrMapOvr>
+    <a:masterClrMapping/>
+  </p:clrMapOvr>
+</p:notes>
+</file>
+
 <file path=ppt/notesSlides/notesSlide2.xml><?xml version="1.0" encoding="utf-8"?>
 <p:notes xmlns:a="http://schemas.openxmlformats.org/drawingml/2006/main" xmlns:r="http://schemas.openxmlformats.org/officeDocument/2006/relationships" xmlns:p="http://schemas.openxmlformats.org/presentationml/2006/main">
   <p:cSld>
@@ -31894,6 +35169,4137 @@
     <p:extLst>
       <p:ext uri="{BB962C8B-B14F-4D97-AF65-F5344CB8AC3E}">
         <p14:creationId xmlns:p14="http://schemas.microsoft.com/office/powerpoint/2010/main" val="95248216"/>
+      </p:ext>
+    </p:extLst>
+  </p:cSld>
+  <p:clrMapOvr>
+    <a:masterClrMapping/>
+  </p:clrMapOvr>
+</p:notes>
+</file>
+
+<file path=ppt/notesSlides/notesSlide20.xml><?xml version="1.0" encoding="utf-8"?>
+<p:notes xmlns:a="http://schemas.openxmlformats.org/drawingml/2006/main" xmlns:r="http://schemas.openxmlformats.org/officeDocument/2006/relationships" xmlns:p="http://schemas.openxmlformats.org/presentationml/2006/main">
+  <p:cSld>
+    <p:spTree>
+      <p:nvGrpSpPr>
+        <p:cNvPr id="1" name=""/>
+        <p:cNvGrpSpPr/>
+        <p:nvPr/>
+      </p:nvGrpSpPr>
+      <p:grpSpPr>
+        <a:xfrm>
+          <a:off x="0" y="0"/>
+          <a:ext cx="0" cy="0"/>
+          <a:chOff x="0" y="0"/>
+          <a:chExt cx="0" cy="0"/>
+        </a:xfrm>
+      </p:grpSpPr>
+      <p:sp>
+        <p:nvSpPr>
+          <p:cNvPr id="2" name="Slide Image Placeholder 1"/>
+          <p:cNvSpPr>
+            <a:spLocks noGrp="1" noRot="1" noChangeAspect="1"/>
+          </p:cNvSpPr>
+          <p:nvPr>
+            <p:ph type="sldImg"/>
+          </p:nvPr>
+        </p:nvSpPr>
+        <p:spPr/>
+      </p:sp>
+      <p:sp>
+        <p:nvSpPr>
+          <p:cNvPr id="3" name="Notes Placeholder 2"/>
+          <p:cNvSpPr>
+            <a:spLocks noGrp="1"/>
+          </p:cNvSpPr>
+          <p:nvPr>
+            <p:ph type="body" idx="1"/>
+          </p:nvPr>
+        </p:nvSpPr>
+        <p:spPr/>
+        <p:txBody>
+          <a:bodyPr/>
+          <a:lstStyle/>
+          <a:p>
+            <a:r>
+              <a:rPr lang="en-US" sz="1200" b="1" kern="1200" dirty="0" smtClean="0">
+                <a:solidFill>
+                  <a:schemeClr val="tx1"/>
+                </a:solidFill>
+                <a:effectLst/>
+                <a:latin typeface="+mn-lt"/>
+                <a:ea typeface="+mn-ea"/>
+                <a:cs typeface="+mn-cs"/>
+              </a:rPr>
+              <a:t>tasks: </a:t>
+            </a:r>
+            <a:r>
+              <a:rPr lang="en-US" dirty="0" smtClean="0"/>
+              <a:t>$tasks</a:t>
+            </a:r>
+            <a:br>
+              <a:rPr lang="en-US" dirty="0" smtClean="0"/>
+            </a:br>
+            <a:r>
+              <a:rPr lang="en-US" sz="1200" b="1" kern="1200" dirty="0" smtClean="0">
+                <a:solidFill>
+                  <a:schemeClr val="tx1"/>
+                </a:solidFill>
+                <a:effectLst/>
+                <a:latin typeface="+mn-lt"/>
+                <a:ea typeface="+mn-ea"/>
+                <a:cs typeface="+mn-cs"/>
+              </a:rPr>
+              <a:t>defaults:</a:t>
+            </a:r>
+            <a:br>
+              <a:rPr lang="en-US" sz="1200" b="1" kern="1200" dirty="0" smtClean="0">
+                <a:solidFill>
+                  <a:schemeClr val="tx1"/>
+                </a:solidFill>
+                <a:effectLst/>
+                <a:latin typeface="+mn-lt"/>
+                <a:ea typeface="+mn-ea"/>
+                <a:cs typeface="+mn-cs"/>
+              </a:rPr>
+            </a:br>
+            <a:r>
+              <a:rPr lang="en-US" sz="1200" b="1" kern="1200" dirty="0" smtClean="0">
+                <a:solidFill>
+                  <a:schemeClr val="tx1"/>
+                </a:solidFill>
+                <a:effectLst/>
+                <a:latin typeface="+mn-lt"/>
+                <a:ea typeface="+mn-ea"/>
+                <a:cs typeface="+mn-cs"/>
+              </a:rPr>
+              <a:t>  app: </a:t>
+            </a:r>
+            <a:r>
+              <a:rPr lang="en-US" dirty="0" smtClean="0"/>
+              <a:t>$app</a:t>
+            </a:r>
+            <a:br>
+              <a:rPr lang="en-US" dirty="0" smtClean="0"/>
+            </a:br>
+            <a:r>
+              <a:rPr lang="en-US" dirty="0" smtClean="0"/>
+              <a:t>  </a:t>
+            </a:r>
+            <a:r>
+              <a:rPr lang="en-US" sz="1200" b="1" kern="1200" dirty="0" smtClean="0">
+                <a:solidFill>
+                  <a:schemeClr val="tx1"/>
+                </a:solidFill>
+                <a:effectLst/>
+                <a:latin typeface="+mn-lt"/>
+                <a:ea typeface="+mn-ea"/>
+                <a:cs typeface="+mn-cs"/>
+              </a:rPr>
+              <a:t>version: </a:t>
+            </a:r>
+            <a:r>
+              <a:rPr lang="en-US" dirty="0" smtClean="0"/>
+              <a:t>$</a:t>
+            </a:r>
+            <a:r>
+              <a:rPr lang="en-US" dirty="0" err="1" smtClean="0"/>
+              <a:t>appVersion</a:t>
+            </a:r>
+            <a:r>
+              <a:rPr lang="en-US" dirty="0" smtClean="0"/>
+              <a:t/>
+            </a:r>
+            <a:br>
+              <a:rPr lang="en-US" dirty="0" smtClean="0"/>
+            </a:br>
+            <a:r>
+              <a:rPr lang="en-US" dirty="0" smtClean="0"/>
+              <a:t>  </a:t>
+            </a:r>
+            <a:r>
+              <a:rPr lang="en-US" sz="1200" b="1" kern="1200" dirty="0" err="1" smtClean="0">
+                <a:solidFill>
+                  <a:schemeClr val="tx1"/>
+                </a:solidFill>
+                <a:effectLst/>
+                <a:latin typeface="+mn-lt"/>
+                <a:ea typeface="+mn-ea"/>
+                <a:cs typeface="+mn-cs"/>
+              </a:rPr>
+              <a:t>useRegistry</a:t>
+            </a:r>
+            <a:r>
+              <a:rPr lang="en-US" sz="1200" b="1" kern="1200" dirty="0" smtClean="0">
+                <a:solidFill>
+                  <a:schemeClr val="tx1"/>
+                </a:solidFill>
+                <a:effectLst/>
+                <a:latin typeface="+mn-lt"/>
+                <a:ea typeface="+mn-ea"/>
+                <a:cs typeface="+mn-cs"/>
+              </a:rPr>
+              <a:t>: </a:t>
+            </a:r>
+            <a:r>
+              <a:rPr lang="en-US" dirty="0" smtClean="0"/>
+              <a:t>false</a:t>
+            </a:r>
+            <a:br>
+              <a:rPr lang="en-US" dirty="0" smtClean="0"/>
+            </a:br>
+            <a:r>
+              <a:rPr lang="en-US" sz="1200" b="1" kern="1200" dirty="0" smtClean="0">
+                <a:solidFill>
+                  <a:schemeClr val="tx1"/>
+                </a:solidFill>
+                <a:effectLst/>
+                <a:latin typeface="+mn-lt"/>
+                <a:ea typeface="+mn-ea"/>
+                <a:cs typeface="+mn-cs"/>
+              </a:rPr>
+              <a:t>pipeline:</a:t>
+            </a:r>
+            <a:br>
+              <a:rPr lang="en-US" sz="1200" b="1" kern="1200" dirty="0" smtClean="0">
+                <a:solidFill>
+                  <a:schemeClr val="tx1"/>
+                </a:solidFill>
+                <a:effectLst/>
+                <a:latin typeface="+mn-lt"/>
+                <a:ea typeface="+mn-ea"/>
+                <a:cs typeface="+mn-cs"/>
+              </a:rPr>
+            </a:br>
+            <a:r>
+              <a:rPr lang="en-US" sz="1200" b="1" kern="1200" dirty="0" smtClean="0">
+                <a:solidFill>
+                  <a:schemeClr val="tx1"/>
+                </a:solidFill>
+                <a:effectLst/>
+                <a:latin typeface="+mn-lt"/>
+                <a:ea typeface="+mn-ea"/>
+                <a:cs typeface="+mn-cs"/>
+              </a:rPr>
+              <a:t>  build:</a:t>
+            </a:r>
+            <a:br>
+              <a:rPr lang="en-US" sz="1200" b="1" kern="1200" dirty="0" smtClean="0">
+                <a:solidFill>
+                  <a:schemeClr val="tx1"/>
+                </a:solidFill>
+                <a:effectLst/>
+                <a:latin typeface="+mn-lt"/>
+                <a:ea typeface="+mn-ea"/>
+                <a:cs typeface="+mn-cs"/>
+              </a:rPr>
+            </a:br>
+            <a:r>
+              <a:rPr lang="en-US" sz="1200" b="1" kern="1200" dirty="0" smtClean="0">
+                <a:solidFill>
+                  <a:schemeClr val="tx1"/>
+                </a:solidFill>
+                <a:effectLst/>
+                <a:latin typeface="+mn-lt"/>
+                <a:ea typeface="+mn-ea"/>
+                <a:cs typeface="+mn-cs"/>
+              </a:rPr>
+              <a:t>    workflow: </a:t>
+            </a:r>
+            <a:r>
+              <a:rPr lang="en-US" dirty="0" smtClean="0"/>
+              <a:t>app/docker/build</a:t>
+            </a:r>
+            <a:br>
+              <a:rPr lang="en-US" dirty="0" smtClean="0"/>
+            </a:br>
+            <a:r>
+              <a:rPr lang="en-US" dirty="0" smtClean="0"/>
+              <a:t>    </a:t>
+            </a:r>
+            <a:r>
+              <a:rPr lang="en-US" sz="1200" b="1" kern="1200" dirty="0" smtClean="0">
+                <a:solidFill>
+                  <a:schemeClr val="tx1"/>
+                </a:solidFill>
+                <a:effectLst/>
+                <a:latin typeface="+mn-lt"/>
+                <a:ea typeface="+mn-ea"/>
+                <a:cs typeface="+mn-cs"/>
+              </a:rPr>
+              <a:t>origin:</a:t>
+            </a:r>
+            <a:br>
+              <a:rPr lang="en-US" sz="1200" b="1" kern="1200" dirty="0" smtClean="0">
+                <a:solidFill>
+                  <a:schemeClr val="tx1"/>
+                </a:solidFill>
+                <a:effectLst/>
+                <a:latin typeface="+mn-lt"/>
+                <a:ea typeface="+mn-ea"/>
+                <a:cs typeface="+mn-cs"/>
+              </a:rPr>
+            </a:br>
+            <a:r>
+              <a:rPr lang="en-US" sz="1200" b="1" kern="1200" dirty="0" smtClean="0">
+                <a:solidFill>
+                  <a:schemeClr val="tx1"/>
+                </a:solidFill>
+                <a:effectLst/>
+                <a:latin typeface="+mn-lt"/>
+                <a:ea typeface="+mn-ea"/>
+                <a:cs typeface="+mn-cs"/>
+              </a:rPr>
+              <a:t>      URL: </a:t>
+            </a:r>
+            <a:r>
+              <a:rPr lang="en-US" dirty="0" smtClean="0"/>
+              <a:t>./../</a:t>
+            </a:r>
+            <a:br>
+              <a:rPr lang="en-US" dirty="0" smtClean="0"/>
+            </a:br>
+            <a:r>
+              <a:rPr lang="en-US" dirty="0" smtClean="0"/>
+              <a:t>      </a:t>
+            </a:r>
+            <a:r>
+              <a:rPr lang="en-US" sz="1200" b="1" kern="1200" dirty="0" smtClean="0">
+                <a:solidFill>
+                  <a:schemeClr val="tx1"/>
+                </a:solidFill>
+                <a:effectLst/>
+                <a:latin typeface="+mn-lt"/>
+                <a:ea typeface="+mn-ea"/>
+                <a:cs typeface="+mn-cs"/>
+              </a:rPr>
+              <a:t>credentials: </a:t>
+            </a:r>
+            <a:r>
+              <a:rPr lang="en-US" dirty="0" smtClean="0"/>
+              <a:t>localhost</a:t>
+            </a:r>
+            <a:br>
+              <a:rPr lang="en-US" dirty="0" smtClean="0"/>
+            </a:br>
+            <a:r>
+              <a:rPr lang="en-US" dirty="0" smtClean="0"/>
+              <a:t>    </a:t>
+            </a:r>
+            <a:r>
+              <a:rPr lang="en-US" sz="1200" b="1" kern="1200" dirty="0" smtClean="0">
+                <a:solidFill>
+                  <a:schemeClr val="tx1"/>
+                </a:solidFill>
+                <a:effectLst/>
+                <a:latin typeface="+mn-lt"/>
+                <a:ea typeface="+mn-ea"/>
+                <a:cs typeface="+mn-cs"/>
+              </a:rPr>
+              <a:t>sdk: </a:t>
+            </a:r>
+            <a:r>
+              <a:rPr lang="en-US" dirty="0" smtClean="0"/>
+              <a:t>$sdk</a:t>
+            </a:r>
+            <a:br>
+              <a:rPr lang="en-US" dirty="0" smtClean="0"/>
+            </a:br>
+            <a:r>
+              <a:rPr lang="en-US" dirty="0" smtClean="0"/>
+              <a:t>    </a:t>
+            </a:r>
+            <a:r>
+              <a:rPr lang="en-US" sz="1200" b="1" kern="1200" dirty="0" smtClean="0">
+                <a:solidFill>
+                  <a:schemeClr val="tx1"/>
+                </a:solidFill>
+                <a:effectLst/>
+                <a:latin typeface="+mn-lt"/>
+                <a:ea typeface="+mn-ea"/>
+                <a:cs typeface="+mn-cs"/>
+              </a:rPr>
+              <a:t>commands:</a:t>
+            </a:r>
+            <a:br>
+              <a:rPr lang="en-US" sz="1200" b="1" kern="1200" dirty="0" smtClean="0">
+                <a:solidFill>
+                  <a:schemeClr val="tx1"/>
+                </a:solidFill>
+                <a:effectLst/>
+                <a:latin typeface="+mn-lt"/>
+                <a:ea typeface="+mn-ea"/>
+                <a:cs typeface="+mn-cs"/>
+              </a:rPr>
+            </a:br>
+            <a:r>
+              <a:rPr lang="en-US" sz="1200" b="1" kern="1200" dirty="0" smtClean="0">
+                <a:solidFill>
+                  <a:schemeClr val="tx1"/>
+                </a:solidFill>
+                <a:effectLst/>
+                <a:latin typeface="+mn-lt"/>
+                <a:ea typeface="+mn-ea"/>
+                <a:cs typeface="+mn-cs"/>
+              </a:rPr>
+              <a:t>    </a:t>
+            </a:r>
+            <a:r>
+              <a:rPr lang="en-US" dirty="0" smtClean="0"/>
+              <a:t>- apt-get -y install </a:t>
+            </a:r>
+            <a:r>
+              <a:rPr lang="en-US" dirty="0" err="1" smtClean="0"/>
+              <a:t>git</a:t>
+            </a:r>
+            <a:r>
+              <a:rPr lang="en-US" dirty="0" smtClean="0"/>
+              <a:t/>
+            </a:r>
+            <a:br>
+              <a:rPr lang="en-US" dirty="0" smtClean="0"/>
+            </a:br>
+            <a:r>
+              <a:rPr lang="en-US" dirty="0" smtClean="0"/>
+              <a:t>    - export GOPATH=/</a:t>
+            </a:r>
+            <a:r>
+              <a:rPr lang="en-US" dirty="0" err="1" smtClean="0"/>
+              <a:t>tmp</a:t>
+            </a:r>
+            <a:r>
+              <a:rPr lang="en-US" dirty="0" smtClean="0"/>
+              <a:t>/go</a:t>
+            </a:r>
+            <a:br>
+              <a:rPr lang="en-US" dirty="0" smtClean="0"/>
+            </a:br>
+            <a:r>
+              <a:rPr lang="en-US" dirty="0" smtClean="0"/>
+              <a:t>    - go get -u github.com/viant/endly/bootstrap</a:t>
+            </a:r>
+            <a:br>
+              <a:rPr lang="en-US" dirty="0" smtClean="0"/>
+            </a:br>
+            <a:r>
+              <a:rPr lang="en-US" dirty="0" smtClean="0"/>
+              <a:t>    - cd ${</a:t>
+            </a:r>
+            <a:r>
+              <a:rPr lang="en-US" dirty="0" err="1" smtClean="0"/>
+              <a:t>buildPath</a:t>
+            </a:r>
+            <a:r>
+              <a:rPr lang="en-US" dirty="0" smtClean="0"/>
+              <a:t>}app</a:t>
+            </a:r>
+            <a:br>
+              <a:rPr lang="en-US" dirty="0" smtClean="0"/>
+            </a:br>
+            <a:r>
+              <a:rPr lang="en-US" dirty="0" smtClean="0"/>
+              <a:t>    - export CGO_ENABLED=0</a:t>
+            </a:r>
+            <a:br>
+              <a:rPr lang="en-US" dirty="0" smtClean="0"/>
+            </a:br>
+            <a:r>
+              <a:rPr lang="en-US" dirty="0" smtClean="0"/>
+              <a:t>    - go build -o $app</a:t>
+            </a:r>
+            <a:br>
+              <a:rPr lang="en-US" dirty="0" smtClean="0"/>
+            </a:br>
+            <a:r>
+              <a:rPr lang="en-US" dirty="0" smtClean="0"/>
+              <a:t>    - </a:t>
+            </a:r>
+            <a:r>
+              <a:rPr lang="en-US" dirty="0" err="1" smtClean="0"/>
+              <a:t>chmod</a:t>
+            </a:r>
+            <a:r>
+              <a:rPr lang="en-US" dirty="0" smtClean="0"/>
+              <a:t> +x $app</a:t>
+            </a:r>
+            <a:br>
+              <a:rPr lang="en-US" dirty="0" smtClean="0"/>
+            </a:br>
+            <a:r>
+              <a:rPr lang="en-US" dirty="0" smtClean="0"/>
+              <a:t>    </a:t>
+            </a:r>
+            <a:r>
+              <a:rPr lang="en-US" sz="1200" b="1" kern="1200" dirty="0" smtClean="0">
+                <a:solidFill>
+                  <a:schemeClr val="tx1"/>
+                </a:solidFill>
+                <a:effectLst/>
+                <a:latin typeface="+mn-lt"/>
+                <a:ea typeface="+mn-ea"/>
+                <a:cs typeface="+mn-cs"/>
+              </a:rPr>
+              <a:t>download:</a:t>
+            </a:r>
+            <a:br>
+              <a:rPr lang="en-US" sz="1200" b="1" kern="1200" dirty="0" smtClean="0">
+                <a:solidFill>
+                  <a:schemeClr val="tx1"/>
+                </a:solidFill>
+                <a:effectLst/>
+                <a:latin typeface="+mn-lt"/>
+                <a:ea typeface="+mn-ea"/>
+                <a:cs typeface="+mn-cs"/>
+              </a:rPr>
+            </a:br>
+            <a:r>
+              <a:rPr lang="en-US" sz="1200" b="1" kern="1200" dirty="0" smtClean="0">
+                <a:solidFill>
+                  <a:schemeClr val="tx1"/>
+                </a:solidFill>
+                <a:effectLst/>
+                <a:latin typeface="+mn-lt"/>
+                <a:ea typeface="+mn-ea"/>
+                <a:cs typeface="+mn-cs"/>
+              </a:rPr>
+              <a:t>      ${</a:t>
+            </a:r>
+            <a:r>
+              <a:rPr lang="en-US" sz="1200" b="1" kern="1200" dirty="0" err="1" smtClean="0">
+                <a:solidFill>
+                  <a:schemeClr val="tx1"/>
+                </a:solidFill>
+                <a:effectLst/>
+                <a:latin typeface="+mn-lt"/>
+                <a:ea typeface="+mn-ea"/>
+                <a:cs typeface="+mn-cs"/>
+              </a:rPr>
+              <a:t>buildPath</a:t>
+            </a:r>
+            <a:r>
+              <a:rPr lang="en-US" sz="1200" b="1" kern="1200" dirty="0" smtClean="0">
+                <a:solidFill>
+                  <a:schemeClr val="tx1"/>
+                </a:solidFill>
+                <a:effectLst/>
+                <a:latin typeface="+mn-lt"/>
+                <a:ea typeface="+mn-ea"/>
+                <a:cs typeface="+mn-cs"/>
+              </a:rPr>
+              <a:t>}/app/${app}: </a:t>
+            </a:r>
+            <a:r>
+              <a:rPr lang="en-US" dirty="0" smtClean="0"/>
+              <a:t>$</a:t>
+            </a:r>
+            <a:r>
+              <a:rPr lang="en-US" dirty="0" err="1" smtClean="0"/>
+              <a:t>releasePath</a:t>
+            </a:r>
+            <a:r>
+              <a:rPr lang="en-US" dirty="0" smtClean="0"/>
+              <a:t/>
+            </a:r>
+            <a:br>
+              <a:rPr lang="en-US" dirty="0" smtClean="0"/>
+            </a:br>
+            <a:r>
+              <a:rPr lang="en-US" dirty="0" smtClean="0"/>
+              <a:t>      </a:t>
+            </a:r>
+            <a:r>
+              <a:rPr lang="en-US" sz="1200" b="1" kern="1200" dirty="0" smtClean="0">
+                <a:solidFill>
+                  <a:schemeClr val="tx1"/>
+                </a:solidFill>
+                <a:effectLst/>
+                <a:latin typeface="+mn-lt"/>
+                <a:ea typeface="+mn-ea"/>
+                <a:cs typeface="+mn-cs"/>
+              </a:rPr>
+              <a:t>${</a:t>
+            </a:r>
+            <a:r>
+              <a:rPr lang="en-US" sz="1200" b="1" kern="1200" dirty="0" err="1" smtClean="0">
+                <a:solidFill>
+                  <a:schemeClr val="tx1"/>
+                </a:solidFill>
+                <a:effectLst/>
+                <a:latin typeface="+mn-lt"/>
+                <a:ea typeface="+mn-ea"/>
+                <a:cs typeface="+mn-cs"/>
+              </a:rPr>
+              <a:t>buildPath</a:t>
+            </a:r>
+            <a:r>
+              <a:rPr lang="en-US" sz="1200" b="1" kern="1200" dirty="0" smtClean="0">
+                <a:solidFill>
+                  <a:schemeClr val="tx1"/>
+                </a:solidFill>
+                <a:effectLst/>
+                <a:latin typeface="+mn-lt"/>
+                <a:ea typeface="+mn-ea"/>
+                <a:cs typeface="+mn-cs"/>
+              </a:rPr>
+              <a:t>}/config/</a:t>
+            </a:r>
+            <a:r>
+              <a:rPr lang="en-US" sz="1200" b="1" kern="1200" dirty="0" err="1" smtClean="0">
+                <a:solidFill>
+                  <a:schemeClr val="tx1"/>
+                </a:solidFill>
+                <a:effectLst/>
+                <a:latin typeface="+mn-lt"/>
+                <a:ea typeface="+mn-ea"/>
+                <a:cs typeface="+mn-cs"/>
+              </a:rPr>
+              <a:t>config.yaml</a:t>
+            </a:r>
+            <a:r>
+              <a:rPr lang="en-US" sz="1200" b="1" kern="1200" dirty="0" smtClean="0">
+                <a:solidFill>
+                  <a:schemeClr val="tx1"/>
+                </a:solidFill>
+                <a:effectLst/>
+                <a:latin typeface="+mn-lt"/>
+                <a:ea typeface="+mn-ea"/>
+                <a:cs typeface="+mn-cs"/>
+              </a:rPr>
+              <a:t>: </a:t>
+            </a:r>
+            <a:r>
+              <a:rPr lang="en-US" dirty="0" smtClean="0"/>
+              <a:t>${</a:t>
+            </a:r>
+            <a:r>
+              <a:rPr lang="en-US" dirty="0" err="1" smtClean="0"/>
+              <a:t>releasePath</a:t>
+            </a:r>
+            <a:r>
+              <a:rPr lang="en-US" dirty="0" smtClean="0"/>
+              <a:t>}config/</a:t>
+            </a:r>
+            <a:r>
+              <a:rPr lang="en-US" dirty="0" err="1" smtClean="0"/>
+              <a:t>config.yaml</a:t>
+            </a:r>
+            <a:r>
+              <a:rPr lang="en-US" dirty="0" smtClean="0"/>
+              <a:t/>
+            </a:r>
+            <a:br>
+              <a:rPr lang="en-US" dirty="0" smtClean="0"/>
+            </a:br>
+            <a:r>
+              <a:rPr lang="en-US" dirty="0" smtClean="0"/>
+              <a:t>      </a:t>
+            </a:r>
+            <a:r>
+              <a:rPr lang="en-US" sz="1200" b="1" kern="1200" dirty="0" smtClean="0">
+                <a:solidFill>
+                  <a:schemeClr val="tx1"/>
+                </a:solidFill>
+                <a:effectLst/>
+                <a:latin typeface="+mn-lt"/>
+                <a:ea typeface="+mn-ea"/>
+                <a:cs typeface="+mn-cs"/>
+              </a:rPr>
+              <a:t>${</a:t>
+            </a:r>
+            <a:r>
+              <a:rPr lang="en-US" sz="1200" b="1" kern="1200" dirty="0" err="1" smtClean="0">
+                <a:solidFill>
+                  <a:schemeClr val="tx1"/>
+                </a:solidFill>
+                <a:effectLst/>
+                <a:latin typeface="+mn-lt"/>
+                <a:ea typeface="+mn-ea"/>
+                <a:cs typeface="+mn-cs"/>
+              </a:rPr>
+              <a:t>buildPath</a:t>
+            </a:r>
+            <a:r>
+              <a:rPr lang="en-US" sz="1200" b="1" kern="1200" dirty="0" smtClean="0">
+                <a:solidFill>
+                  <a:schemeClr val="tx1"/>
+                </a:solidFill>
+                <a:effectLst/>
+                <a:latin typeface="+mn-lt"/>
+                <a:ea typeface="+mn-ea"/>
+                <a:cs typeface="+mn-cs"/>
+              </a:rPr>
+              <a:t>}/static/: </a:t>
+            </a:r>
+            <a:r>
+              <a:rPr lang="en-US" dirty="0" smtClean="0"/>
+              <a:t>${</a:t>
+            </a:r>
+            <a:r>
+              <a:rPr lang="en-US" dirty="0" err="1" smtClean="0"/>
+              <a:t>releasePath</a:t>
+            </a:r>
+            <a:r>
+              <a:rPr lang="en-US" dirty="0" smtClean="0"/>
+              <a:t>}static/</a:t>
+            </a:r>
+            <a:br>
+              <a:rPr lang="en-US" dirty="0" smtClean="0"/>
+            </a:br>
+            <a:r>
+              <a:rPr lang="en-US" dirty="0" smtClean="0"/>
+              <a:t>  </a:t>
+            </a:r>
+            <a:r>
+              <a:rPr lang="en-US" sz="1200" b="1" kern="1200" dirty="0" smtClean="0">
+                <a:solidFill>
+                  <a:schemeClr val="tx1"/>
+                </a:solidFill>
+                <a:effectLst/>
+                <a:latin typeface="+mn-lt"/>
+                <a:ea typeface="+mn-ea"/>
+                <a:cs typeface="+mn-cs"/>
+              </a:rPr>
+              <a:t>stop:</a:t>
+            </a:r>
+            <a:br>
+              <a:rPr lang="en-US" sz="1200" b="1" kern="1200" dirty="0" smtClean="0">
+                <a:solidFill>
+                  <a:schemeClr val="tx1"/>
+                </a:solidFill>
+                <a:effectLst/>
+                <a:latin typeface="+mn-lt"/>
+                <a:ea typeface="+mn-ea"/>
+                <a:cs typeface="+mn-cs"/>
+              </a:rPr>
+            </a:br>
+            <a:r>
+              <a:rPr lang="en-US" sz="1200" b="1" kern="1200" dirty="0" smtClean="0">
+                <a:solidFill>
+                  <a:schemeClr val="tx1"/>
+                </a:solidFill>
+                <a:effectLst/>
+                <a:latin typeface="+mn-lt"/>
+                <a:ea typeface="+mn-ea"/>
+                <a:cs typeface="+mn-cs"/>
+              </a:rPr>
+              <a:t>    target: </a:t>
+            </a:r>
+            <a:r>
+              <a:rPr lang="en-US" dirty="0" smtClean="0"/>
+              <a:t>$target</a:t>
+            </a:r>
+            <a:br>
+              <a:rPr lang="en-US" dirty="0" smtClean="0"/>
+            </a:br>
+            <a:r>
+              <a:rPr lang="en-US" dirty="0" smtClean="0"/>
+              <a:t>    </a:t>
+            </a:r>
+            <a:r>
+              <a:rPr lang="en-US" sz="1200" b="1" kern="1200" dirty="0" smtClean="0">
+                <a:solidFill>
+                  <a:schemeClr val="tx1"/>
+                </a:solidFill>
+                <a:effectLst/>
+                <a:latin typeface="+mn-lt"/>
+                <a:ea typeface="+mn-ea"/>
+                <a:cs typeface="+mn-cs"/>
+              </a:rPr>
+              <a:t>action: </a:t>
+            </a:r>
+            <a:r>
+              <a:rPr lang="en-US" dirty="0" err="1" smtClean="0"/>
+              <a:t>docker:stop-images</a:t>
+            </a:r>
+            <a:r>
+              <a:rPr lang="en-US" dirty="0" smtClean="0"/>
+              <a:t/>
+            </a:r>
+            <a:br>
+              <a:rPr lang="en-US" dirty="0" smtClean="0"/>
+            </a:br>
+            <a:r>
+              <a:rPr lang="en-US" dirty="0" smtClean="0"/>
+              <a:t>    </a:t>
+            </a:r>
+            <a:r>
+              <a:rPr lang="en-US" sz="1200" b="1" kern="1200" dirty="0" smtClean="0">
+                <a:solidFill>
+                  <a:schemeClr val="tx1"/>
+                </a:solidFill>
+                <a:effectLst/>
+                <a:latin typeface="+mn-lt"/>
+                <a:ea typeface="+mn-ea"/>
+                <a:cs typeface="+mn-cs"/>
+              </a:rPr>
+              <a:t>images:</a:t>
+            </a:r>
+            <a:br>
+              <a:rPr lang="en-US" sz="1200" b="1" kern="1200" dirty="0" smtClean="0">
+                <a:solidFill>
+                  <a:schemeClr val="tx1"/>
+                </a:solidFill>
+                <a:effectLst/>
+                <a:latin typeface="+mn-lt"/>
+                <a:ea typeface="+mn-ea"/>
+                <a:cs typeface="+mn-cs"/>
+              </a:rPr>
+            </a:br>
+            <a:r>
+              <a:rPr lang="en-US" sz="1200" b="1" kern="1200" dirty="0" smtClean="0">
+                <a:solidFill>
+                  <a:schemeClr val="tx1"/>
+                </a:solidFill>
+                <a:effectLst/>
+                <a:latin typeface="+mn-lt"/>
+                <a:ea typeface="+mn-ea"/>
+                <a:cs typeface="+mn-cs"/>
+              </a:rPr>
+              <a:t>    </a:t>
+            </a:r>
+            <a:r>
+              <a:rPr lang="en-US" dirty="0" smtClean="0"/>
+              <a:t>- $app</a:t>
+            </a:r>
+            <a:br>
+              <a:rPr lang="en-US" dirty="0" smtClean="0"/>
+            </a:br>
+            <a:r>
+              <a:rPr lang="en-US" dirty="0" smtClean="0"/>
+              <a:t>  </a:t>
+            </a:r>
+            <a:r>
+              <a:rPr lang="en-US" sz="1200" b="1" kern="1200" dirty="0" smtClean="0">
+                <a:solidFill>
+                  <a:schemeClr val="tx1"/>
+                </a:solidFill>
+                <a:effectLst/>
+                <a:latin typeface="+mn-lt"/>
+                <a:ea typeface="+mn-ea"/>
+                <a:cs typeface="+mn-cs"/>
+              </a:rPr>
+              <a:t>deploy:</a:t>
+            </a:r>
+            <a:br>
+              <a:rPr lang="en-US" sz="1200" b="1" kern="1200" dirty="0" smtClean="0">
+                <a:solidFill>
+                  <a:schemeClr val="tx1"/>
+                </a:solidFill>
+                <a:effectLst/>
+                <a:latin typeface="+mn-lt"/>
+                <a:ea typeface="+mn-ea"/>
+                <a:cs typeface="+mn-cs"/>
+              </a:rPr>
+            </a:br>
+            <a:r>
+              <a:rPr lang="en-US" sz="1200" b="1" kern="1200" dirty="0" smtClean="0">
+                <a:solidFill>
+                  <a:schemeClr val="tx1"/>
+                </a:solidFill>
+                <a:effectLst/>
+                <a:latin typeface="+mn-lt"/>
+                <a:ea typeface="+mn-ea"/>
+                <a:cs typeface="+mn-cs"/>
+              </a:rPr>
+              <a:t>    workflow: </a:t>
+            </a:r>
+            <a:r>
+              <a:rPr lang="en-US" dirty="0" smtClean="0"/>
+              <a:t>app/docker/deploy</a:t>
+            </a:r>
+            <a:br>
+              <a:rPr lang="en-US" dirty="0" smtClean="0"/>
+            </a:br>
+            <a:r>
+              <a:rPr lang="en-US" dirty="0" smtClean="0"/>
+              <a:t>    </a:t>
+            </a:r>
+            <a:r>
+              <a:rPr lang="en-US" sz="1200" b="1" kern="1200" dirty="0" smtClean="0">
+                <a:solidFill>
+                  <a:schemeClr val="tx1"/>
+                </a:solidFill>
+                <a:effectLst/>
+                <a:latin typeface="+mn-lt"/>
+                <a:ea typeface="+mn-ea"/>
+                <a:cs typeface="+mn-cs"/>
+              </a:rPr>
+              <a:t>name: </a:t>
+            </a:r>
+            <a:r>
+              <a:rPr lang="en-US" dirty="0" err="1" smtClean="0"/>
+              <a:t>endly_$app</a:t>
+            </a:r>
+            <a:r>
+              <a:rPr lang="en-US" dirty="0" smtClean="0"/>
+              <a:t/>
+            </a:r>
+            <a:br>
+              <a:rPr lang="en-US" dirty="0" smtClean="0"/>
+            </a:br>
+            <a:r>
+              <a:rPr lang="en-US" dirty="0" smtClean="0"/>
+              <a:t>    </a:t>
+            </a:r>
+            <a:r>
+              <a:rPr lang="en-US" sz="1200" b="1" kern="1200" dirty="0" smtClean="0">
+                <a:solidFill>
+                  <a:schemeClr val="tx1"/>
+                </a:solidFill>
+                <a:effectLst/>
+                <a:latin typeface="+mn-lt"/>
+                <a:ea typeface="+mn-ea"/>
+                <a:cs typeface="+mn-cs"/>
+              </a:rPr>
+              <a:t>update:</a:t>
+            </a:r>
+            <a:br>
+              <a:rPr lang="en-US" sz="1200" b="1" kern="1200" dirty="0" smtClean="0">
+                <a:solidFill>
+                  <a:schemeClr val="tx1"/>
+                </a:solidFill>
+                <a:effectLst/>
+                <a:latin typeface="+mn-lt"/>
+                <a:ea typeface="+mn-ea"/>
+                <a:cs typeface="+mn-cs"/>
+              </a:rPr>
+            </a:br>
+            <a:r>
+              <a:rPr lang="en-US" sz="1200" b="1" kern="1200" dirty="0" smtClean="0">
+                <a:solidFill>
+                  <a:schemeClr val="tx1"/>
+                </a:solidFill>
+                <a:effectLst/>
+                <a:latin typeface="+mn-lt"/>
+                <a:ea typeface="+mn-ea"/>
+                <a:cs typeface="+mn-cs"/>
+              </a:rPr>
+              <a:t>      URL: </a:t>
+            </a:r>
+            <a:r>
+              <a:rPr lang="en-US" dirty="0" smtClean="0"/>
+              <a:t>${</a:t>
+            </a:r>
+            <a:r>
+              <a:rPr lang="en-US" dirty="0" err="1" smtClean="0"/>
+              <a:t>releasePath</a:t>
+            </a:r>
+            <a:r>
+              <a:rPr lang="en-US" dirty="0" smtClean="0"/>
+              <a:t>}/config/</a:t>
+            </a:r>
+            <a:r>
+              <a:rPr lang="en-US" dirty="0" err="1" smtClean="0"/>
+              <a:t>config.yaml</a:t>
+            </a:r>
+            <a:r>
+              <a:rPr lang="en-US" dirty="0" smtClean="0"/>
+              <a:t/>
+            </a:r>
+            <a:br>
+              <a:rPr lang="en-US" dirty="0" smtClean="0"/>
+            </a:br>
+            <a:r>
+              <a:rPr lang="en-US" dirty="0" smtClean="0"/>
+              <a:t>      </a:t>
+            </a:r>
+            <a:r>
+              <a:rPr lang="en-US" sz="1200" b="1" kern="1200" dirty="0" smtClean="0">
+                <a:solidFill>
+                  <a:schemeClr val="tx1"/>
+                </a:solidFill>
+                <a:effectLst/>
+                <a:latin typeface="+mn-lt"/>
+                <a:ea typeface="+mn-ea"/>
+                <a:cs typeface="+mn-cs"/>
+              </a:rPr>
+              <a:t>replace:</a:t>
+            </a:r>
+            <a:br>
+              <a:rPr lang="en-US" sz="1200" b="1" kern="1200" dirty="0" smtClean="0">
+                <a:solidFill>
+                  <a:schemeClr val="tx1"/>
+                </a:solidFill>
+                <a:effectLst/>
+                <a:latin typeface="+mn-lt"/>
+                <a:ea typeface="+mn-ea"/>
+                <a:cs typeface="+mn-cs"/>
+              </a:rPr>
+            </a:br>
+            <a:r>
+              <a:rPr lang="en-US" sz="1200" b="1" kern="1200" dirty="0" smtClean="0">
+                <a:solidFill>
+                  <a:schemeClr val="tx1"/>
+                </a:solidFill>
+                <a:effectLst/>
+                <a:latin typeface="+mn-lt"/>
+                <a:ea typeface="+mn-ea"/>
+                <a:cs typeface="+mn-cs"/>
+              </a:rPr>
+              <a:t>        127.0.0.1: </a:t>
+            </a:r>
+            <a:r>
+              <a:rPr lang="en-US" dirty="0" smtClean="0"/>
+              <a:t>$</a:t>
+            </a:r>
+            <a:r>
+              <a:rPr lang="en-US" dirty="0" err="1" smtClean="0"/>
+              <a:t>dbIP</a:t>
+            </a:r>
+            <a:r>
+              <a:rPr lang="en-US" dirty="0" smtClean="0"/>
+              <a:t/>
+            </a:r>
+            <a:br>
+              <a:rPr lang="en-US" dirty="0" smtClean="0"/>
+            </a:br>
+            <a:r>
+              <a:rPr lang="en-US" dirty="0" smtClean="0"/>
+              <a:t>    </a:t>
+            </a:r>
+            <a:r>
+              <a:rPr lang="en-US" sz="1200" b="1" kern="1200" dirty="0" smtClean="0">
+                <a:solidFill>
+                  <a:schemeClr val="tx1"/>
+                </a:solidFill>
+                <a:effectLst/>
+                <a:latin typeface="+mn-lt"/>
+                <a:ea typeface="+mn-ea"/>
+                <a:cs typeface="+mn-cs"/>
+              </a:rPr>
+              <a:t>ports:</a:t>
+            </a:r>
+            <a:br>
+              <a:rPr lang="en-US" sz="1200" b="1" kern="1200" dirty="0" smtClean="0">
+                <a:solidFill>
+                  <a:schemeClr val="tx1"/>
+                </a:solidFill>
+                <a:effectLst/>
+                <a:latin typeface="+mn-lt"/>
+                <a:ea typeface="+mn-ea"/>
+                <a:cs typeface="+mn-cs"/>
+              </a:rPr>
+            </a:br>
+            <a:r>
+              <a:rPr lang="en-US" sz="1200" b="1" kern="1200" dirty="0" smtClean="0">
+                <a:solidFill>
+                  <a:schemeClr val="tx1"/>
+                </a:solidFill>
+                <a:effectLst/>
+                <a:latin typeface="+mn-lt"/>
+                <a:ea typeface="+mn-ea"/>
+                <a:cs typeface="+mn-cs"/>
+              </a:rPr>
+              <a:t>      "8080": "8080"</a:t>
+            </a:r>
+            <a:br>
+              <a:rPr lang="en-US" sz="1200" b="1" kern="1200" dirty="0" smtClean="0">
+                <a:solidFill>
+                  <a:schemeClr val="tx1"/>
+                </a:solidFill>
+                <a:effectLst/>
+                <a:latin typeface="+mn-lt"/>
+                <a:ea typeface="+mn-ea"/>
+                <a:cs typeface="+mn-cs"/>
+              </a:rPr>
+            </a:br>
+            <a:r>
+              <a:rPr lang="en-US" sz="1200" b="1" kern="1200" dirty="0" smtClean="0">
+                <a:solidFill>
+                  <a:schemeClr val="tx1"/>
+                </a:solidFill>
+                <a:effectLst/>
+                <a:latin typeface="+mn-lt"/>
+                <a:ea typeface="+mn-ea"/>
+                <a:cs typeface="+mn-cs"/>
+              </a:rPr>
+              <a:t>    mount:</a:t>
+            </a:r>
+            <a:br>
+              <a:rPr lang="en-US" sz="1200" b="1" kern="1200" dirty="0" smtClean="0">
+                <a:solidFill>
+                  <a:schemeClr val="tx1"/>
+                </a:solidFill>
+                <a:effectLst/>
+                <a:latin typeface="+mn-lt"/>
+                <a:ea typeface="+mn-ea"/>
+                <a:cs typeface="+mn-cs"/>
+              </a:rPr>
+            </a:br>
+            <a:r>
+              <a:rPr lang="en-US" sz="1200" b="1" kern="1200" dirty="0" smtClean="0">
+                <a:solidFill>
+                  <a:schemeClr val="tx1"/>
+                </a:solidFill>
+                <a:effectLst/>
+                <a:latin typeface="+mn-lt"/>
+                <a:ea typeface="+mn-ea"/>
+                <a:cs typeface="+mn-cs"/>
+              </a:rPr>
+              <a:t>      ${</a:t>
+            </a:r>
+            <a:r>
+              <a:rPr lang="en-US" sz="1200" b="1" kern="1200" dirty="0" err="1" smtClean="0">
+                <a:solidFill>
+                  <a:schemeClr val="tx1"/>
+                </a:solidFill>
+                <a:effectLst/>
+                <a:latin typeface="+mn-lt"/>
+                <a:ea typeface="+mn-ea"/>
+                <a:cs typeface="+mn-cs"/>
+              </a:rPr>
+              <a:t>env.HOME</a:t>
+            </a:r>
+            <a:r>
+              <a:rPr lang="en-US" sz="1200" b="1" kern="1200" dirty="0" smtClean="0">
+                <a:solidFill>
+                  <a:schemeClr val="tx1"/>
+                </a:solidFill>
+                <a:effectLst/>
+                <a:latin typeface="+mn-lt"/>
+                <a:ea typeface="+mn-ea"/>
+                <a:cs typeface="+mn-cs"/>
+              </a:rPr>
+              <a:t>}/.secret: </a:t>
+            </a:r>
+            <a:r>
+              <a:rPr lang="en-US" dirty="0" smtClean="0"/>
+              <a:t>/root/.secret</a:t>
+            </a:r>
+            <a:br>
+              <a:rPr lang="en-US" dirty="0" smtClean="0"/>
+            </a:br>
+            <a:r>
+              <a:rPr lang="en-US" dirty="0" smtClean="0"/>
+              <a:t>      </a:t>
+            </a:r>
+            <a:r>
+              <a:rPr lang="en-US" sz="1200" b="1" kern="1200" dirty="0" smtClean="0">
+                <a:solidFill>
+                  <a:schemeClr val="tx1"/>
+                </a:solidFill>
+                <a:effectLst/>
+                <a:latin typeface="+mn-lt"/>
+                <a:ea typeface="+mn-ea"/>
+                <a:cs typeface="+mn-cs"/>
+              </a:rPr>
+              <a:t>${</a:t>
+            </a:r>
+            <a:r>
+              <a:rPr lang="en-US" sz="1200" b="1" kern="1200" dirty="0" err="1" smtClean="0">
+                <a:solidFill>
+                  <a:schemeClr val="tx1"/>
+                </a:solidFill>
+                <a:effectLst/>
+                <a:latin typeface="+mn-lt"/>
+                <a:ea typeface="+mn-ea"/>
+                <a:cs typeface="+mn-cs"/>
+              </a:rPr>
+              <a:t>releasePath</a:t>
+            </a:r>
+            <a:r>
+              <a:rPr lang="en-US" sz="1200" b="1" kern="1200" dirty="0" smtClean="0">
+                <a:solidFill>
+                  <a:schemeClr val="tx1"/>
+                </a:solidFill>
+                <a:effectLst/>
+                <a:latin typeface="+mn-lt"/>
+                <a:ea typeface="+mn-ea"/>
+                <a:cs typeface="+mn-cs"/>
+              </a:rPr>
+              <a:t>}/config/: </a:t>
+            </a:r>
+            <a:r>
+              <a:rPr lang="en-US" dirty="0" smtClean="0"/>
+              <a:t>/config/</a:t>
+            </a:r>
+            <a:br>
+              <a:rPr lang="en-US" dirty="0" smtClean="0"/>
+            </a:br>
+            <a:endParaRPr lang="en-US" dirty="0"/>
+          </a:p>
+        </p:txBody>
+      </p:sp>
+      <p:sp>
+        <p:nvSpPr>
+          <p:cNvPr id="4" name="Slide Number Placeholder 3"/>
+          <p:cNvSpPr>
+            <a:spLocks noGrp="1"/>
+          </p:cNvSpPr>
+          <p:nvPr>
+            <p:ph type="sldNum" sz="quarter" idx="10"/>
+          </p:nvPr>
+        </p:nvSpPr>
+        <p:spPr/>
+        <p:txBody>
+          <a:bodyPr/>
+          <a:lstStyle/>
+          <a:p>
+            <a:fld id="{F0593C4D-DAC8-294B-98EA-94939A182283}" type="slidenum">
+              <a:rPr lang="en-US" smtClean="0"/>
+              <a:t>21</a:t>
+            </a:fld>
+            <a:endParaRPr lang="en-US"/>
+          </a:p>
+        </p:txBody>
+      </p:sp>
+    </p:spTree>
+    <p:extLst>
+      <p:ext uri="{BB962C8B-B14F-4D97-AF65-F5344CB8AC3E}">
+        <p14:creationId xmlns:p14="http://schemas.microsoft.com/office/powerpoint/2010/main" val="1954508501"/>
+      </p:ext>
+    </p:extLst>
+  </p:cSld>
+  <p:clrMapOvr>
+    <a:masterClrMapping/>
+  </p:clrMapOvr>
+</p:notes>
+</file>
+
+<file path=ppt/notesSlides/notesSlide21.xml><?xml version="1.0" encoding="utf-8"?>
+<p:notes xmlns:a="http://schemas.openxmlformats.org/drawingml/2006/main" xmlns:r="http://schemas.openxmlformats.org/officeDocument/2006/relationships" xmlns:p="http://schemas.openxmlformats.org/presentationml/2006/main">
+  <p:cSld>
+    <p:spTree>
+      <p:nvGrpSpPr>
+        <p:cNvPr id="1" name=""/>
+        <p:cNvGrpSpPr/>
+        <p:nvPr/>
+      </p:nvGrpSpPr>
+      <p:grpSpPr>
+        <a:xfrm>
+          <a:off x="0" y="0"/>
+          <a:ext cx="0" cy="0"/>
+          <a:chOff x="0" y="0"/>
+          <a:chExt cx="0" cy="0"/>
+        </a:xfrm>
+      </p:grpSpPr>
+      <p:sp>
+        <p:nvSpPr>
+          <p:cNvPr id="2" name="Slide Image Placeholder 1"/>
+          <p:cNvSpPr>
+            <a:spLocks noGrp="1" noRot="1" noChangeAspect="1"/>
+          </p:cNvSpPr>
+          <p:nvPr>
+            <p:ph type="sldImg"/>
+          </p:nvPr>
+        </p:nvSpPr>
+        <p:spPr/>
+      </p:sp>
+      <p:sp>
+        <p:nvSpPr>
+          <p:cNvPr id="3" name="Notes Placeholder 2"/>
+          <p:cNvSpPr>
+            <a:spLocks noGrp="1"/>
+          </p:cNvSpPr>
+          <p:nvPr>
+            <p:ph type="body" idx="1"/>
+          </p:nvPr>
+        </p:nvSpPr>
+        <p:spPr/>
+        <p:txBody>
+          <a:bodyPr/>
+          <a:lstStyle/>
+          <a:p>
+            <a:endParaRPr lang="en-US" dirty="0"/>
+          </a:p>
+        </p:txBody>
+      </p:sp>
+      <p:sp>
+        <p:nvSpPr>
+          <p:cNvPr id="4" name="Slide Number Placeholder 3"/>
+          <p:cNvSpPr>
+            <a:spLocks noGrp="1"/>
+          </p:cNvSpPr>
+          <p:nvPr>
+            <p:ph type="sldNum" sz="quarter" idx="10"/>
+          </p:nvPr>
+        </p:nvSpPr>
+        <p:spPr/>
+        <p:txBody>
+          <a:bodyPr/>
+          <a:lstStyle/>
+          <a:p>
+            <a:fld id="{F0593C4D-DAC8-294B-98EA-94939A182283}" type="slidenum">
+              <a:rPr lang="en-US" smtClean="0"/>
+              <a:t>22</a:t>
+            </a:fld>
+            <a:endParaRPr lang="en-US"/>
+          </a:p>
+        </p:txBody>
+      </p:sp>
+    </p:spTree>
+    <p:extLst>
+      <p:ext uri="{BB962C8B-B14F-4D97-AF65-F5344CB8AC3E}">
+        <p14:creationId xmlns:p14="http://schemas.microsoft.com/office/powerpoint/2010/main" val="1352062367"/>
+      </p:ext>
+    </p:extLst>
+  </p:cSld>
+  <p:clrMapOvr>
+    <a:masterClrMapping/>
+  </p:clrMapOvr>
+</p:notes>
+</file>
+
+<file path=ppt/notesSlides/notesSlide22.xml><?xml version="1.0" encoding="utf-8"?>
+<p:notes xmlns:a="http://schemas.openxmlformats.org/drawingml/2006/main" xmlns:r="http://schemas.openxmlformats.org/officeDocument/2006/relationships" xmlns:p="http://schemas.openxmlformats.org/presentationml/2006/main">
+  <p:cSld>
+    <p:spTree>
+      <p:nvGrpSpPr>
+        <p:cNvPr id="1" name=""/>
+        <p:cNvGrpSpPr/>
+        <p:nvPr/>
+      </p:nvGrpSpPr>
+      <p:grpSpPr>
+        <a:xfrm>
+          <a:off x="0" y="0"/>
+          <a:ext cx="0" cy="0"/>
+          <a:chOff x="0" y="0"/>
+          <a:chExt cx="0" cy="0"/>
+        </a:xfrm>
+      </p:grpSpPr>
+      <p:sp>
+        <p:nvSpPr>
+          <p:cNvPr id="2" name="Slide Image Placeholder 1"/>
+          <p:cNvSpPr>
+            <a:spLocks noGrp="1" noRot="1" noChangeAspect="1"/>
+          </p:cNvSpPr>
+          <p:nvPr>
+            <p:ph type="sldImg"/>
+          </p:nvPr>
+        </p:nvSpPr>
+        <p:spPr/>
+      </p:sp>
+      <p:sp>
+        <p:nvSpPr>
+          <p:cNvPr id="3" name="Notes Placeholder 2"/>
+          <p:cNvSpPr>
+            <a:spLocks noGrp="1"/>
+          </p:cNvSpPr>
+          <p:nvPr>
+            <p:ph type="body" idx="1"/>
+          </p:nvPr>
+        </p:nvSpPr>
+        <p:spPr/>
+        <p:txBody>
+          <a:bodyPr/>
+          <a:lstStyle/>
+          <a:p>
+            <a:endParaRPr lang="en-US" dirty="0" smtClean="0"/>
+          </a:p>
+          <a:p>
+            <a:endParaRPr lang="en-US" dirty="0" smtClean="0"/>
+          </a:p>
+        </p:txBody>
+      </p:sp>
+      <p:sp>
+        <p:nvSpPr>
+          <p:cNvPr id="4" name="Slide Number Placeholder 3"/>
+          <p:cNvSpPr>
+            <a:spLocks noGrp="1"/>
+          </p:cNvSpPr>
+          <p:nvPr>
+            <p:ph type="sldNum" sz="quarter" idx="10"/>
+          </p:nvPr>
+        </p:nvSpPr>
+        <p:spPr/>
+        <p:txBody>
+          <a:bodyPr/>
+          <a:lstStyle/>
+          <a:p>
+            <a:fld id="{F0593C4D-DAC8-294B-98EA-94939A182283}" type="slidenum">
+              <a:rPr lang="en-US" smtClean="0"/>
+              <a:t>23</a:t>
+            </a:fld>
+            <a:endParaRPr lang="en-US"/>
+          </a:p>
+        </p:txBody>
+      </p:sp>
+    </p:spTree>
+    <p:extLst>
+      <p:ext uri="{BB962C8B-B14F-4D97-AF65-F5344CB8AC3E}">
+        <p14:creationId xmlns:p14="http://schemas.microsoft.com/office/powerpoint/2010/main" val="1897630167"/>
+      </p:ext>
+    </p:extLst>
+  </p:cSld>
+  <p:clrMapOvr>
+    <a:masterClrMapping/>
+  </p:clrMapOvr>
+</p:notes>
+</file>
+
+<file path=ppt/notesSlides/notesSlide23.xml><?xml version="1.0" encoding="utf-8"?>
+<p:notes xmlns:a="http://schemas.openxmlformats.org/drawingml/2006/main" xmlns:r="http://schemas.openxmlformats.org/officeDocument/2006/relationships" xmlns:p="http://schemas.openxmlformats.org/presentationml/2006/main">
+  <p:cSld>
+    <p:spTree>
+      <p:nvGrpSpPr>
+        <p:cNvPr id="1" name=""/>
+        <p:cNvGrpSpPr/>
+        <p:nvPr/>
+      </p:nvGrpSpPr>
+      <p:grpSpPr>
+        <a:xfrm>
+          <a:off x="0" y="0"/>
+          <a:ext cx="0" cy="0"/>
+          <a:chOff x="0" y="0"/>
+          <a:chExt cx="0" cy="0"/>
+        </a:xfrm>
+      </p:grpSpPr>
+      <p:sp>
+        <p:nvSpPr>
+          <p:cNvPr id="2" name="Slide Image Placeholder 1"/>
+          <p:cNvSpPr>
+            <a:spLocks noGrp="1" noRot="1" noChangeAspect="1"/>
+          </p:cNvSpPr>
+          <p:nvPr>
+            <p:ph type="sldImg"/>
+          </p:nvPr>
+        </p:nvSpPr>
+        <p:spPr/>
+      </p:sp>
+      <p:sp>
+        <p:nvSpPr>
+          <p:cNvPr id="3" name="Notes Placeholder 2"/>
+          <p:cNvSpPr>
+            <a:spLocks noGrp="1"/>
+          </p:cNvSpPr>
+          <p:nvPr>
+            <p:ph type="body" idx="1"/>
+          </p:nvPr>
+        </p:nvSpPr>
+        <p:spPr/>
+        <p:txBody>
+          <a:bodyPr/>
+          <a:lstStyle/>
+          <a:p>
+            <a:r>
+              <a:rPr lang="en-US" dirty="0" smtClean="0"/>
+              <a:t>@run.yaml</a:t>
+            </a:r>
+          </a:p>
+          <a:p>
+            <a:r>
+              <a:rPr lang="mr-IN" sz="1200" b="1" kern="1200" dirty="0" err="1" smtClean="0">
+                <a:solidFill>
+                  <a:schemeClr val="tx1"/>
+                </a:solidFill>
+                <a:effectLst/>
+                <a:latin typeface="+mn-lt"/>
+                <a:ea typeface="+mn-ea"/>
+                <a:cs typeface="+mn-cs"/>
+              </a:rPr>
+              <a:t>defaults</a:t>
+            </a:r>
+            <a:r>
+              <a:rPr lang="mr-IN" sz="1200" b="1" kern="1200" dirty="0" smtClean="0">
+                <a:solidFill>
+                  <a:schemeClr val="tx1"/>
+                </a:solidFill>
+                <a:effectLst/>
+                <a:latin typeface="+mn-lt"/>
+                <a:ea typeface="+mn-ea"/>
+                <a:cs typeface="+mn-cs"/>
+              </a:rPr>
+              <a:t>:</a:t>
+            </a:r>
+            <a:br>
+              <a:rPr lang="mr-IN" sz="1200" b="1" kern="1200" dirty="0" smtClean="0">
+                <a:solidFill>
+                  <a:schemeClr val="tx1"/>
+                </a:solidFill>
+                <a:effectLst/>
+                <a:latin typeface="+mn-lt"/>
+                <a:ea typeface="+mn-ea"/>
+                <a:cs typeface="+mn-cs"/>
+              </a:rPr>
+            </a:br>
+            <a:r>
+              <a:rPr lang="mr-IN" sz="1200" b="1" kern="1200" dirty="0" smtClean="0">
+                <a:solidFill>
+                  <a:schemeClr val="tx1"/>
+                </a:solidFill>
+                <a:effectLst/>
+                <a:latin typeface="+mn-lt"/>
+                <a:ea typeface="+mn-ea"/>
+                <a:cs typeface="+mn-cs"/>
+              </a:rPr>
+              <a:t>  </a:t>
+            </a:r>
+            <a:r>
+              <a:rPr lang="mr-IN" sz="1200" b="1" kern="1200" dirty="0" err="1" smtClean="0">
+                <a:solidFill>
+                  <a:schemeClr val="tx1"/>
+                </a:solidFill>
+                <a:effectLst/>
+                <a:latin typeface="+mn-lt"/>
+                <a:ea typeface="+mn-ea"/>
+                <a:cs typeface="+mn-cs"/>
+              </a:rPr>
+              <a:t>target</a:t>
+            </a:r>
+            <a:r>
+              <a:rPr lang="mr-IN" sz="1200" b="1" kern="1200" dirty="0" smtClean="0">
+                <a:solidFill>
+                  <a:schemeClr val="tx1"/>
+                </a:solidFill>
+                <a:effectLst/>
+                <a:latin typeface="+mn-lt"/>
+                <a:ea typeface="+mn-ea"/>
+                <a:cs typeface="+mn-cs"/>
+              </a:rPr>
+              <a:t>:</a:t>
+            </a:r>
+            <a:br>
+              <a:rPr lang="mr-IN" sz="1200" b="1" kern="1200" dirty="0" smtClean="0">
+                <a:solidFill>
+                  <a:schemeClr val="tx1"/>
+                </a:solidFill>
+                <a:effectLst/>
+                <a:latin typeface="+mn-lt"/>
+                <a:ea typeface="+mn-ea"/>
+                <a:cs typeface="+mn-cs"/>
+              </a:rPr>
+            </a:br>
+            <a:r>
+              <a:rPr lang="mr-IN" sz="1200" b="1" kern="1200" dirty="0" smtClean="0">
+                <a:solidFill>
+                  <a:schemeClr val="tx1"/>
+                </a:solidFill>
+                <a:effectLst/>
+                <a:latin typeface="+mn-lt"/>
+                <a:ea typeface="+mn-ea"/>
+                <a:cs typeface="+mn-cs"/>
+              </a:rPr>
+              <a:t>     URL: </a:t>
+            </a:r>
+            <a:r>
+              <a:rPr lang="mr-IN" dirty="0" err="1" smtClean="0"/>
+              <a:t>ssh</a:t>
+            </a:r>
+            <a:r>
+              <a:rPr lang="mr-IN" dirty="0" smtClean="0"/>
+              <a:t>://127.0.0.1/</a:t>
+            </a:r>
+            <a:br>
+              <a:rPr lang="mr-IN" dirty="0" smtClean="0"/>
+            </a:br>
+            <a:r>
+              <a:rPr lang="mr-IN" dirty="0" smtClean="0"/>
+              <a:t>     </a:t>
+            </a:r>
+            <a:r>
+              <a:rPr lang="mr-IN" sz="1200" b="1" kern="1200" dirty="0" err="1" smtClean="0">
+                <a:solidFill>
+                  <a:schemeClr val="tx1"/>
+                </a:solidFill>
+                <a:effectLst/>
+                <a:latin typeface="+mn-lt"/>
+                <a:ea typeface="+mn-ea"/>
+                <a:cs typeface="+mn-cs"/>
+              </a:rPr>
+              <a:t>credentials</a:t>
+            </a:r>
+            <a:r>
+              <a:rPr lang="mr-IN" sz="1200" b="1" kern="1200" dirty="0" smtClean="0">
+                <a:solidFill>
+                  <a:schemeClr val="tx1"/>
+                </a:solidFill>
+                <a:effectLst/>
+                <a:latin typeface="+mn-lt"/>
+                <a:ea typeface="+mn-ea"/>
+                <a:cs typeface="+mn-cs"/>
+              </a:rPr>
+              <a:t>: </a:t>
+            </a:r>
+            <a:r>
+              <a:rPr lang="mr-IN" dirty="0" err="1" smtClean="0"/>
+              <a:t>localhost</a:t>
+            </a:r>
+            <a:r>
+              <a:rPr lang="mr-IN" dirty="0" smtClean="0"/>
+              <a:t/>
+            </a:r>
+            <a:br>
+              <a:rPr lang="mr-IN" dirty="0" smtClean="0"/>
+            </a:br>
+            <a:r>
+              <a:rPr lang="mr-IN" sz="1200" b="1" kern="1200" dirty="0" err="1" smtClean="0">
+                <a:solidFill>
+                  <a:schemeClr val="tx1"/>
+                </a:solidFill>
+                <a:effectLst/>
+                <a:latin typeface="+mn-lt"/>
+                <a:ea typeface="+mn-ea"/>
+                <a:cs typeface="+mn-cs"/>
+              </a:rPr>
+              <a:t>pipeline</a:t>
+            </a:r>
+            <a:r>
+              <a:rPr lang="mr-IN" sz="1200" b="1" kern="1200" dirty="0" smtClean="0">
+                <a:solidFill>
+                  <a:schemeClr val="tx1"/>
+                </a:solidFill>
+                <a:effectLst/>
+                <a:latin typeface="+mn-lt"/>
+                <a:ea typeface="+mn-ea"/>
+                <a:cs typeface="+mn-cs"/>
+              </a:rPr>
+              <a:t>:</a:t>
+            </a:r>
+            <a:br>
+              <a:rPr lang="mr-IN" sz="1200" b="1" kern="1200" dirty="0" smtClean="0">
+                <a:solidFill>
+                  <a:schemeClr val="tx1"/>
+                </a:solidFill>
+                <a:effectLst/>
+                <a:latin typeface="+mn-lt"/>
+                <a:ea typeface="+mn-ea"/>
+                <a:cs typeface="+mn-cs"/>
+              </a:rPr>
+            </a:br>
+            <a:r>
+              <a:rPr lang="mr-IN" sz="1200" b="1" kern="1200" dirty="0" smtClean="0">
+                <a:solidFill>
+                  <a:schemeClr val="tx1"/>
+                </a:solidFill>
+                <a:effectLst/>
+                <a:latin typeface="+mn-lt"/>
+                <a:ea typeface="+mn-ea"/>
+                <a:cs typeface="+mn-cs"/>
+              </a:rPr>
+              <a:t>  </a:t>
+            </a:r>
+            <a:r>
+              <a:rPr lang="mr-IN" sz="1200" b="1" kern="1200" dirty="0" err="1" smtClean="0">
+                <a:solidFill>
+                  <a:schemeClr val="tx1"/>
+                </a:solidFill>
+                <a:effectLst/>
+                <a:latin typeface="+mn-lt"/>
+                <a:ea typeface="+mn-ea"/>
+                <a:cs typeface="+mn-cs"/>
+              </a:rPr>
+              <a:t>init</a:t>
+            </a:r>
+            <a:r>
+              <a:rPr lang="mr-IN" sz="1200" b="1" kern="1200" dirty="0" smtClean="0">
+                <a:solidFill>
+                  <a:schemeClr val="tx1"/>
+                </a:solidFill>
+                <a:effectLst/>
+                <a:latin typeface="+mn-lt"/>
+                <a:ea typeface="+mn-ea"/>
+                <a:cs typeface="+mn-cs"/>
+              </a:rPr>
+              <a:t>:</a:t>
+            </a:r>
+            <a:br>
+              <a:rPr lang="mr-IN" sz="1200" b="1" kern="1200" dirty="0" smtClean="0">
+                <a:solidFill>
+                  <a:schemeClr val="tx1"/>
+                </a:solidFill>
+                <a:effectLst/>
+                <a:latin typeface="+mn-lt"/>
+                <a:ea typeface="+mn-ea"/>
+                <a:cs typeface="+mn-cs"/>
+              </a:rPr>
+            </a:br>
+            <a:r>
+              <a:rPr lang="mr-IN" sz="1200" b="1" kern="1200" dirty="0" smtClean="0">
+                <a:solidFill>
+                  <a:schemeClr val="tx1"/>
+                </a:solidFill>
+                <a:effectLst/>
+                <a:latin typeface="+mn-lt"/>
+                <a:ea typeface="+mn-ea"/>
+                <a:cs typeface="+mn-cs"/>
+              </a:rPr>
+              <a:t>    </a:t>
+            </a:r>
+            <a:r>
+              <a:rPr lang="mr-IN" sz="1200" b="1" kern="1200" dirty="0" err="1" smtClean="0">
+                <a:solidFill>
+                  <a:schemeClr val="tx1"/>
+                </a:solidFill>
+                <a:effectLst/>
+                <a:latin typeface="+mn-lt"/>
+                <a:ea typeface="+mn-ea"/>
+                <a:cs typeface="+mn-cs"/>
+              </a:rPr>
+              <a:t>action</a:t>
+            </a:r>
+            <a:r>
+              <a:rPr lang="mr-IN" sz="1200" b="1" kern="1200" dirty="0" smtClean="0">
+                <a:solidFill>
+                  <a:schemeClr val="tx1"/>
+                </a:solidFill>
+                <a:effectLst/>
+                <a:latin typeface="+mn-lt"/>
+                <a:ea typeface="+mn-ea"/>
+                <a:cs typeface="+mn-cs"/>
+              </a:rPr>
+              <a:t>: </a:t>
+            </a:r>
+            <a:r>
+              <a:rPr lang="mr-IN" dirty="0" err="1" smtClean="0"/>
+              <a:t>selenium:start</a:t>
+            </a:r>
+            <a:r>
+              <a:rPr lang="mr-IN" dirty="0" smtClean="0"/>
+              <a:t/>
+            </a:r>
+            <a:br>
+              <a:rPr lang="mr-IN" dirty="0" smtClean="0"/>
+            </a:br>
+            <a:r>
+              <a:rPr lang="mr-IN" dirty="0" smtClean="0"/>
+              <a:t>    </a:t>
+            </a:r>
+            <a:r>
+              <a:rPr lang="mr-IN" sz="1200" b="1" kern="1200" dirty="0" err="1" smtClean="0">
+                <a:solidFill>
+                  <a:schemeClr val="tx1"/>
+                </a:solidFill>
+                <a:effectLst/>
+                <a:latin typeface="+mn-lt"/>
+                <a:ea typeface="+mn-ea"/>
+                <a:cs typeface="+mn-cs"/>
+              </a:rPr>
+              <a:t>version</a:t>
+            </a:r>
+            <a:r>
+              <a:rPr lang="mr-IN" sz="1200" b="1" kern="1200" dirty="0" smtClean="0">
+                <a:solidFill>
+                  <a:schemeClr val="tx1"/>
+                </a:solidFill>
+                <a:effectLst/>
+                <a:latin typeface="+mn-lt"/>
+                <a:ea typeface="+mn-ea"/>
+                <a:cs typeface="+mn-cs"/>
+              </a:rPr>
+              <a:t>: </a:t>
+            </a:r>
+            <a:r>
+              <a:rPr lang="mr-IN" dirty="0" smtClean="0"/>
+              <a:t>3.4.0</a:t>
+            </a:r>
+            <a:br>
+              <a:rPr lang="mr-IN" dirty="0" smtClean="0"/>
+            </a:br>
+            <a:r>
+              <a:rPr lang="mr-IN" dirty="0" smtClean="0"/>
+              <a:t>    </a:t>
+            </a:r>
+            <a:r>
+              <a:rPr lang="mr-IN" sz="1200" b="1" kern="1200" dirty="0" err="1" smtClean="0">
+                <a:solidFill>
+                  <a:schemeClr val="tx1"/>
+                </a:solidFill>
+                <a:effectLst/>
+                <a:latin typeface="+mn-lt"/>
+                <a:ea typeface="+mn-ea"/>
+                <a:cs typeface="+mn-cs"/>
+              </a:rPr>
+              <a:t>port</a:t>
+            </a:r>
+            <a:r>
+              <a:rPr lang="mr-IN" sz="1200" b="1" kern="1200" dirty="0" smtClean="0">
+                <a:solidFill>
+                  <a:schemeClr val="tx1"/>
+                </a:solidFill>
+                <a:effectLst/>
+                <a:latin typeface="+mn-lt"/>
+                <a:ea typeface="+mn-ea"/>
+                <a:cs typeface="+mn-cs"/>
+              </a:rPr>
+              <a:t>: </a:t>
+            </a:r>
+            <a:r>
+              <a:rPr lang="mr-IN" dirty="0" smtClean="0"/>
+              <a:t>8085</a:t>
+            </a:r>
+            <a:br>
+              <a:rPr lang="mr-IN" dirty="0" smtClean="0"/>
+            </a:br>
+            <a:r>
+              <a:rPr lang="mr-IN" dirty="0" smtClean="0"/>
+              <a:t>    </a:t>
+            </a:r>
+            <a:r>
+              <a:rPr lang="mr-IN" sz="1200" b="1" kern="1200" dirty="0" smtClean="0">
+                <a:solidFill>
+                  <a:schemeClr val="tx1"/>
+                </a:solidFill>
+                <a:effectLst/>
+                <a:latin typeface="+mn-lt"/>
+                <a:ea typeface="+mn-ea"/>
+                <a:cs typeface="+mn-cs"/>
+              </a:rPr>
+              <a:t>sdk: </a:t>
+            </a:r>
+            <a:r>
+              <a:rPr lang="mr-IN" dirty="0" err="1" smtClean="0"/>
+              <a:t>jdk</a:t>
+            </a:r>
+            <a:r>
+              <a:rPr lang="mr-IN" dirty="0" smtClean="0"/>
+              <a:t/>
+            </a:r>
+            <a:br>
+              <a:rPr lang="mr-IN" dirty="0" smtClean="0"/>
+            </a:br>
+            <a:r>
+              <a:rPr lang="mr-IN" dirty="0" smtClean="0"/>
+              <a:t>    </a:t>
+            </a:r>
+            <a:r>
+              <a:rPr lang="mr-IN" sz="1200" b="1" kern="1200" dirty="0" err="1" smtClean="0">
+                <a:solidFill>
+                  <a:schemeClr val="tx1"/>
+                </a:solidFill>
+                <a:effectLst/>
+                <a:latin typeface="+mn-lt"/>
+                <a:ea typeface="+mn-ea"/>
+                <a:cs typeface="+mn-cs"/>
+              </a:rPr>
+              <a:t>sdkVersion</a:t>
+            </a:r>
+            <a:r>
+              <a:rPr lang="mr-IN" sz="1200" b="1" kern="1200" dirty="0" smtClean="0">
+                <a:solidFill>
+                  <a:schemeClr val="tx1"/>
+                </a:solidFill>
+                <a:effectLst/>
+                <a:latin typeface="+mn-lt"/>
+                <a:ea typeface="+mn-ea"/>
+                <a:cs typeface="+mn-cs"/>
+              </a:rPr>
+              <a:t>: </a:t>
+            </a:r>
+            <a:r>
+              <a:rPr lang="mr-IN" dirty="0" smtClean="0"/>
+              <a:t>1.8</a:t>
+            </a:r>
+            <a:br>
+              <a:rPr lang="mr-IN" dirty="0" smtClean="0"/>
+            </a:br>
+            <a:r>
+              <a:rPr lang="mr-IN" dirty="0" smtClean="0"/>
+              <a:t>  </a:t>
+            </a:r>
+            <a:r>
+              <a:rPr lang="mr-IN" sz="1200" b="1" kern="1200" dirty="0" err="1" smtClean="0">
+                <a:solidFill>
+                  <a:schemeClr val="tx1"/>
+                </a:solidFill>
+                <a:effectLst/>
+                <a:latin typeface="+mn-lt"/>
+                <a:ea typeface="+mn-ea"/>
+                <a:cs typeface="+mn-cs"/>
+              </a:rPr>
+              <a:t>test</a:t>
+            </a:r>
+            <a:r>
+              <a:rPr lang="mr-IN" sz="1200" b="1" kern="1200" dirty="0" smtClean="0">
+                <a:solidFill>
+                  <a:schemeClr val="tx1"/>
+                </a:solidFill>
+                <a:effectLst/>
+                <a:latin typeface="+mn-lt"/>
+                <a:ea typeface="+mn-ea"/>
+                <a:cs typeface="+mn-cs"/>
+              </a:rPr>
+              <a:t>:</a:t>
+            </a:r>
+            <a:br>
+              <a:rPr lang="mr-IN" sz="1200" b="1" kern="1200" dirty="0" smtClean="0">
+                <a:solidFill>
+                  <a:schemeClr val="tx1"/>
+                </a:solidFill>
+                <a:effectLst/>
+                <a:latin typeface="+mn-lt"/>
+                <a:ea typeface="+mn-ea"/>
+                <a:cs typeface="+mn-cs"/>
+              </a:rPr>
+            </a:br>
+            <a:r>
+              <a:rPr lang="mr-IN" sz="1200" b="1" kern="1200" dirty="0" smtClean="0">
+                <a:solidFill>
+                  <a:schemeClr val="tx1"/>
+                </a:solidFill>
+                <a:effectLst/>
+                <a:latin typeface="+mn-lt"/>
+                <a:ea typeface="+mn-ea"/>
+                <a:cs typeface="+mn-cs"/>
+              </a:rPr>
+              <a:t>    </a:t>
+            </a:r>
+            <a:r>
+              <a:rPr lang="mr-IN" sz="1200" b="1" kern="1200" dirty="0" err="1" smtClean="0">
+                <a:solidFill>
+                  <a:schemeClr val="tx1"/>
+                </a:solidFill>
+                <a:effectLst/>
+                <a:latin typeface="+mn-lt"/>
+                <a:ea typeface="+mn-ea"/>
+                <a:cs typeface="+mn-cs"/>
+              </a:rPr>
+              <a:t>action</a:t>
+            </a:r>
+            <a:r>
+              <a:rPr lang="mr-IN" sz="1200" b="1" kern="1200" dirty="0" smtClean="0">
+                <a:solidFill>
+                  <a:schemeClr val="tx1"/>
+                </a:solidFill>
+                <a:effectLst/>
+                <a:latin typeface="+mn-lt"/>
+                <a:ea typeface="+mn-ea"/>
+                <a:cs typeface="+mn-cs"/>
+              </a:rPr>
+              <a:t>: </a:t>
+            </a:r>
+            <a:r>
+              <a:rPr lang="mr-IN" dirty="0" err="1" smtClean="0"/>
+              <a:t>selenium:run</a:t>
+            </a:r>
+            <a:r>
+              <a:rPr lang="mr-IN" dirty="0" smtClean="0"/>
+              <a:t/>
+            </a:r>
+            <a:br>
+              <a:rPr lang="mr-IN" dirty="0" smtClean="0"/>
+            </a:br>
+            <a:r>
+              <a:rPr lang="mr-IN" dirty="0" smtClean="0"/>
+              <a:t>    </a:t>
+            </a:r>
+            <a:r>
+              <a:rPr lang="mr-IN" sz="1200" b="1" kern="1200" dirty="0" err="1" smtClean="0">
+                <a:solidFill>
+                  <a:schemeClr val="tx1"/>
+                </a:solidFill>
+                <a:effectLst/>
+                <a:latin typeface="+mn-lt"/>
+                <a:ea typeface="+mn-ea"/>
+                <a:cs typeface="+mn-cs"/>
+              </a:rPr>
+              <a:t>browser</a:t>
+            </a:r>
+            <a:r>
+              <a:rPr lang="mr-IN" sz="1200" b="1" kern="1200" dirty="0" smtClean="0">
+                <a:solidFill>
+                  <a:schemeClr val="tx1"/>
+                </a:solidFill>
+                <a:effectLst/>
+                <a:latin typeface="+mn-lt"/>
+                <a:ea typeface="+mn-ea"/>
+                <a:cs typeface="+mn-cs"/>
+              </a:rPr>
+              <a:t>: </a:t>
+            </a:r>
+            <a:r>
+              <a:rPr lang="mr-IN" dirty="0" err="1" smtClean="0"/>
+              <a:t>firefox</a:t>
+            </a:r>
+            <a:r>
+              <a:rPr lang="mr-IN" dirty="0" smtClean="0"/>
+              <a:t/>
+            </a:r>
+            <a:br>
+              <a:rPr lang="mr-IN" dirty="0" smtClean="0"/>
+            </a:br>
+            <a:r>
+              <a:rPr lang="mr-IN" dirty="0" smtClean="0"/>
+              <a:t>    </a:t>
+            </a:r>
+            <a:r>
+              <a:rPr lang="mr-IN" sz="1200" b="1" kern="1200" dirty="0" err="1" smtClean="0">
+                <a:solidFill>
+                  <a:schemeClr val="tx1"/>
+                </a:solidFill>
+                <a:effectLst/>
+                <a:latin typeface="+mn-lt"/>
+                <a:ea typeface="+mn-ea"/>
+                <a:cs typeface="+mn-cs"/>
+              </a:rPr>
+              <a:t>remoteSelenium</a:t>
+            </a:r>
+            <a:r>
+              <a:rPr lang="mr-IN" sz="1200" b="1" kern="1200" dirty="0" smtClean="0">
+                <a:solidFill>
+                  <a:schemeClr val="tx1"/>
+                </a:solidFill>
+                <a:effectLst/>
+                <a:latin typeface="+mn-lt"/>
+                <a:ea typeface="+mn-ea"/>
+                <a:cs typeface="+mn-cs"/>
+              </a:rPr>
+              <a:t>:</a:t>
+            </a:r>
+            <a:br>
+              <a:rPr lang="mr-IN" sz="1200" b="1" kern="1200" dirty="0" smtClean="0">
+                <a:solidFill>
+                  <a:schemeClr val="tx1"/>
+                </a:solidFill>
+                <a:effectLst/>
+                <a:latin typeface="+mn-lt"/>
+                <a:ea typeface="+mn-ea"/>
+                <a:cs typeface="+mn-cs"/>
+              </a:rPr>
+            </a:br>
+            <a:r>
+              <a:rPr lang="mr-IN" sz="1200" b="1" kern="1200" dirty="0" smtClean="0">
+                <a:solidFill>
+                  <a:schemeClr val="tx1"/>
+                </a:solidFill>
+                <a:effectLst/>
+                <a:latin typeface="+mn-lt"/>
+                <a:ea typeface="+mn-ea"/>
+                <a:cs typeface="+mn-cs"/>
+              </a:rPr>
+              <a:t>      URL: </a:t>
+            </a:r>
+            <a:r>
+              <a:rPr lang="mr-IN" dirty="0" err="1" smtClean="0"/>
+              <a:t>http</a:t>
+            </a:r>
+            <a:r>
+              <a:rPr lang="mr-IN" dirty="0" smtClean="0"/>
+              <a:t>://127.0.0.1:8085</a:t>
+            </a:r>
+            <a:br>
+              <a:rPr lang="mr-IN" dirty="0" smtClean="0"/>
+            </a:br>
+            <a:r>
+              <a:rPr lang="mr-IN" dirty="0" smtClean="0"/>
+              <a:t>    </a:t>
+            </a:r>
+            <a:r>
+              <a:rPr lang="mr-IN" sz="1200" b="1" kern="1200" dirty="0" err="1" smtClean="0">
+                <a:solidFill>
+                  <a:schemeClr val="tx1"/>
+                </a:solidFill>
+                <a:effectLst/>
+                <a:latin typeface="+mn-lt"/>
+                <a:ea typeface="+mn-ea"/>
+                <a:cs typeface="+mn-cs"/>
+              </a:rPr>
+              <a:t>commands</a:t>
+            </a:r>
+            <a:r>
+              <a:rPr lang="mr-IN" sz="1200" b="1" kern="1200" dirty="0" smtClean="0">
+                <a:solidFill>
+                  <a:schemeClr val="tx1"/>
+                </a:solidFill>
+                <a:effectLst/>
+                <a:latin typeface="+mn-lt"/>
+                <a:ea typeface="+mn-ea"/>
+                <a:cs typeface="+mn-cs"/>
+              </a:rPr>
+              <a:t>:</a:t>
+            </a:r>
+            <a:br>
+              <a:rPr lang="mr-IN" sz="1200" b="1" kern="1200" dirty="0" smtClean="0">
+                <a:solidFill>
+                  <a:schemeClr val="tx1"/>
+                </a:solidFill>
+                <a:effectLst/>
+                <a:latin typeface="+mn-lt"/>
+                <a:ea typeface="+mn-ea"/>
+                <a:cs typeface="+mn-cs"/>
+              </a:rPr>
+            </a:br>
+            <a:r>
+              <a:rPr lang="mr-IN" sz="1200" b="1" kern="1200" dirty="0" smtClean="0">
+                <a:solidFill>
+                  <a:schemeClr val="tx1"/>
+                </a:solidFill>
+                <a:effectLst/>
+                <a:latin typeface="+mn-lt"/>
+                <a:ea typeface="+mn-ea"/>
+                <a:cs typeface="+mn-cs"/>
+              </a:rPr>
+              <a:t>      </a:t>
+            </a:r>
+            <a:r>
+              <a:rPr lang="mr-IN" dirty="0" smtClean="0"/>
+              <a:t>- </a:t>
+            </a:r>
+            <a:r>
+              <a:rPr lang="mr-IN" dirty="0" err="1" smtClean="0"/>
+              <a:t>get</a:t>
+            </a:r>
+            <a:r>
+              <a:rPr lang="mr-IN" dirty="0" smtClean="0"/>
+              <a:t>(</a:t>
+            </a:r>
+            <a:r>
+              <a:rPr lang="mr-IN" dirty="0" err="1" smtClean="0"/>
+              <a:t>http</a:t>
+            </a:r>
+            <a:r>
+              <a:rPr lang="mr-IN" dirty="0" smtClean="0"/>
+              <a:t>://127.0.0.1:8080/</a:t>
+            </a:r>
+            <a:r>
+              <a:rPr lang="mr-IN" dirty="0" err="1" smtClean="0"/>
+              <a:t>form.html</a:t>
+            </a:r>
+            <a:r>
+              <a:rPr lang="mr-IN" dirty="0" smtClean="0"/>
+              <a:t>)</a:t>
+            </a:r>
+            <a:br>
+              <a:rPr lang="mr-IN" dirty="0" smtClean="0"/>
+            </a:br>
+            <a:r>
+              <a:rPr lang="mr-IN" dirty="0" smtClean="0"/>
+              <a:t>      - (#</a:t>
+            </a:r>
+            <a:r>
+              <a:rPr lang="mr-IN" dirty="0" err="1" smtClean="0"/>
+              <a:t>id</a:t>
+            </a:r>
+            <a:r>
+              <a:rPr lang="mr-IN" dirty="0" smtClean="0"/>
+              <a:t>).</a:t>
+            </a:r>
+            <a:r>
+              <a:rPr lang="mr-IN" dirty="0" err="1" smtClean="0"/>
+              <a:t>clear</a:t>
+            </a:r>
+            <a:r>
+              <a:rPr lang="mr-IN" dirty="0" smtClean="0"/>
+              <a:t/>
+            </a:r>
+            <a:br>
+              <a:rPr lang="mr-IN" dirty="0" smtClean="0"/>
+            </a:br>
+            <a:r>
+              <a:rPr lang="mr-IN" dirty="0" smtClean="0"/>
+              <a:t>      - (#</a:t>
+            </a:r>
+            <a:r>
+              <a:rPr lang="mr-IN" dirty="0" err="1" smtClean="0"/>
+              <a:t>id</a:t>
+            </a:r>
+            <a:r>
+              <a:rPr lang="mr-IN" dirty="0" smtClean="0"/>
+              <a:t>).</a:t>
+            </a:r>
+            <a:r>
+              <a:rPr lang="mr-IN" dirty="0" err="1" smtClean="0"/>
+              <a:t>sendKeys</a:t>
+            </a:r>
+            <a:r>
+              <a:rPr lang="mr-IN" dirty="0" smtClean="0"/>
+              <a:t>('111111')</a:t>
+            </a:r>
+            <a:br>
+              <a:rPr lang="mr-IN" dirty="0" smtClean="0"/>
+            </a:br>
+            <a:r>
+              <a:rPr lang="mr-IN" dirty="0" smtClean="0"/>
+              <a:t>      - (#</a:t>
+            </a:r>
+            <a:r>
+              <a:rPr lang="mr-IN" dirty="0" err="1" smtClean="0"/>
+              <a:t>name</a:t>
+            </a:r>
+            <a:r>
+              <a:rPr lang="mr-IN" dirty="0" smtClean="0"/>
+              <a:t>).</a:t>
+            </a:r>
+            <a:r>
+              <a:rPr lang="mr-IN" dirty="0" err="1" smtClean="0"/>
+              <a:t>clear</a:t>
+            </a:r>
+            <a:r>
+              <a:rPr lang="mr-IN" dirty="0" smtClean="0"/>
+              <a:t/>
+            </a:r>
+            <a:br>
+              <a:rPr lang="mr-IN" dirty="0" smtClean="0"/>
+            </a:br>
+            <a:r>
+              <a:rPr lang="mr-IN" dirty="0" smtClean="0"/>
+              <a:t>      - (#</a:t>
+            </a:r>
+            <a:r>
+              <a:rPr lang="mr-IN" dirty="0" err="1" smtClean="0"/>
+              <a:t>name</a:t>
+            </a:r>
+            <a:r>
+              <a:rPr lang="mr-IN" dirty="0" smtClean="0"/>
+              <a:t>).</a:t>
+            </a:r>
+            <a:r>
+              <a:rPr lang="mr-IN" dirty="0" err="1" smtClean="0"/>
+              <a:t>sendKeys</a:t>
+            </a:r>
+            <a:r>
+              <a:rPr lang="mr-IN" dirty="0" smtClean="0"/>
+              <a:t>('</a:t>
+            </a:r>
+            <a:r>
+              <a:rPr lang="mr-IN" dirty="0" err="1" smtClean="0"/>
+              <a:t>dummy</a:t>
+            </a:r>
+            <a:r>
+              <a:rPr lang="mr-IN" dirty="0" smtClean="0"/>
+              <a:t> 123')</a:t>
+            </a:r>
+            <a:br>
+              <a:rPr lang="mr-IN" dirty="0" smtClean="0"/>
+            </a:br>
+            <a:r>
+              <a:rPr lang="mr-IN" dirty="0" smtClean="0"/>
+              <a:t>      - (#</a:t>
+            </a:r>
+            <a:r>
+              <a:rPr lang="mr-IN" dirty="0" err="1" smtClean="0"/>
+              <a:t>typeId</a:t>
+            </a:r>
+            <a:r>
+              <a:rPr lang="mr-IN" dirty="0" smtClean="0"/>
+              <a:t>).</a:t>
+            </a:r>
+            <a:r>
+              <a:rPr lang="mr-IN" dirty="0" err="1" smtClean="0"/>
+              <a:t>clear</a:t>
+            </a:r>
+            <a:r>
+              <a:rPr lang="mr-IN" dirty="0" smtClean="0"/>
+              <a:t>()</a:t>
+            </a:r>
+            <a:br>
+              <a:rPr lang="mr-IN" dirty="0" smtClean="0"/>
+            </a:br>
+            <a:r>
+              <a:rPr lang="mr-IN" dirty="0" smtClean="0"/>
+              <a:t>      - (</a:t>
+            </a:r>
+            <a:r>
+              <a:rPr lang="mr-IN" dirty="0" err="1" smtClean="0"/>
+              <a:t>xpath</a:t>
+            </a:r>
+            <a:r>
+              <a:rPr lang="mr-IN" dirty="0" smtClean="0"/>
+              <a:t>://SELECT[@</a:t>
+            </a:r>
+            <a:r>
+              <a:rPr lang="mr-IN" dirty="0" err="1" smtClean="0"/>
+              <a:t>id</a:t>
+            </a:r>
+            <a:r>
+              <a:rPr lang="mr-IN" dirty="0" smtClean="0"/>
+              <a:t>='</a:t>
+            </a:r>
+            <a:r>
+              <a:rPr lang="mr-IN" dirty="0" err="1" smtClean="0"/>
+              <a:t>typeId</a:t>
+            </a:r>
+            <a:r>
+              <a:rPr lang="mr-IN" dirty="0" smtClean="0"/>
+              <a:t>']/</a:t>
+            </a:r>
+            <a:r>
+              <a:rPr lang="mr-IN" dirty="0" err="1" smtClean="0"/>
+              <a:t>option</a:t>
+            </a:r>
+            <a:r>
+              <a:rPr lang="mr-IN" dirty="0" smtClean="0"/>
+              <a:t>[</a:t>
+            </a:r>
+            <a:r>
+              <a:rPr lang="mr-IN" dirty="0" err="1" smtClean="0"/>
+              <a:t>text</a:t>
+            </a:r>
+            <a:r>
+              <a:rPr lang="mr-IN" dirty="0" smtClean="0"/>
+              <a:t>()='type1']).</a:t>
+            </a:r>
+            <a:r>
+              <a:rPr lang="mr-IN" dirty="0" err="1" smtClean="0"/>
+              <a:t>click</a:t>
+            </a:r>
+            <a:r>
+              <a:rPr lang="mr-IN" dirty="0" smtClean="0"/>
+              <a:t>()</a:t>
+            </a:r>
+            <a:br>
+              <a:rPr lang="mr-IN" dirty="0" smtClean="0"/>
+            </a:br>
+            <a:r>
+              <a:rPr lang="mr-IN" dirty="0" smtClean="0"/>
+              <a:t>      - (#</a:t>
+            </a:r>
+            <a:r>
+              <a:rPr lang="mr-IN" dirty="0" err="1" smtClean="0"/>
+              <a:t>agree</a:t>
+            </a:r>
+            <a:r>
+              <a:rPr lang="mr-IN" dirty="0" smtClean="0"/>
+              <a:t>).</a:t>
+            </a:r>
+            <a:r>
+              <a:rPr lang="mr-IN" dirty="0" err="1" smtClean="0"/>
+              <a:t>click</a:t>
+            </a:r>
+            <a:r>
+              <a:rPr lang="mr-IN" dirty="0" smtClean="0"/>
+              <a:t>      </a:t>
+            </a:r>
+            <a:br>
+              <a:rPr lang="mr-IN" dirty="0" smtClean="0"/>
+            </a:br>
+            <a:r>
+              <a:rPr lang="mr-IN" dirty="0" smtClean="0"/>
+              <a:t>      - (#</a:t>
+            </a:r>
+            <a:r>
+              <a:rPr lang="mr-IN" dirty="0" err="1" smtClean="0"/>
+              <a:t>submit</a:t>
+            </a:r>
+            <a:r>
+              <a:rPr lang="mr-IN" dirty="0" smtClean="0"/>
+              <a:t>).</a:t>
+            </a:r>
+            <a:r>
+              <a:rPr lang="mr-IN" dirty="0" err="1" smtClean="0"/>
+              <a:t>click</a:t>
+            </a:r>
+            <a:r>
+              <a:rPr lang="mr-IN" dirty="0" smtClean="0"/>
+              <a:t/>
+            </a:r>
+            <a:br>
+              <a:rPr lang="mr-IN" dirty="0" smtClean="0"/>
+            </a:br>
+            <a:r>
+              <a:rPr lang="mr-IN" dirty="0" smtClean="0"/>
+              <a:t>      - </a:t>
+            </a:r>
+            <a:r>
+              <a:rPr lang="mr-IN" sz="1200" b="1" kern="1200" dirty="0" err="1" smtClean="0">
+                <a:solidFill>
+                  <a:schemeClr val="tx1"/>
+                </a:solidFill>
+                <a:effectLst/>
+                <a:latin typeface="+mn-lt"/>
+                <a:ea typeface="+mn-ea"/>
+                <a:cs typeface="+mn-cs"/>
+              </a:rPr>
+              <a:t>command</a:t>
+            </a:r>
+            <a:r>
+              <a:rPr lang="mr-IN" sz="1200" b="1" kern="1200" dirty="0" smtClean="0">
+                <a:solidFill>
+                  <a:schemeClr val="tx1"/>
+                </a:solidFill>
+                <a:effectLst/>
+                <a:latin typeface="+mn-lt"/>
+                <a:ea typeface="+mn-ea"/>
+                <a:cs typeface="+mn-cs"/>
+              </a:rPr>
+              <a:t>: </a:t>
+            </a:r>
+            <a:r>
+              <a:rPr lang="mr-IN" dirty="0" err="1" smtClean="0"/>
+              <a:t>CurrentURL</a:t>
+            </a:r>
+            <a:r>
+              <a:rPr lang="mr-IN" dirty="0" smtClean="0"/>
+              <a:t> = </a:t>
+            </a:r>
+            <a:r>
+              <a:rPr lang="mr-IN" dirty="0" err="1" smtClean="0"/>
+              <a:t>CurrentURL</a:t>
+            </a:r>
+            <a:r>
+              <a:rPr lang="mr-IN" dirty="0" smtClean="0"/>
+              <a:t>()</a:t>
+            </a:r>
+            <a:br>
+              <a:rPr lang="mr-IN" dirty="0" smtClean="0"/>
+            </a:br>
+            <a:r>
+              <a:rPr lang="mr-IN" dirty="0" smtClean="0"/>
+              <a:t>        </a:t>
+            </a:r>
+            <a:r>
+              <a:rPr lang="mr-IN" sz="1200" b="1" kern="1200" dirty="0" err="1" smtClean="0">
+                <a:solidFill>
+                  <a:schemeClr val="tx1"/>
+                </a:solidFill>
+                <a:effectLst/>
+                <a:latin typeface="+mn-lt"/>
+                <a:ea typeface="+mn-ea"/>
+                <a:cs typeface="+mn-cs"/>
+              </a:rPr>
+              <a:t>exit</a:t>
+            </a:r>
+            <a:r>
+              <a:rPr lang="mr-IN" sz="1200" b="1" kern="1200" dirty="0" smtClean="0">
+                <a:solidFill>
+                  <a:schemeClr val="tx1"/>
+                </a:solidFill>
+                <a:effectLst/>
+                <a:latin typeface="+mn-lt"/>
+                <a:ea typeface="+mn-ea"/>
+                <a:cs typeface="+mn-cs"/>
+              </a:rPr>
+              <a:t>: </a:t>
+            </a:r>
+            <a:r>
+              <a:rPr lang="mr-IN" dirty="0" smtClean="0"/>
+              <a:t>$</a:t>
+            </a:r>
+            <a:r>
+              <a:rPr lang="mr-IN" dirty="0" err="1" smtClean="0"/>
+              <a:t>CurrentURL</a:t>
+            </a:r>
+            <a:r>
+              <a:rPr lang="mr-IN" dirty="0" smtClean="0"/>
+              <a:t>:/</a:t>
+            </a:r>
+            <a:r>
+              <a:rPr lang="mr-IN" dirty="0" err="1" smtClean="0"/>
+              <a:t>dummy</a:t>
+            </a:r>
+            <a:r>
+              <a:rPr lang="mr-IN" dirty="0" smtClean="0"/>
+              <a:t>/</a:t>
+            </a:r>
+            <a:br>
+              <a:rPr lang="mr-IN" dirty="0" smtClean="0"/>
+            </a:br>
+            <a:r>
+              <a:rPr lang="mr-IN" dirty="0" smtClean="0"/>
+              <a:t>        </a:t>
+            </a:r>
+            <a:r>
+              <a:rPr lang="mr-IN" sz="1200" b="1" kern="1200" dirty="0" err="1" smtClean="0">
+                <a:solidFill>
+                  <a:schemeClr val="tx1"/>
+                </a:solidFill>
+                <a:effectLst/>
+                <a:latin typeface="+mn-lt"/>
+                <a:ea typeface="+mn-ea"/>
+                <a:cs typeface="+mn-cs"/>
+              </a:rPr>
+              <a:t>sleepTimeMs</a:t>
+            </a:r>
+            <a:r>
+              <a:rPr lang="mr-IN" sz="1200" b="1" kern="1200" dirty="0" smtClean="0">
+                <a:solidFill>
+                  <a:schemeClr val="tx1"/>
+                </a:solidFill>
+                <a:effectLst/>
+                <a:latin typeface="+mn-lt"/>
+                <a:ea typeface="+mn-ea"/>
+                <a:cs typeface="+mn-cs"/>
+              </a:rPr>
+              <a:t>: </a:t>
+            </a:r>
+            <a:r>
+              <a:rPr lang="mr-IN" dirty="0" smtClean="0"/>
+              <a:t>1000</a:t>
+            </a:r>
+            <a:br>
+              <a:rPr lang="mr-IN" dirty="0" smtClean="0"/>
+            </a:br>
+            <a:r>
+              <a:rPr lang="mr-IN" dirty="0" smtClean="0"/>
+              <a:t>        </a:t>
+            </a:r>
+            <a:r>
+              <a:rPr lang="mr-IN" sz="1200" b="1" kern="1200" dirty="0" err="1" smtClean="0">
+                <a:solidFill>
+                  <a:schemeClr val="tx1"/>
+                </a:solidFill>
+                <a:effectLst/>
+                <a:latin typeface="+mn-lt"/>
+                <a:ea typeface="+mn-ea"/>
+                <a:cs typeface="+mn-cs"/>
+              </a:rPr>
+              <a:t>repeat</a:t>
+            </a:r>
+            <a:r>
+              <a:rPr lang="mr-IN" sz="1200" b="1" kern="1200" dirty="0" smtClean="0">
+                <a:solidFill>
+                  <a:schemeClr val="tx1"/>
+                </a:solidFill>
+                <a:effectLst/>
+                <a:latin typeface="+mn-lt"/>
+                <a:ea typeface="+mn-ea"/>
+                <a:cs typeface="+mn-cs"/>
+              </a:rPr>
+              <a:t>: </a:t>
+            </a:r>
+            <a:r>
+              <a:rPr lang="mr-IN" dirty="0" smtClean="0"/>
+              <a:t>10</a:t>
+            </a:r>
+            <a:br>
+              <a:rPr lang="mr-IN" dirty="0" smtClean="0"/>
+            </a:br>
+            <a:r>
+              <a:rPr lang="mr-IN" dirty="0" smtClean="0"/>
+              <a:t>      - </a:t>
+            </a:r>
+            <a:r>
+              <a:rPr lang="mr-IN" dirty="0" err="1" smtClean="0"/>
+              <a:t>PageSource</a:t>
+            </a:r>
+            <a:r>
+              <a:rPr lang="mr-IN" dirty="0" smtClean="0"/>
+              <a:t> = </a:t>
+            </a:r>
+            <a:r>
+              <a:rPr lang="mr-IN" dirty="0" err="1" smtClean="0"/>
+              <a:t>pageSource</a:t>
+            </a:r>
+            <a:r>
+              <a:rPr lang="mr-IN" dirty="0" smtClean="0"/>
+              <a:t>()  </a:t>
+            </a:r>
+            <a:br>
+              <a:rPr lang="mr-IN" dirty="0" smtClean="0"/>
+            </a:br>
+            <a:r>
+              <a:rPr lang="mr-IN" dirty="0" smtClean="0"/>
+              <a:t>    </a:t>
+            </a:r>
+            <a:r>
+              <a:rPr lang="mr-IN" sz="1200" b="1" kern="1200" dirty="0" err="1" smtClean="0">
+                <a:solidFill>
+                  <a:schemeClr val="tx1"/>
+                </a:solidFill>
+                <a:effectLst/>
+                <a:latin typeface="+mn-lt"/>
+                <a:ea typeface="+mn-ea"/>
+                <a:cs typeface="+mn-cs"/>
+              </a:rPr>
+              <a:t>expect</a:t>
+            </a:r>
+            <a:r>
+              <a:rPr lang="mr-IN" sz="1200" b="1" kern="1200" dirty="0" smtClean="0">
+                <a:solidFill>
+                  <a:schemeClr val="tx1"/>
+                </a:solidFill>
+                <a:effectLst/>
+                <a:latin typeface="+mn-lt"/>
+                <a:ea typeface="+mn-ea"/>
+                <a:cs typeface="+mn-cs"/>
+              </a:rPr>
+              <a:t>:</a:t>
+            </a:r>
+            <a:br>
+              <a:rPr lang="mr-IN" sz="1200" b="1" kern="1200" dirty="0" smtClean="0">
+                <a:solidFill>
+                  <a:schemeClr val="tx1"/>
+                </a:solidFill>
+                <a:effectLst/>
+                <a:latin typeface="+mn-lt"/>
+                <a:ea typeface="+mn-ea"/>
+                <a:cs typeface="+mn-cs"/>
+              </a:rPr>
+            </a:br>
+            <a:r>
+              <a:rPr lang="mr-IN" sz="1200" b="1" kern="1200" dirty="0" smtClean="0">
+                <a:solidFill>
+                  <a:schemeClr val="tx1"/>
+                </a:solidFill>
+                <a:effectLst/>
+                <a:latin typeface="+mn-lt"/>
+                <a:ea typeface="+mn-ea"/>
+                <a:cs typeface="+mn-cs"/>
+              </a:rPr>
+              <a:t>      </a:t>
+            </a:r>
+            <a:r>
+              <a:rPr lang="mr-IN" sz="1200" b="1" kern="1200" dirty="0" err="1" smtClean="0">
+                <a:solidFill>
+                  <a:schemeClr val="tx1"/>
+                </a:solidFill>
+                <a:effectLst/>
+                <a:latin typeface="+mn-lt"/>
+                <a:ea typeface="+mn-ea"/>
+                <a:cs typeface="+mn-cs"/>
+              </a:rPr>
+              <a:t>PageSource</a:t>
+            </a:r>
+            <a:r>
+              <a:rPr lang="mr-IN" sz="1200" b="1" kern="1200" dirty="0" smtClean="0">
+                <a:solidFill>
+                  <a:schemeClr val="tx1"/>
+                </a:solidFill>
+                <a:effectLst/>
+                <a:latin typeface="+mn-lt"/>
+                <a:ea typeface="+mn-ea"/>
+                <a:cs typeface="+mn-cs"/>
+              </a:rPr>
+              <a:t>: </a:t>
+            </a:r>
+            <a:r>
+              <a:rPr lang="mr-IN" dirty="0" smtClean="0"/>
+              <a:t>/</a:t>
+            </a:r>
+            <a:r>
+              <a:rPr lang="mr-IN" dirty="0" err="1" smtClean="0"/>
+              <a:t>dummy</a:t>
+            </a:r>
+            <a:r>
+              <a:rPr lang="mr-IN" dirty="0" smtClean="0"/>
+              <a:t> 123/</a:t>
+            </a:r>
+            <a:br>
+              <a:rPr lang="mr-IN" dirty="0" smtClean="0"/>
+            </a:br>
+            <a:endParaRPr lang="en-US" dirty="0" smtClean="0"/>
+          </a:p>
+        </p:txBody>
+      </p:sp>
+      <p:sp>
+        <p:nvSpPr>
+          <p:cNvPr id="4" name="Slide Number Placeholder 3"/>
+          <p:cNvSpPr>
+            <a:spLocks noGrp="1"/>
+          </p:cNvSpPr>
+          <p:nvPr>
+            <p:ph type="sldNum" sz="quarter" idx="10"/>
+          </p:nvPr>
+        </p:nvSpPr>
+        <p:spPr/>
+        <p:txBody>
+          <a:bodyPr/>
+          <a:lstStyle/>
+          <a:p>
+            <a:fld id="{F0593C4D-DAC8-294B-98EA-94939A182283}" type="slidenum">
+              <a:rPr lang="en-US" smtClean="0"/>
+              <a:t>24</a:t>
+            </a:fld>
+            <a:endParaRPr lang="en-US"/>
+          </a:p>
+        </p:txBody>
+      </p:sp>
+    </p:spTree>
+    <p:extLst>
+      <p:ext uri="{BB962C8B-B14F-4D97-AF65-F5344CB8AC3E}">
+        <p14:creationId xmlns:p14="http://schemas.microsoft.com/office/powerpoint/2010/main" val="992484440"/>
+      </p:ext>
+    </p:extLst>
+  </p:cSld>
+  <p:clrMapOvr>
+    <a:masterClrMapping/>
+  </p:clrMapOvr>
+</p:notes>
+</file>
+
+<file path=ppt/notesSlides/notesSlide24.xml><?xml version="1.0" encoding="utf-8"?>
+<p:notes xmlns:a="http://schemas.openxmlformats.org/drawingml/2006/main" xmlns:r="http://schemas.openxmlformats.org/officeDocument/2006/relationships" xmlns:p="http://schemas.openxmlformats.org/presentationml/2006/main">
+  <p:cSld>
+    <p:spTree>
+      <p:nvGrpSpPr>
+        <p:cNvPr id="1" name=""/>
+        <p:cNvGrpSpPr/>
+        <p:nvPr/>
+      </p:nvGrpSpPr>
+      <p:grpSpPr>
+        <a:xfrm>
+          <a:off x="0" y="0"/>
+          <a:ext cx="0" cy="0"/>
+          <a:chOff x="0" y="0"/>
+          <a:chExt cx="0" cy="0"/>
+        </a:xfrm>
+      </p:grpSpPr>
+      <p:sp>
+        <p:nvSpPr>
+          <p:cNvPr id="2" name="Slide Image Placeholder 1"/>
+          <p:cNvSpPr>
+            <a:spLocks noGrp="1" noRot="1" noChangeAspect="1"/>
+          </p:cNvSpPr>
+          <p:nvPr>
+            <p:ph type="sldImg"/>
+          </p:nvPr>
+        </p:nvSpPr>
+        <p:spPr/>
+      </p:sp>
+      <p:sp>
+        <p:nvSpPr>
+          <p:cNvPr id="3" name="Notes Placeholder 2"/>
+          <p:cNvSpPr>
+            <a:spLocks noGrp="1"/>
+          </p:cNvSpPr>
+          <p:nvPr>
+            <p:ph type="body" idx="1"/>
+          </p:nvPr>
+        </p:nvSpPr>
+        <p:spPr/>
+        <p:txBody>
+          <a:bodyPr/>
+          <a:lstStyle/>
+          <a:p>
+            <a:r>
+              <a:rPr lang="mr-IN" dirty="0" smtClean="0"/>
+              <a:t>{</a:t>
+            </a:r>
+            <a:br>
+              <a:rPr lang="mr-IN" dirty="0" smtClean="0"/>
+            </a:br>
+            <a:r>
+              <a:rPr lang="mr-IN" dirty="0" smtClean="0"/>
+              <a:t/>
+            </a:r>
+            <a:br>
+              <a:rPr lang="mr-IN" dirty="0" smtClean="0"/>
+            </a:br>
+            <a:r>
+              <a:rPr lang="mr-IN" dirty="0" smtClean="0"/>
+              <a:t>    </a:t>
+            </a:r>
+            <a:r>
+              <a:rPr lang="mr-IN" sz="1200" b="1" kern="1200" dirty="0" smtClean="0">
+                <a:solidFill>
+                  <a:schemeClr val="tx1"/>
+                </a:solidFill>
+                <a:effectLst/>
+                <a:latin typeface="+mn-lt"/>
+                <a:ea typeface="+mn-ea"/>
+                <a:cs typeface="+mn-cs"/>
+              </a:rPr>
+              <a:t>"</a:t>
+            </a:r>
+            <a:r>
+              <a:rPr lang="mr-IN" sz="1200" b="1" kern="1200" dirty="0" err="1" smtClean="0">
+                <a:solidFill>
+                  <a:schemeClr val="tx1"/>
+                </a:solidFill>
+                <a:effectLst/>
+                <a:latin typeface="+mn-lt"/>
+                <a:ea typeface="+mn-ea"/>
+                <a:cs typeface="+mn-cs"/>
+              </a:rPr>
+              <a:t>Method</a:t>
+            </a:r>
+            <a:r>
+              <a:rPr lang="mr-IN" sz="1200" b="1" kern="1200" dirty="0" smtClean="0">
+                <a:solidFill>
+                  <a:schemeClr val="tx1"/>
+                </a:solidFill>
+                <a:effectLst/>
+                <a:latin typeface="+mn-lt"/>
+                <a:ea typeface="+mn-ea"/>
+                <a:cs typeface="+mn-cs"/>
+              </a:rPr>
+              <a:t>": "POST"</a:t>
+            </a:r>
+            <a:r>
+              <a:rPr lang="mr-IN" dirty="0" smtClean="0"/>
+              <a:t>,</a:t>
+            </a:r>
+            <a:br>
+              <a:rPr lang="mr-IN" dirty="0" smtClean="0"/>
+            </a:br>
+            <a:r>
+              <a:rPr lang="mr-IN" dirty="0" smtClean="0"/>
+              <a:t>    </a:t>
+            </a:r>
+            <a:r>
+              <a:rPr lang="mr-IN" sz="1200" b="1" kern="1200" dirty="0" smtClean="0">
+                <a:solidFill>
+                  <a:schemeClr val="tx1"/>
+                </a:solidFill>
+                <a:effectLst/>
+                <a:latin typeface="+mn-lt"/>
+                <a:ea typeface="+mn-ea"/>
+                <a:cs typeface="+mn-cs"/>
+              </a:rPr>
+              <a:t>"URL": "</a:t>
+            </a:r>
+            <a:r>
+              <a:rPr lang="mr-IN" sz="1200" b="1" kern="1200" dirty="0" err="1" smtClean="0">
+                <a:solidFill>
+                  <a:schemeClr val="tx1"/>
+                </a:solidFill>
+                <a:effectLst/>
+                <a:latin typeface="+mn-lt"/>
+                <a:ea typeface="+mn-ea"/>
+                <a:cs typeface="+mn-cs"/>
+              </a:rPr>
+              <a:t>http</a:t>
+            </a:r>
+            <a:r>
+              <a:rPr lang="mr-IN" sz="1200" b="1" kern="1200" dirty="0" smtClean="0">
+                <a:solidFill>
+                  <a:schemeClr val="tx1"/>
+                </a:solidFill>
+                <a:effectLst/>
+                <a:latin typeface="+mn-lt"/>
+                <a:ea typeface="+mn-ea"/>
+                <a:cs typeface="+mn-cs"/>
+              </a:rPr>
+              <a:t>://127.0.0.1:8080/v1/</a:t>
+            </a:r>
+            <a:r>
+              <a:rPr lang="mr-IN" sz="1200" b="1" kern="1200" dirty="0" err="1" smtClean="0">
+                <a:solidFill>
+                  <a:schemeClr val="tx1"/>
+                </a:solidFill>
+                <a:effectLst/>
+                <a:latin typeface="+mn-lt"/>
+                <a:ea typeface="+mn-ea"/>
+                <a:cs typeface="+mn-cs"/>
+              </a:rPr>
+              <a:t>api</a:t>
+            </a:r>
+            <a:r>
+              <a:rPr lang="mr-IN" sz="1200" b="1" kern="1200" dirty="0" smtClean="0">
+                <a:solidFill>
+                  <a:schemeClr val="tx1"/>
+                </a:solidFill>
+                <a:effectLst/>
+                <a:latin typeface="+mn-lt"/>
+                <a:ea typeface="+mn-ea"/>
+                <a:cs typeface="+mn-cs"/>
+              </a:rPr>
+              <a:t>/</a:t>
+            </a:r>
+            <a:r>
+              <a:rPr lang="mr-IN" sz="1200" b="1" kern="1200" dirty="0" err="1" smtClean="0">
+                <a:solidFill>
+                  <a:schemeClr val="tx1"/>
+                </a:solidFill>
+                <a:effectLst/>
+                <a:latin typeface="+mn-lt"/>
+                <a:ea typeface="+mn-ea"/>
+                <a:cs typeface="+mn-cs"/>
+              </a:rPr>
+              <a:t>dummy</a:t>
+            </a:r>
+            <a:r>
+              <a:rPr lang="mr-IN" sz="1200" b="1" kern="1200" dirty="0" smtClean="0">
+                <a:solidFill>
+                  <a:schemeClr val="tx1"/>
+                </a:solidFill>
+                <a:effectLst/>
+                <a:latin typeface="+mn-lt"/>
+                <a:ea typeface="+mn-ea"/>
+                <a:cs typeface="+mn-cs"/>
+              </a:rPr>
+              <a:t>"</a:t>
+            </a:r>
+            <a:r>
+              <a:rPr lang="mr-IN" dirty="0" smtClean="0"/>
+              <a:t>,</a:t>
+            </a:r>
+            <a:br>
+              <a:rPr lang="mr-IN" dirty="0" smtClean="0"/>
+            </a:br>
+            <a:r>
+              <a:rPr lang="mr-IN" dirty="0" smtClean="0"/>
+              <a:t>    </a:t>
+            </a:r>
+            <a:r>
+              <a:rPr lang="mr-IN" sz="1200" b="1" kern="1200" dirty="0" smtClean="0">
+                <a:solidFill>
+                  <a:schemeClr val="tx1"/>
+                </a:solidFill>
+                <a:effectLst/>
+                <a:latin typeface="+mn-lt"/>
+                <a:ea typeface="+mn-ea"/>
+                <a:cs typeface="+mn-cs"/>
+              </a:rPr>
+              <a:t>"</a:t>
+            </a:r>
+            <a:r>
+              <a:rPr lang="mr-IN" sz="1200" b="1" kern="1200" dirty="0" err="1" smtClean="0">
+                <a:solidFill>
+                  <a:schemeClr val="tx1"/>
+                </a:solidFill>
+                <a:effectLst/>
+                <a:latin typeface="+mn-lt"/>
+                <a:ea typeface="+mn-ea"/>
+                <a:cs typeface="+mn-cs"/>
+              </a:rPr>
+              <a:t>Request</a:t>
+            </a:r>
+            <a:r>
+              <a:rPr lang="mr-IN" sz="1200" b="1" kern="1200" dirty="0" smtClean="0">
+                <a:solidFill>
+                  <a:schemeClr val="tx1"/>
+                </a:solidFill>
+                <a:effectLst/>
+                <a:latin typeface="+mn-lt"/>
+                <a:ea typeface="+mn-ea"/>
+                <a:cs typeface="+mn-cs"/>
+              </a:rPr>
+              <a:t>":</a:t>
+            </a:r>
+            <a:r>
+              <a:rPr lang="mr-IN" dirty="0" smtClean="0"/>
+              <a:t>{</a:t>
+            </a:r>
+            <a:br>
+              <a:rPr lang="mr-IN" dirty="0" smtClean="0"/>
+            </a:br>
+            <a:r>
+              <a:rPr lang="mr-IN" dirty="0" smtClean="0"/>
+              <a:t>        </a:t>
+            </a:r>
+            <a:r>
+              <a:rPr lang="mr-IN" sz="1200" b="1" kern="1200" dirty="0" smtClean="0">
+                <a:solidFill>
+                  <a:schemeClr val="tx1"/>
+                </a:solidFill>
+                <a:effectLst/>
+                <a:latin typeface="+mn-lt"/>
+                <a:ea typeface="+mn-ea"/>
+                <a:cs typeface="+mn-cs"/>
+              </a:rPr>
+              <a:t>"</a:t>
+            </a:r>
+            <a:r>
+              <a:rPr lang="mr-IN" sz="1200" b="1" kern="1200" dirty="0" err="1" smtClean="0">
+                <a:solidFill>
+                  <a:schemeClr val="tx1"/>
+                </a:solidFill>
+                <a:effectLst/>
+                <a:latin typeface="+mn-lt"/>
+                <a:ea typeface="+mn-ea"/>
+                <a:cs typeface="+mn-cs"/>
+              </a:rPr>
+              <a:t>Data</a:t>
+            </a:r>
+            <a:r>
+              <a:rPr lang="mr-IN" sz="1200" b="1" kern="1200" dirty="0" smtClean="0">
+                <a:solidFill>
+                  <a:schemeClr val="tx1"/>
+                </a:solidFill>
+                <a:effectLst/>
+                <a:latin typeface="+mn-lt"/>
+                <a:ea typeface="+mn-ea"/>
+                <a:cs typeface="+mn-cs"/>
+              </a:rPr>
+              <a:t>":</a:t>
+            </a:r>
+            <a:r>
+              <a:rPr lang="mr-IN" dirty="0" smtClean="0"/>
+              <a:t>{</a:t>
+            </a:r>
+            <a:br>
+              <a:rPr lang="mr-IN" dirty="0" smtClean="0"/>
+            </a:br>
+            <a:r>
+              <a:rPr lang="mr-IN" dirty="0" smtClean="0"/>
+              <a:t>            </a:t>
+            </a:r>
+            <a:r>
+              <a:rPr lang="mr-IN" sz="1200" b="1" kern="1200" dirty="0" smtClean="0">
+                <a:solidFill>
+                  <a:schemeClr val="tx1"/>
+                </a:solidFill>
+                <a:effectLst/>
+                <a:latin typeface="+mn-lt"/>
+                <a:ea typeface="+mn-ea"/>
+                <a:cs typeface="+mn-cs"/>
+              </a:rPr>
+              <a:t>"TypeId":</a:t>
+            </a:r>
+            <a:r>
+              <a:rPr lang="mr-IN" dirty="0" smtClean="0"/>
+              <a:t>1,</a:t>
+            </a:r>
+            <a:br>
+              <a:rPr lang="mr-IN" dirty="0" smtClean="0"/>
+            </a:br>
+            <a:r>
+              <a:rPr lang="mr-IN" dirty="0" smtClean="0"/>
+              <a:t>            </a:t>
+            </a:r>
+            <a:r>
+              <a:rPr lang="mr-IN" sz="1200" b="1" kern="1200" dirty="0" smtClean="0">
+                <a:solidFill>
+                  <a:schemeClr val="tx1"/>
+                </a:solidFill>
+                <a:effectLst/>
+                <a:latin typeface="+mn-lt"/>
+                <a:ea typeface="+mn-ea"/>
+                <a:cs typeface="+mn-cs"/>
+              </a:rPr>
+              <a:t>"</a:t>
+            </a:r>
+            <a:r>
+              <a:rPr lang="mr-IN" sz="1200" b="1" kern="1200" dirty="0" err="1" smtClean="0">
+                <a:solidFill>
+                  <a:schemeClr val="tx1"/>
+                </a:solidFill>
+                <a:effectLst/>
+                <a:latin typeface="+mn-lt"/>
+                <a:ea typeface="+mn-ea"/>
+                <a:cs typeface="+mn-cs"/>
+              </a:rPr>
+              <a:t>Name</a:t>
+            </a:r>
+            <a:r>
+              <a:rPr lang="mr-IN" sz="1200" b="1" kern="1200" dirty="0" smtClean="0">
+                <a:solidFill>
+                  <a:schemeClr val="tx1"/>
+                </a:solidFill>
+                <a:effectLst/>
+                <a:latin typeface="+mn-lt"/>
+                <a:ea typeface="+mn-ea"/>
+                <a:cs typeface="+mn-cs"/>
+              </a:rPr>
+              <a:t>":"</a:t>
+            </a:r>
+            <a:r>
+              <a:rPr lang="mr-IN" sz="1200" b="1" kern="1200" dirty="0" err="1" smtClean="0">
+                <a:solidFill>
+                  <a:schemeClr val="tx1"/>
+                </a:solidFill>
+                <a:effectLst/>
+                <a:latin typeface="+mn-lt"/>
+                <a:ea typeface="+mn-ea"/>
+                <a:cs typeface="+mn-cs"/>
+              </a:rPr>
+              <a:t>dummy</a:t>
+            </a:r>
+            <a:r>
+              <a:rPr lang="mr-IN" sz="1200" b="1" kern="1200" dirty="0" smtClean="0">
+                <a:solidFill>
+                  <a:schemeClr val="tx1"/>
+                </a:solidFill>
+                <a:effectLst/>
+                <a:latin typeface="+mn-lt"/>
+                <a:ea typeface="+mn-ea"/>
+                <a:cs typeface="+mn-cs"/>
+              </a:rPr>
+              <a:t> 33333"</a:t>
+            </a:r>
+            <a:br>
+              <a:rPr lang="mr-IN" sz="1200" b="1" kern="1200" dirty="0" smtClean="0">
+                <a:solidFill>
+                  <a:schemeClr val="tx1"/>
+                </a:solidFill>
+                <a:effectLst/>
+                <a:latin typeface="+mn-lt"/>
+                <a:ea typeface="+mn-ea"/>
+                <a:cs typeface="+mn-cs"/>
+              </a:rPr>
+            </a:br>
+            <a:r>
+              <a:rPr lang="mr-IN" sz="1200" b="1" kern="1200" dirty="0" smtClean="0">
+                <a:solidFill>
+                  <a:schemeClr val="tx1"/>
+                </a:solidFill>
+                <a:effectLst/>
+                <a:latin typeface="+mn-lt"/>
+                <a:ea typeface="+mn-ea"/>
+                <a:cs typeface="+mn-cs"/>
+              </a:rPr>
+              <a:t>        </a:t>
+            </a:r>
+            <a:r>
+              <a:rPr lang="mr-IN" dirty="0" smtClean="0"/>
+              <a:t>}</a:t>
+            </a:r>
+            <a:br>
+              <a:rPr lang="mr-IN" dirty="0" smtClean="0"/>
+            </a:br>
+            <a:r>
+              <a:rPr lang="mr-IN" dirty="0" smtClean="0"/>
+              <a:t>    },</a:t>
+            </a:r>
+            <a:br>
+              <a:rPr lang="mr-IN" dirty="0" smtClean="0"/>
+            </a:br>
+            <a:r>
+              <a:rPr lang="mr-IN" dirty="0" smtClean="0"/>
+              <a:t>   </a:t>
+            </a:r>
+            <a:r>
+              <a:rPr lang="mr-IN" sz="1200" b="1" kern="1200" dirty="0" smtClean="0">
+                <a:solidFill>
+                  <a:schemeClr val="tx1"/>
+                </a:solidFill>
+                <a:effectLst/>
+                <a:latin typeface="+mn-lt"/>
+                <a:ea typeface="+mn-ea"/>
+                <a:cs typeface="+mn-cs"/>
+              </a:rPr>
+              <a:t>"</a:t>
+            </a:r>
+            <a:r>
+              <a:rPr lang="mr-IN" sz="1200" b="1" kern="1200" dirty="0" err="1" smtClean="0">
+                <a:solidFill>
+                  <a:schemeClr val="tx1"/>
+                </a:solidFill>
+                <a:effectLst/>
+                <a:latin typeface="+mn-lt"/>
+                <a:ea typeface="+mn-ea"/>
+                <a:cs typeface="+mn-cs"/>
+              </a:rPr>
+              <a:t>Expect</a:t>
+            </a:r>
+            <a:r>
+              <a:rPr lang="mr-IN" sz="1200" b="1" kern="1200" dirty="0" smtClean="0">
+                <a:solidFill>
+                  <a:schemeClr val="tx1"/>
+                </a:solidFill>
+                <a:effectLst/>
+                <a:latin typeface="+mn-lt"/>
+                <a:ea typeface="+mn-ea"/>
+                <a:cs typeface="+mn-cs"/>
+              </a:rPr>
+              <a:t>": </a:t>
+            </a:r>
+            <a:r>
+              <a:rPr lang="mr-IN" dirty="0" smtClean="0"/>
+              <a:t>{</a:t>
+            </a:r>
+            <a:br>
+              <a:rPr lang="mr-IN" dirty="0" smtClean="0"/>
+            </a:br>
+            <a:r>
+              <a:rPr lang="mr-IN" dirty="0" smtClean="0"/>
+              <a:t>        </a:t>
+            </a:r>
+            <a:r>
+              <a:rPr lang="mr-IN" sz="1200" b="1" kern="1200" dirty="0" smtClean="0">
+                <a:solidFill>
+                  <a:schemeClr val="tx1"/>
+                </a:solidFill>
+                <a:effectLst/>
+                <a:latin typeface="+mn-lt"/>
+                <a:ea typeface="+mn-ea"/>
+                <a:cs typeface="+mn-cs"/>
+              </a:rPr>
+              <a:t>"</a:t>
+            </a:r>
+            <a:r>
+              <a:rPr lang="mr-IN" sz="1200" b="1" kern="1200" dirty="0" err="1" smtClean="0">
+                <a:solidFill>
+                  <a:schemeClr val="tx1"/>
+                </a:solidFill>
+                <a:effectLst/>
+                <a:latin typeface="+mn-lt"/>
+                <a:ea typeface="+mn-ea"/>
+                <a:cs typeface="+mn-cs"/>
+              </a:rPr>
+              <a:t>Data</a:t>
+            </a:r>
+            <a:r>
+              <a:rPr lang="mr-IN" sz="1200" b="1" kern="1200" dirty="0" smtClean="0">
+                <a:solidFill>
+                  <a:schemeClr val="tx1"/>
+                </a:solidFill>
+                <a:effectLst/>
+                <a:latin typeface="+mn-lt"/>
+                <a:ea typeface="+mn-ea"/>
+                <a:cs typeface="+mn-cs"/>
+              </a:rPr>
+              <a:t>": </a:t>
+            </a:r>
+            <a:r>
+              <a:rPr lang="mr-IN" dirty="0" smtClean="0"/>
+              <a:t>{</a:t>
+            </a:r>
+            <a:br>
+              <a:rPr lang="mr-IN" dirty="0" smtClean="0"/>
+            </a:br>
+            <a:r>
+              <a:rPr lang="mr-IN" dirty="0" smtClean="0"/>
+              <a:t>            </a:t>
+            </a:r>
+            <a:r>
+              <a:rPr lang="mr-IN" sz="1200" b="1" kern="1200" dirty="0" smtClean="0">
+                <a:solidFill>
+                  <a:schemeClr val="tx1"/>
+                </a:solidFill>
+                <a:effectLst/>
+                <a:latin typeface="+mn-lt"/>
+                <a:ea typeface="+mn-ea"/>
+                <a:cs typeface="+mn-cs"/>
+              </a:rPr>
+              <a:t>"</a:t>
+            </a:r>
+            <a:r>
+              <a:rPr lang="mr-IN" sz="1200" b="1" kern="1200" dirty="0" err="1" smtClean="0">
+                <a:solidFill>
+                  <a:schemeClr val="tx1"/>
+                </a:solidFill>
+                <a:effectLst/>
+                <a:latin typeface="+mn-lt"/>
+                <a:ea typeface="+mn-ea"/>
+                <a:cs typeface="+mn-cs"/>
+              </a:rPr>
+              <a:t>Name</a:t>
+            </a:r>
+            <a:r>
+              <a:rPr lang="mr-IN" sz="1200" b="1" kern="1200" dirty="0" smtClean="0">
+                <a:solidFill>
+                  <a:schemeClr val="tx1"/>
+                </a:solidFill>
+                <a:effectLst/>
+                <a:latin typeface="+mn-lt"/>
+                <a:ea typeface="+mn-ea"/>
+                <a:cs typeface="+mn-cs"/>
+              </a:rPr>
+              <a:t>":"</a:t>
+            </a:r>
+            <a:r>
+              <a:rPr lang="mr-IN" sz="1200" b="1" kern="1200" dirty="0" err="1" smtClean="0">
+                <a:solidFill>
+                  <a:schemeClr val="tx1"/>
+                </a:solidFill>
+                <a:effectLst/>
+                <a:latin typeface="+mn-lt"/>
+                <a:ea typeface="+mn-ea"/>
+                <a:cs typeface="+mn-cs"/>
+              </a:rPr>
+              <a:t>dummy</a:t>
+            </a:r>
+            <a:r>
+              <a:rPr lang="mr-IN" sz="1200" b="1" kern="1200" dirty="0" smtClean="0">
+                <a:solidFill>
+                  <a:schemeClr val="tx1"/>
+                </a:solidFill>
+                <a:effectLst/>
+                <a:latin typeface="+mn-lt"/>
+                <a:ea typeface="+mn-ea"/>
+                <a:cs typeface="+mn-cs"/>
+              </a:rPr>
+              <a:t> 33333"</a:t>
+            </a:r>
+            <a:br>
+              <a:rPr lang="mr-IN" sz="1200" b="1" kern="1200" dirty="0" smtClean="0">
+                <a:solidFill>
+                  <a:schemeClr val="tx1"/>
+                </a:solidFill>
+                <a:effectLst/>
+                <a:latin typeface="+mn-lt"/>
+                <a:ea typeface="+mn-ea"/>
+                <a:cs typeface="+mn-cs"/>
+              </a:rPr>
+            </a:br>
+            <a:r>
+              <a:rPr lang="mr-IN" sz="1200" b="1" kern="1200" dirty="0" smtClean="0">
+                <a:solidFill>
+                  <a:schemeClr val="tx1"/>
+                </a:solidFill>
+                <a:effectLst/>
+                <a:latin typeface="+mn-lt"/>
+                <a:ea typeface="+mn-ea"/>
+                <a:cs typeface="+mn-cs"/>
+              </a:rPr>
+              <a:t>        </a:t>
+            </a:r>
+            <a:r>
+              <a:rPr lang="mr-IN" dirty="0" smtClean="0"/>
+              <a:t>}  </a:t>
+            </a:r>
+            <a:br>
+              <a:rPr lang="mr-IN" dirty="0" smtClean="0"/>
+            </a:br>
+            <a:r>
+              <a:rPr lang="mr-IN" dirty="0" smtClean="0"/>
+              <a:t>   }</a:t>
+            </a:r>
+            <a:br>
+              <a:rPr lang="mr-IN" dirty="0" smtClean="0"/>
+            </a:br>
+            <a:r>
+              <a:rPr lang="mr-IN" dirty="0" smtClean="0"/>
+              <a:t>}</a:t>
+            </a:r>
+            <a:endParaRPr lang="en-US" dirty="0"/>
+          </a:p>
+        </p:txBody>
+      </p:sp>
+      <p:sp>
+        <p:nvSpPr>
+          <p:cNvPr id="4" name="Slide Number Placeholder 3"/>
+          <p:cNvSpPr>
+            <a:spLocks noGrp="1"/>
+          </p:cNvSpPr>
+          <p:nvPr>
+            <p:ph type="sldNum" sz="quarter" idx="10"/>
+          </p:nvPr>
+        </p:nvSpPr>
+        <p:spPr/>
+        <p:txBody>
+          <a:bodyPr/>
+          <a:lstStyle/>
+          <a:p>
+            <a:fld id="{F0593C4D-DAC8-294B-98EA-94939A182283}" type="slidenum">
+              <a:rPr lang="en-US" smtClean="0"/>
+              <a:t>25</a:t>
+            </a:fld>
+            <a:endParaRPr lang="en-US"/>
+          </a:p>
+        </p:txBody>
+      </p:sp>
+    </p:spTree>
+    <p:extLst>
+      <p:ext uri="{BB962C8B-B14F-4D97-AF65-F5344CB8AC3E}">
+        <p14:creationId xmlns:p14="http://schemas.microsoft.com/office/powerpoint/2010/main" val="2098778406"/>
+      </p:ext>
+    </p:extLst>
+  </p:cSld>
+  <p:clrMapOvr>
+    <a:masterClrMapping/>
+  </p:clrMapOvr>
+</p:notes>
+</file>
+
+<file path=ppt/notesSlides/notesSlide25.xml><?xml version="1.0" encoding="utf-8"?>
+<p:notes xmlns:a="http://schemas.openxmlformats.org/drawingml/2006/main" xmlns:r="http://schemas.openxmlformats.org/officeDocument/2006/relationships" xmlns:p="http://schemas.openxmlformats.org/presentationml/2006/main">
+  <p:cSld>
+    <p:spTree>
+      <p:nvGrpSpPr>
+        <p:cNvPr id="1" name=""/>
+        <p:cNvGrpSpPr/>
+        <p:nvPr/>
+      </p:nvGrpSpPr>
+      <p:grpSpPr>
+        <a:xfrm>
+          <a:off x="0" y="0"/>
+          <a:ext cx="0" cy="0"/>
+          <a:chOff x="0" y="0"/>
+          <a:chExt cx="0" cy="0"/>
+        </a:xfrm>
+      </p:grpSpPr>
+      <p:sp>
+        <p:nvSpPr>
+          <p:cNvPr id="2" name="Slide Image Placeholder 1"/>
+          <p:cNvSpPr>
+            <a:spLocks noGrp="1" noRot="1" noChangeAspect="1"/>
+          </p:cNvSpPr>
+          <p:nvPr>
+            <p:ph type="sldImg"/>
+          </p:nvPr>
+        </p:nvSpPr>
+        <p:spPr/>
+      </p:sp>
+      <p:sp>
+        <p:nvSpPr>
+          <p:cNvPr id="3" name="Notes Placeholder 2"/>
+          <p:cNvSpPr>
+            <a:spLocks noGrp="1"/>
+          </p:cNvSpPr>
+          <p:nvPr>
+            <p:ph type="body" idx="1"/>
+          </p:nvPr>
+        </p:nvSpPr>
+        <p:spPr/>
+        <p:txBody>
+          <a:bodyPr/>
+          <a:lstStyle/>
+          <a:p>
+            <a:r>
+              <a:rPr lang="mr-IN" dirty="0" smtClean="0"/>
+              <a:t>{</a:t>
+            </a:r>
+            <a:br>
+              <a:rPr lang="mr-IN" dirty="0" smtClean="0"/>
+            </a:br>
+            <a:r>
+              <a:rPr lang="mr-IN" dirty="0" smtClean="0"/>
+              <a:t>  </a:t>
+            </a:r>
+            <a:r>
+              <a:rPr lang="mr-IN" sz="1200" b="1" kern="1200" dirty="0" smtClean="0">
+                <a:solidFill>
+                  <a:schemeClr val="tx1"/>
+                </a:solidFill>
+                <a:effectLst/>
+                <a:latin typeface="+mn-lt"/>
+                <a:ea typeface="+mn-ea"/>
+                <a:cs typeface="+mn-cs"/>
+              </a:rPr>
+              <a:t>"</a:t>
+            </a:r>
+            <a:r>
+              <a:rPr lang="mr-IN" sz="1200" b="1" kern="1200" dirty="0" err="1" smtClean="0">
+                <a:solidFill>
+                  <a:schemeClr val="tx1"/>
+                </a:solidFill>
+                <a:effectLst/>
+                <a:latin typeface="+mn-lt"/>
+                <a:ea typeface="+mn-ea"/>
+                <a:cs typeface="+mn-cs"/>
+              </a:rPr>
+              <a:t>Requests</a:t>
+            </a:r>
+            <a:r>
+              <a:rPr lang="mr-IN" sz="1200" b="1" kern="1200" dirty="0" smtClean="0">
+                <a:solidFill>
+                  <a:schemeClr val="tx1"/>
+                </a:solidFill>
+                <a:effectLst/>
+                <a:latin typeface="+mn-lt"/>
+                <a:ea typeface="+mn-ea"/>
+                <a:cs typeface="+mn-cs"/>
+              </a:rPr>
+              <a:t>"</a:t>
+            </a:r>
+            <a:r>
+              <a:rPr lang="mr-IN" dirty="0" smtClean="0"/>
+              <a:t>: [</a:t>
+            </a:r>
+            <a:br>
+              <a:rPr lang="mr-IN" dirty="0" smtClean="0"/>
+            </a:br>
+            <a:r>
+              <a:rPr lang="mr-IN" dirty="0" smtClean="0"/>
+              <a:t>    {</a:t>
+            </a:r>
+            <a:br>
+              <a:rPr lang="mr-IN" dirty="0" smtClean="0"/>
+            </a:br>
+            <a:r>
+              <a:rPr lang="mr-IN" dirty="0" smtClean="0"/>
+              <a:t>      </a:t>
+            </a:r>
+            <a:r>
+              <a:rPr lang="mr-IN" sz="1200" b="1" kern="1200" dirty="0" smtClean="0">
+                <a:solidFill>
+                  <a:schemeClr val="tx1"/>
+                </a:solidFill>
+                <a:effectLst/>
+                <a:latin typeface="+mn-lt"/>
+                <a:ea typeface="+mn-ea"/>
+                <a:cs typeface="+mn-cs"/>
+              </a:rPr>
+              <a:t>"</a:t>
+            </a:r>
+            <a:r>
+              <a:rPr lang="mr-IN" sz="1200" b="1" kern="1200" dirty="0" err="1" smtClean="0">
+                <a:solidFill>
+                  <a:schemeClr val="tx1"/>
+                </a:solidFill>
+                <a:effectLst/>
+                <a:latin typeface="+mn-lt"/>
+                <a:ea typeface="+mn-ea"/>
+                <a:cs typeface="+mn-cs"/>
+              </a:rPr>
+              <a:t>Method</a:t>
+            </a:r>
+            <a:r>
+              <a:rPr lang="mr-IN" sz="1200" b="1" kern="1200" dirty="0" smtClean="0">
+                <a:solidFill>
+                  <a:schemeClr val="tx1"/>
+                </a:solidFill>
+                <a:effectLst/>
+                <a:latin typeface="+mn-lt"/>
+                <a:ea typeface="+mn-ea"/>
+                <a:cs typeface="+mn-cs"/>
+              </a:rPr>
+              <a:t>"</a:t>
+            </a:r>
+            <a:r>
+              <a:rPr lang="mr-IN" dirty="0" smtClean="0"/>
+              <a:t>: </a:t>
+            </a:r>
+            <a:r>
+              <a:rPr lang="mr-IN" sz="1200" b="1" kern="1200" dirty="0" smtClean="0">
+                <a:solidFill>
+                  <a:schemeClr val="tx1"/>
+                </a:solidFill>
+                <a:effectLst/>
+                <a:latin typeface="+mn-lt"/>
+                <a:ea typeface="+mn-ea"/>
+                <a:cs typeface="+mn-cs"/>
+              </a:rPr>
+              <a:t>"POST"</a:t>
+            </a:r>
+            <a:r>
+              <a:rPr lang="mr-IN" dirty="0" smtClean="0"/>
+              <a:t>,</a:t>
+            </a:r>
+            <a:br>
+              <a:rPr lang="mr-IN" dirty="0" smtClean="0"/>
+            </a:br>
+            <a:r>
+              <a:rPr lang="mr-IN" dirty="0" smtClean="0"/>
+              <a:t>      </a:t>
+            </a:r>
+            <a:r>
+              <a:rPr lang="mr-IN" sz="1200" b="1" kern="1200" dirty="0" smtClean="0">
+                <a:solidFill>
+                  <a:schemeClr val="tx1"/>
+                </a:solidFill>
+                <a:effectLst/>
+                <a:latin typeface="+mn-lt"/>
+                <a:ea typeface="+mn-ea"/>
+                <a:cs typeface="+mn-cs"/>
+              </a:rPr>
+              <a:t>"URL"</a:t>
+            </a:r>
+            <a:r>
+              <a:rPr lang="mr-IN" dirty="0" smtClean="0"/>
+              <a:t>: </a:t>
+            </a:r>
+            <a:r>
+              <a:rPr lang="mr-IN" sz="1200" b="1" kern="1200" dirty="0" smtClean="0">
+                <a:solidFill>
+                  <a:schemeClr val="tx1"/>
+                </a:solidFill>
+                <a:effectLst/>
+                <a:latin typeface="+mn-lt"/>
+                <a:ea typeface="+mn-ea"/>
+                <a:cs typeface="+mn-cs"/>
+              </a:rPr>
+              <a:t>"</a:t>
+            </a:r>
+            <a:r>
+              <a:rPr lang="mr-IN" sz="1200" b="1" kern="1200" dirty="0" err="1" smtClean="0">
+                <a:solidFill>
+                  <a:schemeClr val="tx1"/>
+                </a:solidFill>
+                <a:effectLst/>
+                <a:latin typeface="+mn-lt"/>
+                <a:ea typeface="+mn-ea"/>
+                <a:cs typeface="+mn-cs"/>
+              </a:rPr>
+              <a:t>http</a:t>
+            </a:r>
+            <a:r>
+              <a:rPr lang="mr-IN" sz="1200" b="1" kern="1200" dirty="0" smtClean="0">
+                <a:solidFill>
+                  <a:schemeClr val="tx1"/>
+                </a:solidFill>
+                <a:effectLst/>
+                <a:latin typeface="+mn-lt"/>
+                <a:ea typeface="+mn-ea"/>
+                <a:cs typeface="+mn-cs"/>
+              </a:rPr>
+              <a:t>://127.0.0.1:8080/v1/</a:t>
+            </a:r>
+            <a:r>
+              <a:rPr lang="mr-IN" sz="1200" b="1" kern="1200" dirty="0" err="1" smtClean="0">
+                <a:solidFill>
+                  <a:schemeClr val="tx1"/>
+                </a:solidFill>
+                <a:effectLst/>
+                <a:latin typeface="+mn-lt"/>
+                <a:ea typeface="+mn-ea"/>
+                <a:cs typeface="+mn-cs"/>
+              </a:rPr>
+              <a:t>api</a:t>
+            </a:r>
+            <a:r>
+              <a:rPr lang="mr-IN" sz="1200" b="1" kern="1200" dirty="0" smtClean="0">
+                <a:solidFill>
+                  <a:schemeClr val="tx1"/>
+                </a:solidFill>
+                <a:effectLst/>
+                <a:latin typeface="+mn-lt"/>
+                <a:ea typeface="+mn-ea"/>
+                <a:cs typeface="+mn-cs"/>
+              </a:rPr>
+              <a:t>/</a:t>
+            </a:r>
+            <a:r>
+              <a:rPr lang="mr-IN" sz="1200" b="1" kern="1200" dirty="0" err="1" smtClean="0">
+                <a:solidFill>
+                  <a:schemeClr val="tx1"/>
+                </a:solidFill>
+                <a:effectLst/>
+                <a:latin typeface="+mn-lt"/>
+                <a:ea typeface="+mn-ea"/>
+                <a:cs typeface="+mn-cs"/>
+              </a:rPr>
+              <a:t>dummy</a:t>
+            </a:r>
+            <a:r>
+              <a:rPr lang="mr-IN" sz="1200" b="1" kern="1200" dirty="0" smtClean="0">
+                <a:solidFill>
+                  <a:schemeClr val="tx1"/>
+                </a:solidFill>
+                <a:effectLst/>
+                <a:latin typeface="+mn-lt"/>
+                <a:ea typeface="+mn-ea"/>
+                <a:cs typeface="+mn-cs"/>
+              </a:rPr>
+              <a:t>"</a:t>
+            </a:r>
+            <a:r>
+              <a:rPr lang="mr-IN" dirty="0" smtClean="0"/>
+              <a:t>,</a:t>
+            </a:r>
+            <a:br>
+              <a:rPr lang="mr-IN" dirty="0" smtClean="0"/>
+            </a:br>
+            <a:r>
+              <a:rPr lang="mr-IN" dirty="0" smtClean="0"/>
+              <a:t>      </a:t>
+            </a:r>
+            <a:r>
+              <a:rPr lang="mr-IN" sz="1200" b="1" kern="1200" dirty="0" smtClean="0">
+                <a:solidFill>
+                  <a:schemeClr val="tx1"/>
+                </a:solidFill>
+                <a:effectLst/>
+                <a:latin typeface="+mn-lt"/>
+                <a:ea typeface="+mn-ea"/>
+                <a:cs typeface="+mn-cs"/>
+              </a:rPr>
+              <a:t>"</a:t>
+            </a:r>
+            <a:r>
+              <a:rPr lang="mr-IN" sz="1200" b="1" kern="1200" dirty="0" err="1" smtClean="0">
+                <a:solidFill>
+                  <a:schemeClr val="tx1"/>
+                </a:solidFill>
+                <a:effectLst/>
+                <a:latin typeface="+mn-lt"/>
+                <a:ea typeface="+mn-ea"/>
+                <a:cs typeface="+mn-cs"/>
+              </a:rPr>
+              <a:t>Body</a:t>
+            </a:r>
+            <a:r>
+              <a:rPr lang="mr-IN" sz="1200" b="1" kern="1200" dirty="0" smtClean="0">
+                <a:solidFill>
+                  <a:schemeClr val="tx1"/>
+                </a:solidFill>
+                <a:effectLst/>
+                <a:latin typeface="+mn-lt"/>
+                <a:ea typeface="+mn-ea"/>
+                <a:cs typeface="+mn-cs"/>
+              </a:rPr>
+              <a:t>"</a:t>
+            </a:r>
+            <a:r>
+              <a:rPr lang="mr-IN" dirty="0" smtClean="0"/>
+              <a:t>:</a:t>
+            </a:r>
+            <a:r>
+              <a:rPr lang="mr-IN" sz="1200" b="1" kern="1200" dirty="0" smtClean="0">
+                <a:solidFill>
+                  <a:schemeClr val="tx1"/>
+                </a:solidFill>
+                <a:effectLst/>
+                <a:latin typeface="+mn-lt"/>
+                <a:ea typeface="+mn-ea"/>
+                <a:cs typeface="+mn-cs"/>
+              </a:rPr>
+              <a:t>"{}"</a:t>
+            </a:r>
+            <a:br>
+              <a:rPr lang="mr-IN" sz="1200" b="1" kern="1200" dirty="0" smtClean="0">
+                <a:solidFill>
+                  <a:schemeClr val="tx1"/>
+                </a:solidFill>
+                <a:effectLst/>
+                <a:latin typeface="+mn-lt"/>
+                <a:ea typeface="+mn-ea"/>
+                <a:cs typeface="+mn-cs"/>
+              </a:rPr>
+            </a:br>
+            <a:r>
+              <a:rPr lang="mr-IN" sz="1200" b="1" kern="1200" dirty="0" smtClean="0">
+                <a:solidFill>
+                  <a:schemeClr val="tx1"/>
+                </a:solidFill>
+                <a:effectLst/>
+                <a:latin typeface="+mn-lt"/>
+                <a:ea typeface="+mn-ea"/>
+                <a:cs typeface="+mn-cs"/>
+              </a:rPr>
+              <a:t>    </a:t>
+            </a:r>
+            <a:r>
+              <a:rPr lang="mr-IN" dirty="0" smtClean="0"/>
+              <a:t>}</a:t>
+            </a:r>
+            <a:br>
+              <a:rPr lang="mr-IN" dirty="0" smtClean="0"/>
+            </a:br>
+            <a:r>
+              <a:rPr lang="mr-IN" dirty="0" smtClean="0"/>
+              <a:t>  ],</a:t>
+            </a:r>
+            <a:br>
+              <a:rPr lang="mr-IN" dirty="0" smtClean="0"/>
+            </a:br>
+            <a:r>
+              <a:rPr lang="mr-IN" dirty="0" smtClean="0"/>
+              <a:t>  </a:t>
+            </a:r>
+            <a:r>
+              <a:rPr lang="mr-IN" sz="1200" b="1" kern="1200" dirty="0" smtClean="0">
+                <a:solidFill>
+                  <a:schemeClr val="tx1"/>
+                </a:solidFill>
+                <a:effectLst/>
+                <a:latin typeface="+mn-lt"/>
+                <a:ea typeface="+mn-ea"/>
+                <a:cs typeface="+mn-cs"/>
+              </a:rPr>
+              <a:t>"</a:t>
+            </a:r>
+            <a:r>
+              <a:rPr lang="mr-IN" sz="1200" b="1" kern="1200" dirty="0" err="1" smtClean="0">
+                <a:solidFill>
+                  <a:schemeClr val="tx1"/>
+                </a:solidFill>
+                <a:effectLst/>
+                <a:latin typeface="+mn-lt"/>
+                <a:ea typeface="+mn-ea"/>
+                <a:cs typeface="+mn-cs"/>
+              </a:rPr>
+              <a:t>Expect</a:t>
+            </a:r>
+            <a:r>
+              <a:rPr lang="mr-IN" sz="1200" b="1" kern="1200" dirty="0" smtClean="0">
+                <a:solidFill>
+                  <a:schemeClr val="tx1"/>
+                </a:solidFill>
+                <a:effectLst/>
+                <a:latin typeface="+mn-lt"/>
+                <a:ea typeface="+mn-ea"/>
+                <a:cs typeface="+mn-cs"/>
+              </a:rPr>
+              <a:t>"</a:t>
+            </a:r>
+            <a:r>
+              <a:rPr lang="mr-IN" dirty="0" smtClean="0"/>
+              <a:t>: {</a:t>
+            </a:r>
+            <a:br>
+              <a:rPr lang="mr-IN" dirty="0" smtClean="0"/>
+            </a:br>
+            <a:r>
+              <a:rPr lang="mr-IN" dirty="0" smtClean="0"/>
+              <a:t>    </a:t>
+            </a:r>
+            <a:r>
+              <a:rPr lang="mr-IN" sz="1200" b="1" kern="1200" dirty="0" smtClean="0">
+                <a:solidFill>
+                  <a:schemeClr val="tx1"/>
+                </a:solidFill>
+                <a:effectLst/>
+                <a:latin typeface="+mn-lt"/>
+                <a:ea typeface="+mn-ea"/>
+                <a:cs typeface="+mn-cs"/>
+              </a:rPr>
+              <a:t>"</a:t>
+            </a:r>
+            <a:r>
+              <a:rPr lang="mr-IN" sz="1200" b="1" kern="1200" dirty="0" err="1" smtClean="0">
+                <a:solidFill>
+                  <a:schemeClr val="tx1"/>
+                </a:solidFill>
+                <a:effectLst/>
+                <a:latin typeface="+mn-lt"/>
+                <a:ea typeface="+mn-ea"/>
+                <a:cs typeface="+mn-cs"/>
+              </a:rPr>
+              <a:t>Responses</a:t>
+            </a:r>
+            <a:r>
+              <a:rPr lang="mr-IN" sz="1200" b="1" kern="1200" dirty="0" smtClean="0">
+                <a:solidFill>
+                  <a:schemeClr val="tx1"/>
+                </a:solidFill>
+                <a:effectLst/>
+                <a:latin typeface="+mn-lt"/>
+                <a:ea typeface="+mn-ea"/>
+                <a:cs typeface="+mn-cs"/>
+              </a:rPr>
+              <a:t>"</a:t>
+            </a:r>
+            <a:r>
+              <a:rPr lang="mr-IN" dirty="0" smtClean="0"/>
+              <a:t>:[{</a:t>
+            </a:r>
+            <a:br>
+              <a:rPr lang="mr-IN" dirty="0" smtClean="0"/>
+            </a:br>
+            <a:r>
+              <a:rPr lang="mr-IN" dirty="0" smtClean="0"/>
+              <a:t>      </a:t>
+            </a:r>
+            <a:r>
+              <a:rPr lang="mr-IN" sz="1200" b="1" kern="1200" dirty="0" smtClean="0">
+                <a:solidFill>
+                  <a:schemeClr val="tx1"/>
+                </a:solidFill>
+                <a:effectLst/>
+                <a:latin typeface="+mn-lt"/>
+                <a:ea typeface="+mn-ea"/>
+                <a:cs typeface="+mn-cs"/>
+              </a:rPr>
+              <a:t>"Code"</a:t>
+            </a:r>
+            <a:r>
+              <a:rPr lang="mr-IN" dirty="0" smtClean="0"/>
+              <a:t>:</a:t>
+            </a:r>
+            <a:r>
+              <a:rPr lang="mr-IN" sz="1200" kern="1200" dirty="0" smtClean="0">
+                <a:solidFill>
+                  <a:schemeClr val="tx1"/>
+                </a:solidFill>
+                <a:effectLst/>
+                <a:latin typeface="+mn-lt"/>
+                <a:ea typeface="+mn-ea"/>
+                <a:cs typeface="+mn-cs"/>
+              </a:rPr>
+              <a:t>200</a:t>
+            </a:r>
+            <a:r>
+              <a:rPr lang="mr-IN" dirty="0" smtClean="0"/>
+              <a:t>,</a:t>
+            </a:r>
+            <a:br>
+              <a:rPr lang="mr-IN" dirty="0" smtClean="0"/>
+            </a:br>
+            <a:r>
+              <a:rPr lang="mr-IN" dirty="0" smtClean="0"/>
+              <a:t>      </a:t>
+            </a:r>
+            <a:r>
+              <a:rPr lang="mr-IN" sz="1200" b="1" kern="1200" dirty="0" smtClean="0">
+                <a:solidFill>
+                  <a:schemeClr val="tx1"/>
+                </a:solidFill>
+                <a:effectLst/>
+                <a:latin typeface="+mn-lt"/>
+                <a:ea typeface="+mn-ea"/>
+                <a:cs typeface="+mn-cs"/>
+              </a:rPr>
+              <a:t>"</a:t>
+            </a:r>
+            <a:r>
+              <a:rPr lang="mr-IN" sz="1200" b="1" kern="1200" dirty="0" err="1" smtClean="0">
+                <a:solidFill>
+                  <a:schemeClr val="tx1"/>
+                </a:solidFill>
+                <a:effectLst/>
+                <a:latin typeface="+mn-lt"/>
+                <a:ea typeface="+mn-ea"/>
+                <a:cs typeface="+mn-cs"/>
+              </a:rPr>
+              <a:t>JSONBody</a:t>
+            </a:r>
+            <a:r>
+              <a:rPr lang="mr-IN" sz="1200" b="1" kern="1200" dirty="0" smtClean="0">
+                <a:solidFill>
+                  <a:schemeClr val="tx1"/>
+                </a:solidFill>
+                <a:effectLst/>
+                <a:latin typeface="+mn-lt"/>
+                <a:ea typeface="+mn-ea"/>
+                <a:cs typeface="+mn-cs"/>
+              </a:rPr>
+              <a:t>"</a:t>
+            </a:r>
+            <a:r>
+              <a:rPr lang="mr-IN" dirty="0" smtClean="0"/>
+              <a:t>: {</a:t>
+            </a:r>
+            <a:br>
+              <a:rPr lang="mr-IN" dirty="0" smtClean="0"/>
+            </a:br>
+            <a:r>
+              <a:rPr lang="mr-IN" dirty="0" smtClean="0"/>
+              <a:t>        </a:t>
+            </a:r>
+            <a:r>
+              <a:rPr lang="mr-IN" sz="1200" b="1" kern="1200" dirty="0" smtClean="0">
+                <a:solidFill>
+                  <a:schemeClr val="tx1"/>
+                </a:solidFill>
+                <a:effectLst/>
+                <a:latin typeface="+mn-lt"/>
+                <a:ea typeface="+mn-ea"/>
+                <a:cs typeface="+mn-cs"/>
+              </a:rPr>
+              <a:t>"</a:t>
+            </a:r>
+            <a:r>
+              <a:rPr lang="mr-IN" sz="1200" b="1" kern="1200" dirty="0" err="1" smtClean="0">
+                <a:solidFill>
+                  <a:schemeClr val="tx1"/>
+                </a:solidFill>
+                <a:effectLst/>
+                <a:latin typeface="+mn-lt"/>
+                <a:ea typeface="+mn-ea"/>
+                <a:cs typeface="+mn-cs"/>
+              </a:rPr>
+              <a:t>Status</a:t>
+            </a:r>
+            <a:r>
+              <a:rPr lang="mr-IN" sz="1200" b="1" kern="1200" dirty="0" smtClean="0">
+                <a:solidFill>
+                  <a:schemeClr val="tx1"/>
+                </a:solidFill>
+                <a:effectLst/>
+                <a:latin typeface="+mn-lt"/>
+                <a:ea typeface="+mn-ea"/>
+                <a:cs typeface="+mn-cs"/>
+              </a:rPr>
+              <a:t>"</a:t>
+            </a:r>
+            <a:r>
+              <a:rPr lang="mr-IN" dirty="0" smtClean="0"/>
+              <a:t>:</a:t>
+            </a:r>
+            <a:r>
+              <a:rPr lang="mr-IN" sz="1200" b="1" kern="1200" dirty="0" smtClean="0">
+                <a:solidFill>
+                  <a:schemeClr val="tx1"/>
+                </a:solidFill>
+                <a:effectLst/>
+                <a:latin typeface="+mn-lt"/>
+                <a:ea typeface="+mn-ea"/>
+                <a:cs typeface="+mn-cs"/>
+              </a:rPr>
+              <a:t>"</a:t>
+            </a:r>
+            <a:r>
+              <a:rPr lang="mr-IN" sz="1200" b="1" kern="1200" dirty="0" err="1" smtClean="0">
+                <a:solidFill>
+                  <a:schemeClr val="tx1"/>
+                </a:solidFill>
+                <a:effectLst/>
+                <a:latin typeface="+mn-lt"/>
+                <a:ea typeface="+mn-ea"/>
+                <a:cs typeface="+mn-cs"/>
+              </a:rPr>
+              <a:t>error</a:t>
+            </a:r>
+            <a:r>
+              <a:rPr lang="mr-IN" sz="1200" b="1" kern="1200" dirty="0" smtClean="0">
+                <a:solidFill>
+                  <a:schemeClr val="tx1"/>
+                </a:solidFill>
+                <a:effectLst/>
+                <a:latin typeface="+mn-lt"/>
+                <a:ea typeface="+mn-ea"/>
+                <a:cs typeface="+mn-cs"/>
+              </a:rPr>
+              <a:t>"</a:t>
+            </a:r>
+            <a:r>
+              <a:rPr lang="mr-IN" dirty="0" smtClean="0"/>
+              <a:t>,</a:t>
+            </a:r>
+            <a:br>
+              <a:rPr lang="mr-IN" dirty="0" smtClean="0"/>
+            </a:br>
+            <a:r>
+              <a:rPr lang="mr-IN" dirty="0" smtClean="0"/>
+              <a:t>        </a:t>
+            </a:r>
+            <a:r>
+              <a:rPr lang="mr-IN" sz="1200" b="1" kern="1200" dirty="0" smtClean="0">
+                <a:solidFill>
+                  <a:schemeClr val="tx1"/>
+                </a:solidFill>
+                <a:effectLst/>
+                <a:latin typeface="+mn-lt"/>
+                <a:ea typeface="+mn-ea"/>
+                <a:cs typeface="+mn-cs"/>
+              </a:rPr>
+              <a:t>"</a:t>
+            </a:r>
+            <a:r>
+              <a:rPr lang="mr-IN" sz="1200" b="1" kern="1200" dirty="0" err="1" smtClean="0">
+                <a:solidFill>
+                  <a:schemeClr val="tx1"/>
+                </a:solidFill>
+                <a:effectLst/>
+                <a:latin typeface="+mn-lt"/>
+                <a:ea typeface="+mn-ea"/>
+                <a:cs typeface="+mn-cs"/>
+              </a:rPr>
+              <a:t>Error</a:t>
+            </a:r>
+            <a:r>
+              <a:rPr lang="mr-IN" sz="1200" b="1" kern="1200" dirty="0" smtClean="0">
+                <a:solidFill>
+                  <a:schemeClr val="tx1"/>
+                </a:solidFill>
+                <a:effectLst/>
+                <a:latin typeface="+mn-lt"/>
+                <a:ea typeface="+mn-ea"/>
+                <a:cs typeface="+mn-cs"/>
+              </a:rPr>
+              <a:t>"</a:t>
+            </a:r>
+            <a:r>
+              <a:rPr lang="mr-IN" dirty="0" smtClean="0"/>
+              <a:t>:</a:t>
+            </a:r>
+            <a:r>
+              <a:rPr lang="mr-IN" sz="1200" b="1" kern="1200" dirty="0" smtClean="0">
+                <a:solidFill>
+                  <a:schemeClr val="tx1"/>
+                </a:solidFill>
+                <a:effectLst/>
+                <a:latin typeface="+mn-lt"/>
+                <a:ea typeface="+mn-ea"/>
+                <a:cs typeface="+mn-cs"/>
+              </a:rPr>
+              <a:t>"</a:t>
+            </a:r>
+            <a:r>
+              <a:rPr lang="mr-IN" sz="1200" b="1" kern="1200" dirty="0" err="1" smtClean="0">
+                <a:solidFill>
+                  <a:schemeClr val="tx1"/>
+                </a:solidFill>
+                <a:effectLst/>
+                <a:latin typeface="+mn-lt"/>
+                <a:ea typeface="+mn-ea"/>
+                <a:cs typeface="+mn-cs"/>
+              </a:rPr>
+              <a:t>data</a:t>
+            </a:r>
+            <a:r>
+              <a:rPr lang="mr-IN" sz="1200" b="1" kern="1200" dirty="0" smtClean="0">
+                <a:solidFill>
+                  <a:schemeClr val="tx1"/>
+                </a:solidFill>
+                <a:effectLst/>
+                <a:latin typeface="+mn-lt"/>
+                <a:ea typeface="+mn-ea"/>
+                <a:cs typeface="+mn-cs"/>
+              </a:rPr>
+              <a:t> </a:t>
+            </a:r>
+            <a:r>
+              <a:rPr lang="mr-IN" sz="1200" b="1" kern="1200" dirty="0" err="1" smtClean="0">
+                <a:solidFill>
+                  <a:schemeClr val="tx1"/>
+                </a:solidFill>
+                <a:effectLst/>
+                <a:latin typeface="+mn-lt"/>
+                <a:ea typeface="+mn-ea"/>
+                <a:cs typeface="+mn-cs"/>
+              </a:rPr>
+              <a:t>was</a:t>
+            </a:r>
+            <a:r>
+              <a:rPr lang="mr-IN" sz="1200" b="1" kern="1200" dirty="0" smtClean="0">
+                <a:solidFill>
+                  <a:schemeClr val="tx1"/>
+                </a:solidFill>
+                <a:effectLst/>
+                <a:latin typeface="+mn-lt"/>
+                <a:ea typeface="+mn-ea"/>
+                <a:cs typeface="+mn-cs"/>
+              </a:rPr>
+              <a:t> </a:t>
+            </a:r>
+            <a:r>
+              <a:rPr lang="mr-IN" sz="1200" b="1" kern="1200" dirty="0" err="1" smtClean="0">
+                <a:solidFill>
+                  <a:schemeClr val="tx1"/>
+                </a:solidFill>
+                <a:effectLst/>
+                <a:latin typeface="+mn-lt"/>
+                <a:ea typeface="+mn-ea"/>
+                <a:cs typeface="+mn-cs"/>
+              </a:rPr>
+              <a:t>empty</a:t>
+            </a:r>
+            <a:r>
+              <a:rPr lang="mr-IN" sz="1200" b="1" kern="1200" dirty="0" smtClean="0">
+                <a:solidFill>
+                  <a:schemeClr val="tx1"/>
+                </a:solidFill>
+                <a:effectLst/>
+                <a:latin typeface="+mn-lt"/>
+                <a:ea typeface="+mn-ea"/>
+                <a:cs typeface="+mn-cs"/>
+              </a:rPr>
+              <a:t>"</a:t>
+            </a:r>
+            <a:br>
+              <a:rPr lang="mr-IN" sz="1200" b="1" kern="1200" dirty="0" smtClean="0">
+                <a:solidFill>
+                  <a:schemeClr val="tx1"/>
+                </a:solidFill>
+                <a:effectLst/>
+                <a:latin typeface="+mn-lt"/>
+                <a:ea typeface="+mn-ea"/>
+                <a:cs typeface="+mn-cs"/>
+              </a:rPr>
+            </a:br>
+            <a:r>
+              <a:rPr lang="mr-IN" sz="1200" b="1" kern="1200" dirty="0" smtClean="0">
+                <a:solidFill>
+                  <a:schemeClr val="tx1"/>
+                </a:solidFill>
+                <a:effectLst/>
+                <a:latin typeface="+mn-lt"/>
+                <a:ea typeface="+mn-ea"/>
+                <a:cs typeface="+mn-cs"/>
+              </a:rPr>
+              <a:t>      </a:t>
+            </a:r>
+            <a:r>
+              <a:rPr lang="mr-IN" dirty="0" smtClean="0"/>
+              <a:t>}</a:t>
+            </a:r>
+            <a:br>
+              <a:rPr lang="mr-IN" dirty="0" smtClean="0"/>
+            </a:br>
+            <a:r>
+              <a:rPr lang="mr-IN" dirty="0" smtClean="0"/>
+              <a:t>    }]</a:t>
+            </a:r>
+            <a:br>
+              <a:rPr lang="mr-IN" dirty="0" smtClean="0"/>
+            </a:br>
+            <a:r>
+              <a:rPr lang="mr-IN" dirty="0" smtClean="0"/>
+              <a:t>  }</a:t>
+            </a:r>
+            <a:br>
+              <a:rPr lang="mr-IN" dirty="0" smtClean="0"/>
+            </a:br>
+            <a:r>
+              <a:rPr lang="mr-IN" dirty="0" smtClean="0"/>
+              <a:t>}</a:t>
+            </a:r>
+            <a:endParaRPr lang="en-US" dirty="0"/>
+          </a:p>
+        </p:txBody>
+      </p:sp>
+      <p:sp>
+        <p:nvSpPr>
+          <p:cNvPr id="4" name="Slide Number Placeholder 3"/>
+          <p:cNvSpPr>
+            <a:spLocks noGrp="1"/>
+          </p:cNvSpPr>
+          <p:nvPr>
+            <p:ph type="sldNum" sz="quarter" idx="10"/>
+          </p:nvPr>
+        </p:nvSpPr>
+        <p:spPr/>
+        <p:txBody>
+          <a:bodyPr/>
+          <a:lstStyle/>
+          <a:p>
+            <a:fld id="{F0593C4D-DAC8-294B-98EA-94939A182283}" type="slidenum">
+              <a:rPr lang="en-US" smtClean="0"/>
+              <a:t>26</a:t>
+            </a:fld>
+            <a:endParaRPr lang="en-US"/>
+          </a:p>
+        </p:txBody>
+      </p:sp>
+    </p:spTree>
+    <p:extLst>
+      <p:ext uri="{BB962C8B-B14F-4D97-AF65-F5344CB8AC3E}">
+        <p14:creationId xmlns:p14="http://schemas.microsoft.com/office/powerpoint/2010/main" val="440472577"/>
       </p:ext>
     </p:extLst>
   </p:cSld>
@@ -41875,22 +49281,67 @@
           </a:p>
         </p:txBody>
       </p:sp>
+      <p:pic>
+        <p:nvPicPr>
+          <p:cNvPr id="4" name="Picture 3"/>
+          <p:cNvPicPr>
+            <a:picLocks noChangeAspect="1"/>
+          </p:cNvPicPr>
+          <p:nvPr/>
+        </p:nvPicPr>
+        <p:blipFill>
+          <a:blip r:embed="rId3">
+            <a:extLst>
+              <a:ext uri="{28A0092B-C50C-407E-A947-70E740481C1C}">
+                <a14:useLocalDpi xmlns:a14="http://schemas.microsoft.com/office/drawing/2010/main" val="0"/>
+              </a:ext>
+            </a:extLst>
+          </a:blip>
+          <a:stretch>
+            <a:fillRect/>
+          </a:stretch>
+        </p:blipFill>
+        <p:spPr>
+          <a:xfrm>
+            <a:off x="465075" y="1591806"/>
+            <a:ext cx="10813151" cy="4722039"/>
+          </a:xfrm>
+          <a:prstGeom prst="rect">
+            <a:avLst/>
+          </a:prstGeom>
+        </p:spPr>
+      </p:pic>
       <p:sp>
         <p:nvSpPr>
-          <p:cNvPr id="3" name="Content Placeholder 2"/>
-          <p:cNvSpPr>
-            <a:spLocks noGrp="1"/>
-          </p:cNvSpPr>
-          <p:nvPr>
-            <p:ph sz="quarter" idx="13"/>
-          </p:nvPr>
+          <p:cNvPr id="5" name="TextBox 4"/>
+          <p:cNvSpPr txBox="1"/>
+          <p:nvPr/>
         </p:nvSpPr>
-        <p:spPr/>
+        <p:spPr>
+          <a:xfrm>
+            <a:off x="3747246" y="6313845"/>
+            <a:ext cx="5755341" cy="369332"/>
+          </a:xfrm>
+          <a:prstGeom prst="rect">
+            <a:avLst/>
+          </a:prstGeom>
+          <a:noFill/>
+        </p:spPr>
         <p:txBody>
-          <a:bodyPr/>
+          <a:bodyPr wrap="square" rtlCol="0">
+            <a:spAutoFit/>
+          </a:bodyPr>
           <a:lstStyle/>
           <a:p>
             <a:pPr lvl="1"/>
+            <a:r>
+              <a:rPr lang="en-US" dirty="0"/>
+              <a:t>endly-</a:t>
+            </a:r>
+            <a:r>
+              <a:rPr lang="en-US" dirty="0" err="1"/>
+              <a:t>external.appspot.com</a:t>
+            </a:r>
             <a:endParaRPr lang="en-US" dirty="0"/>
           </a:p>
         </p:txBody>
@@ -41949,48 +49400,81 @@
           <a:p>
             <a:r>
               <a:rPr lang="en-US" dirty="0" smtClean="0"/>
-              <a:t>E2e - System</a:t>
+              <a:t>E2e Workflow structure</a:t>
             </a:r>
             <a:endParaRPr lang="en-US" dirty="0"/>
           </a:p>
         </p:txBody>
       </p:sp>
-      <p:sp>
-        <p:nvSpPr>
-          <p:cNvPr id="3" name="Content Placeholder 2"/>
-          <p:cNvSpPr>
-            <a:spLocks noGrp="1"/>
-          </p:cNvSpPr>
+      <p:pic>
+        <p:nvPicPr>
+          <p:cNvPr id="4" name="Content Placeholder 3"/>
+          <p:cNvPicPr>
+            <a:picLocks noGrp="1" noChangeAspect="1"/>
+          </p:cNvPicPr>
           <p:nvPr>
             <p:ph sz="quarter" idx="13"/>
           </p:nvPr>
-        </p:nvSpPr>
-        <p:spPr/>
-        <p:txBody>
-          <a:bodyPr/>
-          <a:lstStyle/>
-          <a:p>
-            <a:endParaRPr lang="en-US"/>
-          </a:p>
-        </p:txBody>
-      </p:sp>
+        </p:nvPicPr>
+        <p:blipFill>
+          <a:blip r:embed="rId3">
+            <a:extLst>
+              <a:ext uri="{28A0092B-C50C-407E-A947-70E740481C1C}">
+                <a14:useLocalDpi xmlns:a14="http://schemas.microsoft.com/office/drawing/2010/main" val="0"/>
+              </a:ext>
+            </a:extLst>
+          </a:blip>
+          <a:stretch>
+            <a:fillRect/>
+          </a:stretch>
+        </p:blipFill>
+        <p:spPr>
+          <a:xfrm>
+            <a:off x="734481" y="2025072"/>
+            <a:ext cx="3826481" cy="3424237"/>
+          </a:xfrm>
+        </p:spPr>
+      </p:pic>
+      <p:pic>
+        <p:nvPicPr>
+          <p:cNvPr id="5" name="Picture 4"/>
+          <p:cNvPicPr>
+            <a:picLocks noChangeAspect="1"/>
+          </p:cNvPicPr>
+          <p:nvPr/>
+        </p:nvPicPr>
+        <p:blipFill>
+          <a:blip r:embed="rId4">
+            <a:extLst>
+              <a:ext uri="{28A0092B-C50C-407E-A947-70E740481C1C}">
+                <a14:useLocalDpi xmlns:a14="http://schemas.microsoft.com/office/drawing/2010/main" val="0"/>
+              </a:ext>
+            </a:extLst>
+          </a:blip>
+          <a:stretch>
+            <a:fillRect/>
+          </a:stretch>
+        </p:blipFill>
+        <p:spPr>
+          <a:xfrm>
+            <a:off x="5844988" y="2025072"/>
+            <a:ext cx="4897914" cy="3875741"/>
+          </a:xfrm>
+          <a:prstGeom prst="rect">
+            <a:avLst/>
+          </a:prstGeom>
+        </p:spPr>
+      </p:pic>
     </p:spTree>
     <p:extLst>
       <p:ext uri="{BB962C8B-B14F-4D97-AF65-F5344CB8AC3E}">
-        <p14:creationId xmlns:p14="http://schemas.microsoft.com/office/powerpoint/2010/main" val="1140632785"/>
+        <p14:creationId xmlns:p14="http://schemas.microsoft.com/office/powerpoint/2010/main" val="1593881087"/>
       </p:ext>
     </p:extLst>
   </p:cSld>
   <p:clrMapOvr>
     <a:masterClrMapping/>
   </p:clrMapOvr>
-  <p:timing>
-    <p:tnLst>
-      <p:par>
-        <p:cTn id="1" dur="indefinite" restart="never" nodeType="tmRoot"/>
-      </p:par>
-    </p:tnLst>
-  </p:timing>
 </p:sld>
 </file>
 
@@ -42027,40 +49511,46 @@
           <a:lstStyle/>
           <a:p>
             <a:r>
-              <a:rPr lang="en-US" dirty="0"/>
-              <a:t>E2e - </a:t>
-            </a:r>
-            <a:r>
               <a:rPr lang="en-US" dirty="0" smtClean="0"/>
-              <a:t>Datastore </a:t>
+              <a:t>E2e - System</a:t>
             </a:r>
             <a:endParaRPr lang="en-US" dirty="0"/>
           </a:p>
         </p:txBody>
       </p:sp>
-      <p:sp>
-        <p:nvSpPr>
-          <p:cNvPr id="3" name="Content Placeholder 2"/>
-          <p:cNvSpPr>
-            <a:spLocks noGrp="1"/>
-          </p:cNvSpPr>
+      <p:pic>
+        <p:nvPicPr>
+          <p:cNvPr id="4" name="Content Placeholder 3"/>
+          <p:cNvPicPr>
+            <a:picLocks noGrp="1" noChangeAspect="1"/>
+          </p:cNvPicPr>
           <p:nvPr>
             <p:ph sz="quarter" idx="13"/>
           </p:nvPr>
-        </p:nvSpPr>
-        <p:spPr/>
-        <p:txBody>
-          <a:bodyPr/>
-          <a:lstStyle/>
-          <a:p>
-            <a:endParaRPr lang="en-US"/>
-          </a:p>
-        </p:txBody>
-      </p:sp>
+        </p:nvPicPr>
+        <p:blipFill>
+          <a:blip r:embed="rId3">
+            <a:extLst>
+              <a:ext uri="{28A0092B-C50C-407E-A947-70E740481C1C}">
+                <a14:useLocalDpi xmlns:a14="http://schemas.microsoft.com/office/drawing/2010/main" val="0"/>
+              </a:ext>
+            </a:extLst>
+          </a:blip>
+          <a:stretch>
+            <a:fillRect/>
+          </a:stretch>
+        </p:blipFill>
+        <p:spPr>
+          <a:xfrm>
+            <a:off x="3621742" y="2214694"/>
+            <a:ext cx="4540208" cy="3933292"/>
+          </a:xfrm>
+        </p:spPr>
+      </p:pic>
     </p:spTree>
     <p:extLst>
       <p:ext uri="{BB962C8B-B14F-4D97-AF65-F5344CB8AC3E}">
-        <p14:creationId xmlns:p14="http://schemas.microsoft.com/office/powerpoint/2010/main" val="1210584014"/>
+        <p14:creationId xmlns:p14="http://schemas.microsoft.com/office/powerpoint/2010/main" val="1140632785"/>
       </p:ext>
     </p:extLst>
   </p:cSld>
@@ -42111,43 +49601,49 @@
           <a:p>
             <a:r>
               <a:rPr lang="en-US" dirty="0"/>
-              <a:t>E2e </a:t>
-            </a:r>
-            <a:r>
-              <a:rPr lang="mr-IN" dirty="0" smtClean="0"/>
-              <a:t>–</a:t>
+              <a:t>E2e - </a:t>
             </a:r>
             <a:r>
               <a:rPr lang="en-US" dirty="0" smtClean="0"/>
-              <a:t> build &amp; deployment</a:t>
+              <a:t>Datastore </a:t>
             </a:r>
             <a:endParaRPr lang="en-US" dirty="0"/>
           </a:p>
         </p:txBody>
       </p:sp>
-      <p:sp>
-        <p:nvSpPr>
-          <p:cNvPr id="3" name="Content Placeholder 2"/>
-          <p:cNvSpPr>
-            <a:spLocks noGrp="1"/>
-          </p:cNvSpPr>
+      <p:pic>
+        <p:nvPicPr>
+          <p:cNvPr id="4" name="Content Placeholder 3"/>
+          <p:cNvPicPr>
+            <a:picLocks noGrp="1" noChangeAspect="1"/>
+          </p:cNvPicPr>
           <p:nvPr>
             <p:ph sz="quarter" idx="13"/>
           </p:nvPr>
-        </p:nvSpPr>
-        <p:spPr/>
-        <p:txBody>
-          <a:bodyPr/>
-          <a:lstStyle/>
-          <a:p>
-            <a:endParaRPr lang="en-US"/>
-          </a:p>
-        </p:txBody>
-      </p:sp>
+        </p:nvPicPr>
+        <p:blipFill>
+          <a:blip r:embed="rId3">
+            <a:extLst>
+              <a:ext uri="{28A0092B-C50C-407E-A947-70E740481C1C}">
+                <a14:useLocalDpi xmlns:a14="http://schemas.microsoft.com/office/drawing/2010/main" val="0"/>
+              </a:ext>
+            </a:extLst>
+          </a:blip>
+          <a:stretch>
+            <a:fillRect/>
+          </a:stretch>
+        </p:blipFill>
+        <p:spPr>
+          <a:xfrm>
+            <a:off x="2642539" y="2214694"/>
+            <a:ext cx="6261461" cy="3424237"/>
+          </a:xfrm>
+        </p:spPr>
+      </p:pic>
     </p:spTree>
     <p:extLst>
       <p:ext uri="{BB962C8B-B14F-4D97-AF65-F5344CB8AC3E}">
-        <p14:creationId xmlns:p14="http://schemas.microsoft.com/office/powerpoint/2010/main" val="2021041981"/>
+        <p14:creationId xmlns:p14="http://schemas.microsoft.com/office/powerpoint/2010/main" val="1210584014"/>
       </p:ext>
     </p:extLst>
   </p:cSld>
@@ -42273,14 +49769,27 @@
             <p:ph type="title"/>
           </p:nvPr>
         </p:nvSpPr>
-        <p:spPr/>
+        <p:spPr>
+          <a:xfrm>
+            <a:off x="913774" y="153822"/>
+            <a:ext cx="10364451" cy="1596177"/>
+          </a:xfrm>
+        </p:spPr>
         <p:txBody>
           <a:bodyPr/>
           <a:lstStyle/>
           <a:p>
             <a:r>
+              <a:rPr lang="en-US" dirty="0"/>
+              <a:t>E2e </a:t>
+            </a:r>
+            <a:r>
+              <a:rPr lang="mr-IN" dirty="0" smtClean="0"/>
+              <a:t>–</a:t>
+            </a:r>
+            <a:r>
               <a:rPr lang="en-US" dirty="0" smtClean="0"/>
-              <a:t>E2e - Regression</a:t>
+              <a:t> build &amp; deployment</a:t>
             </a:r>
             <a:endParaRPr lang="en-US" dirty="0"/>
           </a:p>
@@ -42301,14 +49810,122 @@
           <a:bodyPr/>
           <a:lstStyle/>
           <a:p>
-            <a:endParaRPr lang="en-US"/>
+            <a:r>
+              <a:rPr lang="en-US" dirty="0" smtClean="0"/>
+              <a:t>Code checkout to buil</a:t>
+            </a:r>
+            <a:r>
+              <a:rPr lang="en-US" dirty="0" smtClean="0"/>
+              <a:t>d location</a:t>
+            </a:r>
+          </a:p>
+          <a:p>
+            <a:r>
+              <a:rPr lang="en-US" dirty="0" smtClean="0"/>
+              <a:t>SDK AND Environment  setup</a:t>
+            </a:r>
+          </a:p>
+          <a:p>
+            <a:r>
+              <a:rPr lang="en-US" dirty="0" smtClean="0"/>
+              <a:t>Dependency resolving</a:t>
+            </a:r>
+          </a:p>
+          <a:p>
+            <a:r>
+              <a:rPr lang="en-US" dirty="0" smtClean="0"/>
+              <a:t>Application build</a:t>
+            </a:r>
+          </a:p>
+          <a:p>
+            <a:r>
+              <a:rPr lang="en-US" dirty="0" smtClean="0"/>
+              <a:t>APP assets download to release location</a:t>
+            </a:r>
+          </a:p>
+          <a:p>
+            <a:r>
+              <a:rPr lang="en-US" dirty="0" smtClean="0"/>
+              <a:t>App deployment to app location</a:t>
+            </a:r>
+          </a:p>
+          <a:p>
+            <a:r>
+              <a:rPr lang="en-US" dirty="0" smtClean="0"/>
+              <a:t>App stop &amp; start </a:t>
+            </a:r>
+          </a:p>
+          <a:p>
+            <a:endParaRPr lang="en-US" dirty="0" smtClean="0"/>
+          </a:p>
+          <a:p>
+            <a:endParaRPr lang="en-US" dirty="0"/>
           </a:p>
         </p:txBody>
       </p:sp>
+      <p:sp>
+        <p:nvSpPr>
+          <p:cNvPr id="8" name="TextBox 7"/>
+          <p:cNvSpPr txBox="1"/>
+          <p:nvPr/>
+        </p:nvSpPr>
+        <p:spPr>
+          <a:xfrm>
+            <a:off x="524656" y="6295869"/>
+            <a:ext cx="6453946" cy="369332"/>
+          </a:xfrm>
+          <a:prstGeom prst="rect">
+            <a:avLst/>
+          </a:prstGeom>
+          <a:noFill/>
+        </p:spPr>
+        <p:txBody>
+          <a:bodyPr wrap="none" rtlCol="0">
+            <a:spAutoFit/>
+          </a:bodyPr>
+          <a:lstStyle/>
+          <a:p>
+            <a:r>
+              <a:rPr lang="en-US" dirty="0"/>
+              <a:t>https://github.com/viant/endly/tree/master/shared/workflow/app</a:t>
+            </a:r>
+          </a:p>
+        </p:txBody>
+      </p:sp>
+      <p:pic>
+        <p:nvPicPr>
+          <p:cNvPr id="9" name="Picture 8"/>
+          <p:cNvPicPr>
+            <a:picLocks noChangeAspect="1"/>
+          </p:cNvPicPr>
+          <p:nvPr/>
+        </p:nvPicPr>
+        <p:blipFill>
+          <a:blip r:embed="rId3">
+            <a:extLst>
+              <a:ext uri="{28A0092B-C50C-407E-A947-70E740481C1C}">
+                <a14:useLocalDpi xmlns:a14="http://schemas.microsoft.com/office/drawing/2010/main" val="0"/>
+              </a:ext>
+            </a:extLst>
+          </a:blip>
+          <a:stretch>
+            <a:fillRect/>
+          </a:stretch>
+        </p:blipFill>
+        <p:spPr>
+          <a:xfrm>
+            <a:off x="7480092" y="1467723"/>
+            <a:ext cx="4711908" cy="5390277"/>
+          </a:xfrm>
+          <a:prstGeom prst="rect">
+            <a:avLst/>
+          </a:prstGeom>
+        </p:spPr>
+      </p:pic>
     </p:spTree>
     <p:extLst>
       <p:ext uri="{BB962C8B-B14F-4D97-AF65-F5344CB8AC3E}">
-        <p14:creationId xmlns:p14="http://schemas.microsoft.com/office/powerpoint/2010/main" val="1285019899"/>
+        <p14:creationId xmlns:p14="http://schemas.microsoft.com/office/powerpoint/2010/main" val="2021041981"/>
       </p:ext>
     </p:extLst>
   </p:cSld>
@@ -42352,18 +49969,31 @@
             <p:ph type="title"/>
           </p:nvPr>
         </p:nvSpPr>
-        <p:spPr/>
+        <p:spPr>
+          <a:xfrm>
+            <a:off x="913149" y="288733"/>
+            <a:ext cx="10364451" cy="1596177"/>
+          </a:xfrm>
+        </p:spPr>
         <p:txBody>
           <a:bodyPr/>
           <a:lstStyle/>
           <a:p>
             <a:r>
               <a:rPr lang="en-US" dirty="0"/>
-              <a:t>Adding use cases - </a:t>
+              <a:t>E2e </a:t>
+            </a:r>
+            <a:r>
+              <a:rPr lang="mr-IN" dirty="0" smtClean="0"/>
+              <a:t>–</a:t>
             </a:r>
             <a:r>
               <a:rPr lang="en-US" dirty="0" smtClean="0"/>
-              <a:t>REST</a:t>
+              <a:t> build &amp; </a:t>
+            </a:r>
+            <a:r>
+              <a:rPr lang="en-US" dirty="0" smtClean="0"/>
+              <a:t>deployment - docker</a:t>
             </a:r>
             <a:endParaRPr lang="en-US" dirty="0"/>
           </a:p>
@@ -42384,14 +50014,119 @@
           <a:bodyPr/>
           <a:lstStyle/>
           <a:p>
-            <a:endParaRPr lang="en-US"/>
+            <a:r>
+              <a:rPr lang="en-US" dirty="0" smtClean="0"/>
+              <a:t>Code checkout to docker build container</a:t>
+            </a:r>
+          </a:p>
+          <a:p>
+            <a:r>
+              <a:rPr lang="en-US" dirty="0"/>
+              <a:t>Environment  setup and Dependency resolving </a:t>
+            </a:r>
+            <a:endParaRPr lang="en-US" dirty="0" smtClean="0"/>
+          </a:p>
+          <a:p>
+            <a:r>
+              <a:rPr lang="en-US" dirty="0" smtClean="0"/>
+              <a:t>Application build</a:t>
+            </a:r>
+          </a:p>
+          <a:p>
+            <a:r>
+              <a:rPr lang="en-US" dirty="0" smtClean="0"/>
+              <a:t>APP assets download to release location</a:t>
+            </a:r>
+          </a:p>
+          <a:p>
+            <a:r>
+              <a:rPr lang="en-US" dirty="0" smtClean="0"/>
+              <a:t>Build app docker image ( config/dockerfile )</a:t>
+            </a:r>
+          </a:p>
+          <a:p>
+            <a:r>
+              <a:rPr lang="en-US" dirty="0" smtClean="0"/>
+              <a:t>Publish APP image to docker registry (optionally)</a:t>
+            </a:r>
+          </a:p>
+          <a:p>
+            <a:r>
+              <a:rPr lang="en-US" dirty="0" smtClean="0"/>
+              <a:t>Stop and start App docker image</a:t>
+            </a:r>
+          </a:p>
+          <a:p>
+            <a:endParaRPr lang="en-US" dirty="0" smtClean="0"/>
+          </a:p>
+          <a:p>
+            <a:endParaRPr lang="en-US" dirty="0"/>
+          </a:p>
+        </p:txBody>
+      </p:sp>
+      <p:pic>
+        <p:nvPicPr>
+          <p:cNvPr id="6" name="Picture 5"/>
+          <p:cNvPicPr>
+            <a:picLocks noChangeAspect="1"/>
+          </p:cNvPicPr>
+          <p:nvPr/>
+        </p:nvPicPr>
+        <p:blipFill>
+          <a:blip r:embed="rId3">
+            <a:extLst>
+              <a:ext uri="{28A0092B-C50C-407E-A947-70E740481C1C}">
+                <a14:useLocalDpi xmlns:a14="http://schemas.microsoft.com/office/drawing/2010/main" val="0"/>
+              </a:ext>
+            </a:extLst>
+          </a:blip>
+          <a:stretch>
+            <a:fillRect/>
+          </a:stretch>
+        </p:blipFill>
+        <p:spPr>
+          <a:xfrm>
+            <a:off x="7294268" y="1753850"/>
+            <a:ext cx="4897732" cy="5104150"/>
+          </a:xfrm>
+          <a:prstGeom prst="rect">
+            <a:avLst/>
+          </a:prstGeom>
+        </p:spPr>
+      </p:pic>
+      <p:sp>
+        <p:nvSpPr>
+          <p:cNvPr id="8" name="TextBox 7"/>
+          <p:cNvSpPr txBox="1"/>
+          <p:nvPr/>
+        </p:nvSpPr>
+        <p:spPr>
+          <a:xfrm>
+            <a:off x="524656" y="6295869"/>
+            <a:ext cx="6453946" cy="369332"/>
+          </a:xfrm>
+          <a:prstGeom prst="rect">
+            <a:avLst/>
+          </a:prstGeom>
+          <a:noFill/>
+        </p:spPr>
+        <p:txBody>
+          <a:bodyPr wrap="none" rtlCol="0">
+            <a:spAutoFit/>
+          </a:bodyPr>
+          <a:lstStyle/>
+          <a:p>
+            <a:r>
+              <a:rPr lang="en-US" dirty="0"/>
+              <a:t>https://github.com/viant/endly/tree/master/shared/workflow/app</a:t>
+            </a:r>
           </a:p>
         </p:txBody>
       </p:sp>
     </p:spTree>
     <p:extLst>
       <p:ext uri="{BB962C8B-B14F-4D97-AF65-F5344CB8AC3E}">
-        <p14:creationId xmlns:p14="http://schemas.microsoft.com/office/powerpoint/2010/main" val="1539058935"/>
+        <p14:creationId xmlns:p14="http://schemas.microsoft.com/office/powerpoint/2010/main" val="1623346627"/>
       </p:ext>
     </p:extLst>
   </p:cSld>
@@ -42442,7 +50177,7 @@
           <a:p>
             <a:r>
               <a:rPr lang="en-US" dirty="0" smtClean="0"/>
-              <a:t>Adding use cases - selenium</a:t>
+              <a:t>E2e - Regression</a:t>
             </a:r>
             <a:endParaRPr lang="en-US" dirty="0"/>
           </a:p>
@@ -42463,14 +50198,59 @@
           <a:bodyPr/>
           <a:lstStyle/>
           <a:p>
-            <a:endParaRPr lang="en-US"/>
+            <a:r>
+              <a:rPr lang="en-US" dirty="0" smtClean="0"/>
+              <a:t>Data setup</a:t>
+            </a:r>
+          </a:p>
+          <a:p>
+            <a:r>
+              <a:rPr lang="en-US" dirty="0" smtClean="0"/>
+              <a:t>Test plan with use case</a:t>
+            </a:r>
+          </a:p>
+          <a:p>
+            <a:pPr lvl="1"/>
+            <a:r>
+              <a:rPr lang="en-US" dirty="0" smtClean="0"/>
+              <a:t>Data setup</a:t>
+            </a:r>
+          </a:p>
+          <a:p>
+            <a:pPr lvl="1"/>
+            <a:r>
+              <a:rPr lang="en-US" dirty="0" smtClean="0"/>
+              <a:t>Test runner</a:t>
+            </a:r>
+          </a:p>
+          <a:p>
+            <a:pPr lvl="1"/>
+            <a:r>
+              <a:rPr lang="en-US" dirty="0" smtClean="0"/>
+              <a:t>Output verification</a:t>
+            </a:r>
+          </a:p>
+          <a:p>
+            <a:pPr lvl="1"/>
+            <a:r>
+              <a:rPr lang="en-US" dirty="0" smtClean="0"/>
+              <a:t>Data verification</a:t>
+            </a:r>
+          </a:p>
+          <a:p>
+            <a:pPr lvl="1"/>
+            <a:r>
+              <a:rPr lang="en-US" dirty="0" smtClean="0"/>
+              <a:t>Logging verification</a:t>
+            </a:r>
+            <a:endParaRPr lang="en-US" dirty="0"/>
           </a:p>
         </p:txBody>
       </p:sp>
     </p:spTree>
     <p:extLst>
       <p:ext uri="{BB962C8B-B14F-4D97-AF65-F5344CB8AC3E}">
-        <p14:creationId xmlns:p14="http://schemas.microsoft.com/office/powerpoint/2010/main" val="108404725"/>
+        <p14:creationId xmlns:p14="http://schemas.microsoft.com/office/powerpoint/2010/main" val="1285019899"/>
       </p:ext>
     </p:extLst>
   </p:cSld>
@@ -42514,38 +50294,98 @@
             <p:ph type="title"/>
           </p:nvPr>
         </p:nvSpPr>
-        <p:spPr/>
+        <p:spPr>
+          <a:xfrm>
+            <a:off x="898785" y="200326"/>
+            <a:ext cx="10364451" cy="1596177"/>
+          </a:xfrm>
+        </p:spPr>
         <p:txBody>
           <a:bodyPr/>
           <a:lstStyle/>
           <a:p>
+            <a:r>
+              <a:rPr lang="en-US" dirty="0" smtClean="0"/>
+              <a:t>Adding use cases </a:t>
+            </a:r>
+            <a:r>
+              <a:rPr lang="mr-IN" dirty="0" smtClean="0"/>
+              <a:t>–</a:t>
+            </a:r>
+            <a:r>
+              <a:rPr lang="en-US" dirty="0" smtClean="0"/>
+              <a:t> </a:t>
+            </a:r>
+            <a:r>
+              <a:rPr lang="en-US" dirty="0" err="1" smtClean="0"/>
+              <a:t>seleniuM</a:t>
+            </a:r>
             <a:endParaRPr lang="en-US" dirty="0"/>
           </a:p>
         </p:txBody>
       </p:sp>
-      <p:sp>
-        <p:nvSpPr>
-          <p:cNvPr id="3" name="Content Placeholder 2"/>
-          <p:cNvSpPr>
-            <a:spLocks noGrp="1"/>
-          </p:cNvSpPr>
+      <p:pic>
+        <p:nvPicPr>
+          <p:cNvPr id="6" name="Content Placeholder 5"/>
+          <p:cNvPicPr>
+            <a:picLocks noGrp="1" noChangeAspect="1"/>
+          </p:cNvPicPr>
           <p:nvPr>
             <p:ph sz="quarter" idx="13"/>
           </p:nvPr>
+        </p:nvPicPr>
+        <p:blipFill>
+          <a:blip r:embed="rId3">
+            <a:extLst>
+              <a:ext uri="{28A0092B-C50C-407E-A947-70E740481C1C}">
+                <a14:useLocalDpi xmlns:a14="http://schemas.microsoft.com/office/drawing/2010/main" val="0"/>
+              </a:ext>
+            </a:extLst>
+          </a:blip>
+          <a:stretch>
+            <a:fillRect/>
+          </a:stretch>
+        </p:blipFill>
+        <p:spPr>
+          <a:xfrm>
+            <a:off x="2422390" y="1929436"/>
+            <a:ext cx="7488204" cy="2822001"/>
+          </a:xfrm>
+        </p:spPr>
+      </p:pic>
+      <p:sp>
+        <p:nvSpPr>
+          <p:cNvPr id="5" name="TextBox 4"/>
+          <p:cNvSpPr txBox="1"/>
+          <p:nvPr/>
         </p:nvSpPr>
-        <p:spPr/>
+        <p:spPr>
+          <a:xfrm>
+            <a:off x="1573967" y="5943597"/>
+            <a:ext cx="5840060" cy="369332"/>
+          </a:xfrm>
+          <a:prstGeom prst="rect">
+            <a:avLst/>
+          </a:prstGeom>
+          <a:noFill/>
+        </p:spPr>
         <p:txBody>
-          <a:bodyPr/>
+          <a:bodyPr wrap="none" rtlCol="0">
+            <a:spAutoFit/>
+          </a:bodyPr>
           <a:lstStyle/>
           <a:p>
-            <a:endParaRPr lang="en-US"/>
+            <a:r>
+              <a:rPr lang="en-US"/>
+              <a:t>https://github.com/viant/endly/tree/master/runner/selenium</a:t>
+            </a:r>
           </a:p>
         </p:txBody>
       </p:sp>
     </p:spTree>
     <p:extLst>
       <p:ext uri="{BB962C8B-B14F-4D97-AF65-F5344CB8AC3E}">
-        <p14:creationId xmlns:p14="http://schemas.microsoft.com/office/powerpoint/2010/main" val="1309113940"/>
+        <p14:creationId xmlns:p14="http://schemas.microsoft.com/office/powerpoint/2010/main" val="108404725"/>
       </p:ext>
     </p:extLst>
   </p:cSld>
@@ -42589,18 +50429,39 @@
             <p:ph type="title"/>
           </p:nvPr>
         </p:nvSpPr>
-        <p:spPr/>
+        <p:spPr>
+          <a:xfrm>
+            <a:off x="898785" y="200326"/>
+            <a:ext cx="10364451" cy="1596177"/>
+          </a:xfrm>
+        </p:spPr>
         <p:txBody>
           <a:bodyPr/>
           <a:lstStyle/>
           <a:p>
             <a:r>
+              <a:rPr lang="en-US" dirty="0" smtClean="0"/>
+              <a:t>Adding use cases </a:t>
+            </a:r>
+            <a:r>
+              <a:rPr lang="mr-IN" dirty="0" smtClean="0"/>
+              <a:t>–</a:t>
+            </a:r>
+            <a:r>
               <a:rPr lang="en-US" dirty="0"/>
-              <a:t>Adding use cases - </a:t>
-            </a:r>
-            <a:r>
-              <a:rPr lang="en-US" dirty="0" smtClean="0"/>
-              <a:t>HTTP</a:t>
+              <a:t> selenium </a:t>
+            </a:r>
+            <a:r>
+              <a:rPr lang="en-US" dirty="0" err="1"/>
+              <a:t>cont</a:t>
+            </a:r>
+            <a:r>
+              <a:rPr lang="en-US" dirty="0"/>
+              <a:t> </a:t>
+            </a:r>
+            <a:r>
+              <a:rPr lang="mr-IN" dirty="0"/>
+              <a:t>…</a:t>
             </a:r>
             <a:endParaRPr lang="en-US" dirty="0"/>
           </a:p>
@@ -42608,27 +50469,97 @@
       </p:sp>
       <p:sp>
         <p:nvSpPr>
-          <p:cNvPr id="3" name="Content Placeholder 2"/>
-          <p:cNvSpPr>
-            <a:spLocks noGrp="1"/>
-          </p:cNvSpPr>
-          <p:nvPr>
-            <p:ph sz="quarter" idx="13"/>
-          </p:nvPr>
+          <p:cNvPr id="5" name="TextBox 4"/>
+          <p:cNvSpPr txBox="1"/>
+          <p:nvPr/>
         </p:nvSpPr>
-        <p:spPr/>
+        <p:spPr>
+          <a:xfrm>
+            <a:off x="1573967" y="5943597"/>
+            <a:ext cx="5840060" cy="369332"/>
+          </a:xfrm>
+          <a:prstGeom prst="rect">
+            <a:avLst/>
+          </a:prstGeom>
+          <a:noFill/>
+        </p:spPr>
         <p:txBody>
-          <a:bodyPr/>
+          <a:bodyPr wrap="none" rtlCol="0">
+            <a:spAutoFit/>
+          </a:bodyPr>
           <a:lstStyle/>
           <a:p>
-            <a:endParaRPr lang="en-US"/>
+            <a:r>
+              <a:rPr lang="en-US" dirty="0"/>
+              <a:t>https://github.com/viant/endly/tree/master/runner/selenium</a:t>
+            </a:r>
           </a:p>
         </p:txBody>
       </p:sp>
+      <p:pic>
+        <p:nvPicPr>
+          <p:cNvPr id="7" name="Picture 6"/>
+          <p:cNvPicPr>
+            <a:picLocks noChangeAspect="1"/>
+          </p:cNvPicPr>
+          <p:nvPr/>
+        </p:nvPicPr>
+        <p:blipFill>
+          <a:blip r:embed="rId3">
+            <a:extLst>
+              <a:ext uri="{28A0092B-C50C-407E-A947-70E740481C1C}">
+                <a14:useLocalDpi xmlns:a14="http://schemas.microsoft.com/office/drawing/2010/main" val="0"/>
+              </a:ext>
+            </a:extLst>
+          </a:blip>
+          <a:stretch>
+            <a:fillRect/>
+          </a:stretch>
+        </p:blipFill>
+        <p:spPr>
+          <a:xfrm>
+            <a:off x="3425869" y="2347627"/>
+            <a:ext cx="4844780" cy="3595970"/>
+          </a:xfrm>
+          <a:prstGeom prst="rect">
+            <a:avLst/>
+          </a:prstGeom>
+        </p:spPr>
+      </p:pic>
+      <p:pic>
+        <p:nvPicPr>
+          <p:cNvPr id="4" name="Picture 3"/>
+          <p:cNvPicPr>
+            <a:picLocks noChangeAspect="1"/>
+          </p:cNvPicPr>
+          <p:nvPr/>
+        </p:nvPicPr>
+        <p:blipFill>
+          <a:blip r:embed="rId4">
+            <a:extLst>
+              <a:ext uri="{28A0092B-C50C-407E-A947-70E740481C1C}">
+                <a14:useLocalDpi xmlns:a14="http://schemas.microsoft.com/office/drawing/2010/main" val="0"/>
+              </a:ext>
+            </a:extLst>
+          </a:blip>
+          <a:stretch>
+            <a:fillRect/>
+          </a:stretch>
+        </p:blipFill>
+        <p:spPr>
+          <a:xfrm>
+            <a:off x="3920878" y="1424546"/>
+            <a:ext cx="3854761" cy="647519"/>
+          </a:xfrm>
+          <a:prstGeom prst="rect">
+            <a:avLst/>
+          </a:prstGeom>
+        </p:spPr>
+      </p:pic>
     </p:spTree>
     <p:extLst>
       <p:ext uri="{BB962C8B-B14F-4D97-AF65-F5344CB8AC3E}">
-        <p14:creationId xmlns:p14="http://schemas.microsoft.com/office/powerpoint/2010/main" val="203980116"/>
+        <p14:creationId xmlns:p14="http://schemas.microsoft.com/office/powerpoint/2010/main" val="1108746837"/>
       </p:ext>
     </p:extLst>
   </p:cSld>
@@ -42672,42 +50603,125 @@
             <p:ph type="title"/>
           </p:nvPr>
         </p:nvSpPr>
-        <p:spPr/>
+        <p:spPr>
+          <a:xfrm>
+            <a:off x="913775" y="213783"/>
+            <a:ext cx="10364451" cy="1596177"/>
+          </a:xfrm>
+        </p:spPr>
         <p:txBody>
           <a:bodyPr/>
           <a:lstStyle/>
           <a:p>
             <a:r>
+              <a:rPr lang="en-US" dirty="0"/>
+              <a:t>Adding use cases - </a:t>
+            </a:r>
+            <a:r>
               <a:rPr lang="en-US" dirty="0" smtClean="0"/>
-              <a:t>Global workflow</a:t>
+              <a:t>REST</a:t>
             </a:r>
             <a:endParaRPr lang="en-US" dirty="0"/>
           </a:p>
         </p:txBody>
       </p:sp>
-      <p:sp>
-        <p:nvSpPr>
-          <p:cNvPr id="3" name="Content Placeholder 2"/>
-          <p:cNvSpPr>
-            <a:spLocks noGrp="1"/>
-          </p:cNvSpPr>
+      <p:pic>
+        <p:nvPicPr>
+          <p:cNvPr id="4" name="Content Placeholder 3"/>
+          <p:cNvPicPr>
+            <a:picLocks noGrp="1" noChangeAspect="1"/>
+          </p:cNvPicPr>
           <p:nvPr>
             <p:ph sz="quarter" idx="13"/>
           </p:nvPr>
+        </p:nvPicPr>
+        <p:blipFill>
+          <a:blip r:embed="rId3">
+            <a:extLst>
+              <a:ext uri="{28A0092B-C50C-407E-A947-70E740481C1C}">
+                <a14:useLocalDpi xmlns:a14="http://schemas.microsoft.com/office/drawing/2010/main" val="0"/>
+              </a:ext>
+            </a:extLst>
+          </a:blip>
+          <a:stretch>
+            <a:fillRect/>
+          </a:stretch>
+        </p:blipFill>
+        <p:spPr>
+          <a:xfrm>
+            <a:off x="3417757" y="2455963"/>
+            <a:ext cx="4552014" cy="3672299"/>
+          </a:xfrm>
+        </p:spPr>
+      </p:pic>
+      <p:sp>
+        <p:nvSpPr>
+          <p:cNvPr id="5" name="TextBox 4"/>
+          <p:cNvSpPr txBox="1"/>
+          <p:nvPr/>
         </p:nvSpPr>
-        <p:spPr/>
+        <p:spPr>
+          <a:xfrm>
+            <a:off x="1573967" y="5943597"/>
+            <a:ext cx="5405647" cy="369332"/>
+          </a:xfrm>
+          <a:prstGeom prst="rect">
+            <a:avLst/>
+          </a:prstGeom>
+          <a:noFill/>
+        </p:spPr>
         <p:txBody>
-          <a:bodyPr/>
+          <a:bodyPr wrap="none" rtlCol="0">
+            <a:spAutoFit/>
+          </a:bodyPr>
           <a:lstStyle/>
           <a:p>
-            <a:endParaRPr lang="en-US"/>
+            <a:r>
+              <a:rPr lang="en-US" dirty="0"/>
+              <a:t>https://</a:t>
+            </a:r>
+            <a:r>
+              <a:rPr lang="en-US" dirty="0" smtClean="0"/>
+              <a:t>github.com/viant/endly/tree/master/runner/rest</a:t>
+            </a:r>
+            <a:endParaRPr lang="en-US" dirty="0"/>
           </a:p>
         </p:txBody>
       </p:sp>
+      <p:pic>
+        <p:nvPicPr>
+          <p:cNvPr id="6" name="Picture 5"/>
+          <p:cNvPicPr>
+            <a:picLocks noChangeAspect="1"/>
+          </p:cNvPicPr>
+          <p:nvPr/>
+        </p:nvPicPr>
+        <p:blipFill>
+          <a:blip r:embed="rId4">
+            <a:extLst>
+              <a:ext uri="{28A0092B-C50C-407E-A947-70E740481C1C}">
+                <a14:useLocalDpi xmlns:a14="http://schemas.microsoft.com/office/drawing/2010/main" val="0"/>
+              </a:ext>
+            </a:extLst>
+          </a:blip>
+          <a:stretch>
+            <a:fillRect/>
+          </a:stretch>
+        </p:blipFill>
+        <p:spPr>
+          <a:xfrm>
+            <a:off x="913775" y="1662312"/>
+            <a:ext cx="10058400" cy="608984"/>
+          </a:xfrm>
+          <a:prstGeom prst="rect">
+            <a:avLst/>
+          </a:prstGeom>
+        </p:spPr>
+      </p:pic>
     </p:spTree>
     <p:extLst>
       <p:ext uri="{BB962C8B-B14F-4D97-AF65-F5344CB8AC3E}">
-        <p14:creationId xmlns:p14="http://schemas.microsoft.com/office/powerpoint/2010/main" val="1004017037"/>
+        <p14:creationId xmlns:p14="http://schemas.microsoft.com/office/powerpoint/2010/main" val="1539058935"/>
       </p:ext>
     </p:extLst>
   </p:cSld>
@@ -42757,6 +50771,332 @@
           <a:lstStyle/>
           <a:p>
             <a:r>
+              <a:rPr lang="en-US" dirty="0"/>
+              <a:t>Adding use cases - </a:t>
+            </a:r>
+            <a:r>
+              <a:rPr lang="en-US" dirty="0" smtClean="0"/>
+              <a:t>HTTP</a:t>
+            </a:r>
+            <a:endParaRPr lang="en-US" dirty="0"/>
+          </a:p>
+        </p:txBody>
+      </p:sp>
+      <p:pic>
+        <p:nvPicPr>
+          <p:cNvPr id="6" name="Content Placeholder 5"/>
+          <p:cNvPicPr>
+            <a:picLocks noGrp="1" noChangeAspect="1"/>
+          </p:cNvPicPr>
+          <p:nvPr>
+            <p:ph sz="quarter" idx="13"/>
+          </p:nvPr>
+        </p:nvPicPr>
+        <p:blipFill>
+          <a:blip r:embed="rId3">
+            <a:extLst>
+              <a:ext uri="{28A0092B-C50C-407E-A947-70E740481C1C}">
+                <a14:useLocalDpi xmlns:a14="http://schemas.microsoft.com/office/drawing/2010/main" val="0"/>
+              </a:ext>
+            </a:extLst>
+          </a:blip>
+          <a:stretch>
+            <a:fillRect/>
+          </a:stretch>
+        </p:blipFill>
+        <p:spPr>
+          <a:xfrm>
+            <a:off x="3647901" y="3097217"/>
+            <a:ext cx="4277773" cy="2721596"/>
+          </a:xfrm>
+        </p:spPr>
+      </p:pic>
+      <p:sp>
+        <p:nvSpPr>
+          <p:cNvPr id="7" name="TextBox 6"/>
+          <p:cNvSpPr txBox="1"/>
+          <p:nvPr/>
+        </p:nvSpPr>
+        <p:spPr>
+          <a:xfrm>
+            <a:off x="1573967" y="5943597"/>
+            <a:ext cx="5426486" cy="369332"/>
+          </a:xfrm>
+          <a:prstGeom prst="rect">
+            <a:avLst/>
+          </a:prstGeom>
+          <a:noFill/>
+        </p:spPr>
+        <p:txBody>
+          <a:bodyPr wrap="none" rtlCol="0">
+            <a:spAutoFit/>
+          </a:bodyPr>
+          <a:lstStyle/>
+          <a:p>
+            <a:r>
+              <a:rPr lang="en-US" dirty="0"/>
+              <a:t>https://</a:t>
+            </a:r>
+            <a:r>
+              <a:rPr lang="en-US" dirty="0" smtClean="0"/>
+              <a:t>github.com/viant/endly/tree/master/runner/http</a:t>
+            </a:r>
+            <a:endParaRPr lang="en-US" dirty="0"/>
+          </a:p>
+        </p:txBody>
+      </p:sp>
+      <p:pic>
+        <p:nvPicPr>
+          <p:cNvPr id="9" name="Picture 8"/>
+          <p:cNvPicPr>
+            <a:picLocks noChangeAspect="1"/>
+          </p:cNvPicPr>
+          <p:nvPr/>
+        </p:nvPicPr>
+        <p:blipFill>
+          <a:blip r:embed="rId4">
+            <a:extLst>
+              <a:ext uri="{28A0092B-C50C-407E-A947-70E740481C1C}">
+                <a14:useLocalDpi xmlns:a14="http://schemas.microsoft.com/office/drawing/2010/main" val="0"/>
+              </a:ext>
+            </a:extLst>
+          </a:blip>
+          <a:stretch>
+            <a:fillRect/>
+          </a:stretch>
+        </p:blipFill>
+        <p:spPr>
+          <a:xfrm>
+            <a:off x="913775" y="2017684"/>
+            <a:ext cx="10058400" cy="678094"/>
+          </a:xfrm>
+          <a:prstGeom prst="rect">
+            <a:avLst/>
+          </a:prstGeom>
+        </p:spPr>
+      </p:pic>
+    </p:spTree>
+    <p:extLst>
+      <p:ext uri="{BB962C8B-B14F-4D97-AF65-F5344CB8AC3E}">
+        <p14:creationId xmlns:p14="http://schemas.microsoft.com/office/powerpoint/2010/main" val="203980116"/>
+      </p:ext>
+    </p:extLst>
+  </p:cSld>
+  <p:clrMapOvr>
+    <a:masterClrMapping/>
+  </p:clrMapOvr>
+  <p:timing>
+    <p:tnLst>
+      <p:par>
+        <p:cTn id="1" dur="indefinite" restart="never" nodeType="tmRoot"/>
+      </p:par>
+    </p:tnLst>
+  </p:timing>
+</p:sld>
+</file>
+
+<file path=ppt/slides/slide27.xml><?xml version="1.0" encoding="utf-8"?>
+<p:sld xmlns:a="http://schemas.openxmlformats.org/drawingml/2006/main" xmlns:r="http://schemas.openxmlformats.org/officeDocument/2006/relationships" xmlns:p="http://schemas.openxmlformats.org/presentationml/2006/main">
+  <p:cSld>
+    <p:spTree>
+      <p:nvGrpSpPr>
+        <p:cNvPr id="1" name=""/>
+        <p:cNvGrpSpPr/>
+        <p:nvPr/>
+      </p:nvGrpSpPr>
+      <p:grpSpPr>
+        <a:xfrm>
+          <a:off x="0" y="0"/>
+          <a:ext cx="0" cy="0"/>
+          <a:chOff x="0" y="0"/>
+          <a:chExt cx="0" cy="0"/>
+        </a:xfrm>
+      </p:grpSpPr>
+      <p:sp>
+        <p:nvSpPr>
+          <p:cNvPr id="2" name="Title 1"/>
+          <p:cNvSpPr>
+            <a:spLocks noGrp="1"/>
+          </p:cNvSpPr>
+          <p:nvPr>
+            <p:ph type="title"/>
+          </p:nvPr>
+        </p:nvSpPr>
+        <p:spPr/>
+        <p:txBody>
+          <a:bodyPr/>
+          <a:lstStyle/>
+          <a:p>
+            <a:r>
+              <a:rPr lang="en-US" dirty="0" smtClean="0"/>
+              <a:t>Global workflow</a:t>
+            </a:r>
+            <a:endParaRPr lang="en-US" dirty="0"/>
+          </a:p>
+        </p:txBody>
+      </p:sp>
+      <p:sp>
+        <p:nvSpPr>
+          <p:cNvPr id="3" name="Content Placeholder 2"/>
+          <p:cNvSpPr>
+            <a:spLocks noGrp="1"/>
+          </p:cNvSpPr>
+          <p:nvPr>
+            <p:ph sz="quarter" idx="13"/>
+          </p:nvPr>
+        </p:nvSpPr>
+        <p:spPr/>
+        <p:txBody>
+          <a:bodyPr/>
+          <a:lstStyle/>
+          <a:p>
+            <a:r>
+              <a:rPr lang="en-US" dirty="0">
+                <a:hlinkClick r:id="rId2"/>
+              </a:rPr>
+              <a:t>Services</a:t>
+            </a:r>
+            <a:r>
+              <a:rPr lang="en-US" dirty="0"/>
+              <a:t> (datastore/caching services)</a:t>
+            </a:r>
+          </a:p>
+          <a:p>
+            <a:r>
+              <a:rPr lang="en-US" dirty="0">
+                <a:hlinkClick r:id="rId3"/>
+              </a:rPr>
+              <a:t>App</a:t>
+            </a:r>
+            <a:r>
+              <a:rPr lang="en-US" dirty="0"/>
+              <a:t> </a:t>
+            </a:r>
+            <a:r>
+              <a:rPr lang="en-US" dirty="0" smtClean="0"/>
+              <a:t>(</a:t>
+            </a:r>
+            <a:r>
+              <a:rPr lang="en-US" dirty="0" err="1" smtClean="0"/>
+              <a:t>buiLd</a:t>
+            </a:r>
+            <a:r>
+              <a:rPr lang="en-US" dirty="0" smtClean="0"/>
+              <a:t>/deployment)</a:t>
+            </a:r>
+            <a:endParaRPr lang="en-US" dirty="0"/>
+          </a:p>
+          <a:p>
+            <a:r>
+              <a:rPr lang="en-US" dirty="0">
+                <a:hlinkClick r:id="rId4"/>
+              </a:rPr>
+              <a:t>Cloud</a:t>
+            </a:r>
+            <a:r>
+              <a:rPr lang="en-US" dirty="0"/>
+              <a:t> (ec2, gce)</a:t>
+            </a:r>
+          </a:p>
+          <a:p>
+            <a:r>
+              <a:rPr lang="en-US" dirty="0">
+                <a:hlinkClick r:id="rId5"/>
+              </a:rPr>
+              <a:t>Testing</a:t>
+            </a:r>
+            <a:r>
+              <a:rPr lang="en-US" dirty="0"/>
+              <a:t> (assert)</a:t>
+            </a:r>
+          </a:p>
+          <a:p>
+            <a:endParaRPr lang="en-US" dirty="0"/>
+          </a:p>
+        </p:txBody>
+      </p:sp>
+      <p:sp>
+        <p:nvSpPr>
+          <p:cNvPr id="4" name="TextBox 3"/>
+          <p:cNvSpPr txBox="1"/>
+          <p:nvPr/>
+        </p:nvSpPr>
+        <p:spPr>
+          <a:xfrm>
+            <a:off x="1888761" y="6190938"/>
+            <a:ext cx="5005088" cy="369332"/>
+          </a:xfrm>
+          <a:prstGeom prst="rect">
+            <a:avLst/>
+          </a:prstGeom>
+          <a:noFill/>
+        </p:spPr>
+        <p:txBody>
+          <a:bodyPr wrap="none" rtlCol="0">
+            <a:spAutoFit/>
+          </a:bodyPr>
+          <a:lstStyle/>
+          <a:p>
+            <a:r>
+              <a:rPr lang="en-US" dirty="0"/>
+              <a:t>https://github.com/viant/endly/tree/master/shared</a:t>
+            </a:r>
+          </a:p>
+        </p:txBody>
+      </p:sp>
+    </p:spTree>
+    <p:extLst>
+      <p:ext uri="{BB962C8B-B14F-4D97-AF65-F5344CB8AC3E}">
+        <p14:creationId xmlns:p14="http://schemas.microsoft.com/office/powerpoint/2010/main" val="1004017037"/>
+      </p:ext>
+    </p:extLst>
+  </p:cSld>
+  <p:clrMapOvr>
+    <a:masterClrMapping/>
+  </p:clrMapOvr>
+  <p:timing>
+    <p:tnLst>
+      <p:par>
+        <p:cTn id="1" dur="indefinite" restart="never" nodeType="tmRoot"/>
+      </p:par>
+    </p:tnLst>
+  </p:timing>
+</p:sld>
+</file>
+
+<file path=ppt/slides/slide28.xml><?xml version="1.0" encoding="utf-8"?>
+<p:sld xmlns:a="http://schemas.openxmlformats.org/drawingml/2006/main" xmlns:r="http://schemas.openxmlformats.org/officeDocument/2006/relationships" xmlns:p="http://schemas.openxmlformats.org/presentationml/2006/main">
+  <p:cSld>
+    <p:spTree>
+      <p:nvGrpSpPr>
+        <p:cNvPr id="1" name=""/>
+        <p:cNvGrpSpPr/>
+        <p:nvPr/>
+      </p:nvGrpSpPr>
+      <p:grpSpPr>
+        <a:xfrm>
+          <a:off x="0" y="0"/>
+          <a:ext cx="0" cy="0"/>
+          <a:chOff x="0" y="0"/>
+          <a:chExt cx="0" cy="0"/>
+        </a:xfrm>
+      </p:grpSpPr>
+      <p:sp>
+        <p:nvSpPr>
+          <p:cNvPr id="2" name="Title 1"/>
+          <p:cNvSpPr>
+            <a:spLocks noGrp="1"/>
+          </p:cNvSpPr>
+          <p:nvPr>
+            <p:ph type="title"/>
+          </p:nvPr>
+        </p:nvSpPr>
+        <p:spPr/>
+        <p:txBody>
+          <a:bodyPr/>
+          <a:lstStyle/>
+          <a:p>
+            <a:r>
               <a:rPr lang="en-US" dirty="0" smtClean="0"/>
               <a:t>debugging &amp; Troubleshooting</a:t>
             </a:r>
@@ -42838,7 +51178,7 @@
 </p:sld>
 </file>
 
-<file path=ppt/slides/slide27.xml><?xml version="1.0" encoding="utf-8"?>
+<file path=ppt/slides/slide29.xml><?xml version="1.0" encoding="utf-8"?>
 <p:sld xmlns:a="http://schemas.openxmlformats.org/drawingml/2006/main" xmlns:r="http://schemas.openxmlformats.org/officeDocument/2006/relationships" xmlns:p="http://schemas.openxmlformats.org/presentationml/2006/main">
   <p:cSld>
     <p:spTree>

--- a/golang-e2e.pptx
+++ b/golang-e2e.pptx
@@ -7605,8 +7605,8 @@
     <dgm:cxn modelId="{3A62AC13-7DD2-EC41-B3CF-873210D683C8}" type="presOf" srcId="{C398BE27-1828-0D43-A3DA-85EA13906BC2}" destId="{A880C02D-37F6-6E49-8111-5C13B06163E9}" srcOrd="1" destOrd="0" presId="urn:microsoft.com/office/officeart/2005/8/layout/process1"/>
     <dgm:cxn modelId="{F3BD7D10-C4AE-0D41-8D31-71E2AC2B16A5}" srcId="{C0408FEF-7259-BA40-8B74-B6ECD5F06C32}" destId="{E48C8927-38DC-164A-B5F7-EFB7C23E7DDF}" srcOrd="2" destOrd="0" parTransId="{69511960-463C-E847-B17A-D4815E06415D}" sibTransId="{EF3C530E-FF5F-7948-B989-29B075615792}"/>
     <dgm:cxn modelId="{9D0709E1-26A7-A649-9BFA-AEB87979E99B}" type="presOf" srcId="{C0408FEF-7259-BA40-8B74-B6ECD5F06C32}" destId="{E77C3153-EF9F-1343-9F2C-0142443E233B}" srcOrd="0" destOrd="0" presId="urn:microsoft.com/office/officeart/2005/8/layout/process1"/>
+    <dgm:cxn modelId="{1D2F2EEC-97F1-7B44-B61E-7A22CC0592A6}" type="presOf" srcId="{E48C8927-38DC-164A-B5F7-EFB7C23E7DDF}" destId="{41EAD350-3657-084C-8DC3-A32FAA937C19}" srcOrd="0" destOrd="0" presId="urn:microsoft.com/office/officeart/2005/8/layout/process1"/>
     <dgm:cxn modelId="{EAC2A9EF-8BB5-1A4B-97FF-E5B6F8E47636}" srcId="{C0408FEF-7259-BA40-8B74-B6ECD5F06C32}" destId="{87C28358-AF64-AE43-A83D-5E74D43FD17B}" srcOrd="1" destOrd="0" parTransId="{44407844-5F3B-9D41-8C7E-733B4D2E70BA}" sibTransId="{2988BF57-8C96-E742-BF3F-BD400BC10D8F}"/>
-    <dgm:cxn modelId="{1D2F2EEC-97F1-7B44-B61E-7A22CC0592A6}" type="presOf" srcId="{E48C8927-38DC-164A-B5F7-EFB7C23E7DDF}" destId="{41EAD350-3657-084C-8DC3-A32FAA937C19}" srcOrd="0" destOrd="0" presId="urn:microsoft.com/office/officeart/2005/8/layout/process1"/>
     <dgm:cxn modelId="{DF7CF118-03AD-E341-B575-1E44DBBD345C}" type="presOf" srcId="{C398BE27-1828-0D43-A3DA-85EA13906BC2}" destId="{708D9161-D4CE-3A49-9B67-434DD607E1E8}" srcOrd="0" destOrd="0" presId="urn:microsoft.com/office/officeart/2005/8/layout/process1"/>
     <dgm:cxn modelId="{39B8C894-3F39-2646-ADE3-D392816F86D4}" type="presParOf" srcId="{E77C3153-EF9F-1343-9F2C-0142443E233B}" destId="{77B928C5-C2D6-EA44-93FC-635F3CEA46CC}" srcOrd="0" destOrd="0" presId="urn:microsoft.com/office/officeart/2005/8/layout/process1"/>
     <dgm:cxn modelId="{D9EE0BAB-3C50-CF42-8A24-12E9D4086BE5}" type="presParOf" srcId="{E77C3153-EF9F-1343-9F2C-0142443E233B}" destId="{708D9161-D4CE-3A49-9B67-434DD607E1E8}" srcOrd="1" destOrd="0" presId="urn:microsoft.com/office/officeart/2005/8/layout/process1"/>
@@ -29032,7 +29032,7 @@
           <a:p>
             <a:fld id="{F77F7A3F-C441-004C-A4D2-25DA2EE3114D}" type="datetimeFigureOut">
               <a:rPr lang="en-US" smtClean="0"/>
-              <a:t>4/16/18</a:t>
+              <a:t>4/17/18</a:t>
             </a:fld>
             <a:endParaRPr lang="en-US"/>
           </a:p>
@@ -40280,7 +40280,7 @@
           <a:p>
             <a:fld id="{48A87A34-81AB-432B-8DAE-1953F412C126}" type="datetimeFigureOut">
               <a:rPr lang="en-US"/>
-              <a:t>4/16/18</a:t>
+              <a:t>4/17/18</a:t>
             </a:fld>
             <a:endParaRPr lang="en-US"/>
           </a:p>
@@ -40587,7 +40587,7 @@
           <a:p>
             <a:fld id="{48A87A34-81AB-432B-8DAE-1953F412C126}" type="datetimeFigureOut">
               <a:rPr lang="en-US"/>
-              <a:t>4/16/18</a:t>
+              <a:t>4/17/18</a:t>
             </a:fld>
             <a:endParaRPr lang="en-US"/>
           </a:p>
@@ -40804,7 +40804,7 @@
           <a:p>
             <a:fld id="{48A87A34-81AB-432B-8DAE-1953F412C126}" type="datetimeFigureOut">
               <a:rPr lang="en-US"/>
-              <a:t>4/16/18</a:t>
+              <a:t>4/17/18</a:t>
             </a:fld>
             <a:endParaRPr lang="en-US"/>
           </a:p>
@@ -41090,7 +41090,7 @@
           <a:p>
             <a:fld id="{48A87A34-81AB-432B-8DAE-1953F412C126}" type="datetimeFigureOut">
               <a:rPr lang="en-US"/>
-              <a:t>4/16/18</a:t>
+              <a:t>4/17/18</a:t>
             </a:fld>
             <a:endParaRPr lang="en-US"/>
           </a:p>
@@ -41539,7 +41539,7 @@
           <a:p>
             <a:fld id="{48A87A34-81AB-432B-8DAE-1953F412C126}" type="datetimeFigureOut">
               <a:rPr lang="en-US"/>
-              <a:t>4/16/18</a:t>
+              <a:t>4/17/18</a:t>
             </a:fld>
             <a:endParaRPr lang="en-US"/>
           </a:p>
@@ -42110,7 +42110,7 @@
           <a:p>
             <a:fld id="{48A87A34-81AB-432B-8DAE-1953F412C126}" type="datetimeFigureOut">
               <a:rPr lang="en-US"/>
-              <a:t>4/16/18</a:t>
+              <a:t>4/17/18</a:t>
             </a:fld>
             <a:endParaRPr lang="en-US"/>
           </a:p>
@@ -42957,7 +42957,7 @@
           <a:p>
             <a:fld id="{48A87A34-81AB-432B-8DAE-1953F412C126}" type="datetimeFigureOut">
               <a:rPr lang="en-US"/>
-              <a:t>4/16/18</a:t>
+              <a:t>4/17/18</a:t>
             </a:fld>
             <a:endParaRPr lang="en-US"/>
           </a:p>
@@ -43157,7 +43157,7 @@
           <a:p>
             <a:fld id="{48A87A34-81AB-432B-8DAE-1953F412C126}" type="datetimeFigureOut">
               <a:rPr lang="en-US"/>
-              <a:t>4/16/18</a:t>
+              <a:t>4/17/18</a:t>
             </a:fld>
             <a:endParaRPr lang="en-US"/>
           </a:p>
@@ -43366,7 +43366,7 @@
           <a:p>
             <a:fld id="{48A87A34-81AB-432B-8DAE-1953F412C126}" type="datetimeFigureOut">
               <a:rPr lang="en-US"/>
-              <a:t>4/16/18</a:t>
+              <a:t>4/17/18</a:t>
             </a:fld>
             <a:endParaRPr lang="en-US"/>
           </a:p>
@@ -43566,7 +43566,7 @@
           <a:p>
             <a:fld id="{48A87A34-81AB-432B-8DAE-1953F412C126}" type="datetimeFigureOut">
               <a:rPr lang="en-US"/>
-              <a:t>4/16/18</a:t>
+              <a:t>4/17/18</a:t>
             </a:fld>
             <a:endParaRPr lang="en-US"/>
           </a:p>
@@ -43841,7 +43841,7 @@
           <a:p>
             <a:fld id="{48A87A34-81AB-432B-8DAE-1953F412C126}" type="datetimeFigureOut">
               <a:rPr lang="en-US"/>
-              <a:t>4/16/18</a:t>
+              <a:t>4/17/18</a:t>
             </a:fld>
             <a:endParaRPr lang="en-US"/>
           </a:p>
@@ -44103,7 +44103,7 @@
           <a:p>
             <a:fld id="{48A87A34-81AB-432B-8DAE-1953F412C126}" type="datetimeFigureOut">
               <a:rPr lang="en-US"/>
-              <a:t>4/16/18</a:t>
+              <a:t>4/17/18</a:t>
             </a:fld>
             <a:endParaRPr lang="en-US"/>
           </a:p>
@@ -44513,7 +44513,7 @@
           <a:p>
             <a:fld id="{48A87A34-81AB-432B-8DAE-1953F412C126}" type="datetimeFigureOut">
               <a:rPr lang="en-US"/>
-              <a:t>4/16/18</a:t>
+              <a:t>4/17/18</a:t>
             </a:fld>
             <a:endParaRPr lang="en-US"/>
           </a:p>
@@ -44656,7 +44656,7 @@
           <a:p>
             <a:fld id="{48A87A34-81AB-432B-8DAE-1953F412C126}" type="datetimeFigureOut">
               <a:rPr lang="en-US"/>
-              <a:t>4/16/18</a:t>
+              <a:t>4/17/18</a:t>
             </a:fld>
             <a:endParaRPr lang="en-US"/>
           </a:p>
@@ -44776,7 +44776,7 @@
           <a:p>
             <a:fld id="{48A87A34-81AB-432B-8DAE-1953F412C126}" type="datetimeFigureOut">
               <a:rPr lang="en-US"/>
-              <a:t>4/16/18</a:t>
+              <a:t>4/17/18</a:t>
             </a:fld>
             <a:endParaRPr lang="en-US"/>
           </a:p>
@@ -45050,7 +45050,7 @@
           <a:p>
             <a:fld id="{48A87A34-81AB-432B-8DAE-1953F412C126}" type="datetimeFigureOut">
               <a:rPr lang="en-US"/>
-              <a:t>4/16/18</a:t>
+              <a:t>4/17/18</a:t>
             </a:fld>
             <a:endParaRPr lang="en-US"/>
           </a:p>
@@ -45357,7 +45357,7 @@
           <a:p>
             <a:fld id="{48A87A34-81AB-432B-8DAE-1953F412C126}" type="datetimeFigureOut">
               <a:rPr lang="en-US"/>
-              <a:t>4/16/18</a:t>
+              <a:t>4/17/18</a:t>
             </a:fld>
             <a:endParaRPr lang="en-US"/>
           </a:p>
@@ -45606,7 +45606,7 @@
             <a:fld id="{48A87A34-81AB-432B-8DAE-1953F412C126}" type="datetimeFigureOut">
               <a:rPr lang="en-US"/>
               <a:pPr/>
-              <a:t>4/16/18</a:t>
+              <a:t>4/17/18</a:t>
             </a:fld>
             <a:endParaRPr lang="en-US"/>
           </a:p>
@@ -46106,8 +46106,8 @@
         </p:nvSpPr>
         <p:spPr>
           <a:xfrm>
-            <a:off x="886120" y="5948313"/>
-            <a:ext cx="3120271" cy="646331"/>
+            <a:off x="7764906" y="1336586"/>
+            <a:ext cx="4026356" cy="830997"/>
           </a:xfrm>
           <a:prstGeom prst="rect">
             <a:avLst/>
@@ -46121,28 +46121,65 @@
           <a:lstStyle/>
           <a:p>
             <a:r>
-              <a:rPr lang="en-US" dirty="0" smtClean="0"/>
+              <a:rPr lang="en-US" sz="2400" dirty="0" smtClean="0"/>
               <a:t>http://</a:t>
             </a:r>
             <a:r>
-              <a:rPr lang="en-US" dirty="0" err="1" smtClean="0"/>
+              <a:rPr lang="en-US" sz="2400" dirty="0" err="1" smtClean="0"/>
               <a:t>github.com</a:t>
             </a:r>
             <a:r>
-              <a:rPr lang="en-US" dirty="0" smtClean="0"/>
+              <a:rPr lang="en-US" sz="2400" dirty="0" smtClean="0"/>
               <a:t>/</a:t>
             </a:r>
             <a:r>
-              <a:rPr lang="en-US" dirty="0" err="1" smtClean="0"/>
+              <a:rPr lang="en-US" sz="2400" dirty="0" err="1" smtClean="0"/>
               <a:t>viant</a:t>
             </a:r>
             <a:r>
-              <a:rPr lang="en-US" dirty="0" smtClean="0"/>
+              <a:rPr lang="en-US" sz="2400" dirty="0" smtClean="0"/>
               <a:t>/endly</a:t>
             </a:r>
           </a:p>
           <a:p>
-            <a:endParaRPr lang="en-US" dirty="0"/>
+            <a:endParaRPr lang="en-US" sz="2400" dirty="0"/>
+          </a:p>
+        </p:txBody>
+      </p:sp>
+      <p:sp>
+        <p:nvSpPr>
+          <p:cNvPr id="5" name="TextBox 4"/>
+          <p:cNvSpPr txBox="1"/>
+          <p:nvPr/>
+        </p:nvSpPr>
+        <p:spPr>
+          <a:xfrm>
+            <a:off x="3972393" y="4446539"/>
+            <a:ext cx="4732578" cy="369332"/>
+          </a:xfrm>
+          <a:prstGeom prst="rect">
+            <a:avLst/>
+          </a:prstGeom>
+          <a:noFill/>
+        </p:spPr>
+        <p:txBody>
+          <a:bodyPr wrap="none" rtlCol="0">
+            <a:spAutoFit/>
+          </a:bodyPr>
+          <a:lstStyle/>
+          <a:p>
+            <a:r>
+              <a:rPr lang="en-US" dirty="0"/>
+              <a:t>https://github.com/</a:t>
+            </a:r>
+            <a:r>
+              <a:rPr lang="en-US" dirty="0" err="1"/>
+              <a:t>adrianwit</a:t>
+            </a:r>
+            <a:r>
+              <a:rPr lang="en-US" dirty="0"/>
+              <a:t>/golang-e2e-testing</a:t>
+            </a:r>
           </a:p>
         </p:txBody>
       </p:sp>
@@ -49812,11 +49849,7 @@
           <a:p>
             <a:r>
               <a:rPr lang="en-US" dirty="0" smtClean="0"/>
-              <a:t>Code checkout to buil</a:t>
-            </a:r>
-            <a:r>
-              <a:rPr lang="en-US" dirty="0" smtClean="0"/>
-              <a:t>d location</a:t>
+              <a:t>Code checkout to build location</a:t>
             </a:r>
           </a:p>
           <a:p>
@@ -49989,11 +50022,7 @@
             </a:r>
             <a:r>
               <a:rPr lang="en-US" dirty="0" smtClean="0"/>
-              <a:t> build &amp; </a:t>
-            </a:r>
-            <a:r>
-              <a:rPr lang="en-US" dirty="0" smtClean="0"/>
-              <a:t>deployment - docker</a:t>
+              <a:t> build &amp; deployment - docker</a:t>
             </a:r>
             <a:endParaRPr lang="en-US" dirty="0"/>
           </a:p>

--- a/golang-e2e.pptx
+++ b/golang-e2e.pptx
@@ -5,7 +5,7 @@
     <p:sldMasterId id="2147483648" r:id="rId1"/>
   </p:sldMasterIdLst>
   <p:notesMasterIdLst>
-    <p:notesMasterId r:id="rId25"/>
+    <p:notesMasterId r:id="rId24"/>
   </p:notesMasterIdLst>
   <p:sldIdLst>
     <p:sldId id="256" r:id="rId2"/>
@@ -24,13 +24,12 @@
     <p:sldId id="276" r:id="rId15"/>
     <p:sldId id="286" r:id="rId16"/>
     <p:sldId id="277" r:id="rId17"/>
-    <p:sldId id="280" r:id="rId18"/>
-    <p:sldId id="287" r:id="rId19"/>
-    <p:sldId id="281" r:id="rId20"/>
-    <p:sldId id="283" r:id="rId21"/>
-    <p:sldId id="278" r:id="rId22"/>
-    <p:sldId id="284" r:id="rId23"/>
-    <p:sldId id="279" r:id="rId24"/>
+    <p:sldId id="287" r:id="rId18"/>
+    <p:sldId id="281" r:id="rId19"/>
+    <p:sldId id="283" r:id="rId20"/>
+    <p:sldId id="278" r:id="rId21"/>
+    <p:sldId id="284" r:id="rId22"/>
+    <p:sldId id="279" r:id="rId23"/>
   </p:sldIdLst>
   <p:sldSz cx="12192000" cy="6858000"/>
   <p:notesSz cx="6858000" cy="9144000"/>
@@ -34098,9 +34097,1191 @@
           <a:bodyPr/>
           <a:lstStyle/>
           <a:p>
-            <a:endParaRPr lang="en-US" dirty="0" smtClean="0"/>
+            <a:r>
+              <a:rPr lang="en-US" dirty="0" smtClean="0"/>
+              <a:t>@run.yaml</a:t>
+            </a:r>
           </a:p>
           <a:p>
+            <a:r>
+              <a:rPr lang="mr-IN" sz="1200" b="1" kern="1200" dirty="0" err="1" smtClean="0">
+                <a:solidFill>
+                  <a:schemeClr val="tx1"/>
+                </a:solidFill>
+                <a:effectLst/>
+                <a:latin typeface="+mn-lt"/>
+                <a:ea typeface="+mn-ea"/>
+                <a:cs typeface="+mn-cs"/>
+              </a:rPr>
+              <a:t>defaults</a:t>
+            </a:r>
+            <a:r>
+              <a:rPr lang="mr-IN" sz="1200" b="1" kern="1200" dirty="0" smtClean="0">
+                <a:solidFill>
+                  <a:schemeClr val="tx1"/>
+                </a:solidFill>
+                <a:effectLst/>
+                <a:latin typeface="+mn-lt"/>
+                <a:ea typeface="+mn-ea"/>
+                <a:cs typeface="+mn-cs"/>
+              </a:rPr>
+              <a:t>:</a:t>
+            </a:r>
+            <a:br>
+              <a:rPr lang="mr-IN" sz="1200" b="1" kern="1200" dirty="0" smtClean="0">
+                <a:solidFill>
+                  <a:schemeClr val="tx1"/>
+                </a:solidFill>
+                <a:effectLst/>
+                <a:latin typeface="+mn-lt"/>
+                <a:ea typeface="+mn-ea"/>
+                <a:cs typeface="+mn-cs"/>
+              </a:rPr>
+            </a:br>
+            <a:r>
+              <a:rPr lang="mr-IN" sz="1200" b="1" kern="1200" dirty="0" smtClean="0">
+                <a:solidFill>
+                  <a:schemeClr val="tx1"/>
+                </a:solidFill>
+                <a:effectLst/>
+                <a:latin typeface="+mn-lt"/>
+                <a:ea typeface="+mn-ea"/>
+                <a:cs typeface="+mn-cs"/>
+              </a:rPr>
+              <a:t>  </a:t>
+            </a:r>
+            <a:r>
+              <a:rPr lang="mr-IN" sz="1200" b="1" kern="1200" dirty="0" err="1" smtClean="0">
+                <a:solidFill>
+                  <a:schemeClr val="tx1"/>
+                </a:solidFill>
+                <a:effectLst/>
+                <a:latin typeface="+mn-lt"/>
+                <a:ea typeface="+mn-ea"/>
+                <a:cs typeface="+mn-cs"/>
+              </a:rPr>
+              <a:t>target</a:t>
+            </a:r>
+            <a:r>
+              <a:rPr lang="mr-IN" sz="1200" b="1" kern="1200" dirty="0" smtClean="0">
+                <a:solidFill>
+                  <a:schemeClr val="tx1"/>
+                </a:solidFill>
+                <a:effectLst/>
+                <a:latin typeface="+mn-lt"/>
+                <a:ea typeface="+mn-ea"/>
+                <a:cs typeface="+mn-cs"/>
+              </a:rPr>
+              <a:t>:</a:t>
+            </a:r>
+            <a:br>
+              <a:rPr lang="mr-IN" sz="1200" b="1" kern="1200" dirty="0" smtClean="0">
+                <a:solidFill>
+                  <a:schemeClr val="tx1"/>
+                </a:solidFill>
+                <a:effectLst/>
+                <a:latin typeface="+mn-lt"/>
+                <a:ea typeface="+mn-ea"/>
+                <a:cs typeface="+mn-cs"/>
+              </a:rPr>
+            </a:br>
+            <a:r>
+              <a:rPr lang="mr-IN" sz="1200" b="1" kern="1200" dirty="0" smtClean="0">
+                <a:solidFill>
+                  <a:schemeClr val="tx1"/>
+                </a:solidFill>
+                <a:effectLst/>
+                <a:latin typeface="+mn-lt"/>
+                <a:ea typeface="+mn-ea"/>
+                <a:cs typeface="+mn-cs"/>
+              </a:rPr>
+              <a:t>     URL: </a:t>
+            </a:r>
+            <a:r>
+              <a:rPr lang="mr-IN" dirty="0" err="1" smtClean="0"/>
+              <a:t>ssh</a:t>
+            </a:r>
+            <a:r>
+              <a:rPr lang="mr-IN" dirty="0" smtClean="0"/>
+              <a:t>://127.0.0.1/</a:t>
+            </a:r>
+            <a:br>
+              <a:rPr lang="mr-IN" dirty="0" smtClean="0"/>
+            </a:br>
+            <a:r>
+              <a:rPr lang="mr-IN" dirty="0" smtClean="0"/>
+              <a:t>     </a:t>
+            </a:r>
+            <a:r>
+              <a:rPr lang="mr-IN" sz="1200" b="1" kern="1200" dirty="0" err="1" smtClean="0">
+                <a:solidFill>
+                  <a:schemeClr val="tx1"/>
+                </a:solidFill>
+                <a:effectLst/>
+                <a:latin typeface="+mn-lt"/>
+                <a:ea typeface="+mn-ea"/>
+                <a:cs typeface="+mn-cs"/>
+              </a:rPr>
+              <a:t>credentials</a:t>
+            </a:r>
+            <a:r>
+              <a:rPr lang="mr-IN" sz="1200" b="1" kern="1200" dirty="0" smtClean="0">
+                <a:solidFill>
+                  <a:schemeClr val="tx1"/>
+                </a:solidFill>
+                <a:effectLst/>
+                <a:latin typeface="+mn-lt"/>
+                <a:ea typeface="+mn-ea"/>
+                <a:cs typeface="+mn-cs"/>
+              </a:rPr>
+              <a:t>: </a:t>
+            </a:r>
+            <a:r>
+              <a:rPr lang="mr-IN" dirty="0" err="1" smtClean="0"/>
+              <a:t>localhost</a:t>
+            </a:r>
+            <a:r>
+              <a:rPr lang="mr-IN" dirty="0" smtClean="0"/>
+              <a:t/>
+            </a:r>
+            <a:br>
+              <a:rPr lang="mr-IN" dirty="0" smtClean="0"/>
+            </a:br>
+            <a:r>
+              <a:rPr lang="mr-IN" sz="1200" b="1" kern="1200" dirty="0" err="1" smtClean="0">
+                <a:solidFill>
+                  <a:schemeClr val="tx1"/>
+                </a:solidFill>
+                <a:effectLst/>
+                <a:latin typeface="+mn-lt"/>
+                <a:ea typeface="+mn-ea"/>
+                <a:cs typeface="+mn-cs"/>
+              </a:rPr>
+              <a:t>pipeline</a:t>
+            </a:r>
+            <a:r>
+              <a:rPr lang="mr-IN" sz="1200" b="1" kern="1200" dirty="0" smtClean="0">
+                <a:solidFill>
+                  <a:schemeClr val="tx1"/>
+                </a:solidFill>
+                <a:effectLst/>
+                <a:latin typeface="+mn-lt"/>
+                <a:ea typeface="+mn-ea"/>
+                <a:cs typeface="+mn-cs"/>
+              </a:rPr>
+              <a:t>:</a:t>
+            </a:r>
+            <a:br>
+              <a:rPr lang="mr-IN" sz="1200" b="1" kern="1200" dirty="0" smtClean="0">
+                <a:solidFill>
+                  <a:schemeClr val="tx1"/>
+                </a:solidFill>
+                <a:effectLst/>
+                <a:latin typeface="+mn-lt"/>
+                <a:ea typeface="+mn-ea"/>
+                <a:cs typeface="+mn-cs"/>
+              </a:rPr>
+            </a:br>
+            <a:r>
+              <a:rPr lang="mr-IN" sz="1200" b="1" kern="1200" dirty="0" smtClean="0">
+                <a:solidFill>
+                  <a:schemeClr val="tx1"/>
+                </a:solidFill>
+                <a:effectLst/>
+                <a:latin typeface="+mn-lt"/>
+                <a:ea typeface="+mn-ea"/>
+                <a:cs typeface="+mn-cs"/>
+              </a:rPr>
+              <a:t>  </a:t>
+            </a:r>
+            <a:r>
+              <a:rPr lang="mr-IN" sz="1200" b="1" kern="1200" dirty="0" err="1" smtClean="0">
+                <a:solidFill>
+                  <a:schemeClr val="tx1"/>
+                </a:solidFill>
+                <a:effectLst/>
+                <a:latin typeface="+mn-lt"/>
+                <a:ea typeface="+mn-ea"/>
+                <a:cs typeface="+mn-cs"/>
+              </a:rPr>
+              <a:t>init</a:t>
+            </a:r>
+            <a:r>
+              <a:rPr lang="mr-IN" sz="1200" b="1" kern="1200" dirty="0" smtClean="0">
+                <a:solidFill>
+                  <a:schemeClr val="tx1"/>
+                </a:solidFill>
+                <a:effectLst/>
+                <a:latin typeface="+mn-lt"/>
+                <a:ea typeface="+mn-ea"/>
+                <a:cs typeface="+mn-cs"/>
+              </a:rPr>
+              <a:t>:</a:t>
+            </a:r>
+            <a:br>
+              <a:rPr lang="mr-IN" sz="1200" b="1" kern="1200" dirty="0" smtClean="0">
+                <a:solidFill>
+                  <a:schemeClr val="tx1"/>
+                </a:solidFill>
+                <a:effectLst/>
+                <a:latin typeface="+mn-lt"/>
+                <a:ea typeface="+mn-ea"/>
+                <a:cs typeface="+mn-cs"/>
+              </a:rPr>
+            </a:br>
+            <a:r>
+              <a:rPr lang="mr-IN" sz="1200" b="1" kern="1200" dirty="0" smtClean="0">
+                <a:solidFill>
+                  <a:schemeClr val="tx1"/>
+                </a:solidFill>
+                <a:effectLst/>
+                <a:latin typeface="+mn-lt"/>
+                <a:ea typeface="+mn-ea"/>
+                <a:cs typeface="+mn-cs"/>
+              </a:rPr>
+              <a:t>    </a:t>
+            </a:r>
+            <a:r>
+              <a:rPr lang="mr-IN" sz="1200" b="1" kern="1200" dirty="0" err="1" smtClean="0">
+                <a:solidFill>
+                  <a:schemeClr val="tx1"/>
+                </a:solidFill>
+                <a:effectLst/>
+                <a:latin typeface="+mn-lt"/>
+                <a:ea typeface="+mn-ea"/>
+                <a:cs typeface="+mn-cs"/>
+              </a:rPr>
+              <a:t>action</a:t>
+            </a:r>
+            <a:r>
+              <a:rPr lang="mr-IN" sz="1200" b="1" kern="1200" dirty="0" smtClean="0">
+                <a:solidFill>
+                  <a:schemeClr val="tx1"/>
+                </a:solidFill>
+                <a:effectLst/>
+                <a:latin typeface="+mn-lt"/>
+                <a:ea typeface="+mn-ea"/>
+                <a:cs typeface="+mn-cs"/>
+              </a:rPr>
+              <a:t>: </a:t>
+            </a:r>
+            <a:r>
+              <a:rPr lang="mr-IN" dirty="0" err="1" smtClean="0"/>
+              <a:t>selenium:start</a:t>
+            </a:r>
+            <a:r>
+              <a:rPr lang="mr-IN" dirty="0" smtClean="0"/>
+              <a:t/>
+            </a:r>
+            <a:br>
+              <a:rPr lang="mr-IN" dirty="0" smtClean="0"/>
+            </a:br>
+            <a:r>
+              <a:rPr lang="mr-IN" dirty="0" smtClean="0"/>
+              <a:t>    </a:t>
+            </a:r>
+            <a:r>
+              <a:rPr lang="mr-IN" sz="1200" b="1" kern="1200" dirty="0" err="1" smtClean="0">
+                <a:solidFill>
+                  <a:schemeClr val="tx1"/>
+                </a:solidFill>
+                <a:effectLst/>
+                <a:latin typeface="+mn-lt"/>
+                <a:ea typeface="+mn-ea"/>
+                <a:cs typeface="+mn-cs"/>
+              </a:rPr>
+              <a:t>version</a:t>
+            </a:r>
+            <a:r>
+              <a:rPr lang="mr-IN" sz="1200" b="1" kern="1200" dirty="0" smtClean="0">
+                <a:solidFill>
+                  <a:schemeClr val="tx1"/>
+                </a:solidFill>
+                <a:effectLst/>
+                <a:latin typeface="+mn-lt"/>
+                <a:ea typeface="+mn-ea"/>
+                <a:cs typeface="+mn-cs"/>
+              </a:rPr>
+              <a:t>: </a:t>
+            </a:r>
+            <a:r>
+              <a:rPr lang="mr-IN" dirty="0" smtClean="0"/>
+              <a:t>3.4.0</a:t>
+            </a:r>
+            <a:br>
+              <a:rPr lang="mr-IN" dirty="0" smtClean="0"/>
+            </a:br>
+            <a:r>
+              <a:rPr lang="mr-IN" dirty="0" smtClean="0"/>
+              <a:t>    </a:t>
+            </a:r>
+            <a:r>
+              <a:rPr lang="mr-IN" sz="1200" b="1" kern="1200" dirty="0" err="1" smtClean="0">
+                <a:solidFill>
+                  <a:schemeClr val="tx1"/>
+                </a:solidFill>
+                <a:effectLst/>
+                <a:latin typeface="+mn-lt"/>
+                <a:ea typeface="+mn-ea"/>
+                <a:cs typeface="+mn-cs"/>
+              </a:rPr>
+              <a:t>port</a:t>
+            </a:r>
+            <a:r>
+              <a:rPr lang="mr-IN" sz="1200" b="1" kern="1200" dirty="0" smtClean="0">
+                <a:solidFill>
+                  <a:schemeClr val="tx1"/>
+                </a:solidFill>
+                <a:effectLst/>
+                <a:latin typeface="+mn-lt"/>
+                <a:ea typeface="+mn-ea"/>
+                <a:cs typeface="+mn-cs"/>
+              </a:rPr>
+              <a:t>: </a:t>
+            </a:r>
+            <a:r>
+              <a:rPr lang="mr-IN" dirty="0" smtClean="0"/>
+              <a:t>8085</a:t>
+            </a:r>
+            <a:br>
+              <a:rPr lang="mr-IN" dirty="0" smtClean="0"/>
+            </a:br>
+            <a:r>
+              <a:rPr lang="mr-IN" dirty="0" smtClean="0"/>
+              <a:t>    </a:t>
+            </a:r>
+            <a:r>
+              <a:rPr lang="mr-IN" sz="1200" b="1" kern="1200" dirty="0" smtClean="0">
+                <a:solidFill>
+                  <a:schemeClr val="tx1"/>
+                </a:solidFill>
+                <a:effectLst/>
+                <a:latin typeface="+mn-lt"/>
+                <a:ea typeface="+mn-ea"/>
+                <a:cs typeface="+mn-cs"/>
+              </a:rPr>
+              <a:t>sdk: </a:t>
+            </a:r>
+            <a:r>
+              <a:rPr lang="mr-IN" dirty="0" err="1" smtClean="0"/>
+              <a:t>jdk</a:t>
+            </a:r>
+            <a:r>
+              <a:rPr lang="mr-IN" dirty="0" smtClean="0"/>
+              <a:t/>
+            </a:r>
+            <a:br>
+              <a:rPr lang="mr-IN" dirty="0" smtClean="0"/>
+            </a:br>
+            <a:r>
+              <a:rPr lang="mr-IN" dirty="0" smtClean="0"/>
+              <a:t>    </a:t>
+            </a:r>
+            <a:r>
+              <a:rPr lang="mr-IN" sz="1200" b="1" kern="1200" dirty="0" err="1" smtClean="0">
+                <a:solidFill>
+                  <a:schemeClr val="tx1"/>
+                </a:solidFill>
+                <a:effectLst/>
+                <a:latin typeface="+mn-lt"/>
+                <a:ea typeface="+mn-ea"/>
+                <a:cs typeface="+mn-cs"/>
+              </a:rPr>
+              <a:t>sdkVersion</a:t>
+            </a:r>
+            <a:r>
+              <a:rPr lang="mr-IN" sz="1200" b="1" kern="1200" dirty="0" smtClean="0">
+                <a:solidFill>
+                  <a:schemeClr val="tx1"/>
+                </a:solidFill>
+                <a:effectLst/>
+                <a:latin typeface="+mn-lt"/>
+                <a:ea typeface="+mn-ea"/>
+                <a:cs typeface="+mn-cs"/>
+              </a:rPr>
+              <a:t>: </a:t>
+            </a:r>
+            <a:r>
+              <a:rPr lang="mr-IN" dirty="0" smtClean="0"/>
+              <a:t>1.8</a:t>
+            </a:r>
+            <a:br>
+              <a:rPr lang="mr-IN" dirty="0" smtClean="0"/>
+            </a:br>
+            <a:r>
+              <a:rPr lang="mr-IN" dirty="0" smtClean="0"/>
+              <a:t>  </a:t>
+            </a:r>
+            <a:r>
+              <a:rPr lang="mr-IN" sz="1200" b="1" kern="1200" dirty="0" err="1" smtClean="0">
+                <a:solidFill>
+                  <a:schemeClr val="tx1"/>
+                </a:solidFill>
+                <a:effectLst/>
+                <a:latin typeface="+mn-lt"/>
+                <a:ea typeface="+mn-ea"/>
+                <a:cs typeface="+mn-cs"/>
+              </a:rPr>
+              <a:t>test</a:t>
+            </a:r>
+            <a:r>
+              <a:rPr lang="mr-IN" sz="1200" b="1" kern="1200" dirty="0" smtClean="0">
+                <a:solidFill>
+                  <a:schemeClr val="tx1"/>
+                </a:solidFill>
+                <a:effectLst/>
+                <a:latin typeface="+mn-lt"/>
+                <a:ea typeface="+mn-ea"/>
+                <a:cs typeface="+mn-cs"/>
+              </a:rPr>
+              <a:t>:</a:t>
+            </a:r>
+            <a:br>
+              <a:rPr lang="mr-IN" sz="1200" b="1" kern="1200" dirty="0" smtClean="0">
+                <a:solidFill>
+                  <a:schemeClr val="tx1"/>
+                </a:solidFill>
+                <a:effectLst/>
+                <a:latin typeface="+mn-lt"/>
+                <a:ea typeface="+mn-ea"/>
+                <a:cs typeface="+mn-cs"/>
+              </a:rPr>
+            </a:br>
+            <a:r>
+              <a:rPr lang="mr-IN" sz="1200" b="1" kern="1200" dirty="0" smtClean="0">
+                <a:solidFill>
+                  <a:schemeClr val="tx1"/>
+                </a:solidFill>
+                <a:effectLst/>
+                <a:latin typeface="+mn-lt"/>
+                <a:ea typeface="+mn-ea"/>
+                <a:cs typeface="+mn-cs"/>
+              </a:rPr>
+              <a:t>    </a:t>
+            </a:r>
+            <a:r>
+              <a:rPr lang="mr-IN" sz="1200" b="1" kern="1200" dirty="0" err="1" smtClean="0">
+                <a:solidFill>
+                  <a:schemeClr val="tx1"/>
+                </a:solidFill>
+                <a:effectLst/>
+                <a:latin typeface="+mn-lt"/>
+                <a:ea typeface="+mn-ea"/>
+                <a:cs typeface="+mn-cs"/>
+              </a:rPr>
+              <a:t>action</a:t>
+            </a:r>
+            <a:r>
+              <a:rPr lang="mr-IN" sz="1200" b="1" kern="1200" dirty="0" smtClean="0">
+                <a:solidFill>
+                  <a:schemeClr val="tx1"/>
+                </a:solidFill>
+                <a:effectLst/>
+                <a:latin typeface="+mn-lt"/>
+                <a:ea typeface="+mn-ea"/>
+                <a:cs typeface="+mn-cs"/>
+              </a:rPr>
+              <a:t>: </a:t>
+            </a:r>
+            <a:r>
+              <a:rPr lang="mr-IN" dirty="0" err="1" smtClean="0"/>
+              <a:t>selenium:run</a:t>
+            </a:r>
+            <a:r>
+              <a:rPr lang="mr-IN" dirty="0" smtClean="0"/>
+              <a:t/>
+            </a:r>
+            <a:br>
+              <a:rPr lang="mr-IN" dirty="0" smtClean="0"/>
+            </a:br>
+            <a:r>
+              <a:rPr lang="mr-IN" dirty="0" smtClean="0"/>
+              <a:t>    </a:t>
+            </a:r>
+            <a:r>
+              <a:rPr lang="mr-IN" sz="1200" b="1" kern="1200" dirty="0" err="1" smtClean="0">
+                <a:solidFill>
+                  <a:schemeClr val="tx1"/>
+                </a:solidFill>
+                <a:effectLst/>
+                <a:latin typeface="+mn-lt"/>
+                <a:ea typeface="+mn-ea"/>
+                <a:cs typeface="+mn-cs"/>
+              </a:rPr>
+              <a:t>browser</a:t>
+            </a:r>
+            <a:r>
+              <a:rPr lang="mr-IN" sz="1200" b="1" kern="1200" dirty="0" smtClean="0">
+                <a:solidFill>
+                  <a:schemeClr val="tx1"/>
+                </a:solidFill>
+                <a:effectLst/>
+                <a:latin typeface="+mn-lt"/>
+                <a:ea typeface="+mn-ea"/>
+                <a:cs typeface="+mn-cs"/>
+              </a:rPr>
+              <a:t>: </a:t>
+            </a:r>
+            <a:r>
+              <a:rPr lang="mr-IN" dirty="0" err="1" smtClean="0"/>
+              <a:t>firefox</a:t>
+            </a:r>
+            <a:r>
+              <a:rPr lang="mr-IN" dirty="0" smtClean="0"/>
+              <a:t/>
+            </a:r>
+            <a:br>
+              <a:rPr lang="mr-IN" dirty="0" smtClean="0"/>
+            </a:br>
+            <a:r>
+              <a:rPr lang="mr-IN" dirty="0" smtClean="0"/>
+              <a:t>    </a:t>
+            </a:r>
+            <a:r>
+              <a:rPr lang="mr-IN" sz="1200" b="1" kern="1200" dirty="0" err="1" smtClean="0">
+                <a:solidFill>
+                  <a:schemeClr val="tx1"/>
+                </a:solidFill>
+                <a:effectLst/>
+                <a:latin typeface="+mn-lt"/>
+                <a:ea typeface="+mn-ea"/>
+                <a:cs typeface="+mn-cs"/>
+              </a:rPr>
+              <a:t>remoteSelenium</a:t>
+            </a:r>
+            <a:r>
+              <a:rPr lang="mr-IN" sz="1200" b="1" kern="1200" dirty="0" smtClean="0">
+                <a:solidFill>
+                  <a:schemeClr val="tx1"/>
+                </a:solidFill>
+                <a:effectLst/>
+                <a:latin typeface="+mn-lt"/>
+                <a:ea typeface="+mn-ea"/>
+                <a:cs typeface="+mn-cs"/>
+              </a:rPr>
+              <a:t>:</a:t>
+            </a:r>
+            <a:br>
+              <a:rPr lang="mr-IN" sz="1200" b="1" kern="1200" dirty="0" smtClean="0">
+                <a:solidFill>
+                  <a:schemeClr val="tx1"/>
+                </a:solidFill>
+                <a:effectLst/>
+                <a:latin typeface="+mn-lt"/>
+                <a:ea typeface="+mn-ea"/>
+                <a:cs typeface="+mn-cs"/>
+              </a:rPr>
+            </a:br>
+            <a:r>
+              <a:rPr lang="mr-IN" sz="1200" b="1" kern="1200" dirty="0" smtClean="0">
+                <a:solidFill>
+                  <a:schemeClr val="tx1"/>
+                </a:solidFill>
+                <a:effectLst/>
+                <a:latin typeface="+mn-lt"/>
+                <a:ea typeface="+mn-ea"/>
+                <a:cs typeface="+mn-cs"/>
+              </a:rPr>
+              <a:t>      URL: </a:t>
+            </a:r>
+            <a:r>
+              <a:rPr lang="mr-IN" dirty="0" err="1" smtClean="0"/>
+              <a:t>http</a:t>
+            </a:r>
+            <a:r>
+              <a:rPr lang="mr-IN" dirty="0" smtClean="0"/>
+              <a:t>://127.0.0.1:8085</a:t>
+            </a:r>
+            <a:br>
+              <a:rPr lang="mr-IN" dirty="0" smtClean="0"/>
+            </a:br>
+            <a:r>
+              <a:rPr lang="mr-IN" dirty="0" smtClean="0"/>
+              <a:t>    </a:t>
+            </a:r>
+            <a:r>
+              <a:rPr lang="mr-IN" sz="1200" b="1" kern="1200" dirty="0" err="1" smtClean="0">
+                <a:solidFill>
+                  <a:schemeClr val="tx1"/>
+                </a:solidFill>
+                <a:effectLst/>
+                <a:latin typeface="+mn-lt"/>
+                <a:ea typeface="+mn-ea"/>
+                <a:cs typeface="+mn-cs"/>
+              </a:rPr>
+              <a:t>commands</a:t>
+            </a:r>
+            <a:r>
+              <a:rPr lang="mr-IN" sz="1200" b="1" kern="1200" dirty="0" smtClean="0">
+                <a:solidFill>
+                  <a:schemeClr val="tx1"/>
+                </a:solidFill>
+                <a:effectLst/>
+                <a:latin typeface="+mn-lt"/>
+                <a:ea typeface="+mn-ea"/>
+                <a:cs typeface="+mn-cs"/>
+              </a:rPr>
+              <a:t>:</a:t>
+            </a:r>
+            <a:br>
+              <a:rPr lang="mr-IN" sz="1200" b="1" kern="1200" dirty="0" smtClean="0">
+                <a:solidFill>
+                  <a:schemeClr val="tx1"/>
+                </a:solidFill>
+                <a:effectLst/>
+                <a:latin typeface="+mn-lt"/>
+                <a:ea typeface="+mn-ea"/>
+                <a:cs typeface="+mn-cs"/>
+              </a:rPr>
+            </a:br>
+            <a:r>
+              <a:rPr lang="mr-IN" sz="1200" b="1" kern="1200" dirty="0" smtClean="0">
+                <a:solidFill>
+                  <a:schemeClr val="tx1"/>
+                </a:solidFill>
+                <a:effectLst/>
+                <a:latin typeface="+mn-lt"/>
+                <a:ea typeface="+mn-ea"/>
+                <a:cs typeface="+mn-cs"/>
+              </a:rPr>
+              <a:t>      </a:t>
+            </a:r>
+            <a:r>
+              <a:rPr lang="mr-IN" dirty="0" smtClean="0"/>
+              <a:t>- </a:t>
+            </a:r>
+            <a:r>
+              <a:rPr lang="mr-IN" dirty="0" err="1" smtClean="0"/>
+              <a:t>get</a:t>
+            </a:r>
+            <a:r>
+              <a:rPr lang="mr-IN" dirty="0" smtClean="0"/>
+              <a:t>(</a:t>
+            </a:r>
+            <a:r>
+              <a:rPr lang="mr-IN" dirty="0" err="1" smtClean="0"/>
+              <a:t>http</a:t>
+            </a:r>
+            <a:r>
+              <a:rPr lang="mr-IN" dirty="0" smtClean="0"/>
+              <a:t>://127.0.0.1:8080/</a:t>
+            </a:r>
+            <a:r>
+              <a:rPr lang="mr-IN" dirty="0" err="1" smtClean="0"/>
+              <a:t>form.html</a:t>
+            </a:r>
+            <a:r>
+              <a:rPr lang="mr-IN" dirty="0" smtClean="0"/>
+              <a:t>)</a:t>
+            </a:r>
+            <a:br>
+              <a:rPr lang="mr-IN" dirty="0" smtClean="0"/>
+            </a:br>
+            <a:r>
+              <a:rPr lang="mr-IN" dirty="0" smtClean="0"/>
+              <a:t>      - (#</a:t>
+            </a:r>
+            <a:r>
+              <a:rPr lang="mr-IN" dirty="0" err="1" smtClean="0"/>
+              <a:t>id</a:t>
+            </a:r>
+            <a:r>
+              <a:rPr lang="mr-IN" dirty="0" smtClean="0"/>
+              <a:t>).</a:t>
+            </a:r>
+            <a:r>
+              <a:rPr lang="mr-IN" dirty="0" err="1" smtClean="0"/>
+              <a:t>clear</a:t>
+            </a:r>
+            <a:r>
+              <a:rPr lang="mr-IN" dirty="0" smtClean="0"/>
+              <a:t/>
+            </a:r>
+            <a:br>
+              <a:rPr lang="mr-IN" dirty="0" smtClean="0"/>
+            </a:br>
+            <a:r>
+              <a:rPr lang="mr-IN" dirty="0" smtClean="0"/>
+              <a:t>      - (#</a:t>
+            </a:r>
+            <a:r>
+              <a:rPr lang="mr-IN" dirty="0" err="1" smtClean="0"/>
+              <a:t>id</a:t>
+            </a:r>
+            <a:r>
+              <a:rPr lang="mr-IN" dirty="0" smtClean="0"/>
+              <a:t>).</a:t>
+            </a:r>
+            <a:r>
+              <a:rPr lang="mr-IN" dirty="0" err="1" smtClean="0"/>
+              <a:t>sendKeys</a:t>
+            </a:r>
+            <a:r>
+              <a:rPr lang="mr-IN" dirty="0" smtClean="0"/>
+              <a:t>('111111')</a:t>
+            </a:r>
+            <a:br>
+              <a:rPr lang="mr-IN" dirty="0" smtClean="0"/>
+            </a:br>
+            <a:r>
+              <a:rPr lang="mr-IN" dirty="0" smtClean="0"/>
+              <a:t>      - (#</a:t>
+            </a:r>
+            <a:r>
+              <a:rPr lang="mr-IN" dirty="0" err="1" smtClean="0"/>
+              <a:t>name</a:t>
+            </a:r>
+            <a:r>
+              <a:rPr lang="mr-IN" dirty="0" smtClean="0"/>
+              <a:t>).</a:t>
+            </a:r>
+            <a:r>
+              <a:rPr lang="mr-IN" dirty="0" err="1" smtClean="0"/>
+              <a:t>clear</a:t>
+            </a:r>
+            <a:r>
+              <a:rPr lang="mr-IN" dirty="0" smtClean="0"/>
+              <a:t/>
+            </a:r>
+            <a:br>
+              <a:rPr lang="mr-IN" dirty="0" smtClean="0"/>
+            </a:br>
+            <a:r>
+              <a:rPr lang="mr-IN" dirty="0" smtClean="0"/>
+              <a:t>      - (#</a:t>
+            </a:r>
+            <a:r>
+              <a:rPr lang="mr-IN" dirty="0" err="1" smtClean="0"/>
+              <a:t>name</a:t>
+            </a:r>
+            <a:r>
+              <a:rPr lang="mr-IN" dirty="0" smtClean="0"/>
+              <a:t>).</a:t>
+            </a:r>
+            <a:r>
+              <a:rPr lang="mr-IN" dirty="0" err="1" smtClean="0"/>
+              <a:t>sendKeys</a:t>
+            </a:r>
+            <a:r>
+              <a:rPr lang="mr-IN" dirty="0" smtClean="0"/>
+              <a:t>('</a:t>
+            </a:r>
+            <a:r>
+              <a:rPr lang="mr-IN" dirty="0" err="1" smtClean="0"/>
+              <a:t>dummy</a:t>
+            </a:r>
+            <a:r>
+              <a:rPr lang="mr-IN" dirty="0" smtClean="0"/>
+              <a:t> 123')</a:t>
+            </a:r>
+            <a:br>
+              <a:rPr lang="mr-IN" dirty="0" smtClean="0"/>
+            </a:br>
+            <a:r>
+              <a:rPr lang="mr-IN" dirty="0" smtClean="0"/>
+              <a:t>      - (#</a:t>
+            </a:r>
+            <a:r>
+              <a:rPr lang="mr-IN" dirty="0" err="1" smtClean="0"/>
+              <a:t>typeId</a:t>
+            </a:r>
+            <a:r>
+              <a:rPr lang="mr-IN" dirty="0" smtClean="0"/>
+              <a:t>).</a:t>
+            </a:r>
+            <a:r>
+              <a:rPr lang="mr-IN" dirty="0" err="1" smtClean="0"/>
+              <a:t>clear</a:t>
+            </a:r>
+            <a:r>
+              <a:rPr lang="mr-IN" dirty="0" smtClean="0"/>
+              <a:t>()</a:t>
+            </a:r>
+            <a:br>
+              <a:rPr lang="mr-IN" dirty="0" smtClean="0"/>
+            </a:br>
+            <a:r>
+              <a:rPr lang="mr-IN" dirty="0" smtClean="0"/>
+              <a:t>      - (</a:t>
+            </a:r>
+            <a:r>
+              <a:rPr lang="mr-IN" dirty="0" err="1" smtClean="0"/>
+              <a:t>xpath</a:t>
+            </a:r>
+            <a:r>
+              <a:rPr lang="mr-IN" dirty="0" smtClean="0"/>
+              <a:t>://SELECT[@</a:t>
+            </a:r>
+            <a:r>
+              <a:rPr lang="mr-IN" dirty="0" err="1" smtClean="0"/>
+              <a:t>id</a:t>
+            </a:r>
+            <a:r>
+              <a:rPr lang="mr-IN" dirty="0" smtClean="0"/>
+              <a:t>='</a:t>
+            </a:r>
+            <a:r>
+              <a:rPr lang="mr-IN" dirty="0" err="1" smtClean="0"/>
+              <a:t>typeId</a:t>
+            </a:r>
+            <a:r>
+              <a:rPr lang="mr-IN" dirty="0" smtClean="0"/>
+              <a:t>']/</a:t>
+            </a:r>
+            <a:r>
+              <a:rPr lang="mr-IN" dirty="0" err="1" smtClean="0"/>
+              <a:t>option</a:t>
+            </a:r>
+            <a:r>
+              <a:rPr lang="mr-IN" dirty="0" smtClean="0"/>
+              <a:t>[</a:t>
+            </a:r>
+            <a:r>
+              <a:rPr lang="mr-IN" dirty="0" err="1" smtClean="0"/>
+              <a:t>text</a:t>
+            </a:r>
+            <a:r>
+              <a:rPr lang="mr-IN" dirty="0" smtClean="0"/>
+              <a:t>()='type1']).</a:t>
+            </a:r>
+            <a:r>
+              <a:rPr lang="mr-IN" dirty="0" err="1" smtClean="0"/>
+              <a:t>click</a:t>
+            </a:r>
+            <a:r>
+              <a:rPr lang="mr-IN" dirty="0" smtClean="0"/>
+              <a:t>()</a:t>
+            </a:r>
+            <a:br>
+              <a:rPr lang="mr-IN" dirty="0" smtClean="0"/>
+            </a:br>
+            <a:r>
+              <a:rPr lang="mr-IN" dirty="0" smtClean="0"/>
+              <a:t>      - (#</a:t>
+            </a:r>
+            <a:r>
+              <a:rPr lang="mr-IN" dirty="0" err="1" smtClean="0"/>
+              <a:t>agree</a:t>
+            </a:r>
+            <a:r>
+              <a:rPr lang="mr-IN" dirty="0" smtClean="0"/>
+              <a:t>).</a:t>
+            </a:r>
+            <a:r>
+              <a:rPr lang="mr-IN" dirty="0" err="1" smtClean="0"/>
+              <a:t>click</a:t>
+            </a:r>
+            <a:r>
+              <a:rPr lang="mr-IN" dirty="0" smtClean="0"/>
+              <a:t>      </a:t>
+            </a:r>
+            <a:br>
+              <a:rPr lang="mr-IN" dirty="0" smtClean="0"/>
+            </a:br>
+            <a:r>
+              <a:rPr lang="mr-IN" dirty="0" smtClean="0"/>
+              <a:t>      - (#</a:t>
+            </a:r>
+            <a:r>
+              <a:rPr lang="mr-IN" dirty="0" err="1" smtClean="0"/>
+              <a:t>submit</a:t>
+            </a:r>
+            <a:r>
+              <a:rPr lang="mr-IN" dirty="0" smtClean="0"/>
+              <a:t>).</a:t>
+            </a:r>
+            <a:r>
+              <a:rPr lang="mr-IN" dirty="0" err="1" smtClean="0"/>
+              <a:t>click</a:t>
+            </a:r>
+            <a:r>
+              <a:rPr lang="mr-IN" dirty="0" smtClean="0"/>
+              <a:t/>
+            </a:r>
+            <a:br>
+              <a:rPr lang="mr-IN" dirty="0" smtClean="0"/>
+            </a:br>
+            <a:r>
+              <a:rPr lang="mr-IN" dirty="0" smtClean="0"/>
+              <a:t>      - </a:t>
+            </a:r>
+            <a:r>
+              <a:rPr lang="mr-IN" sz="1200" b="1" kern="1200" dirty="0" err="1" smtClean="0">
+                <a:solidFill>
+                  <a:schemeClr val="tx1"/>
+                </a:solidFill>
+                <a:effectLst/>
+                <a:latin typeface="+mn-lt"/>
+                <a:ea typeface="+mn-ea"/>
+                <a:cs typeface="+mn-cs"/>
+              </a:rPr>
+              <a:t>command</a:t>
+            </a:r>
+            <a:r>
+              <a:rPr lang="mr-IN" sz="1200" b="1" kern="1200" dirty="0" smtClean="0">
+                <a:solidFill>
+                  <a:schemeClr val="tx1"/>
+                </a:solidFill>
+                <a:effectLst/>
+                <a:latin typeface="+mn-lt"/>
+                <a:ea typeface="+mn-ea"/>
+                <a:cs typeface="+mn-cs"/>
+              </a:rPr>
+              <a:t>: </a:t>
+            </a:r>
+            <a:r>
+              <a:rPr lang="mr-IN" dirty="0" err="1" smtClean="0"/>
+              <a:t>CurrentURL</a:t>
+            </a:r>
+            <a:r>
+              <a:rPr lang="mr-IN" dirty="0" smtClean="0"/>
+              <a:t> = </a:t>
+            </a:r>
+            <a:r>
+              <a:rPr lang="mr-IN" dirty="0" err="1" smtClean="0"/>
+              <a:t>CurrentURL</a:t>
+            </a:r>
+            <a:r>
+              <a:rPr lang="mr-IN" dirty="0" smtClean="0"/>
+              <a:t>()</a:t>
+            </a:r>
+            <a:br>
+              <a:rPr lang="mr-IN" dirty="0" smtClean="0"/>
+            </a:br>
+            <a:r>
+              <a:rPr lang="mr-IN" dirty="0" smtClean="0"/>
+              <a:t>        </a:t>
+            </a:r>
+            <a:r>
+              <a:rPr lang="mr-IN" sz="1200" b="1" kern="1200" dirty="0" err="1" smtClean="0">
+                <a:solidFill>
+                  <a:schemeClr val="tx1"/>
+                </a:solidFill>
+                <a:effectLst/>
+                <a:latin typeface="+mn-lt"/>
+                <a:ea typeface="+mn-ea"/>
+                <a:cs typeface="+mn-cs"/>
+              </a:rPr>
+              <a:t>exit</a:t>
+            </a:r>
+            <a:r>
+              <a:rPr lang="mr-IN" sz="1200" b="1" kern="1200" dirty="0" smtClean="0">
+                <a:solidFill>
+                  <a:schemeClr val="tx1"/>
+                </a:solidFill>
+                <a:effectLst/>
+                <a:latin typeface="+mn-lt"/>
+                <a:ea typeface="+mn-ea"/>
+                <a:cs typeface="+mn-cs"/>
+              </a:rPr>
+              <a:t>: </a:t>
+            </a:r>
+            <a:r>
+              <a:rPr lang="mr-IN" dirty="0" smtClean="0"/>
+              <a:t>$</a:t>
+            </a:r>
+            <a:r>
+              <a:rPr lang="mr-IN" dirty="0" err="1" smtClean="0"/>
+              <a:t>CurrentURL</a:t>
+            </a:r>
+            <a:r>
+              <a:rPr lang="mr-IN" dirty="0" smtClean="0"/>
+              <a:t>:/</a:t>
+            </a:r>
+            <a:r>
+              <a:rPr lang="mr-IN" dirty="0" err="1" smtClean="0"/>
+              <a:t>dummy</a:t>
+            </a:r>
+            <a:r>
+              <a:rPr lang="mr-IN" dirty="0" smtClean="0"/>
+              <a:t>/</a:t>
+            </a:r>
+            <a:br>
+              <a:rPr lang="mr-IN" dirty="0" smtClean="0"/>
+            </a:br>
+            <a:r>
+              <a:rPr lang="mr-IN" dirty="0" smtClean="0"/>
+              <a:t>        </a:t>
+            </a:r>
+            <a:r>
+              <a:rPr lang="mr-IN" sz="1200" b="1" kern="1200" dirty="0" err="1" smtClean="0">
+                <a:solidFill>
+                  <a:schemeClr val="tx1"/>
+                </a:solidFill>
+                <a:effectLst/>
+                <a:latin typeface="+mn-lt"/>
+                <a:ea typeface="+mn-ea"/>
+                <a:cs typeface="+mn-cs"/>
+              </a:rPr>
+              <a:t>sleepTimeMs</a:t>
+            </a:r>
+            <a:r>
+              <a:rPr lang="mr-IN" sz="1200" b="1" kern="1200" dirty="0" smtClean="0">
+                <a:solidFill>
+                  <a:schemeClr val="tx1"/>
+                </a:solidFill>
+                <a:effectLst/>
+                <a:latin typeface="+mn-lt"/>
+                <a:ea typeface="+mn-ea"/>
+                <a:cs typeface="+mn-cs"/>
+              </a:rPr>
+              <a:t>: </a:t>
+            </a:r>
+            <a:r>
+              <a:rPr lang="mr-IN" dirty="0" smtClean="0"/>
+              <a:t>1000</a:t>
+            </a:r>
+            <a:br>
+              <a:rPr lang="mr-IN" dirty="0" smtClean="0"/>
+            </a:br>
+            <a:r>
+              <a:rPr lang="mr-IN" dirty="0" smtClean="0"/>
+              <a:t>        </a:t>
+            </a:r>
+            <a:r>
+              <a:rPr lang="mr-IN" sz="1200" b="1" kern="1200" dirty="0" err="1" smtClean="0">
+                <a:solidFill>
+                  <a:schemeClr val="tx1"/>
+                </a:solidFill>
+                <a:effectLst/>
+                <a:latin typeface="+mn-lt"/>
+                <a:ea typeface="+mn-ea"/>
+                <a:cs typeface="+mn-cs"/>
+              </a:rPr>
+              <a:t>repeat</a:t>
+            </a:r>
+            <a:r>
+              <a:rPr lang="mr-IN" sz="1200" b="1" kern="1200" dirty="0" smtClean="0">
+                <a:solidFill>
+                  <a:schemeClr val="tx1"/>
+                </a:solidFill>
+                <a:effectLst/>
+                <a:latin typeface="+mn-lt"/>
+                <a:ea typeface="+mn-ea"/>
+                <a:cs typeface="+mn-cs"/>
+              </a:rPr>
+              <a:t>: </a:t>
+            </a:r>
+            <a:r>
+              <a:rPr lang="mr-IN" dirty="0" smtClean="0"/>
+              <a:t>10</a:t>
+            </a:r>
+            <a:br>
+              <a:rPr lang="mr-IN" dirty="0" smtClean="0"/>
+            </a:br>
+            <a:r>
+              <a:rPr lang="mr-IN" dirty="0" smtClean="0"/>
+              <a:t>      - </a:t>
+            </a:r>
+            <a:r>
+              <a:rPr lang="mr-IN" dirty="0" err="1" smtClean="0"/>
+              <a:t>PageSource</a:t>
+            </a:r>
+            <a:r>
+              <a:rPr lang="mr-IN" dirty="0" smtClean="0"/>
+              <a:t> = </a:t>
+            </a:r>
+            <a:r>
+              <a:rPr lang="mr-IN" dirty="0" err="1" smtClean="0"/>
+              <a:t>pageSource</a:t>
+            </a:r>
+            <a:r>
+              <a:rPr lang="mr-IN" dirty="0" smtClean="0"/>
+              <a:t>()  </a:t>
+            </a:r>
+            <a:br>
+              <a:rPr lang="mr-IN" dirty="0" smtClean="0"/>
+            </a:br>
+            <a:r>
+              <a:rPr lang="mr-IN" dirty="0" smtClean="0"/>
+              <a:t>    </a:t>
+            </a:r>
+            <a:r>
+              <a:rPr lang="mr-IN" sz="1200" b="1" kern="1200" dirty="0" err="1" smtClean="0">
+                <a:solidFill>
+                  <a:schemeClr val="tx1"/>
+                </a:solidFill>
+                <a:effectLst/>
+                <a:latin typeface="+mn-lt"/>
+                <a:ea typeface="+mn-ea"/>
+                <a:cs typeface="+mn-cs"/>
+              </a:rPr>
+              <a:t>expect</a:t>
+            </a:r>
+            <a:r>
+              <a:rPr lang="mr-IN" sz="1200" b="1" kern="1200" dirty="0" smtClean="0">
+                <a:solidFill>
+                  <a:schemeClr val="tx1"/>
+                </a:solidFill>
+                <a:effectLst/>
+                <a:latin typeface="+mn-lt"/>
+                <a:ea typeface="+mn-ea"/>
+                <a:cs typeface="+mn-cs"/>
+              </a:rPr>
+              <a:t>:</a:t>
+            </a:r>
+            <a:br>
+              <a:rPr lang="mr-IN" sz="1200" b="1" kern="1200" dirty="0" smtClean="0">
+                <a:solidFill>
+                  <a:schemeClr val="tx1"/>
+                </a:solidFill>
+                <a:effectLst/>
+                <a:latin typeface="+mn-lt"/>
+                <a:ea typeface="+mn-ea"/>
+                <a:cs typeface="+mn-cs"/>
+              </a:rPr>
+            </a:br>
+            <a:r>
+              <a:rPr lang="mr-IN" sz="1200" b="1" kern="1200" dirty="0" smtClean="0">
+                <a:solidFill>
+                  <a:schemeClr val="tx1"/>
+                </a:solidFill>
+                <a:effectLst/>
+                <a:latin typeface="+mn-lt"/>
+                <a:ea typeface="+mn-ea"/>
+                <a:cs typeface="+mn-cs"/>
+              </a:rPr>
+              <a:t>      </a:t>
+            </a:r>
+            <a:r>
+              <a:rPr lang="mr-IN" sz="1200" b="1" kern="1200" dirty="0" err="1" smtClean="0">
+                <a:solidFill>
+                  <a:schemeClr val="tx1"/>
+                </a:solidFill>
+                <a:effectLst/>
+                <a:latin typeface="+mn-lt"/>
+                <a:ea typeface="+mn-ea"/>
+                <a:cs typeface="+mn-cs"/>
+              </a:rPr>
+              <a:t>PageSource</a:t>
+            </a:r>
+            <a:r>
+              <a:rPr lang="mr-IN" sz="1200" b="1" kern="1200" dirty="0" smtClean="0">
+                <a:solidFill>
+                  <a:schemeClr val="tx1"/>
+                </a:solidFill>
+                <a:effectLst/>
+                <a:latin typeface="+mn-lt"/>
+                <a:ea typeface="+mn-ea"/>
+                <a:cs typeface="+mn-cs"/>
+              </a:rPr>
+              <a:t>: </a:t>
+            </a:r>
+            <a:r>
+              <a:rPr lang="mr-IN" dirty="0" smtClean="0"/>
+              <a:t>/</a:t>
+            </a:r>
+            <a:r>
+              <a:rPr lang="mr-IN" dirty="0" err="1" smtClean="0"/>
+              <a:t>dummy</a:t>
+            </a:r>
+            <a:r>
+              <a:rPr lang="mr-IN" dirty="0" smtClean="0"/>
+              <a:t> 123/</a:t>
+            </a:r>
+            <a:br>
+              <a:rPr lang="mr-IN" dirty="0" smtClean="0"/>
+            </a:br>
             <a:endParaRPr lang="en-US" dirty="0" smtClean="0"/>
           </a:p>
         </p:txBody>
@@ -34131,7 +35312,7 @@
     </p:spTree>
     <p:extLst>
       <p:ext uri="{BB962C8B-B14F-4D97-AF65-F5344CB8AC3E}">
-        <p14:creationId xmlns:p14="http://schemas.microsoft.com/office/powerpoint/2010/main" val="1897630167"/>
+        <p14:creationId xmlns:p14="http://schemas.microsoft.com/office/powerpoint/2010/main" val="992484440"/>
       </p:ext>
     </p:extLst>
   </p:cSld>
@@ -34186,11 +35367,35 @@
           <a:lstStyle/>
           <a:p>
             <a:r>
-              <a:rPr lang="en-US" dirty="0" smtClean="0"/>
-              <a:t>@run.yaml</a:t>
-            </a:r>
-          </a:p>
-          <a:p>
+              <a:rPr lang="mr-IN" dirty="0" smtClean="0"/>
+              <a:t>{</a:t>
+            </a:r>
+            <a:br>
+              <a:rPr lang="mr-IN" dirty="0" smtClean="0"/>
+            </a:br>
+            <a:r>
+              <a:rPr lang="mr-IN" dirty="0" smtClean="0"/>
+              <a:t/>
+            </a:r>
+            <a:br>
+              <a:rPr lang="mr-IN" dirty="0" smtClean="0"/>
+            </a:br>
+            <a:r>
+              <a:rPr lang="mr-IN" dirty="0" smtClean="0"/>
+              <a:t>    </a:t>
+            </a:r>
+            <a:r>
+              <a:rPr lang="mr-IN" sz="1200" b="1" kern="1200" dirty="0" smtClean="0">
+                <a:solidFill>
+                  <a:schemeClr val="tx1"/>
+                </a:solidFill>
+                <a:effectLst/>
+                <a:latin typeface="+mn-lt"/>
+                <a:ea typeface="+mn-ea"/>
+                <a:cs typeface="+mn-cs"/>
+              </a:rPr>
+              <a:t>"</a:t>
+            </a:r>
             <a:r>
               <a:rPr lang="mr-IN" sz="1200" b="1" kern="1200" dirty="0" err="1" smtClean="0">
                 <a:solidFill>
@@ -34201,7 +35406,7 @@
                 <a:ea typeface="+mn-ea"/>
                 <a:cs typeface="+mn-cs"/>
               </a:rPr>
-              <a:t>defaults</a:t>
+              <a:t>Method</a:t>
             </a:r>
             <a:r>
               <a:rPr lang="mr-IN" sz="1200" b="1" kern="1200" dirty="0" smtClean="0">
@@ -34213,7 +35418,290 @@
                 <a:ea typeface="+mn-ea"/>
                 <a:cs typeface="+mn-cs"/>
               </a:rPr>
-              <a:t>:</a:t>
+              <a:t>": "POST"</a:t>
+            </a:r>
+            <a:r>
+              <a:rPr lang="mr-IN" dirty="0" smtClean="0"/>
+              <a:t>,</a:t>
+            </a:r>
+            <a:br>
+              <a:rPr lang="mr-IN" dirty="0" smtClean="0"/>
+            </a:br>
+            <a:r>
+              <a:rPr lang="mr-IN" dirty="0" smtClean="0"/>
+              <a:t>    </a:t>
+            </a:r>
+            <a:r>
+              <a:rPr lang="mr-IN" sz="1200" b="1" kern="1200" dirty="0" smtClean="0">
+                <a:solidFill>
+                  <a:schemeClr val="tx1"/>
+                </a:solidFill>
+                <a:effectLst/>
+                <a:latin typeface="+mn-lt"/>
+                <a:ea typeface="+mn-ea"/>
+                <a:cs typeface="+mn-cs"/>
+              </a:rPr>
+              <a:t>"URL": "</a:t>
+            </a:r>
+            <a:r>
+              <a:rPr lang="mr-IN" sz="1200" b="1" kern="1200" dirty="0" err="1" smtClean="0">
+                <a:solidFill>
+                  <a:schemeClr val="tx1"/>
+                </a:solidFill>
+                <a:effectLst/>
+                <a:latin typeface="+mn-lt"/>
+                <a:ea typeface="+mn-ea"/>
+                <a:cs typeface="+mn-cs"/>
+              </a:rPr>
+              <a:t>http</a:t>
+            </a:r>
+            <a:r>
+              <a:rPr lang="mr-IN" sz="1200" b="1" kern="1200" dirty="0" smtClean="0">
+                <a:solidFill>
+                  <a:schemeClr val="tx1"/>
+                </a:solidFill>
+                <a:effectLst/>
+                <a:latin typeface="+mn-lt"/>
+                <a:ea typeface="+mn-ea"/>
+                <a:cs typeface="+mn-cs"/>
+              </a:rPr>
+              <a:t>://127.0.0.1:8080/v1/</a:t>
+            </a:r>
+            <a:r>
+              <a:rPr lang="mr-IN" sz="1200" b="1" kern="1200" dirty="0" err="1" smtClean="0">
+                <a:solidFill>
+                  <a:schemeClr val="tx1"/>
+                </a:solidFill>
+                <a:effectLst/>
+                <a:latin typeface="+mn-lt"/>
+                <a:ea typeface="+mn-ea"/>
+                <a:cs typeface="+mn-cs"/>
+              </a:rPr>
+              <a:t>api</a:t>
+            </a:r>
+            <a:r>
+              <a:rPr lang="mr-IN" sz="1200" b="1" kern="1200" dirty="0" smtClean="0">
+                <a:solidFill>
+                  <a:schemeClr val="tx1"/>
+                </a:solidFill>
+                <a:effectLst/>
+                <a:latin typeface="+mn-lt"/>
+                <a:ea typeface="+mn-ea"/>
+                <a:cs typeface="+mn-cs"/>
+              </a:rPr>
+              <a:t>/</a:t>
+            </a:r>
+            <a:r>
+              <a:rPr lang="mr-IN" sz="1200" b="1" kern="1200" dirty="0" err="1" smtClean="0">
+                <a:solidFill>
+                  <a:schemeClr val="tx1"/>
+                </a:solidFill>
+                <a:effectLst/>
+                <a:latin typeface="+mn-lt"/>
+                <a:ea typeface="+mn-ea"/>
+                <a:cs typeface="+mn-cs"/>
+              </a:rPr>
+              <a:t>dummy</a:t>
+            </a:r>
+            <a:r>
+              <a:rPr lang="mr-IN" sz="1200" b="1" kern="1200" dirty="0" smtClean="0">
+                <a:solidFill>
+                  <a:schemeClr val="tx1"/>
+                </a:solidFill>
+                <a:effectLst/>
+                <a:latin typeface="+mn-lt"/>
+                <a:ea typeface="+mn-ea"/>
+                <a:cs typeface="+mn-cs"/>
+              </a:rPr>
+              <a:t>"</a:t>
+            </a:r>
+            <a:r>
+              <a:rPr lang="mr-IN" dirty="0" smtClean="0"/>
+              <a:t>,</a:t>
+            </a:r>
+            <a:br>
+              <a:rPr lang="mr-IN" dirty="0" smtClean="0"/>
+            </a:br>
+            <a:r>
+              <a:rPr lang="mr-IN" dirty="0" smtClean="0"/>
+              <a:t>    </a:t>
+            </a:r>
+            <a:r>
+              <a:rPr lang="mr-IN" sz="1200" b="1" kern="1200" dirty="0" smtClean="0">
+                <a:solidFill>
+                  <a:schemeClr val="tx1"/>
+                </a:solidFill>
+                <a:effectLst/>
+                <a:latin typeface="+mn-lt"/>
+                <a:ea typeface="+mn-ea"/>
+                <a:cs typeface="+mn-cs"/>
+              </a:rPr>
+              <a:t>"</a:t>
+            </a:r>
+            <a:r>
+              <a:rPr lang="mr-IN" sz="1200" b="1" kern="1200" dirty="0" err="1" smtClean="0">
+                <a:solidFill>
+                  <a:schemeClr val="tx1"/>
+                </a:solidFill>
+                <a:effectLst/>
+                <a:latin typeface="+mn-lt"/>
+                <a:ea typeface="+mn-ea"/>
+                <a:cs typeface="+mn-cs"/>
+              </a:rPr>
+              <a:t>Request</a:t>
+            </a:r>
+            <a:r>
+              <a:rPr lang="mr-IN" sz="1200" b="1" kern="1200" dirty="0" smtClean="0">
+                <a:solidFill>
+                  <a:schemeClr val="tx1"/>
+                </a:solidFill>
+                <a:effectLst/>
+                <a:latin typeface="+mn-lt"/>
+                <a:ea typeface="+mn-ea"/>
+                <a:cs typeface="+mn-cs"/>
+              </a:rPr>
+              <a:t>":</a:t>
+            </a:r>
+            <a:r>
+              <a:rPr lang="mr-IN" dirty="0" smtClean="0"/>
+              <a:t>{</a:t>
+            </a:r>
+            <a:br>
+              <a:rPr lang="mr-IN" dirty="0" smtClean="0"/>
+            </a:br>
+            <a:r>
+              <a:rPr lang="mr-IN" dirty="0" smtClean="0"/>
+              <a:t>        </a:t>
+            </a:r>
+            <a:r>
+              <a:rPr lang="mr-IN" sz="1200" b="1" kern="1200" dirty="0" smtClean="0">
+                <a:solidFill>
+                  <a:schemeClr val="tx1"/>
+                </a:solidFill>
+                <a:effectLst/>
+                <a:latin typeface="+mn-lt"/>
+                <a:ea typeface="+mn-ea"/>
+                <a:cs typeface="+mn-cs"/>
+              </a:rPr>
+              <a:t>"</a:t>
+            </a:r>
+            <a:r>
+              <a:rPr lang="mr-IN" sz="1200" b="1" kern="1200" dirty="0" err="1" smtClean="0">
+                <a:solidFill>
+                  <a:schemeClr val="tx1"/>
+                </a:solidFill>
+                <a:effectLst/>
+                <a:latin typeface="+mn-lt"/>
+                <a:ea typeface="+mn-ea"/>
+                <a:cs typeface="+mn-cs"/>
+              </a:rPr>
+              <a:t>Data</a:t>
+            </a:r>
+            <a:r>
+              <a:rPr lang="mr-IN" sz="1200" b="1" kern="1200" dirty="0" smtClean="0">
+                <a:solidFill>
+                  <a:schemeClr val="tx1"/>
+                </a:solidFill>
+                <a:effectLst/>
+                <a:latin typeface="+mn-lt"/>
+                <a:ea typeface="+mn-ea"/>
+                <a:cs typeface="+mn-cs"/>
+              </a:rPr>
+              <a:t>":</a:t>
+            </a:r>
+            <a:r>
+              <a:rPr lang="mr-IN" dirty="0" smtClean="0"/>
+              <a:t>{</a:t>
+            </a:r>
+            <a:br>
+              <a:rPr lang="mr-IN" dirty="0" smtClean="0"/>
+            </a:br>
+            <a:r>
+              <a:rPr lang="mr-IN" dirty="0" smtClean="0"/>
+              <a:t>            </a:t>
+            </a:r>
+            <a:r>
+              <a:rPr lang="mr-IN" sz="1200" b="1" kern="1200" dirty="0" smtClean="0">
+                <a:solidFill>
+                  <a:schemeClr val="tx1"/>
+                </a:solidFill>
+                <a:effectLst/>
+                <a:latin typeface="+mn-lt"/>
+                <a:ea typeface="+mn-ea"/>
+                <a:cs typeface="+mn-cs"/>
+              </a:rPr>
+              <a:t>"TypeId":</a:t>
+            </a:r>
+            <a:r>
+              <a:rPr lang="mr-IN" dirty="0" smtClean="0"/>
+              <a:t>1,</a:t>
+            </a:r>
+            <a:br>
+              <a:rPr lang="mr-IN" dirty="0" smtClean="0"/>
+            </a:br>
+            <a:r>
+              <a:rPr lang="mr-IN" dirty="0" smtClean="0"/>
+              <a:t>            </a:t>
+            </a:r>
+            <a:r>
+              <a:rPr lang="mr-IN" sz="1200" b="1" kern="1200" dirty="0" smtClean="0">
+                <a:solidFill>
+                  <a:schemeClr val="tx1"/>
+                </a:solidFill>
+                <a:effectLst/>
+                <a:latin typeface="+mn-lt"/>
+                <a:ea typeface="+mn-ea"/>
+                <a:cs typeface="+mn-cs"/>
+              </a:rPr>
+              <a:t>"</a:t>
+            </a:r>
+            <a:r>
+              <a:rPr lang="mr-IN" sz="1200" b="1" kern="1200" dirty="0" err="1" smtClean="0">
+                <a:solidFill>
+                  <a:schemeClr val="tx1"/>
+                </a:solidFill>
+                <a:effectLst/>
+                <a:latin typeface="+mn-lt"/>
+                <a:ea typeface="+mn-ea"/>
+                <a:cs typeface="+mn-cs"/>
+              </a:rPr>
+              <a:t>Name</a:t>
+            </a:r>
+            <a:r>
+              <a:rPr lang="mr-IN" sz="1200" b="1" kern="1200" dirty="0" smtClean="0">
+                <a:solidFill>
+                  <a:schemeClr val="tx1"/>
+                </a:solidFill>
+                <a:effectLst/>
+                <a:latin typeface="+mn-lt"/>
+                <a:ea typeface="+mn-ea"/>
+                <a:cs typeface="+mn-cs"/>
+              </a:rPr>
+              <a:t>":"</a:t>
+            </a:r>
+            <a:r>
+              <a:rPr lang="mr-IN" sz="1200" b="1" kern="1200" dirty="0" err="1" smtClean="0">
+                <a:solidFill>
+                  <a:schemeClr val="tx1"/>
+                </a:solidFill>
+                <a:effectLst/>
+                <a:latin typeface="+mn-lt"/>
+                <a:ea typeface="+mn-ea"/>
+                <a:cs typeface="+mn-cs"/>
+              </a:rPr>
+              <a:t>dummy</a:t>
+            </a:r>
+            <a:r>
+              <a:rPr lang="mr-IN" sz="1200" b="1" kern="1200" dirty="0" smtClean="0">
+                <a:solidFill>
+                  <a:schemeClr val="tx1"/>
+                </a:solidFill>
+                <a:effectLst/>
+                <a:latin typeface="+mn-lt"/>
+                <a:ea typeface="+mn-ea"/>
+                <a:cs typeface="+mn-cs"/>
+              </a:rPr>
+              <a:t> 33333"</a:t>
             </a:r>
             <a:br>
               <a:rPr lang="mr-IN" sz="1200" b="1" kern="1200" dirty="0" smtClean="0">
@@ -34236,7 +35724,37 @@
                 <a:ea typeface="+mn-ea"/>
                 <a:cs typeface="+mn-cs"/>
               </a:rPr>
-              <a:t>  </a:t>
+              <a:t>        </a:t>
+            </a:r>
+            <a:r>
+              <a:rPr lang="mr-IN" dirty="0" smtClean="0"/>
+              <a:t>}</a:t>
+            </a:r>
+            <a:br>
+              <a:rPr lang="mr-IN" dirty="0" smtClean="0"/>
+            </a:br>
+            <a:r>
+              <a:rPr lang="mr-IN" dirty="0" smtClean="0"/>
+              <a:t>    },</a:t>
+            </a:r>
+            <a:br>
+              <a:rPr lang="mr-IN" dirty="0" smtClean="0"/>
+            </a:br>
+            <a:r>
+              <a:rPr lang="mr-IN" dirty="0" smtClean="0"/>
+              <a:t>   </a:t>
+            </a:r>
+            <a:r>
+              <a:rPr lang="mr-IN" sz="1200" b="1" kern="1200" dirty="0" smtClean="0">
+                <a:solidFill>
+                  <a:schemeClr val="tx1"/>
+                </a:solidFill>
+                <a:effectLst/>
+                <a:latin typeface="+mn-lt"/>
+                <a:ea typeface="+mn-ea"/>
+                <a:cs typeface="+mn-cs"/>
+              </a:rPr>
+              <a:t>"</a:t>
             </a:r>
             <a:r>
               <a:rPr lang="mr-IN" sz="1200" b="1" kern="1200" dirty="0" err="1" smtClean="0">
@@ -34248,7 +35766,7 @@
                 <a:ea typeface="+mn-ea"/>
                 <a:cs typeface="+mn-cs"/>
               </a:rPr>
-              <a:t>target</a:t>
+              <a:t>Expect</a:t>
             </a:r>
             <a:r>
               <a:rPr lang="mr-IN" sz="1200" b="1" kern="1200" dirty="0" smtClean="0">
@@ -34260,7 +35778,125 @@
                 <a:ea typeface="+mn-ea"/>
                 <a:cs typeface="+mn-cs"/>
               </a:rPr>
-              <a:t>:</a:t>
+              <a:t>": </a:t>
+            </a:r>
+            <a:r>
+              <a:rPr lang="mr-IN" dirty="0" smtClean="0"/>
+              <a:t>{</a:t>
+            </a:r>
+            <a:br>
+              <a:rPr lang="mr-IN" dirty="0" smtClean="0"/>
+            </a:br>
+            <a:r>
+              <a:rPr lang="mr-IN" dirty="0" smtClean="0"/>
+              <a:t>        </a:t>
+            </a:r>
+            <a:r>
+              <a:rPr lang="mr-IN" sz="1200" b="1" kern="1200" dirty="0" smtClean="0">
+                <a:solidFill>
+                  <a:schemeClr val="tx1"/>
+                </a:solidFill>
+                <a:effectLst/>
+                <a:latin typeface="+mn-lt"/>
+                <a:ea typeface="+mn-ea"/>
+                <a:cs typeface="+mn-cs"/>
+              </a:rPr>
+              <a:t>"</a:t>
+            </a:r>
+            <a:r>
+              <a:rPr lang="mr-IN" sz="1200" b="1" kern="1200" dirty="0" err="1" smtClean="0">
+                <a:solidFill>
+                  <a:schemeClr val="tx1"/>
+                </a:solidFill>
+                <a:effectLst/>
+                <a:latin typeface="+mn-lt"/>
+                <a:ea typeface="+mn-ea"/>
+                <a:cs typeface="+mn-cs"/>
+              </a:rPr>
+              <a:t>Data</a:t>
+            </a:r>
+            <a:r>
+              <a:rPr lang="mr-IN" sz="1200" b="1" kern="1200" dirty="0" smtClean="0">
+                <a:solidFill>
+                  <a:schemeClr val="tx1"/>
+                </a:solidFill>
+                <a:effectLst/>
+                <a:latin typeface="+mn-lt"/>
+                <a:ea typeface="+mn-ea"/>
+                <a:cs typeface="+mn-cs"/>
+              </a:rPr>
+              <a:t>": </a:t>
+            </a:r>
+            <a:r>
+              <a:rPr lang="mr-IN" dirty="0" smtClean="0"/>
+              <a:t>{</a:t>
+            </a:r>
+            <a:br>
+              <a:rPr lang="mr-IN" dirty="0" smtClean="0"/>
+            </a:br>
+            <a:r>
+              <a:rPr lang="mr-IN" dirty="0" smtClean="0"/>
+              <a:t>            </a:t>
+            </a:r>
+            <a:r>
+              <a:rPr lang="mr-IN" sz="1200" b="1" kern="1200" dirty="0" smtClean="0">
+                <a:solidFill>
+                  <a:schemeClr val="tx1"/>
+                </a:solidFill>
+                <a:effectLst/>
+                <a:latin typeface="+mn-lt"/>
+                <a:ea typeface="+mn-ea"/>
+                <a:cs typeface="+mn-cs"/>
+              </a:rPr>
+              <a:t>"</a:t>
+            </a:r>
+            <a:r>
+              <a:rPr lang="mr-IN" sz="1200" b="1" kern="1200" dirty="0" err="1" smtClean="0">
+                <a:solidFill>
+                  <a:schemeClr val="tx1"/>
+                </a:solidFill>
+                <a:effectLst/>
+                <a:latin typeface="+mn-lt"/>
+                <a:ea typeface="+mn-ea"/>
+                <a:cs typeface="+mn-cs"/>
+              </a:rPr>
+              <a:t>Name</a:t>
+            </a:r>
+            <a:r>
+              <a:rPr lang="mr-IN" sz="1200" b="1" kern="1200" dirty="0" smtClean="0">
+                <a:solidFill>
+                  <a:schemeClr val="tx1"/>
+                </a:solidFill>
+                <a:effectLst/>
+                <a:latin typeface="+mn-lt"/>
+                <a:ea typeface="+mn-ea"/>
+                <a:cs typeface="+mn-cs"/>
+              </a:rPr>
+              <a:t>":"</a:t>
+            </a:r>
+            <a:r>
+              <a:rPr lang="mr-IN" sz="1200" b="1" kern="1200" dirty="0" err="1" smtClean="0">
+                <a:solidFill>
+                  <a:schemeClr val="tx1"/>
+                </a:solidFill>
+                <a:effectLst/>
+                <a:latin typeface="+mn-lt"/>
+                <a:ea typeface="+mn-ea"/>
+                <a:cs typeface="+mn-cs"/>
+              </a:rPr>
+              <a:t>dummy</a:t>
+            </a:r>
+            <a:r>
+              <a:rPr lang="mr-IN" sz="1200" b="1" kern="1200" dirty="0" smtClean="0">
+                <a:solidFill>
+                  <a:schemeClr val="tx1"/>
+                </a:solidFill>
+                <a:effectLst/>
+                <a:latin typeface="+mn-lt"/>
+                <a:ea typeface="+mn-ea"/>
+                <a:cs typeface="+mn-cs"/>
+              </a:rPr>
+              <a:t> 33333"</a:t>
             </a:r>
             <a:br>
               <a:rPr lang="mr-IN" sz="1200" b="1" kern="1200" dirty="0" smtClean="0">
@@ -34283,1094 +35919,27 @@
                 <a:ea typeface="+mn-ea"/>
                 <a:cs typeface="+mn-cs"/>
               </a:rPr>
-              <a:t>     URL: </a:t>
-            </a:r>
-            <a:r>
-              <a:rPr lang="mr-IN" dirty="0" err="1" smtClean="0"/>
-              <a:t>ssh</a:t>
+              <a:t>        </a:t>
             </a:r>
             <a:r>
               <a:rPr lang="mr-IN" dirty="0" smtClean="0"/>
-              <a:t>://127.0.0.1/</a:t>
+              <a:t>}  </a:t>
             </a:r>
             <a:br>
               <a:rPr lang="mr-IN" dirty="0" smtClean="0"/>
             </a:br>
             <a:r>
               <a:rPr lang="mr-IN" dirty="0" smtClean="0"/>
-              <a:t>     </a:t>
-            </a:r>
-            <a:r>
-              <a:rPr lang="mr-IN" sz="1200" b="1" kern="1200" dirty="0" err="1" smtClean="0">
-                <a:solidFill>
-                  <a:schemeClr val="tx1"/>
-                </a:solidFill>
-                <a:effectLst/>
-                <a:latin typeface="+mn-lt"/>
-                <a:ea typeface="+mn-ea"/>
-                <a:cs typeface="+mn-cs"/>
-              </a:rPr>
-              <a:t>credentials</a:t>
-            </a:r>
-            <a:r>
-              <a:rPr lang="mr-IN" sz="1200" b="1" kern="1200" dirty="0" smtClean="0">
-                <a:solidFill>
-                  <a:schemeClr val="tx1"/>
-                </a:solidFill>
-                <a:effectLst/>
-                <a:latin typeface="+mn-lt"/>
-                <a:ea typeface="+mn-ea"/>
-                <a:cs typeface="+mn-cs"/>
-              </a:rPr>
-              <a:t>: </a:t>
-            </a:r>
-            <a:r>
-              <a:rPr lang="mr-IN" dirty="0" err="1" smtClean="0"/>
-              <a:t>localhost</a:t>
-            </a:r>
-            <a:r>
-              <a:rPr lang="mr-IN" dirty="0" smtClean="0"/>
-              <a:t/>
+              <a:t>   }</a:t>
             </a:r>
             <a:br>
               <a:rPr lang="mr-IN" dirty="0" smtClean="0"/>
             </a:br>
             <a:r>
-              <a:rPr lang="mr-IN" sz="1200" b="1" kern="1200" dirty="0" err="1" smtClean="0">
-                <a:solidFill>
-                  <a:schemeClr val="tx1"/>
-                </a:solidFill>
-                <a:effectLst/>
-                <a:latin typeface="+mn-lt"/>
-                <a:ea typeface="+mn-ea"/>
-                <a:cs typeface="+mn-cs"/>
-              </a:rPr>
-              <a:t>pipeline</a:t>
-            </a:r>
-            <a:r>
-              <a:rPr lang="mr-IN" sz="1200" b="1" kern="1200" dirty="0" smtClean="0">
-                <a:solidFill>
-                  <a:schemeClr val="tx1"/>
-                </a:solidFill>
-                <a:effectLst/>
-                <a:latin typeface="+mn-lt"/>
-                <a:ea typeface="+mn-ea"/>
-                <a:cs typeface="+mn-cs"/>
-              </a:rPr>
-              <a:t>:</a:t>
-            </a:r>
-            <a:br>
-              <a:rPr lang="mr-IN" sz="1200" b="1" kern="1200" dirty="0" smtClean="0">
-                <a:solidFill>
-                  <a:schemeClr val="tx1"/>
-                </a:solidFill>
-                <a:effectLst/>
-                <a:latin typeface="+mn-lt"/>
-                <a:ea typeface="+mn-ea"/>
-                <a:cs typeface="+mn-cs"/>
-              </a:rPr>
-            </a:br>
-            <a:r>
-              <a:rPr lang="mr-IN" sz="1200" b="1" kern="1200" dirty="0" smtClean="0">
-                <a:solidFill>
-                  <a:schemeClr val="tx1"/>
-                </a:solidFill>
-                <a:effectLst/>
-                <a:latin typeface="+mn-lt"/>
-                <a:ea typeface="+mn-ea"/>
-                <a:cs typeface="+mn-cs"/>
-              </a:rPr>
-              <a:t>  </a:t>
-            </a:r>
-            <a:r>
-              <a:rPr lang="mr-IN" sz="1200" b="1" kern="1200" dirty="0" err="1" smtClean="0">
-                <a:solidFill>
-                  <a:schemeClr val="tx1"/>
-                </a:solidFill>
-                <a:effectLst/>
-                <a:latin typeface="+mn-lt"/>
-                <a:ea typeface="+mn-ea"/>
-                <a:cs typeface="+mn-cs"/>
-              </a:rPr>
-              <a:t>init</a:t>
-            </a:r>
-            <a:r>
-              <a:rPr lang="mr-IN" sz="1200" b="1" kern="1200" dirty="0" smtClean="0">
-                <a:solidFill>
-                  <a:schemeClr val="tx1"/>
-                </a:solidFill>
-                <a:effectLst/>
-                <a:latin typeface="+mn-lt"/>
-                <a:ea typeface="+mn-ea"/>
-                <a:cs typeface="+mn-cs"/>
-              </a:rPr>
-              <a:t>:</a:t>
-            </a:r>
-            <a:br>
-              <a:rPr lang="mr-IN" sz="1200" b="1" kern="1200" dirty="0" smtClean="0">
-                <a:solidFill>
-                  <a:schemeClr val="tx1"/>
-                </a:solidFill>
-                <a:effectLst/>
-                <a:latin typeface="+mn-lt"/>
-                <a:ea typeface="+mn-ea"/>
-                <a:cs typeface="+mn-cs"/>
-              </a:rPr>
-            </a:br>
-            <a:r>
-              <a:rPr lang="mr-IN" sz="1200" b="1" kern="1200" dirty="0" smtClean="0">
-                <a:solidFill>
-                  <a:schemeClr val="tx1"/>
-                </a:solidFill>
-                <a:effectLst/>
-                <a:latin typeface="+mn-lt"/>
-                <a:ea typeface="+mn-ea"/>
-                <a:cs typeface="+mn-cs"/>
-              </a:rPr>
-              <a:t>    </a:t>
-            </a:r>
-            <a:r>
-              <a:rPr lang="mr-IN" sz="1200" b="1" kern="1200" dirty="0" err="1" smtClean="0">
-                <a:solidFill>
-                  <a:schemeClr val="tx1"/>
-                </a:solidFill>
-                <a:effectLst/>
-                <a:latin typeface="+mn-lt"/>
-                <a:ea typeface="+mn-ea"/>
-                <a:cs typeface="+mn-cs"/>
-              </a:rPr>
-              <a:t>action</a:t>
-            </a:r>
-            <a:r>
-              <a:rPr lang="mr-IN" sz="1200" b="1" kern="1200" dirty="0" smtClean="0">
-                <a:solidFill>
-                  <a:schemeClr val="tx1"/>
-                </a:solidFill>
-                <a:effectLst/>
-                <a:latin typeface="+mn-lt"/>
-                <a:ea typeface="+mn-ea"/>
-                <a:cs typeface="+mn-cs"/>
-              </a:rPr>
-              <a:t>: </a:t>
-            </a:r>
-            <a:r>
-              <a:rPr lang="mr-IN" dirty="0" err="1" smtClean="0"/>
-              <a:t>selenium:start</a:t>
-            </a:r>
-            <a:r>
               <a:rPr lang="mr-IN" dirty="0" smtClean="0"/>
-              <a:t/>
-            </a:r>
-            <a:br>
-              <a:rPr lang="mr-IN" dirty="0" smtClean="0"/>
-            </a:br>
-            <a:r>
-              <a:rPr lang="mr-IN" dirty="0" smtClean="0"/>
-              <a:t>    </a:t>
-            </a:r>
-            <a:r>
-              <a:rPr lang="mr-IN" sz="1200" b="1" kern="1200" dirty="0" err="1" smtClean="0">
-                <a:solidFill>
-                  <a:schemeClr val="tx1"/>
-                </a:solidFill>
-                <a:effectLst/>
-                <a:latin typeface="+mn-lt"/>
-                <a:ea typeface="+mn-ea"/>
-                <a:cs typeface="+mn-cs"/>
-              </a:rPr>
-              <a:t>version</a:t>
-            </a:r>
-            <a:r>
-              <a:rPr lang="mr-IN" sz="1200" b="1" kern="1200" dirty="0" smtClean="0">
-                <a:solidFill>
-                  <a:schemeClr val="tx1"/>
-                </a:solidFill>
-                <a:effectLst/>
-                <a:latin typeface="+mn-lt"/>
-                <a:ea typeface="+mn-ea"/>
-                <a:cs typeface="+mn-cs"/>
-              </a:rPr>
-              <a:t>: </a:t>
-            </a:r>
-            <a:r>
-              <a:rPr lang="mr-IN" dirty="0" smtClean="0"/>
-              <a:t>3.4.0</a:t>
-            </a:r>
-            <a:br>
-              <a:rPr lang="mr-IN" dirty="0" smtClean="0"/>
-            </a:br>
-            <a:r>
-              <a:rPr lang="mr-IN" dirty="0" smtClean="0"/>
-              <a:t>    </a:t>
-            </a:r>
-            <a:r>
-              <a:rPr lang="mr-IN" sz="1200" b="1" kern="1200" dirty="0" err="1" smtClean="0">
-                <a:solidFill>
-                  <a:schemeClr val="tx1"/>
-                </a:solidFill>
-                <a:effectLst/>
-                <a:latin typeface="+mn-lt"/>
-                <a:ea typeface="+mn-ea"/>
-                <a:cs typeface="+mn-cs"/>
-              </a:rPr>
-              <a:t>port</a:t>
-            </a:r>
-            <a:r>
-              <a:rPr lang="mr-IN" sz="1200" b="1" kern="1200" dirty="0" smtClean="0">
-                <a:solidFill>
-                  <a:schemeClr val="tx1"/>
-                </a:solidFill>
-                <a:effectLst/>
-                <a:latin typeface="+mn-lt"/>
-                <a:ea typeface="+mn-ea"/>
-                <a:cs typeface="+mn-cs"/>
-              </a:rPr>
-              <a:t>: </a:t>
-            </a:r>
-            <a:r>
-              <a:rPr lang="mr-IN" dirty="0" smtClean="0"/>
-              <a:t>8085</a:t>
-            </a:r>
-            <a:br>
-              <a:rPr lang="mr-IN" dirty="0" smtClean="0"/>
-            </a:br>
-            <a:r>
-              <a:rPr lang="mr-IN" dirty="0" smtClean="0"/>
-              <a:t>    </a:t>
-            </a:r>
-            <a:r>
-              <a:rPr lang="mr-IN" sz="1200" b="1" kern="1200" dirty="0" smtClean="0">
-                <a:solidFill>
-                  <a:schemeClr val="tx1"/>
-                </a:solidFill>
-                <a:effectLst/>
-                <a:latin typeface="+mn-lt"/>
-                <a:ea typeface="+mn-ea"/>
-                <a:cs typeface="+mn-cs"/>
-              </a:rPr>
-              <a:t>sdk: </a:t>
-            </a:r>
-            <a:r>
-              <a:rPr lang="mr-IN" dirty="0" err="1" smtClean="0"/>
-              <a:t>jdk</a:t>
-            </a:r>
-            <a:r>
-              <a:rPr lang="mr-IN" dirty="0" smtClean="0"/>
-              <a:t/>
-            </a:r>
-            <a:br>
-              <a:rPr lang="mr-IN" dirty="0" smtClean="0"/>
-            </a:br>
-            <a:r>
-              <a:rPr lang="mr-IN" dirty="0" smtClean="0"/>
-              <a:t>    </a:t>
-            </a:r>
-            <a:r>
-              <a:rPr lang="mr-IN" sz="1200" b="1" kern="1200" dirty="0" err="1" smtClean="0">
-                <a:solidFill>
-                  <a:schemeClr val="tx1"/>
-                </a:solidFill>
-                <a:effectLst/>
-                <a:latin typeface="+mn-lt"/>
-                <a:ea typeface="+mn-ea"/>
-                <a:cs typeface="+mn-cs"/>
-              </a:rPr>
-              <a:t>sdkVersion</a:t>
-            </a:r>
-            <a:r>
-              <a:rPr lang="mr-IN" sz="1200" b="1" kern="1200" dirty="0" smtClean="0">
-                <a:solidFill>
-                  <a:schemeClr val="tx1"/>
-                </a:solidFill>
-                <a:effectLst/>
-                <a:latin typeface="+mn-lt"/>
-                <a:ea typeface="+mn-ea"/>
-                <a:cs typeface="+mn-cs"/>
-              </a:rPr>
-              <a:t>: </a:t>
-            </a:r>
-            <a:r>
-              <a:rPr lang="mr-IN" dirty="0" smtClean="0"/>
-              <a:t>1.8</a:t>
-            </a:r>
-            <a:br>
-              <a:rPr lang="mr-IN" dirty="0" smtClean="0"/>
-            </a:br>
-            <a:r>
-              <a:rPr lang="mr-IN" dirty="0" smtClean="0"/>
-              <a:t>  </a:t>
-            </a:r>
-            <a:r>
-              <a:rPr lang="mr-IN" sz="1200" b="1" kern="1200" dirty="0" err="1" smtClean="0">
-                <a:solidFill>
-                  <a:schemeClr val="tx1"/>
-                </a:solidFill>
-                <a:effectLst/>
-                <a:latin typeface="+mn-lt"/>
-                <a:ea typeface="+mn-ea"/>
-                <a:cs typeface="+mn-cs"/>
-              </a:rPr>
-              <a:t>test</a:t>
-            </a:r>
-            <a:r>
-              <a:rPr lang="mr-IN" sz="1200" b="1" kern="1200" dirty="0" smtClean="0">
-                <a:solidFill>
-                  <a:schemeClr val="tx1"/>
-                </a:solidFill>
-                <a:effectLst/>
-                <a:latin typeface="+mn-lt"/>
-                <a:ea typeface="+mn-ea"/>
-                <a:cs typeface="+mn-cs"/>
-              </a:rPr>
-              <a:t>:</a:t>
-            </a:r>
-            <a:br>
-              <a:rPr lang="mr-IN" sz="1200" b="1" kern="1200" dirty="0" smtClean="0">
-                <a:solidFill>
-                  <a:schemeClr val="tx1"/>
-                </a:solidFill>
-                <a:effectLst/>
-                <a:latin typeface="+mn-lt"/>
-                <a:ea typeface="+mn-ea"/>
-                <a:cs typeface="+mn-cs"/>
-              </a:rPr>
-            </a:br>
-            <a:r>
-              <a:rPr lang="mr-IN" sz="1200" b="1" kern="1200" dirty="0" smtClean="0">
-                <a:solidFill>
-                  <a:schemeClr val="tx1"/>
-                </a:solidFill>
-                <a:effectLst/>
-                <a:latin typeface="+mn-lt"/>
-                <a:ea typeface="+mn-ea"/>
-                <a:cs typeface="+mn-cs"/>
-              </a:rPr>
-              <a:t>    </a:t>
-            </a:r>
-            <a:r>
-              <a:rPr lang="mr-IN" sz="1200" b="1" kern="1200" dirty="0" err="1" smtClean="0">
-                <a:solidFill>
-                  <a:schemeClr val="tx1"/>
-                </a:solidFill>
-                <a:effectLst/>
-                <a:latin typeface="+mn-lt"/>
-                <a:ea typeface="+mn-ea"/>
-                <a:cs typeface="+mn-cs"/>
-              </a:rPr>
-              <a:t>action</a:t>
-            </a:r>
-            <a:r>
-              <a:rPr lang="mr-IN" sz="1200" b="1" kern="1200" dirty="0" smtClean="0">
-                <a:solidFill>
-                  <a:schemeClr val="tx1"/>
-                </a:solidFill>
-                <a:effectLst/>
-                <a:latin typeface="+mn-lt"/>
-                <a:ea typeface="+mn-ea"/>
-                <a:cs typeface="+mn-cs"/>
-              </a:rPr>
-              <a:t>: </a:t>
-            </a:r>
-            <a:r>
-              <a:rPr lang="mr-IN" dirty="0" err="1" smtClean="0"/>
-              <a:t>selenium:run</a:t>
-            </a:r>
-            <a:r>
-              <a:rPr lang="mr-IN" dirty="0" smtClean="0"/>
-              <a:t/>
-            </a:r>
-            <a:br>
-              <a:rPr lang="mr-IN" dirty="0" smtClean="0"/>
-            </a:br>
-            <a:r>
-              <a:rPr lang="mr-IN" dirty="0" smtClean="0"/>
-              <a:t>    </a:t>
-            </a:r>
-            <a:r>
-              <a:rPr lang="mr-IN" sz="1200" b="1" kern="1200" dirty="0" err="1" smtClean="0">
-                <a:solidFill>
-                  <a:schemeClr val="tx1"/>
-                </a:solidFill>
-                <a:effectLst/>
-                <a:latin typeface="+mn-lt"/>
-                <a:ea typeface="+mn-ea"/>
-                <a:cs typeface="+mn-cs"/>
-              </a:rPr>
-              <a:t>browser</a:t>
-            </a:r>
-            <a:r>
-              <a:rPr lang="mr-IN" sz="1200" b="1" kern="1200" dirty="0" smtClean="0">
-                <a:solidFill>
-                  <a:schemeClr val="tx1"/>
-                </a:solidFill>
-                <a:effectLst/>
-                <a:latin typeface="+mn-lt"/>
-                <a:ea typeface="+mn-ea"/>
-                <a:cs typeface="+mn-cs"/>
-              </a:rPr>
-              <a:t>: </a:t>
-            </a:r>
-            <a:r>
-              <a:rPr lang="mr-IN" dirty="0" err="1" smtClean="0"/>
-              <a:t>firefox</a:t>
-            </a:r>
-            <a:r>
-              <a:rPr lang="mr-IN" dirty="0" smtClean="0"/>
-              <a:t/>
-            </a:r>
-            <a:br>
-              <a:rPr lang="mr-IN" dirty="0" smtClean="0"/>
-            </a:br>
-            <a:r>
-              <a:rPr lang="mr-IN" dirty="0" smtClean="0"/>
-              <a:t>    </a:t>
-            </a:r>
-            <a:r>
-              <a:rPr lang="mr-IN" sz="1200" b="1" kern="1200" dirty="0" err="1" smtClean="0">
-                <a:solidFill>
-                  <a:schemeClr val="tx1"/>
-                </a:solidFill>
-                <a:effectLst/>
-                <a:latin typeface="+mn-lt"/>
-                <a:ea typeface="+mn-ea"/>
-                <a:cs typeface="+mn-cs"/>
-              </a:rPr>
-              <a:t>remoteSelenium</a:t>
-            </a:r>
-            <a:r>
-              <a:rPr lang="mr-IN" sz="1200" b="1" kern="1200" dirty="0" smtClean="0">
-                <a:solidFill>
-                  <a:schemeClr val="tx1"/>
-                </a:solidFill>
-                <a:effectLst/>
-                <a:latin typeface="+mn-lt"/>
-                <a:ea typeface="+mn-ea"/>
-                <a:cs typeface="+mn-cs"/>
-              </a:rPr>
-              <a:t>:</a:t>
-            </a:r>
-            <a:br>
-              <a:rPr lang="mr-IN" sz="1200" b="1" kern="1200" dirty="0" smtClean="0">
-                <a:solidFill>
-                  <a:schemeClr val="tx1"/>
-                </a:solidFill>
-                <a:effectLst/>
-                <a:latin typeface="+mn-lt"/>
-                <a:ea typeface="+mn-ea"/>
-                <a:cs typeface="+mn-cs"/>
-              </a:rPr>
-            </a:br>
-            <a:r>
-              <a:rPr lang="mr-IN" sz="1200" b="1" kern="1200" dirty="0" smtClean="0">
-                <a:solidFill>
-                  <a:schemeClr val="tx1"/>
-                </a:solidFill>
-                <a:effectLst/>
-                <a:latin typeface="+mn-lt"/>
-                <a:ea typeface="+mn-ea"/>
-                <a:cs typeface="+mn-cs"/>
-              </a:rPr>
-              <a:t>      URL: </a:t>
-            </a:r>
-            <a:r>
-              <a:rPr lang="mr-IN" dirty="0" err="1" smtClean="0"/>
-              <a:t>http</a:t>
-            </a:r>
-            <a:r>
-              <a:rPr lang="mr-IN" dirty="0" smtClean="0"/>
-              <a:t>://127.0.0.1:8085</a:t>
-            </a:r>
-            <a:br>
-              <a:rPr lang="mr-IN" dirty="0" smtClean="0"/>
-            </a:br>
-            <a:r>
-              <a:rPr lang="mr-IN" dirty="0" smtClean="0"/>
-              <a:t>    </a:t>
-            </a:r>
-            <a:r>
-              <a:rPr lang="mr-IN" sz="1200" b="1" kern="1200" dirty="0" err="1" smtClean="0">
-                <a:solidFill>
-                  <a:schemeClr val="tx1"/>
-                </a:solidFill>
-                <a:effectLst/>
-                <a:latin typeface="+mn-lt"/>
-                <a:ea typeface="+mn-ea"/>
-                <a:cs typeface="+mn-cs"/>
-              </a:rPr>
-              <a:t>commands</a:t>
-            </a:r>
-            <a:r>
-              <a:rPr lang="mr-IN" sz="1200" b="1" kern="1200" dirty="0" smtClean="0">
-                <a:solidFill>
-                  <a:schemeClr val="tx1"/>
-                </a:solidFill>
-                <a:effectLst/>
-                <a:latin typeface="+mn-lt"/>
-                <a:ea typeface="+mn-ea"/>
-                <a:cs typeface="+mn-cs"/>
-              </a:rPr>
-              <a:t>:</a:t>
-            </a:r>
-            <a:br>
-              <a:rPr lang="mr-IN" sz="1200" b="1" kern="1200" dirty="0" smtClean="0">
-                <a:solidFill>
-                  <a:schemeClr val="tx1"/>
-                </a:solidFill>
-                <a:effectLst/>
-                <a:latin typeface="+mn-lt"/>
-                <a:ea typeface="+mn-ea"/>
-                <a:cs typeface="+mn-cs"/>
-              </a:rPr>
-            </a:br>
-            <a:r>
-              <a:rPr lang="mr-IN" sz="1200" b="1" kern="1200" dirty="0" smtClean="0">
-                <a:solidFill>
-                  <a:schemeClr val="tx1"/>
-                </a:solidFill>
-                <a:effectLst/>
-                <a:latin typeface="+mn-lt"/>
-                <a:ea typeface="+mn-ea"/>
-                <a:cs typeface="+mn-cs"/>
-              </a:rPr>
-              <a:t>      </a:t>
-            </a:r>
-            <a:r>
-              <a:rPr lang="mr-IN" dirty="0" smtClean="0"/>
-              <a:t>- </a:t>
-            </a:r>
-            <a:r>
-              <a:rPr lang="mr-IN" dirty="0" err="1" smtClean="0"/>
-              <a:t>get</a:t>
-            </a:r>
-            <a:r>
-              <a:rPr lang="mr-IN" dirty="0" smtClean="0"/>
-              <a:t>(</a:t>
-            </a:r>
-            <a:r>
-              <a:rPr lang="mr-IN" dirty="0" err="1" smtClean="0"/>
-              <a:t>http</a:t>
-            </a:r>
-            <a:r>
-              <a:rPr lang="mr-IN" dirty="0" smtClean="0"/>
-              <a:t>://127.0.0.1:8080/</a:t>
-            </a:r>
-            <a:r>
-              <a:rPr lang="mr-IN" dirty="0" err="1" smtClean="0"/>
-              <a:t>form.html</a:t>
-            </a:r>
-            <a:r>
-              <a:rPr lang="mr-IN" dirty="0" smtClean="0"/>
-              <a:t>)</a:t>
-            </a:r>
-            <a:br>
-              <a:rPr lang="mr-IN" dirty="0" smtClean="0"/>
-            </a:br>
-            <a:r>
-              <a:rPr lang="mr-IN" dirty="0" smtClean="0"/>
-              <a:t>      - (#</a:t>
-            </a:r>
-            <a:r>
-              <a:rPr lang="mr-IN" dirty="0" err="1" smtClean="0"/>
-              <a:t>id</a:t>
-            </a:r>
-            <a:r>
-              <a:rPr lang="mr-IN" dirty="0" smtClean="0"/>
-              <a:t>).</a:t>
-            </a:r>
-            <a:r>
-              <a:rPr lang="mr-IN" dirty="0" err="1" smtClean="0"/>
-              <a:t>clear</a:t>
-            </a:r>
-            <a:r>
-              <a:rPr lang="mr-IN" dirty="0" smtClean="0"/>
-              <a:t/>
-            </a:r>
-            <a:br>
-              <a:rPr lang="mr-IN" dirty="0" smtClean="0"/>
-            </a:br>
-            <a:r>
-              <a:rPr lang="mr-IN" dirty="0" smtClean="0"/>
-              <a:t>      - (#</a:t>
-            </a:r>
-            <a:r>
-              <a:rPr lang="mr-IN" dirty="0" err="1" smtClean="0"/>
-              <a:t>id</a:t>
-            </a:r>
-            <a:r>
-              <a:rPr lang="mr-IN" dirty="0" smtClean="0"/>
-              <a:t>).</a:t>
-            </a:r>
-            <a:r>
-              <a:rPr lang="mr-IN" dirty="0" err="1" smtClean="0"/>
-              <a:t>sendKeys</a:t>
-            </a:r>
-            <a:r>
-              <a:rPr lang="mr-IN" dirty="0" smtClean="0"/>
-              <a:t>('111111')</a:t>
-            </a:r>
-            <a:br>
-              <a:rPr lang="mr-IN" dirty="0" smtClean="0"/>
-            </a:br>
-            <a:r>
-              <a:rPr lang="mr-IN" dirty="0" smtClean="0"/>
-              <a:t>      - (#</a:t>
-            </a:r>
-            <a:r>
-              <a:rPr lang="mr-IN" dirty="0" err="1" smtClean="0"/>
-              <a:t>name</a:t>
-            </a:r>
-            <a:r>
-              <a:rPr lang="mr-IN" dirty="0" smtClean="0"/>
-              <a:t>).</a:t>
-            </a:r>
-            <a:r>
-              <a:rPr lang="mr-IN" dirty="0" err="1" smtClean="0"/>
-              <a:t>clear</a:t>
-            </a:r>
-            <a:r>
-              <a:rPr lang="mr-IN" dirty="0" smtClean="0"/>
-              <a:t/>
-            </a:r>
-            <a:br>
-              <a:rPr lang="mr-IN" dirty="0" smtClean="0"/>
-            </a:br>
-            <a:r>
-              <a:rPr lang="mr-IN" dirty="0" smtClean="0"/>
-              <a:t>      - (#</a:t>
-            </a:r>
-            <a:r>
-              <a:rPr lang="mr-IN" dirty="0" err="1" smtClean="0"/>
-              <a:t>name</a:t>
-            </a:r>
-            <a:r>
-              <a:rPr lang="mr-IN" dirty="0" smtClean="0"/>
-              <a:t>).</a:t>
-            </a:r>
-            <a:r>
-              <a:rPr lang="mr-IN" dirty="0" err="1" smtClean="0"/>
-              <a:t>sendKeys</a:t>
-            </a:r>
-            <a:r>
-              <a:rPr lang="mr-IN" dirty="0" smtClean="0"/>
-              <a:t>('</a:t>
-            </a:r>
-            <a:r>
-              <a:rPr lang="mr-IN" dirty="0" err="1" smtClean="0"/>
-              <a:t>dummy</a:t>
-            </a:r>
-            <a:r>
-              <a:rPr lang="mr-IN" dirty="0" smtClean="0"/>
-              <a:t> 123')</a:t>
-            </a:r>
-            <a:br>
-              <a:rPr lang="mr-IN" dirty="0" smtClean="0"/>
-            </a:br>
-            <a:r>
-              <a:rPr lang="mr-IN" dirty="0" smtClean="0"/>
-              <a:t>      - (#</a:t>
-            </a:r>
-            <a:r>
-              <a:rPr lang="mr-IN" dirty="0" err="1" smtClean="0"/>
-              <a:t>typeId</a:t>
-            </a:r>
-            <a:r>
-              <a:rPr lang="mr-IN" dirty="0" smtClean="0"/>
-              <a:t>).</a:t>
-            </a:r>
-            <a:r>
-              <a:rPr lang="mr-IN" dirty="0" err="1" smtClean="0"/>
-              <a:t>clear</a:t>
-            </a:r>
-            <a:r>
-              <a:rPr lang="mr-IN" dirty="0" smtClean="0"/>
-              <a:t>()</a:t>
-            </a:r>
-            <a:br>
-              <a:rPr lang="mr-IN" dirty="0" smtClean="0"/>
-            </a:br>
-            <a:r>
-              <a:rPr lang="mr-IN" dirty="0" smtClean="0"/>
-              <a:t>      - (</a:t>
-            </a:r>
-            <a:r>
-              <a:rPr lang="mr-IN" dirty="0" err="1" smtClean="0"/>
-              <a:t>xpath</a:t>
-            </a:r>
-            <a:r>
-              <a:rPr lang="mr-IN" dirty="0" smtClean="0"/>
-              <a:t>://SELECT[@</a:t>
-            </a:r>
-            <a:r>
-              <a:rPr lang="mr-IN" dirty="0" err="1" smtClean="0"/>
-              <a:t>id</a:t>
-            </a:r>
-            <a:r>
-              <a:rPr lang="mr-IN" dirty="0" smtClean="0"/>
-              <a:t>='</a:t>
-            </a:r>
-            <a:r>
-              <a:rPr lang="mr-IN" dirty="0" err="1" smtClean="0"/>
-              <a:t>typeId</a:t>
-            </a:r>
-            <a:r>
-              <a:rPr lang="mr-IN" dirty="0" smtClean="0"/>
-              <a:t>']/</a:t>
-            </a:r>
-            <a:r>
-              <a:rPr lang="mr-IN" dirty="0" err="1" smtClean="0"/>
-              <a:t>option</a:t>
-            </a:r>
-            <a:r>
-              <a:rPr lang="mr-IN" dirty="0" smtClean="0"/>
-              <a:t>[</a:t>
-            </a:r>
-            <a:r>
-              <a:rPr lang="mr-IN" dirty="0" err="1" smtClean="0"/>
-              <a:t>text</a:t>
-            </a:r>
-            <a:r>
-              <a:rPr lang="mr-IN" dirty="0" smtClean="0"/>
-              <a:t>()='type1']).</a:t>
-            </a:r>
-            <a:r>
-              <a:rPr lang="mr-IN" dirty="0" err="1" smtClean="0"/>
-              <a:t>click</a:t>
-            </a:r>
-            <a:r>
-              <a:rPr lang="mr-IN" dirty="0" smtClean="0"/>
-              <a:t>()</a:t>
-            </a:r>
-            <a:br>
-              <a:rPr lang="mr-IN" dirty="0" smtClean="0"/>
-            </a:br>
-            <a:r>
-              <a:rPr lang="mr-IN" dirty="0" smtClean="0"/>
-              <a:t>      - (#</a:t>
-            </a:r>
-            <a:r>
-              <a:rPr lang="mr-IN" dirty="0" err="1" smtClean="0"/>
-              <a:t>agree</a:t>
-            </a:r>
-            <a:r>
-              <a:rPr lang="mr-IN" dirty="0" smtClean="0"/>
-              <a:t>).</a:t>
-            </a:r>
-            <a:r>
-              <a:rPr lang="mr-IN" dirty="0" err="1" smtClean="0"/>
-              <a:t>click</a:t>
-            </a:r>
-            <a:r>
-              <a:rPr lang="mr-IN" dirty="0" smtClean="0"/>
-              <a:t>      </a:t>
-            </a:r>
-            <a:br>
-              <a:rPr lang="mr-IN" dirty="0" smtClean="0"/>
-            </a:br>
-            <a:r>
-              <a:rPr lang="mr-IN" dirty="0" smtClean="0"/>
-              <a:t>      - (#</a:t>
-            </a:r>
-            <a:r>
-              <a:rPr lang="mr-IN" dirty="0" err="1" smtClean="0"/>
-              <a:t>submit</a:t>
-            </a:r>
-            <a:r>
-              <a:rPr lang="mr-IN" dirty="0" smtClean="0"/>
-              <a:t>).</a:t>
-            </a:r>
-            <a:r>
-              <a:rPr lang="mr-IN" dirty="0" err="1" smtClean="0"/>
-              <a:t>click</a:t>
-            </a:r>
-            <a:r>
-              <a:rPr lang="mr-IN" dirty="0" smtClean="0"/>
-              <a:t/>
-            </a:r>
-            <a:br>
-              <a:rPr lang="mr-IN" dirty="0" smtClean="0"/>
-            </a:br>
-            <a:r>
-              <a:rPr lang="mr-IN" dirty="0" smtClean="0"/>
-              <a:t>      - </a:t>
-            </a:r>
-            <a:r>
-              <a:rPr lang="mr-IN" sz="1200" b="1" kern="1200" dirty="0" err="1" smtClean="0">
-                <a:solidFill>
-                  <a:schemeClr val="tx1"/>
-                </a:solidFill>
-                <a:effectLst/>
-                <a:latin typeface="+mn-lt"/>
-                <a:ea typeface="+mn-ea"/>
-                <a:cs typeface="+mn-cs"/>
-              </a:rPr>
-              <a:t>command</a:t>
-            </a:r>
-            <a:r>
-              <a:rPr lang="mr-IN" sz="1200" b="1" kern="1200" dirty="0" smtClean="0">
-                <a:solidFill>
-                  <a:schemeClr val="tx1"/>
-                </a:solidFill>
-                <a:effectLst/>
-                <a:latin typeface="+mn-lt"/>
-                <a:ea typeface="+mn-ea"/>
-                <a:cs typeface="+mn-cs"/>
-              </a:rPr>
-              <a:t>: </a:t>
-            </a:r>
-            <a:r>
-              <a:rPr lang="mr-IN" dirty="0" err="1" smtClean="0"/>
-              <a:t>CurrentURL</a:t>
-            </a:r>
-            <a:r>
-              <a:rPr lang="mr-IN" dirty="0" smtClean="0"/>
-              <a:t> = </a:t>
-            </a:r>
-            <a:r>
-              <a:rPr lang="mr-IN" dirty="0" err="1" smtClean="0"/>
-              <a:t>CurrentURL</a:t>
-            </a:r>
-            <a:r>
-              <a:rPr lang="mr-IN" dirty="0" smtClean="0"/>
-              <a:t>()</a:t>
-            </a:r>
-            <a:br>
-              <a:rPr lang="mr-IN" dirty="0" smtClean="0"/>
-            </a:br>
-            <a:r>
-              <a:rPr lang="mr-IN" dirty="0" smtClean="0"/>
-              <a:t>        </a:t>
-            </a:r>
-            <a:r>
-              <a:rPr lang="mr-IN" sz="1200" b="1" kern="1200" dirty="0" err="1" smtClean="0">
-                <a:solidFill>
-                  <a:schemeClr val="tx1"/>
-                </a:solidFill>
-                <a:effectLst/>
-                <a:latin typeface="+mn-lt"/>
-                <a:ea typeface="+mn-ea"/>
-                <a:cs typeface="+mn-cs"/>
-              </a:rPr>
-              <a:t>exit</a:t>
-            </a:r>
-            <a:r>
-              <a:rPr lang="mr-IN" sz="1200" b="1" kern="1200" dirty="0" smtClean="0">
-                <a:solidFill>
-                  <a:schemeClr val="tx1"/>
-                </a:solidFill>
-                <a:effectLst/>
-                <a:latin typeface="+mn-lt"/>
-                <a:ea typeface="+mn-ea"/>
-                <a:cs typeface="+mn-cs"/>
-              </a:rPr>
-              <a:t>: </a:t>
-            </a:r>
-            <a:r>
-              <a:rPr lang="mr-IN" dirty="0" smtClean="0"/>
-              <a:t>$</a:t>
-            </a:r>
-            <a:r>
-              <a:rPr lang="mr-IN" dirty="0" err="1" smtClean="0"/>
-              <a:t>CurrentURL</a:t>
-            </a:r>
-            <a:r>
-              <a:rPr lang="mr-IN" dirty="0" smtClean="0"/>
-              <a:t>:/</a:t>
-            </a:r>
-            <a:r>
-              <a:rPr lang="mr-IN" dirty="0" err="1" smtClean="0"/>
-              <a:t>dummy</a:t>
-            </a:r>
-            <a:r>
-              <a:rPr lang="mr-IN" dirty="0" smtClean="0"/>
-              <a:t>/</a:t>
-            </a:r>
-            <a:br>
-              <a:rPr lang="mr-IN" dirty="0" smtClean="0"/>
-            </a:br>
-            <a:r>
-              <a:rPr lang="mr-IN" dirty="0" smtClean="0"/>
-              <a:t>        </a:t>
-            </a:r>
-            <a:r>
-              <a:rPr lang="mr-IN" sz="1200" b="1" kern="1200" dirty="0" err="1" smtClean="0">
-                <a:solidFill>
-                  <a:schemeClr val="tx1"/>
-                </a:solidFill>
-                <a:effectLst/>
-                <a:latin typeface="+mn-lt"/>
-                <a:ea typeface="+mn-ea"/>
-                <a:cs typeface="+mn-cs"/>
-              </a:rPr>
-              <a:t>sleepTimeMs</a:t>
-            </a:r>
-            <a:r>
-              <a:rPr lang="mr-IN" sz="1200" b="1" kern="1200" dirty="0" smtClean="0">
-                <a:solidFill>
-                  <a:schemeClr val="tx1"/>
-                </a:solidFill>
-                <a:effectLst/>
-                <a:latin typeface="+mn-lt"/>
-                <a:ea typeface="+mn-ea"/>
-                <a:cs typeface="+mn-cs"/>
-              </a:rPr>
-              <a:t>: </a:t>
-            </a:r>
-            <a:r>
-              <a:rPr lang="mr-IN" dirty="0" smtClean="0"/>
-              <a:t>1000</a:t>
-            </a:r>
-            <a:br>
-              <a:rPr lang="mr-IN" dirty="0" smtClean="0"/>
-            </a:br>
-            <a:r>
-              <a:rPr lang="mr-IN" dirty="0" smtClean="0"/>
-              <a:t>        </a:t>
-            </a:r>
-            <a:r>
-              <a:rPr lang="mr-IN" sz="1200" b="1" kern="1200" dirty="0" err="1" smtClean="0">
-                <a:solidFill>
-                  <a:schemeClr val="tx1"/>
-                </a:solidFill>
-                <a:effectLst/>
-                <a:latin typeface="+mn-lt"/>
-                <a:ea typeface="+mn-ea"/>
-                <a:cs typeface="+mn-cs"/>
-              </a:rPr>
-              <a:t>repeat</a:t>
-            </a:r>
-            <a:r>
-              <a:rPr lang="mr-IN" sz="1200" b="1" kern="1200" dirty="0" smtClean="0">
-                <a:solidFill>
-                  <a:schemeClr val="tx1"/>
-                </a:solidFill>
-                <a:effectLst/>
-                <a:latin typeface="+mn-lt"/>
-                <a:ea typeface="+mn-ea"/>
-                <a:cs typeface="+mn-cs"/>
-              </a:rPr>
-              <a:t>: </a:t>
-            </a:r>
-            <a:r>
-              <a:rPr lang="mr-IN" dirty="0" smtClean="0"/>
-              <a:t>10</a:t>
-            </a:r>
-            <a:br>
-              <a:rPr lang="mr-IN" dirty="0" smtClean="0"/>
-            </a:br>
-            <a:r>
-              <a:rPr lang="mr-IN" dirty="0" smtClean="0"/>
-              <a:t>      - </a:t>
-            </a:r>
-            <a:r>
-              <a:rPr lang="mr-IN" dirty="0" err="1" smtClean="0"/>
-              <a:t>PageSource</a:t>
-            </a:r>
-            <a:r>
-              <a:rPr lang="mr-IN" dirty="0" smtClean="0"/>
-              <a:t> = </a:t>
-            </a:r>
-            <a:r>
-              <a:rPr lang="mr-IN" dirty="0" err="1" smtClean="0"/>
-              <a:t>pageSource</a:t>
-            </a:r>
-            <a:r>
-              <a:rPr lang="mr-IN" dirty="0" smtClean="0"/>
-              <a:t>()  </a:t>
-            </a:r>
-            <a:br>
-              <a:rPr lang="mr-IN" dirty="0" smtClean="0"/>
-            </a:br>
-            <a:r>
-              <a:rPr lang="mr-IN" dirty="0" smtClean="0"/>
-              <a:t>    </a:t>
-            </a:r>
-            <a:r>
-              <a:rPr lang="mr-IN" sz="1200" b="1" kern="1200" dirty="0" err="1" smtClean="0">
-                <a:solidFill>
-                  <a:schemeClr val="tx1"/>
-                </a:solidFill>
-                <a:effectLst/>
-                <a:latin typeface="+mn-lt"/>
-                <a:ea typeface="+mn-ea"/>
-                <a:cs typeface="+mn-cs"/>
-              </a:rPr>
-              <a:t>expect</a:t>
-            </a:r>
-            <a:r>
-              <a:rPr lang="mr-IN" sz="1200" b="1" kern="1200" dirty="0" smtClean="0">
-                <a:solidFill>
-                  <a:schemeClr val="tx1"/>
-                </a:solidFill>
-                <a:effectLst/>
-                <a:latin typeface="+mn-lt"/>
-                <a:ea typeface="+mn-ea"/>
-                <a:cs typeface="+mn-cs"/>
-              </a:rPr>
-              <a:t>:</a:t>
-            </a:r>
-            <a:br>
-              <a:rPr lang="mr-IN" sz="1200" b="1" kern="1200" dirty="0" smtClean="0">
-                <a:solidFill>
-                  <a:schemeClr val="tx1"/>
-                </a:solidFill>
-                <a:effectLst/>
-                <a:latin typeface="+mn-lt"/>
-                <a:ea typeface="+mn-ea"/>
-                <a:cs typeface="+mn-cs"/>
-              </a:rPr>
-            </a:br>
-            <a:r>
-              <a:rPr lang="mr-IN" sz="1200" b="1" kern="1200" dirty="0" smtClean="0">
-                <a:solidFill>
-                  <a:schemeClr val="tx1"/>
-                </a:solidFill>
-                <a:effectLst/>
-                <a:latin typeface="+mn-lt"/>
-                <a:ea typeface="+mn-ea"/>
-                <a:cs typeface="+mn-cs"/>
-              </a:rPr>
-              <a:t>      </a:t>
-            </a:r>
-            <a:r>
-              <a:rPr lang="mr-IN" sz="1200" b="1" kern="1200" dirty="0" err="1" smtClean="0">
-                <a:solidFill>
-                  <a:schemeClr val="tx1"/>
-                </a:solidFill>
-                <a:effectLst/>
-                <a:latin typeface="+mn-lt"/>
-                <a:ea typeface="+mn-ea"/>
-                <a:cs typeface="+mn-cs"/>
-              </a:rPr>
-              <a:t>PageSource</a:t>
-            </a:r>
-            <a:r>
-              <a:rPr lang="mr-IN" sz="1200" b="1" kern="1200" dirty="0" smtClean="0">
-                <a:solidFill>
-                  <a:schemeClr val="tx1"/>
-                </a:solidFill>
-                <a:effectLst/>
-                <a:latin typeface="+mn-lt"/>
-                <a:ea typeface="+mn-ea"/>
-                <a:cs typeface="+mn-cs"/>
-              </a:rPr>
-              <a:t>: </a:t>
-            </a:r>
-            <a:r>
-              <a:rPr lang="mr-IN" dirty="0" smtClean="0"/>
-              <a:t>/</a:t>
-            </a:r>
-            <a:r>
-              <a:rPr lang="mr-IN" dirty="0" err="1" smtClean="0"/>
-              <a:t>dummy</a:t>
-            </a:r>
-            <a:r>
-              <a:rPr lang="mr-IN" dirty="0" smtClean="0"/>
-              <a:t> 123/</a:t>
-            </a:r>
-            <a:br>
-              <a:rPr lang="mr-IN" dirty="0" smtClean="0"/>
-            </a:br>
-            <a:endParaRPr lang="en-US" dirty="0" smtClean="0"/>
+              <a:t>}</a:t>
+            </a:r>
+            <a:endParaRPr lang="en-US" dirty="0"/>
           </a:p>
         </p:txBody>
       </p:sp>
@@ -35400,7 +35969,7 @@
     </p:spTree>
     <p:extLst>
       <p:ext uri="{BB962C8B-B14F-4D97-AF65-F5344CB8AC3E}">
-        <p14:creationId xmlns:p14="http://schemas.microsoft.com/office/powerpoint/2010/main" val="992484440"/>
+        <p14:creationId xmlns:p14="http://schemas.microsoft.com/office/powerpoint/2010/main" val="2098778406"/>
       </p:ext>
     </p:extLst>
   </p:cSld>
@@ -35463,14 +36032,7 @@
             </a:br>
             <a:r>
               <a:rPr lang="mr-IN" dirty="0" smtClean="0"/>
-              <a:t/>
-            </a:r>
-            <a:br>
-              <a:rPr lang="mr-IN" dirty="0" smtClean="0"/>
-            </a:br>
-            <a:r>
-              <a:rPr lang="mr-IN" dirty="0" smtClean="0"/>
-              <a:t>    </a:t>
+              <a:t>  </a:t>
             </a:r>
             <a:r>
               <a:rPr lang="mr-IN" sz="1200" b="1" kern="1200" dirty="0" smtClean="0">
@@ -35494,7 +36056,7 @@
                 <a:ea typeface="+mn-ea"/>
                 <a:cs typeface="+mn-cs"/>
               </a:rPr>
-              <a:t>Method</a:t>
+              <a:t>Requests</a:t>
             </a:r>
             <a:r>
               <a:rPr lang="mr-IN" sz="1200" b="1" kern="1200" dirty="0" smtClean="0">
@@ -35506,18 +36068,25 @@
                 <a:ea typeface="+mn-ea"/>
                 <a:cs typeface="+mn-cs"/>
               </a:rPr>
-              <a:t>": "POST"</a:t>
+              <a:t>"</a:t>
             </a:r>
             <a:r>
               <a:rPr lang="mr-IN" dirty="0" smtClean="0"/>
-              <a:t>,</a:t>
+              <a:t>: [</a:t>
             </a:r>
             <a:br>
               <a:rPr lang="mr-IN" dirty="0" smtClean="0"/>
             </a:br>
             <a:r>
               <a:rPr lang="mr-IN" dirty="0" smtClean="0"/>
-              <a:t>    </a:t>
+              <a:t>    {</a:t>
+            </a:r>
+            <a:br>
+              <a:rPr lang="mr-IN" dirty="0" smtClean="0"/>
+            </a:br>
+            <a:r>
+              <a:rPr lang="mr-IN" dirty="0" smtClean="0"/>
+              <a:t>      </a:t>
             </a:r>
             <a:r>
               <a:rPr lang="mr-IN" sz="1200" b="1" kern="1200" dirty="0" smtClean="0">
@@ -35529,7 +36098,86 @@
                 <a:ea typeface="+mn-ea"/>
                 <a:cs typeface="+mn-cs"/>
               </a:rPr>
-              <a:t>"URL": "</a:t>
+              <a:t>"</a:t>
+            </a:r>
+            <a:r>
+              <a:rPr lang="mr-IN" sz="1200" b="1" kern="1200" dirty="0" err="1" smtClean="0">
+                <a:solidFill>
+                  <a:schemeClr val="tx1"/>
+                </a:solidFill>
+                <a:effectLst/>
+                <a:latin typeface="+mn-lt"/>
+                <a:ea typeface="+mn-ea"/>
+                <a:cs typeface="+mn-cs"/>
+              </a:rPr>
+              <a:t>Method</a:t>
+            </a:r>
+            <a:r>
+              <a:rPr lang="mr-IN" sz="1200" b="1" kern="1200" dirty="0" smtClean="0">
+                <a:solidFill>
+                  <a:schemeClr val="tx1"/>
+                </a:solidFill>
+                <a:effectLst/>
+                <a:latin typeface="+mn-lt"/>
+                <a:ea typeface="+mn-ea"/>
+                <a:cs typeface="+mn-cs"/>
+              </a:rPr>
+              <a:t>"</a:t>
+            </a:r>
+            <a:r>
+              <a:rPr lang="mr-IN" dirty="0" smtClean="0"/>
+              <a:t>: </a:t>
+            </a:r>
+            <a:r>
+              <a:rPr lang="mr-IN" sz="1200" b="1" kern="1200" dirty="0" smtClean="0">
+                <a:solidFill>
+                  <a:schemeClr val="tx1"/>
+                </a:solidFill>
+                <a:effectLst/>
+                <a:latin typeface="+mn-lt"/>
+                <a:ea typeface="+mn-ea"/>
+                <a:cs typeface="+mn-cs"/>
+              </a:rPr>
+              <a:t>"POST"</a:t>
+            </a:r>
+            <a:r>
+              <a:rPr lang="mr-IN" dirty="0" smtClean="0"/>
+              <a:t>,</a:t>
+            </a:r>
+            <a:br>
+              <a:rPr lang="mr-IN" dirty="0" smtClean="0"/>
+            </a:br>
+            <a:r>
+              <a:rPr lang="mr-IN" dirty="0" smtClean="0"/>
+              <a:t>      </a:t>
+            </a:r>
+            <a:r>
+              <a:rPr lang="mr-IN" sz="1200" b="1" kern="1200" dirty="0" smtClean="0">
+                <a:solidFill>
+                  <a:schemeClr val="tx1"/>
+                </a:solidFill>
+                <a:effectLst/>
+                <a:latin typeface="+mn-lt"/>
+                <a:ea typeface="+mn-ea"/>
+                <a:cs typeface="+mn-cs"/>
+              </a:rPr>
+              <a:t>"URL"</a:t>
+            </a:r>
+            <a:r>
+              <a:rPr lang="mr-IN" dirty="0" smtClean="0"/>
+              <a:t>: </a:t>
+            </a:r>
+            <a:r>
+              <a:rPr lang="mr-IN" sz="1200" b="1" kern="1200" dirty="0" smtClean="0">
+                <a:solidFill>
+                  <a:schemeClr val="tx1"/>
+                </a:solidFill>
+                <a:effectLst/>
+                <a:latin typeface="+mn-lt"/>
+                <a:ea typeface="+mn-ea"/>
+                <a:cs typeface="+mn-cs"/>
+              </a:rPr>
+              <a:t>"</a:t>
             </a:r>
             <a:r>
               <a:rPr lang="mr-IN" sz="1200" b="1" kern="1200" dirty="0" err="1" smtClean="0">
@@ -35612,7 +36260,7 @@
             </a:br>
             <a:r>
               <a:rPr lang="mr-IN" dirty="0" smtClean="0"/>
-              <a:t>    </a:t>
+              <a:t>      </a:t>
             </a:r>
             <a:r>
               <a:rPr lang="mr-IN" sz="1200" b="1" kern="1200" dirty="0" smtClean="0">
@@ -35636,30 +36284,7 @@
                 <a:ea typeface="+mn-ea"/>
                 <a:cs typeface="+mn-cs"/>
               </a:rPr>
-              <a:t>Request</a:t>
-            </a:r>
-            <a:r>
-              <a:rPr lang="mr-IN" sz="1200" b="1" kern="1200" dirty="0" smtClean="0">
-                <a:solidFill>
-                  <a:schemeClr val="tx1"/>
-                </a:solidFill>
-                <a:effectLst/>
-                <a:latin typeface="+mn-lt"/>
-                <a:ea typeface="+mn-ea"/>
-                <a:cs typeface="+mn-cs"/>
-              </a:rPr>
-              <a:t>":</a:t>
-            </a:r>
-            <a:r>
-              <a:rPr lang="mr-IN" dirty="0" smtClean="0"/>
-              <a:t>{</a:t>
-            </a:r>
-            <a:br>
-              <a:rPr lang="mr-IN" dirty="0" smtClean="0"/>
-            </a:br>
-            <a:r>
-              <a:rPr lang="mr-IN" dirty="0" smtClean="0"/>
-              <a:t>        </a:t>
+              <a:t>Body</a:t>
             </a:r>
             <a:r>
               <a:rPr lang="mr-IN" sz="1200" b="1" kern="1200" dirty="0" smtClean="0">
@@ -35674,16 +36299,8 @@
               <a:t>"</a:t>
             </a:r>
             <a:r>
-              <a:rPr lang="mr-IN" sz="1200" b="1" kern="1200" dirty="0" err="1" smtClean="0">
-                <a:solidFill>
-                  <a:schemeClr val="tx1"/>
-                </a:solidFill>
-                <a:effectLst/>
-                <a:latin typeface="+mn-lt"/>
-                <a:ea typeface="+mn-ea"/>
-                <a:cs typeface="+mn-cs"/>
-              </a:rPr>
-              <a:t>Data</a:t>
+              <a:rPr lang="mr-IN" dirty="0" smtClean="0"/>
+              <a:t>:</a:t>
             </a:r>
             <a:r>
               <a:rPr lang="mr-IN" sz="1200" b="1" kern="1200" dirty="0" smtClean="0">
@@ -35695,101 +36312,7 @@
                 <a:ea typeface="+mn-ea"/>
                 <a:cs typeface="+mn-cs"/>
               </a:rPr>
-              <a:t>":</a:t>
-            </a:r>
-            <a:r>
-              <a:rPr lang="mr-IN" dirty="0" smtClean="0"/>
-              <a:t>{</a:t>
-            </a:r>
-            <a:br>
-              <a:rPr lang="mr-IN" dirty="0" smtClean="0"/>
-            </a:br>
-            <a:r>
-              <a:rPr lang="mr-IN" dirty="0" smtClean="0"/>
-              <a:t>            </a:t>
-            </a:r>
-            <a:r>
-              <a:rPr lang="mr-IN" sz="1200" b="1" kern="1200" dirty="0" smtClean="0">
-                <a:solidFill>
-                  <a:schemeClr val="tx1"/>
-                </a:solidFill>
-                <a:effectLst/>
-                <a:latin typeface="+mn-lt"/>
-                <a:ea typeface="+mn-ea"/>
-                <a:cs typeface="+mn-cs"/>
-              </a:rPr>
-              <a:t>"TypeId":</a:t>
-            </a:r>
-            <a:r>
-              <a:rPr lang="mr-IN" dirty="0" smtClean="0"/>
-              <a:t>1,</a:t>
-            </a:r>
-            <a:br>
-              <a:rPr lang="mr-IN" dirty="0" smtClean="0"/>
-            </a:br>
-            <a:r>
-              <a:rPr lang="mr-IN" dirty="0" smtClean="0"/>
-              <a:t>            </a:t>
-            </a:r>
-            <a:r>
-              <a:rPr lang="mr-IN" sz="1200" b="1" kern="1200" dirty="0" smtClean="0">
-                <a:solidFill>
-                  <a:schemeClr val="tx1"/>
-                </a:solidFill>
-                <a:effectLst/>
-                <a:latin typeface="+mn-lt"/>
-                <a:ea typeface="+mn-ea"/>
-                <a:cs typeface="+mn-cs"/>
-              </a:rPr>
-              <a:t>"</a:t>
-            </a:r>
-            <a:r>
-              <a:rPr lang="mr-IN" sz="1200" b="1" kern="1200" dirty="0" err="1" smtClean="0">
-                <a:solidFill>
-                  <a:schemeClr val="tx1"/>
-                </a:solidFill>
-                <a:effectLst/>
-                <a:latin typeface="+mn-lt"/>
-                <a:ea typeface="+mn-ea"/>
-                <a:cs typeface="+mn-cs"/>
-              </a:rPr>
-              <a:t>Name</a:t>
-            </a:r>
-            <a:r>
-              <a:rPr lang="mr-IN" sz="1200" b="1" kern="1200" dirty="0" smtClean="0">
-                <a:solidFill>
-                  <a:schemeClr val="tx1"/>
-                </a:solidFill>
-                <a:effectLst/>
-                <a:latin typeface="+mn-lt"/>
-                <a:ea typeface="+mn-ea"/>
-                <a:cs typeface="+mn-cs"/>
-              </a:rPr>
-              <a:t>":"</a:t>
-            </a:r>
-            <a:r>
-              <a:rPr lang="mr-IN" sz="1200" b="1" kern="1200" dirty="0" err="1" smtClean="0">
-                <a:solidFill>
-                  <a:schemeClr val="tx1"/>
-                </a:solidFill>
-                <a:effectLst/>
-                <a:latin typeface="+mn-lt"/>
-                <a:ea typeface="+mn-ea"/>
-                <a:cs typeface="+mn-cs"/>
-              </a:rPr>
-              <a:t>dummy</a:t>
-            </a:r>
-            <a:r>
-              <a:rPr lang="mr-IN" sz="1200" b="1" kern="1200" dirty="0" smtClean="0">
-                <a:solidFill>
-                  <a:schemeClr val="tx1"/>
-                </a:solidFill>
-                <a:effectLst/>
-                <a:latin typeface="+mn-lt"/>
-                <a:ea typeface="+mn-ea"/>
-                <a:cs typeface="+mn-cs"/>
-              </a:rPr>
-              <a:t> 33333"</a:t>
+              <a:t>"{}"</a:t>
             </a:r>
             <a:br>
               <a:rPr lang="mr-IN" sz="1200" b="1" kern="1200" dirty="0" smtClean="0">
@@ -35812,7 +36335,7 @@
                 <a:ea typeface="+mn-ea"/>
                 <a:cs typeface="+mn-cs"/>
               </a:rPr>
-              <a:t>        </a:t>
+              <a:t>    </a:t>
             </a:r>
             <a:r>
               <a:rPr lang="mr-IN" dirty="0" smtClean="0"/>
@@ -35823,14 +36346,14 @@
             </a:br>
             <a:r>
               <a:rPr lang="mr-IN" dirty="0" smtClean="0"/>
-              <a:t>    },</a:t>
+              <a:t>  ],</a:t>
             </a:r>
             <a:br>
               <a:rPr lang="mr-IN" dirty="0" smtClean="0"/>
             </a:br>
             <a:r>
               <a:rPr lang="mr-IN" dirty="0" smtClean="0"/>
-              <a:t>   </a:t>
+              <a:t>  </a:t>
             </a:r>
             <a:r>
               <a:rPr lang="mr-IN" sz="1200" b="1" kern="1200" dirty="0" smtClean="0">
@@ -35866,18 +36389,18 @@
                 <a:ea typeface="+mn-ea"/>
                 <a:cs typeface="+mn-cs"/>
               </a:rPr>
-              <a:t>": </a:t>
+              <a:t>"</a:t>
             </a:r>
             <a:r>
               <a:rPr lang="mr-IN" dirty="0" smtClean="0"/>
-              <a:t>{</a:t>
+              <a:t>: {</a:t>
             </a:r>
             <a:br>
               <a:rPr lang="mr-IN" dirty="0" smtClean="0"/>
             </a:br>
             <a:r>
               <a:rPr lang="mr-IN" dirty="0" smtClean="0"/>
-              <a:t>        </a:t>
+              <a:t>    </a:t>
             </a:r>
             <a:r>
               <a:rPr lang="mr-IN" sz="1200" b="1" kern="1200" dirty="0" smtClean="0">
@@ -35901,30 +36424,7 @@
                 <a:ea typeface="+mn-ea"/>
                 <a:cs typeface="+mn-cs"/>
               </a:rPr>
-              <a:t>Data</a:t>
-            </a:r>
-            <a:r>
-              <a:rPr lang="mr-IN" sz="1200" b="1" kern="1200" dirty="0" smtClean="0">
-                <a:solidFill>
-                  <a:schemeClr val="tx1"/>
-                </a:solidFill>
-                <a:effectLst/>
-                <a:latin typeface="+mn-lt"/>
-                <a:ea typeface="+mn-ea"/>
-                <a:cs typeface="+mn-cs"/>
-              </a:rPr>
-              <a:t>": </a:t>
-            </a:r>
-            <a:r>
-              <a:rPr lang="mr-IN" dirty="0" smtClean="0"/>
-              <a:t>{</a:t>
-            </a:r>
-            <a:br>
-              <a:rPr lang="mr-IN" dirty="0" smtClean="0"/>
-            </a:br>
-            <a:r>
-              <a:rPr lang="mr-IN" dirty="0" smtClean="0"/>
-              <a:t>            </a:t>
+              <a:t>Responses</a:t>
             </a:r>
             <a:r>
               <a:rPr lang="mr-IN" sz="1200" b="1" kern="1200" dirty="0" smtClean="0">
@@ -35939,6 +36439,68 @@
               <a:t>"</a:t>
             </a:r>
             <a:r>
+              <a:rPr lang="mr-IN" dirty="0" smtClean="0"/>
+              <a:t>:[{</a:t>
+            </a:r>
+            <a:br>
+              <a:rPr lang="mr-IN" dirty="0" smtClean="0"/>
+            </a:br>
+            <a:r>
+              <a:rPr lang="mr-IN" dirty="0" smtClean="0"/>
+              <a:t>      </a:t>
+            </a:r>
+            <a:r>
+              <a:rPr lang="mr-IN" sz="1200" b="1" kern="1200" dirty="0" smtClean="0">
+                <a:solidFill>
+                  <a:schemeClr val="tx1"/>
+                </a:solidFill>
+                <a:effectLst/>
+                <a:latin typeface="+mn-lt"/>
+                <a:ea typeface="+mn-ea"/>
+                <a:cs typeface="+mn-cs"/>
+              </a:rPr>
+              <a:t>"Code"</a:t>
+            </a:r>
+            <a:r>
+              <a:rPr lang="mr-IN" dirty="0" smtClean="0"/>
+              <a:t>:</a:t>
+            </a:r>
+            <a:r>
+              <a:rPr lang="mr-IN" sz="1200" kern="1200" dirty="0" smtClean="0">
+                <a:solidFill>
+                  <a:schemeClr val="tx1"/>
+                </a:solidFill>
+                <a:effectLst/>
+                <a:latin typeface="+mn-lt"/>
+                <a:ea typeface="+mn-ea"/>
+                <a:cs typeface="+mn-cs"/>
+              </a:rPr>
+              <a:t>200</a:t>
+            </a:r>
+            <a:r>
+              <a:rPr lang="mr-IN" dirty="0" smtClean="0"/>
+              <a:t>,</a:t>
+            </a:r>
+            <a:br>
+              <a:rPr lang="mr-IN" dirty="0" smtClean="0"/>
+            </a:br>
+            <a:r>
+              <a:rPr lang="mr-IN" dirty="0" smtClean="0"/>
+              <a:t>      </a:t>
+            </a:r>
+            <a:r>
+              <a:rPr lang="mr-IN" sz="1200" b="1" kern="1200" dirty="0" smtClean="0">
+                <a:solidFill>
+                  <a:schemeClr val="tx1"/>
+                </a:solidFill>
+                <a:effectLst/>
+                <a:latin typeface="+mn-lt"/>
+                <a:ea typeface="+mn-ea"/>
+                <a:cs typeface="+mn-cs"/>
+              </a:rPr>
+              <a:t>"</a:t>
+            </a:r>
+            <a:r>
               <a:rPr lang="mr-IN" sz="1200" b="1" kern="1200" dirty="0" err="1" smtClean="0">
                 <a:solidFill>
                   <a:schemeClr val="tx1"/>
@@ -35948,7 +36510,7 @@
                 <a:ea typeface="+mn-ea"/>
                 <a:cs typeface="+mn-cs"/>
               </a:rPr>
-              <a:t>Name</a:t>
+              <a:t>JSONBody</a:t>
             </a:r>
             <a:r>
               <a:rPr lang="mr-IN" sz="1200" b="1" kern="1200" dirty="0" smtClean="0">
@@ -35960,7 +36522,30 @@
                 <a:ea typeface="+mn-ea"/>
                 <a:cs typeface="+mn-cs"/>
               </a:rPr>
-              <a:t>":"</a:t>
+              <a:t>"</a:t>
+            </a:r>
+            <a:r>
+              <a:rPr lang="mr-IN" dirty="0" smtClean="0"/>
+              <a:t>: {</a:t>
+            </a:r>
+            <a:br>
+              <a:rPr lang="mr-IN" dirty="0" smtClean="0"/>
+            </a:br>
+            <a:r>
+              <a:rPr lang="mr-IN" dirty="0" smtClean="0"/>
+              <a:t>        </a:t>
+            </a:r>
+            <a:r>
+              <a:rPr lang="mr-IN" sz="1200" b="1" kern="1200" dirty="0" smtClean="0">
+                <a:solidFill>
+                  <a:schemeClr val="tx1"/>
+                </a:solidFill>
+                <a:effectLst/>
+                <a:latin typeface="+mn-lt"/>
+                <a:ea typeface="+mn-ea"/>
+                <a:cs typeface="+mn-cs"/>
+              </a:rPr>
+              <a:t>"</a:t>
             </a:r>
             <a:r>
               <a:rPr lang="mr-IN" sz="1200" b="1" kern="1200" dirty="0" err="1" smtClean="0">
@@ -35972,7 +36557,7 @@
                 <a:ea typeface="+mn-ea"/>
                 <a:cs typeface="+mn-cs"/>
               </a:rPr>
-              <a:t>dummy</a:t>
+              <a:t>Status</a:t>
             </a:r>
             <a:r>
               <a:rPr lang="mr-IN" sz="1200" b="1" kern="1200" dirty="0" smtClean="0">
@@ -35984,7 +36569,182 @@
                 <a:ea typeface="+mn-ea"/>
                 <a:cs typeface="+mn-cs"/>
               </a:rPr>
-              <a:t> 33333"</a:t>
+              <a:t>"</a:t>
+            </a:r>
+            <a:r>
+              <a:rPr lang="mr-IN" dirty="0" smtClean="0"/>
+              <a:t>:</a:t>
+            </a:r>
+            <a:r>
+              <a:rPr lang="mr-IN" sz="1200" b="1" kern="1200" dirty="0" smtClean="0">
+                <a:solidFill>
+                  <a:schemeClr val="tx1"/>
+                </a:solidFill>
+                <a:effectLst/>
+                <a:latin typeface="+mn-lt"/>
+                <a:ea typeface="+mn-ea"/>
+                <a:cs typeface="+mn-cs"/>
+              </a:rPr>
+              <a:t>"</a:t>
+            </a:r>
+            <a:r>
+              <a:rPr lang="mr-IN" sz="1200" b="1" kern="1200" dirty="0" err="1" smtClean="0">
+                <a:solidFill>
+                  <a:schemeClr val="tx1"/>
+                </a:solidFill>
+                <a:effectLst/>
+                <a:latin typeface="+mn-lt"/>
+                <a:ea typeface="+mn-ea"/>
+                <a:cs typeface="+mn-cs"/>
+              </a:rPr>
+              <a:t>error</a:t>
+            </a:r>
+            <a:r>
+              <a:rPr lang="mr-IN" sz="1200" b="1" kern="1200" dirty="0" smtClean="0">
+                <a:solidFill>
+                  <a:schemeClr val="tx1"/>
+                </a:solidFill>
+                <a:effectLst/>
+                <a:latin typeface="+mn-lt"/>
+                <a:ea typeface="+mn-ea"/>
+                <a:cs typeface="+mn-cs"/>
+              </a:rPr>
+              <a:t>"</a:t>
+            </a:r>
+            <a:r>
+              <a:rPr lang="mr-IN" dirty="0" smtClean="0"/>
+              <a:t>,</a:t>
+            </a:r>
+            <a:br>
+              <a:rPr lang="mr-IN" dirty="0" smtClean="0"/>
+            </a:br>
+            <a:r>
+              <a:rPr lang="mr-IN" dirty="0" smtClean="0"/>
+              <a:t>        </a:t>
+            </a:r>
+            <a:r>
+              <a:rPr lang="mr-IN" sz="1200" b="1" kern="1200" dirty="0" smtClean="0">
+                <a:solidFill>
+                  <a:schemeClr val="tx1"/>
+                </a:solidFill>
+                <a:effectLst/>
+                <a:latin typeface="+mn-lt"/>
+                <a:ea typeface="+mn-ea"/>
+                <a:cs typeface="+mn-cs"/>
+              </a:rPr>
+              <a:t>"</a:t>
+            </a:r>
+            <a:r>
+              <a:rPr lang="mr-IN" sz="1200" b="1" kern="1200" dirty="0" err="1" smtClean="0">
+                <a:solidFill>
+                  <a:schemeClr val="tx1"/>
+                </a:solidFill>
+                <a:effectLst/>
+                <a:latin typeface="+mn-lt"/>
+                <a:ea typeface="+mn-ea"/>
+                <a:cs typeface="+mn-cs"/>
+              </a:rPr>
+              <a:t>Error</a:t>
+            </a:r>
+            <a:r>
+              <a:rPr lang="mr-IN" sz="1200" b="1" kern="1200" dirty="0" smtClean="0">
+                <a:solidFill>
+                  <a:schemeClr val="tx1"/>
+                </a:solidFill>
+                <a:effectLst/>
+                <a:latin typeface="+mn-lt"/>
+                <a:ea typeface="+mn-ea"/>
+                <a:cs typeface="+mn-cs"/>
+              </a:rPr>
+              <a:t>"</a:t>
+            </a:r>
+            <a:r>
+              <a:rPr lang="mr-IN" dirty="0" smtClean="0"/>
+              <a:t>:</a:t>
+            </a:r>
+            <a:r>
+              <a:rPr lang="mr-IN" sz="1200" b="1" kern="1200" dirty="0" smtClean="0">
+                <a:solidFill>
+                  <a:schemeClr val="tx1"/>
+                </a:solidFill>
+                <a:effectLst/>
+                <a:latin typeface="+mn-lt"/>
+                <a:ea typeface="+mn-ea"/>
+                <a:cs typeface="+mn-cs"/>
+              </a:rPr>
+              <a:t>"</a:t>
+            </a:r>
+            <a:r>
+              <a:rPr lang="mr-IN" sz="1200" b="1" kern="1200" dirty="0" err="1" smtClean="0">
+                <a:solidFill>
+                  <a:schemeClr val="tx1"/>
+                </a:solidFill>
+                <a:effectLst/>
+                <a:latin typeface="+mn-lt"/>
+                <a:ea typeface="+mn-ea"/>
+                <a:cs typeface="+mn-cs"/>
+              </a:rPr>
+              <a:t>data</a:t>
+            </a:r>
+            <a:r>
+              <a:rPr lang="mr-IN" sz="1200" b="1" kern="1200" dirty="0" smtClean="0">
+                <a:solidFill>
+                  <a:schemeClr val="tx1"/>
+                </a:solidFill>
+                <a:effectLst/>
+                <a:latin typeface="+mn-lt"/>
+                <a:ea typeface="+mn-ea"/>
+                <a:cs typeface="+mn-cs"/>
+              </a:rPr>
+              <a:t> </a:t>
+            </a:r>
+            <a:r>
+              <a:rPr lang="mr-IN" sz="1200" b="1" kern="1200" dirty="0" err="1" smtClean="0">
+                <a:solidFill>
+                  <a:schemeClr val="tx1"/>
+                </a:solidFill>
+                <a:effectLst/>
+                <a:latin typeface="+mn-lt"/>
+                <a:ea typeface="+mn-ea"/>
+                <a:cs typeface="+mn-cs"/>
+              </a:rPr>
+              <a:t>was</a:t>
+            </a:r>
+            <a:r>
+              <a:rPr lang="mr-IN" sz="1200" b="1" kern="1200" dirty="0" smtClean="0">
+                <a:solidFill>
+                  <a:schemeClr val="tx1"/>
+                </a:solidFill>
+                <a:effectLst/>
+                <a:latin typeface="+mn-lt"/>
+                <a:ea typeface="+mn-ea"/>
+                <a:cs typeface="+mn-cs"/>
+              </a:rPr>
+              <a:t> </a:t>
+            </a:r>
+            <a:r>
+              <a:rPr lang="mr-IN" sz="1200" b="1" kern="1200" dirty="0" err="1" smtClean="0">
+                <a:solidFill>
+                  <a:schemeClr val="tx1"/>
+                </a:solidFill>
+                <a:effectLst/>
+                <a:latin typeface="+mn-lt"/>
+                <a:ea typeface="+mn-ea"/>
+                <a:cs typeface="+mn-cs"/>
+              </a:rPr>
+              <a:t>empty</a:t>
+            </a:r>
+            <a:r>
+              <a:rPr lang="mr-IN" sz="1200" b="1" kern="1200" dirty="0" smtClean="0">
+                <a:solidFill>
+                  <a:schemeClr val="tx1"/>
+                </a:solidFill>
+                <a:effectLst/>
+                <a:latin typeface="+mn-lt"/>
+                <a:ea typeface="+mn-ea"/>
+                <a:cs typeface="+mn-cs"/>
+              </a:rPr>
+              <a:t>"</a:t>
             </a:r>
             <a:br>
               <a:rPr lang="mr-IN" sz="1200" b="1" kern="1200" dirty="0" smtClean="0">
@@ -36007,18 +36767,25 @@
                 <a:ea typeface="+mn-ea"/>
                 <a:cs typeface="+mn-cs"/>
               </a:rPr>
-              <a:t>        </a:t>
+              <a:t>      </a:t>
             </a:r>
             <a:r>
               <a:rPr lang="mr-IN" dirty="0" smtClean="0"/>
-              <a:t>}  </a:t>
+              <a:t>}</a:t>
             </a:r>
             <a:br>
               <a:rPr lang="mr-IN" dirty="0" smtClean="0"/>
             </a:br>
             <a:r>
               <a:rPr lang="mr-IN" dirty="0" smtClean="0"/>
-              <a:t>   }</a:t>
+              <a:t>    }]</a:t>
+            </a:r>
+            <a:br>
+              <a:rPr lang="mr-IN" dirty="0" smtClean="0"/>
+            </a:br>
+            <a:r>
+              <a:rPr lang="mr-IN" dirty="0" smtClean="0"/>
+              <a:t>  }</a:t>
             </a:r>
             <a:br>
               <a:rPr lang="mr-IN" dirty="0" smtClean="0"/>
@@ -36049,861 +36816,6 @@
             <a:fld id="{F0593C4D-DAC8-294B-98EA-94939A182283}" type="slidenum">
               <a:rPr lang="en-US" smtClean="0"/>
               <a:t>19</a:t>
-            </a:fld>
-            <a:endParaRPr lang="en-US"/>
-          </a:p>
-        </p:txBody>
-      </p:sp>
-    </p:spTree>
-    <p:extLst>
-      <p:ext uri="{BB962C8B-B14F-4D97-AF65-F5344CB8AC3E}">
-        <p14:creationId xmlns:p14="http://schemas.microsoft.com/office/powerpoint/2010/main" val="2098778406"/>
-      </p:ext>
-    </p:extLst>
-  </p:cSld>
-  <p:clrMapOvr>
-    <a:masterClrMapping/>
-  </p:clrMapOvr>
-</p:notes>
-</file>
-
-<file path=ppt/notesSlides/notesSlide19.xml><?xml version="1.0" encoding="utf-8"?>
-<p:notes xmlns:a="http://schemas.openxmlformats.org/drawingml/2006/main" xmlns:r="http://schemas.openxmlformats.org/officeDocument/2006/relationships" xmlns:p="http://schemas.openxmlformats.org/presentationml/2006/main">
-  <p:cSld>
-    <p:spTree>
-      <p:nvGrpSpPr>
-        <p:cNvPr id="1" name=""/>
-        <p:cNvGrpSpPr/>
-        <p:nvPr/>
-      </p:nvGrpSpPr>
-      <p:grpSpPr>
-        <a:xfrm>
-          <a:off x="0" y="0"/>
-          <a:ext cx="0" cy="0"/>
-          <a:chOff x="0" y="0"/>
-          <a:chExt cx="0" cy="0"/>
-        </a:xfrm>
-      </p:grpSpPr>
-      <p:sp>
-        <p:nvSpPr>
-          <p:cNvPr id="2" name="Slide Image Placeholder 1"/>
-          <p:cNvSpPr>
-            <a:spLocks noGrp="1" noRot="1" noChangeAspect="1"/>
-          </p:cNvSpPr>
-          <p:nvPr>
-            <p:ph type="sldImg"/>
-          </p:nvPr>
-        </p:nvSpPr>
-        <p:spPr/>
-      </p:sp>
-      <p:sp>
-        <p:nvSpPr>
-          <p:cNvPr id="3" name="Notes Placeholder 2"/>
-          <p:cNvSpPr>
-            <a:spLocks noGrp="1"/>
-          </p:cNvSpPr>
-          <p:nvPr>
-            <p:ph type="body" idx="1"/>
-          </p:nvPr>
-        </p:nvSpPr>
-        <p:spPr/>
-        <p:txBody>
-          <a:bodyPr/>
-          <a:lstStyle/>
-          <a:p>
-            <a:r>
-              <a:rPr lang="mr-IN" dirty="0" smtClean="0"/>
-              <a:t>{</a:t>
-            </a:r>
-            <a:br>
-              <a:rPr lang="mr-IN" dirty="0" smtClean="0"/>
-            </a:br>
-            <a:r>
-              <a:rPr lang="mr-IN" dirty="0" smtClean="0"/>
-              <a:t>  </a:t>
-            </a:r>
-            <a:r>
-              <a:rPr lang="mr-IN" sz="1200" b="1" kern="1200" dirty="0" smtClean="0">
-                <a:solidFill>
-                  <a:schemeClr val="tx1"/>
-                </a:solidFill>
-                <a:effectLst/>
-                <a:latin typeface="+mn-lt"/>
-                <a:ea typeface="+mn-ea"/>
-                <a:cs typeface="+mn-cs"/>
-              </a:rPr>
-              <a:t>"</a:t>
-            </a:r>
-            <a:r>
-              <a:rPr lang="mr-IN" sz="1200" b="1" kern="1200" dirty="0" err="1" smtClean="0">
-                <a:solidFill>
-                  <a:schemeClr val="tx1"/>
-                </a:solidFill>
-                <a:effectLst/>
-                <a:latin typeface="+mn-lt"/>
-                <a:ea typeface="+mn-ea"/>
-                <a:cs typeface="+mn-cs"/>
-              </a:rPr>
-              <a:t>Requests</a:t>
-            </a:r>
-            <a:r>
-              <a:rPr lang="mr-IN" sz="1200" b="1" kern="1200" dirty="0" smtClean="0">
-                <a:solidFill>
-                  <a:schemeClr val="tx1"/>
-                </a:solidFill>
-                <a:effectLst/>
-                <a:latin typeface="+mn-lt"/>
-                <a:ea typeface="+mn-ea"/>
-                <a:cs typeface="+mn-cs"/>
-              </a:rPr>
-              <a:t>"</a:t>
-            </a:r>
-            <a:r>
-              <a:rPr lang="mr-IN" dirty="0" smtClean="0"/>
-              <a:t>: [</a:t>
-            </a:r>
-            <a:br>
-              <a:rPr lang="mr-IN" dirty="0" smtClean="0"/>
-            </a:br>
-            <a:r>
-              <a:rPr lang="mr-IN" dirty="0" smtClean="0"/>
-              <a:t>    {</a:t>
-            </a:r>
-            <a:br>
-              <a:rPr lang="mr-IN" dirty="0" smtClean="0"/>
-            </a:br>
-            <a:r>
-              <a:rPr lang="mr-IN" dirty="0" smtClean="0"/>
-              <a:t>      </a:t>
-            </a:r>
-            <a:r>
-              <a:rPr lang="mr-IN" sz="1200" b="1" kern="1200" dirty="0" smtClean="0">
-                <a:solidFill>
-                  <a:schemeClr val="tx1"/>
-                </a:solidFill>
-                <a:effectLst/>
-                <a:latin typeface="+mn-lt"/>
-                <a:ea typeface="+mn-ea"/>
-                <a:cs typeface="+mn-cs"/>
-              </a:rPr>
-              <a:t>"</a:t>
-            </a:r>
-            <a:r>
-              <a:rPr lang="mr-IN" sz="1200" b="1" kern="1200" dirty="0" err="1" smtClean="0">
-                <a:solidFill>
-                  <a:schemeClr val="tx1"/>
-                </a:solidFill>
-                <a:effectLst/>
-                <a:latin typeface="+mn-lt"/>
-                <a:ea typeface="+mn-ea"/>
-                <a:cs typeface="+mn-cs"/>
-              </a:rPr>
-              <a:t>Method</a:t>
-            </a:r>
-            <a:r>
-              <a:rPr lang="mr-IN" sz="1200" b="1" kern="1200" dirty="0" smtClean="0">
-                <a:solidFill>
-                  <a:schemeClr val="tx1"/>
-                </a:solidFill>
-                <a:effectLst/>
-                <a:latin typeface="+mn-lt"/>
-                <a:ea typeface="+mn-ea"/>
-                <a:cs typeface="+mn-cs"/>
-              </a:rPr>
-              <a:t>"</a:t>
-            </a:r>
-            <a:r>
-              <a:rPr lang="mr-IN" dirty="0" smtClean="0"/>
-              <a:t>: </a:t>
-            </a:r>
-            <a:r>
-              <a:rPr lang="mr-IN" sz="1200" b="1" kern="1200" dirty="0" smtClean="0">
-                <a:solidFill>
-                  <a:schemeClr val="tx1"/>
-                </a:solidFill>
-                <a:effectLst/>
-                <a:latin typeface="+mn-lt"/>
-                <a:ea typeface="+mn-ea"/>
-                <a:cs typeface="+mn-cs"/>
-              </a:rPr>
-              <a:t>"POST"</a:t>
-            </a:r>
-            <a:r>
-              <a:rPr lang="mr-IN" dirty="0" smtClean="0"/>
-              <a:t>,</a:t>
-            </a:r>
-            <a:br>
-              <a:rPr lang="mr-IN" dirty="0" smtClean="0"/>
-            </a:br>
-            <a:r>
-              <a:rPr lang="mr-IN" dirty="0" smtClean="0"/>
-              <a:t>      </a:t>
-            </a:r>
-            <a:r>
-              <a:rPr lang="mr-IN" sz="1200" b="1" kern="1200" dirty="0" smtClean="0">
-                <a:solidFill>
-                  <a:schemeClr val="tx1"/>
-                </a:solidFill>
-                <a:effectLst/>
-                <a:latin typeface="+mn-lt"/>
-                <a:ea typeface="+mn-ea"/>
-                <a:cs typeface="+mn-cs"/>
-              </a:rPr>
-              <a:t>"URL"</a:t>
-            </a:r>
-            <a:r>
-              <a:rPr lang="mr-IN" dirty="0" smtClean="0"/>
-              <a:t>: </a:t>
-            </a:r>
-            <a:r>
-              <a:rPr lang="mr-IN" sz="1200" b="1" kern="1200" dirty="0" smtClean="0">
-                <a:solidFill>
-                  <a:schemeClr val="tx1"/>
-                </a:solidFill>
-                <a:effectLst/>
-                <a:latin typeface="+mn-lt"/>
-                <a:ea typeface="+mn-ea"/>
-                <a:cs typeface="+mn-cs"/>
-              </a:rPr>
-              <a:t>"</a:t>
-            </a:r>
-            <a:r>
-              <a:rPr lang="mr-IN" sz="1200" b="1" kern="1200" dirty="0" err="1" smtClean="0">
-                <a:solidFill>
-                  <a:schemeClr val="tx1"/>
-                </a:solidFill>
-                <a:effectLst/>
-                <a:latin typeface="+mn-lt"/>
-                <a:ea typeface="+mn-ea"/>
-                <a:cs typeface="+mn-cs"/>
-              </a:rPr>
-              <a:t>http</a:t>
-            </a:r>
-            <a:r>
-              <a:rPr lang="mr-IN" sz="1200" b="1" kern="1200" dirty="0" smtClean="0">
-                <a:solidFill>
-                  <a:schemeClr val="tx1"/>
-                </a:solidFill>
-                <a:effectLst/>
-                <a:latin typeface="+mn-lt"/>
-                <a:ea typeface="+mn-ea"/>
-                <a:cs typeface="+mn-cs"/>
-              </a:rPr>
-              <a:t>://127.0.0.1:8080/v1/</a:t>
-            </a:r>
-            <a:r>
-              <a:rPr lang="mr-IN" sz="1200" b="1" kern="1200" dirty="0" err="1" smtClean="0">
-                <a:solidFill>
-                  <a:schemeClr val="tx1"/>
-                </a:solidFill>
-                <a:effectLst/>
-                <a:latin typeface="+mn-lt"/>
-                <a:ea typeface="+mn-ea"/>
-                <a:cs typeface="+mn-cs"/>
-              </a:rPr>
-              <a:t>api</a:t>
-            </a:r>
-            <a:r>
-              <a:rPr lang="mr-IN" sz="1200" b="1" kern="1200" dirty="0" smtClean="0">
-                <a:solidFill>
-                  <a:schemeClr val="tx1"/>
-                </a:solidFill>
-                <a:effectLst/>
-                <a:latin typeface="+mn-lt"/>
-                <a:ea typeface="+mn-ea"/>
-                <a:cs typeface="+mn-cs"/>
-              </a:rPr>
-              <a:t>/</a:t>
-            </a:r>
-            <a:r>
-              <a:rPr lang="mr-IN" sz="1200" b="1" kern="1200" dirty="0" err="1" smtClean="0">
-                <a:solidFill>
-                  <a:schemeClr val="tx1"/>
-                </a:solidFill>
-                <a:effectLst/>
-                <a:latin typeface="+mn-lt"/>
-                <a:ea typeface="+mn-ea"/>
-                <a:cs typeface="+mn-cs"/>
-              </a:rPr>
-              <a:t>dummy</a:t>
-            </a:r>
-            <a:r>
-              <a:rPr lang="mr-IN" sz="1200" b="1" kern="1200" dirty="0" smtClean="0">
-                <a:solidFill>
-                  <a:schemeClr val="tx1"/>
-                </a:solidFill>
-                <a:effectLst/>
-                <a:latin typeface="+mn-lt"/>
-                <a:ea typeface="+mn-ea"/>
-                <a:cs typeface="+mn-cs"/>
-              </a:rPr>
-              <a:t>"</a:t>
-            </a:r>
-            <a:r>
-              <a:rPr lang="mr-IN" dirty="0" smtClean="0"/>
-              <a:t>,</a:t>
-            </a:r>
-            <a:br>
-              <a:rPr lang="mr-IN" dirty="0" smtClean="0"/>
-            </a:br>
-            <a:r>
-              <a:rPr lang="mr-IN" dirty="0" smtClean="0"/>
-              <a:t>      </a:t>
-            </a:r>
-            <a:r>
-              <a:rPr lang="mr-IN" sz="1200" b="1" kern="1200" dirty="0" smtClean="0">
-                <a:solidFill>
-                  <a:schemeClr val="tx1"/>
-                </a:solidFill>
-                <a:effectLst/>
-                <a:latin typeface="+mn-lt"/>
-                <a:ea typeface="+mn-ea"/>
-                <a:cs typeface="+mn-cs"/>
-              </a:rPr>
-              <a:t>"</a:t>
-            </a:r>
-            <a:r>
-              <a:rPr lang="mr-IN" sz="1200" b="1" kern="1200" dirty="0" err="1" smtClean="0">
-                <a:solidFill>
-                  <a:schemeClr val="tx1"/>
-                </a:solidFill>
-                <a:effectLst/>
-                <a:latin typeface="+mn-lt"/>
-                <a:ea typeface="+mn-ea"/>
-                <a:cs typeface="+mn-cs"/>
-              </a:rPr>
-              <a:t>Body</a:t>
-            </a:r>
-            <a:r>
-              <a:rPr lang="mr-IN" sz="1200" b="1" kern="1200" dirty="0" smtClean="0">
-                <a:solidFill>
-                  <a:schemeClr val="tx1"/>
-                </a:solidFill>
-                <a:effectLst/>
-                <a:latin typeface="+mn-lt"/>
-                <a:ea typeface="+mn-ea"/>
-                <a:cs typeface="+mn-cs"/>
-              </a:rPr>
-              <a:t>"</a:t>
-            </a:r>
-            <a:r>
-              <a:rPr lang="mr-IN" dirty="0" smtClean="0"/>
-              <a:t>:</a:t>
-            </a:r>
-            <a:r>
-              <a:rPr lang="mr-IN" sz="1200" b="1" kern="1200" dirty="0" smtClean="0">
-                <a:solidFill>
-                  <a:schemeClr val="tx1"/>
-                </a:solidFill>
-                <a:effectLst/>
-                <a:latin typeface="+mn-lt"/>
-                <a:ea typeface="+mn-ea"/>
-                <a:cs typeface="+mn-cs"/>
-              </a:rPr>
-              <a:t>"{}"</a:t>
-            </a:r>
-            <a:br>
-              <a:rPr lang="mr-IN" sz="1200" b="1" kern="1200" dirty="0" smtClean="0">
-                <a:solidFill>
-                  <a:schemeClr val="tx1"/>
-                </a:solidFill>
-                <a:effectLst/>
-                <a:latin typeface="+mn-lt"/>
-                <a:ea typeface="+mn-ea"/>
-                <a:cs typeface="+mn-cs"/>
-              </a:rPr>
-            </a:br>
-            <a:r>
-              <a:rPr lang="mr-IN" sz="1200" b="1" kern="1200" dirty="0" smtClean="0">
-                <a:solidFill>
-                  <a:schemeClr val="tx1"/>
-                </a:solidFill>
-                <a:effectLst/>
-                <a:latin typeface="+mn-lt"/>
-                <a:ea typeface="+mn-ea"/>
-                <a:cs typeface="+mn-cs"/>
-              </a:rPr>
-              <a:t>    </a:t>
-            </a:r>
-            <a:r>
-              <a:rPr lang="mr-IN" dirty="0" smtClean="0"/>
-              <a:t>}</a:t>
-            </a:r>
-            <a:br>
-              <a:rPr lang="mr-IN" dirty="0" smtClean="0"/>
-            </a:br>
-            <a:r>
-              <a:rPr lang="mr-IN" dirty="0" smtClean="0"/>
-              <a:t>  ],</a:t>
-            </a:r>
-            <a:br>
-              <a:rPr lang="mr-IN" dirty="0" smtClean="0"/>
-            </a:br>
-            <a:r>
-              <a:rPr lang="mr-IN" dirty="0" smtClean="0"/>
-              <a:t>  </a:t>
-            </a:r>
-            <a:r>
-              <a:rPr lang="mr-IN" sz="1200" b="1" kern="1200" dirty="0" smtClean="0">
-                <a:solidFill>
-                  <a:schemeClr val="tx1"/>
-                </a:solidFill>
-                <a:effectLst/>
-                <a:latin typeface="+mn-lt"/>
-                <a:ea typeface="+mn-ea"/>
-                <a:cs typeface="+mn-cs"/>
-              </a:rPr>
-              <a:t>"</a:t>
-            </a:r>
-            <a:r>
-              <a:rPr lang="mr-IN" sz="1200" b="1" kern="1200" dirty="0" err="1" smtClean="0">
-                <a:solidFill>
-                  <a:schemeClr val="tx1"/>
-                </a:solidFill>
-                <a:effectLst/>
-                <a:latin typeface="+mn-lt"/>
-                <a:ea typeface="+mn-ea"/>
-                <a:cs typeface="+mn-cs"/>
-              </a:rPr>
-              <a:t>Expect</a:t>
-            </a:r>
-            <a:r>
-              <a:rPr lang="mr-IN" sz="1200" b="1" kern="1200" dirty="0" smtClean="0">
-                <a:solidFill>
-                  <a:schemeClr val="tx1"/>
-                </a:solidFill>
-                <a:effectLst/>
-                <a:latin typeface="+mn-lt"/>
-                <a:ea typeface="+mn-ea"/>
-                <a:cs typeface="+mn-cs"/>
-              </a:rPr>
-              <a:t>"</a:t>
-            </a:r>
-            <a:r>
-              <a:rPr lang="mr-IN" dirty="0" smtClean="0"/>
-              <a:t>: {</a:t>
-            </a:r>
-            <a:br>
-              <a:rPr lang="mr-IN" dirty="0" smtClean="0"/>
-            </a:br>
-            <a:r>
-              <a:rPr lang="mr-IN" dirty="0" smtClean="0"/>
-              <a:t>    </a:t>
-            </a:r>
-            <a:r>
-              <a:rPr lang="mr-IN" sz="1200" b="1" kern="1200" dirty="0" smtClean="0">
-                <a:solidFill>
-                  <a:schemeClr val="tx1"/>
-                </a:solidFill>
-                <a:effectLst/>
-                <a:latin typeface="+mn-lt"/>
-                <a:ea typeface="+mn-ea"/>
-                <a:cs typeface="+mn-cs"/>
-              </a:rPr>
-              <a:t>"</a:t>
-            </a:r>
-            <a:r>
-              <a:rPr lang="mr-IN" sz="1200" b="1" kern="1200" dirty="0" err="1" smtClean="0">
-                <a:solidFill>
-                  <a:schemeClr val="tx1"/>
-                </a:solidFill>
-                <a:effectLst/>
-                <a:latin typeface="+mn-lt"/>
-                <a:ea typeface="+mn-ea"/>
-                <a:cs typeface="+mn-cs"/>
-              </a:rPr>
-              <a:t>Responses</a:t>
-            </a:r>
-            <a:r>
-              <a:rPr lang="mr-IN" sz="1200" b="1" kern="1200" dirty="0" smtClean="0">
-                <a:solidFill>
-                  <a:schemeClr val="tx1"/>
-                </a:solidFill>
-                <a:effectLst/>
-                <a:latin typeface="+mn-lt"/>
-                <a:ea typeface="+mn-ea"/>
-                <a:cs typeface="+mn-cs"/>
-              </a:rPr>
-              <a:t>"</a:t>
-            </a:r>
-            <a:r>
-              <a:rPr lang="mr-IN" dirty="0" smtClean="0"/>
-              <a:t>:[{</a:t>
-            </a:r>
-            <a:br>
-              <a:rPr lang="mr-IN" dirty="0" smtClean="0"/>
-            </a:br>
-            <a:r>
-              <a:rPr lang="mr-IN" dirty="0" smtClean="0"/>
-              <a:t>      </a:t>
-            </a:r>
-            <a:r>
-              <a:rPr lang="mr-IN" sz="1200" b="1" kern="1200" dirty="0" smtClean="0">
-                <a:solidFill>
-                  <a:schemeClr val="tx1"/>
-                </a:solidFill>
-                <a:effectLst/>
-                <a:latin typeface="+mn-lt"/>
-                <a:ea typeface="+mn-ea"/>
-                <a:cs typeface="+mn-cs"/>
-              </a:rPr>
-              <a:t>"Code"</a:t>
-            </a:r>
-            <a:r>
-              <a:rPr lang="mr-IN" dirty="0" smtClean="0"/>
-              <a:t>:</a:t>
-            </a:r>
-            <a:r>
-              <a:rPr lang="mr-IN" sz="1200" kern="1200" dirty="0" smtClean="0">
-                <a:solidFill>
-                  <a:schemeClr val="tx1"/>
-                </a:solidFill>
-                <a:effectLst/>
-                <a:latin typeface="+mn-lt"/>
-                <a:ea typeface="+mn-ea"/>
-                <a:cs typeface="+mn-cs"/>
-              </a:rPr>
-              <a:t>200</a:t>
-            </a:r>
-            <a:r>
-              <a:rPr lang="mr-IN" dirty="0" smtClean="0"/>
-              <a:t>,</a:t>
-            </a:r>
-            <a:br>
-              <a:rPr lang="mr-IN" dirty="0" smtClean="0"/>
-            </a:br>
-            <a:r>
-              <a:rPr lang="mr-IN" dirty="0" smtClean="0"/>
-              <a:t>      </a:t>
-            </a:r>
-            <a:r>
-              <a:rPr lang="mr-IN" sz="1200" b="1" kern="1200" dirty="0" smtClean="0">
-                <a:solidFill>
-                  <a:schemeClr val="tx1"/>
-                </a:solidFill>
-                <a:effectLst/>
-                <a:latin typeface="+mn-lt"/>
-                <a:ea typeface="+mn-ea"/>
-                <a:cs typeface="+mn-cs"/>
-              </a:rPr>
-              <a:t>"</a:t>
-            </a:r>
-            <a:r>
-              <a:rPr lang="mr-IN" sz="1200" b="1" kern="1200" dirty="0" err="1" smtClean="0">
-                <a:solidFill>
-                  <a:schemeClr val="tx1"/>
-                </a:solidFill>
-                <a:effectLst/>
-                <a:latin typeface="+mn-lt"/>
-                <a:ea typeface="+mn-ea"/>
-                <a:cs typeface="+mn-cs"/>
-              </a:rPr>
-              <a:t>JSONBody</a:t>
-            </a:r>
-            <a:r>
-              <a:rPr lang="mr-IN" sz="1200" b="1" kern="1200" dirty="0" smtClean="0">
-                <a:solidFill>
-                  <a:schemeClr val="tx1"/>
-                </a:solidFill>
-                <a:effectLst/>
-                <a:latin typeface="+mn-lt"/>
-                <a:ea typeface="+mn-ea"/>
-                <a:cs typeface="+mn-cs"/>
-              </a:rPr>
-              <a:t>"</a:t>
-            </a:r>
-            <a:r>
-              <a:rPr lang="mr-IN" dirty="0" smtClean="0"/>
-              <a:t>: {</a:t>
-            </a:r>
-            <a:br>
-              <a:rPr lang="mr-IN" dirty="0" smtClean="0"/>
-            </a:br>
-            <a:r>
-              <a:rPr lang="mr-IN" dirty="0" smtClean="0"/>
-              <a:t>        </a:t>
-            </a:r>
-            <a:r>
-              <a:rPr lang="mr-IN" sz="1200" b="1" kern="1200" dirty="0" smtClean="0">
-                <a:solidFill>
-                  <a:schemeClr val="tx1"/>
-                </a:solidFill>
-                <a:effectLst/>
-                <a:latin typeface="+mn-lt"/>
-                <a:ea typeface="+mn-ea"/>
-                <a:cs typeface="+mn-cs"/>
-              </a:rPr>
-              <a:t>"</a:t>
-            </a:r>
-            <a:r>
-              <a:rPr lang="mr-IN" sz="1200" b="1" kern="1200" dirty="0" err="1" smtClean="0">
-                <a:solidFill>
-                  <a:schemeClr val="tx1"/>
-                </a:solidFill>
-                <a:effectLst/>
-                <a:latin typeface="+mn-lt"/>
-                <a:ea typeface="+mn-ea"/>
-                <a:cs typeface="+mn-cs"/>
-              </a:rPr>
-              <a:t>Status</a:t>
-            </a:r>
-            <a:r>
-              <a:rPr lang="mr-IN" sz="1200" b="1" kern="1200" dirty="0" smtClean="0">
-                <a:solidFill>
-                  <a:schemeClr val="tx1"/>
-                </a:solidFill>
-                <a:effectLst/>
-                <a:latin typeface="+mn-lt"/>
-                <a:ea typeface="+mn-ea"/>
-                <a:cs typeface="+mn-cs"/>
-              </a:rPr>
-              <a:t>"</a:t>
-            </a:r>
-            <a:r>
-              <a:rPr lang="mr-IN" dirty="0" smtClean="0"/>
-              <a:t>:</a:t>
-            </a:r>
-            <a:r>
-              <a:rPr lang="mr-IN" sz="1200" b="1" kern="1200" dirty="0" smtClean="0">
-                <a:solidFill>
-                  <a:schemeClr val="tx1"/>
-                </a:solidFill>
-                <a:effectLst/>
-                <a:latin typeface="+mn-lt"/>
-                <a:ea typeface="+mn-ea"/>
-                <a:cs typeface="+mn-cs"/>
-              </a:rPr>
-              <a:t>"</a:t>
-            </a:r>
-            <a:r>
-              <a:rPr lang="mr-IN" sz="1200" b="1" kern="1200" dirty="0" err="1" smtClean="0">
-                <a:solidFill>
-                  <a:schemeClr val="tx1"/>
-                </a:solidFill>
-                <a:effectLst/>
-                <a:latin typeface="+mn-lt"/>
-                <a:ea typeface="+mn-ea"/>
-                <a:cs typeface="+mn-cs"/>
-              </a:rPr>
-              <a:t>error</a:t>
-            </a:r>
-            <a:r>
-              <a:rPr lang="mr-IN" sz="1200" b="1" kern="1200" dirty="0" smtClean="0">
-                <a:solidFill>
-                  <a:schemeClr val="tx1"/>
-                </a:solidFill>
-                <a:effectLst/>
-                <a:latin typeface="+mn-lt"/>
-                <a:ea typeface="+mn-ea"/>
-                <a:cs typeface="+mn-cs"/>
-              </a:rPr>
-              <a:t>"</a:t>
-            </a:r>
-            <a:r>
-              <a:rPr lang="mr-IN" dirty="0" smtClean="0"/>
-              <a:t>,</a:t>
-            </a:r>
-            <a:br>
-              <a:rPr lang="mr-IN" dirty="0" smtClean="0"/>
-            </a:br>
-            <a:r>
-              <a:rPr lang="mr-IN" dirty="0" smtClean="0"/>
-              <a:t>        </a:t>
-            </a:r>
-            <a:r>
-              <a:rPr lang="mr-IN" sz="1200" b="1" kern="1200" dirty="0" smtClean="0">
-                <a:solidFill>
-                  <a:schemeClr val="tx1"/>
-                </a:solidFill>
-                <a:effectLst/>
-                <a:latin typeface="+mn-lt"/>
-                <a:ea typeface="+mn-ea"/>
-                <a:cs typeface="+mn-cs"/>
-              </a:rPr>
-              <a:t>"</a:t>
-            </a:r>
-            <a:r>
-              <a:rPr lang="mr-IN" sz="1200" b="1" kern="1200" dirty="0" err="1" smtClean="0">
-                <a:solidFill>
-                  <a:schemeClr val="tx1"/>
-                </a:solidFill>
-                <a:effectLst/>
-                <a:latin typeface="+mn-lt"/>
-                <a:ea typeface="+mn-ea"/>
-                <a:cs typeface="+mn-cs"/>
-              </a:rPr>
-              <a:t>Error</a:t>
-            </a:r>
-            <a:r>
-              <a:rPr lang="mr-IN" sz="1200" b="1" kern="1200" dirty="0" smtClean="0">
-                <a:solidFill>
-                  <a:schemeClr val="tx1"/>
-                </a:solidFill>
-                <a:effectLst/>
-                <a:latin typeface="+mn-lt"/>
-                <a:ea typeface="+mn-ea"/>
-                <a:cs typeface="+mn-cs"/>
-              </a:rPr>
-              <a:t>"</a:t>
-            </a:r>
-            <a:r>
-              <a:rPr lang="mr-IN" dirty="0" smtClean="0"/>
-              <a:t>:</a:t>
-            </a:r>
-            <a:r>
-              <a:rPr lang="mr-IN" sz="1200" b="1" kern="1200" dirty="0" smtClean="0">
-                <a:solidFill>
-                  <a:schemeClr val="tx1"/>
-                </a:solidFill>
-                <a:effectLst/>
-                <a:latin typeface="+mn-lt"/>
-                <a:ea typeface="+mn-ea"/>
-                <a:cs typeface="+mn-cs"/>
-              </a:rPr>
-              <a:t>"</a:t>
-            </a:r>
-            <a:r>
-              <a:rPr lang="mr-IN" sz="1200" b="1" kern="1200" dirty="0" err="1" smtClean="0">
-                <a:solidFill>
-                  <a:schemeClr val="tx1"/>
-                </a:solidFill>
-                <a:effectLst/>
-                <a:latin typeface="+mn-lt"/>
-                <a:ea typeface="+mn-ea"/>
-                <a:cs typeface="+mn-cs"/>
-              </a:rPr>
-              <a:t>data</a:t>
-            </a:r>
-            <a:r>
-              <a:rPr lang="mr-IN" sz="1200" b="1" kern="1200" dirty="0" smtClean="0">
-                <a:solidFill>
-                  <a:schemeClr val="tx1"/>
-                </a:solidFill>
-                <a:effectLst/>
-                <a:latin typeface="+mn-lt"/>
-                <a:ea typeface="+mn-ea"/>
-                <a:cs typeface="+mn-cs"/>
-              </a:rPr>
-              <a:t> </a:t>
-            </a:r>
-            <a:r>
-              <a:rPr lang="mr-IN" sz="1200" b="1" kern="1200" dirty="0" err="1" smtClean="0">
-                <a:solidFill>
-                  <a:schemeClr val="tx1"/>
-                </a:solidFill>
-                <a:effectLst/>
-                <a:latin typeface="+mn-lt"/>
-                <a:ea typeface="+mn-ea"/>
-                <a:cs typeface="+mn-cs"/>
-              </a:rPr>
-              <a:t>was</a:t>
-            </a:r>
-            <a:r>
-              <a:rPr lang="mr-IN" sz="1200" b="1" kern="1200" dirty="0" smtClean="0">
-                <a:solidFill>
-                  <a:schemeClr val="tx1"/>
-                </a:solidFill>
-                <a:effectLst/>
-                <a:latin typeface="+mn-lt"/>
-                <a:ea typeface="+mn-ea"/>
-                <a:cs typeface="+mn-cs"/>
-              </a:rPr>
-              <a:t> </a:t>
-            </a:r>
-            <a:r>
-              <a:rPr lang="mr-IN" sz="1200" b="1" kern="1200" dirty="0" err="1" smtClean="0">
-                <a:solidFill>
-                  <a:schemeClr val="tx1"/>
-                </a:solidFill>
-                <a:effectLst/>
-                <a:latin typeface="+mn-lt"/>
-                <a:ea typeface="+mn-ea"/>
-                <a:cs typeface="+mn-cs"/>
-              </a:rPr>
-              <a:t>empty</a:t>
-            </a:r>
-            <a:r>
-              <a:rPr lang="mr-IN" sz="1200" b="1" kern="1200" dirty="0" smtClean="0">
-                <a:solidFill>
-                  <a:schemeClr val="tx1"/>
-                </a:solidFill>
-                <a:effectLst/>
-                <a:latin typeface="+mn-lt"/>
-                <a:ea typeface="+mn-ea"/>
-                <a:cs typeface="+mn-cs"/>
-              </a:rPr>
-              <a:t>"</a:t>
-            </a:r>
-            <a:br>
-              <a:rPr lang="mr-IN" sz="1200" b="1" kern="1200" dirty="0" smtClean="0">
-                <a:solidFill>
-                  <a:schemeClr val="tx1"/>
-                </a:solidFill>
-                <a:effectLst/>
-                <a:latin typeface="+mn-lt"/>
-                <a:ea typeface="+mn-ea"/>
-                <a:cs typeface="+mn-cs"/>
-              </a:rPr>
-            </a:br>
-            <a:r>
-              <a:rPr lang="mr-IN" sz="1200" b="1" kern="1200" dirty="0" smtClean="0">
-                <a:solidFill>
-                  <a:schemeClr val="tx1"/>
-                </a:solidFill>
-                <a:effectLst/>
-                <a:latin typeface="+mn-lt"/>
-                <a:ea typeface="+mn-ea"/>
-                <a:cs typeface="+mn-cs"/>
-              </a:rPr>
-              <a:t>      </a:t>
-            </a:r>
-            <a:r>
-              <a:rPr lang="mr-IN" dirty="0" smtClean="0"/>
-              <a:t>}</a:t>
-            </a:r>
-            <a:br>
-              <a:rPr lang="mr-IN" dirty="0" smtClean="0"/>
-            </a:br>
-            <a:r>
-              <a:rPr lang="mr-IN" dirty="0" smtClean="0"/>
-              <a:t>    }]</a:t>
-            </a:r>
-            <a:br>
-              <a:rPr lang="mr-IN" dirty="0" smtClean="0"/>
-            </a:br>
-            <a:r>
-              <a:rPr lang="mr-IN" dirty="0" smtClean="0"/>
-              <a:t>  }</a:t>
-            </a:r>
-            <a:br>
-              <a:rPr lang="mr-IN" dirty="0" smtClean="0"/>
-            </a:br>
-            <a:r>
-              <a:rPr lang="mr-IN" dirty="0" smtClean="0"/>
-              <a:t>}</a:t>
-            </a:r>
-            <a:endParaRPr lang="en-US" dirty="0"/>
-          </a:p>
-        </p:txBody>
-      </p:sp>
-      <p:sp>
-        <p:nvSpPr>
-          <p:cNvPr id="4" name="Slide Number Placeholder 3"/>
-          <p:cNvSpPr>
-            <a:spLocks noGrp="1"/>
-          </p:cNvSpPr>
-          <p:nvPr>
-            <p:ph type="sldNum" sz="quarter" idx="10"/>
-          </p:nvPr>
-        </p:nvSpPr>
-        <p:spPr/>
-        <p:txBody>
-          <a:bodyPr/>
-          <a:lstStyle/>
-          <a:p>
-            <a:fld id="{F0593C4D-DAC8-294B-98EA-94939A182283}" type="slidenum">
-              <a:rPr lang="en-US" smtClean="0"/>
-              <a:t>20</a:t>
             </a:fld>
             <a:endParaRPr lang="en-US"/>
           </a:p>
@@ -45779,46 +45691,25 @@
               <a:t>–</a:t>
             </a:r>
             <a:r>
-              <a:rPr lang="en-US" dirty="0" smtClean="0"/>
+              <a:rPr lang="en-US" dirty="0"/>
+              <a:t> selenium </a:t>
+            </a:r>
+            <a:r>
+              <a:rPr lang="en-US" dirty="0" err="1"/>
+              <a:t>cont</a:t>
+            </a:r>
+            <a:r>
+              <a:rPr lang="en-US" dirty="0"/>
               <a:t> </a:t>
             </a:r>
             <a:r>
-              <a:rPr lang="en-US" dirty="0" err="1" smtClean="0"/>
-              <a:t>seleniuM</a:t>
+              <a:rPr lang="mr-IN" dirty="0"/>
+              <a:t>…</a:t>
             </a:r>
             <a:endParaRPr lang="en-US" dirty="0"/>
           </a:p>
         </p:txBody>
       </p:sp>
-      <p:pic>
-        <p:nvPicPr>
-          <p:cNvPr id="6" name="Content Placeholder 5"/>
-          <p:cNvPicPr>
-            <a:picLocks noGrp="1" noChangeAspect="1"/>
-          </p:cNvPicPr>
-          <p:nvPr>
-            <p:ph sz="quarter" idx="13"/>
-          </p:nvPr>
-        </p:nvPicPr>
-        <p:blipFill>
-          <a:blip r:embed="rId3">
-            <a:extLst>
-              <a:ext uri="{28A0092B-C50C-407E-A947-70E740481C1C}">
-                <a14:useLocalDpi xmlns:a14="http://schemas.microsoft.com/office/drawing/2010/main" val="0"/>
-              </a:ext>
-            </a:extLst>
-          </a:blip>
-          <a:stretch>
-            <a:fillRect/>
-          </a:stretch>
-        </p:blipFill>
-        <p:spPr>
-          <a:xfrm>
-            <a:off x="2422390" y="1929436"/>
-            <a:ext cx="7488204" cy="2822001"/>
-          </a:xfrm>
-        </p:spPr>
-      </p:pic>
       <p:sp>
         <p:nvSpPr>
           <p:cNvPr id="5" name="TextBox 4"/>
@@ -45842,16 +45733,46 @@
           <a:lstStyle/>
           <a:p>
             <a:r>
-              <a:rPr lang="en-US"/>
+              <a:rPr lang="en-US" dirty="0"/>
               <a:t>https://github.com/viant/endly/tree/master/runner/selenium</a:t>
             </a:r>
           </a:p>
         </p:txBody>
       </p:sp>
+      <p:pic>
+        <p:nvPicPr>
+          <p:cNvPr id="7" name="Picture 6"/>
+          <p:cNvPicPr>
+            <a:picLocks noChangeAspect="1"/>
+          </p:cNvPicPr>
+          <p:nvPr/>
+        </p:nvPicPr>
+        <p:blipFill>
+          <a:blip r:embed="rId3">
+            <a:extLst>
+              <a:ext uri="{28A0092B-C50C-407E-A947-70E740481C1C}">
+                <a14:useLocalDpi xmlns:a14="http://schemas.microsoft.com/office/drawing/2010/main" val="0"/>
+              </a:ext>
+            </a:extLst>
+          </a:blip>
+          <a:stretch>
+            <a:fillRect/>
+          </a:stretch>
+        </p:blipFill>
+        <p:spPr>
+          <a:xfrm>
+            <a:off x="3043004" y="1441579"/>
+            <a:ext cx="5512458" cy="4091545"/>
+          </a:xfrm>
+          <a:prstGeom prst="rect">
+            <a:avLst/>
+          </a:prstGeom>
+        </p:spPr>
+      </p:pic>
     </p:spTree>
     <p:extLst>
       <p:ext uri="{BB962C8B-B14F-4D97-AF65-F5344CB8AC3E}">
-        <p14:creationId xmlns:p14="http://schemas.microsoft.com/office/powerpoint/2010/main" val="108404725"/>
+        <p14:creationId xmlns:p14="http://schemas.microsoft.com/office/powerpoint/2010/main" val="1108746837"/>
       </p:ext>
     </p:extLst>
   </p:cSld>
@@ -45897,7 +45818,7 @@
         </p:nvSpPr>
         <p:spPr>
           <a:xfrm>
-            <a:off x="898785" y="200326"/>
+            <a:off x="913775" y="213783"/>
             <a:ext cx="10364451" cy="1596177"/>
           </a:xfrm>
         </p:spPr>
@@ -45906,69 +45827,26 @@
           <a:lstStyle/>
           <a:p>
             <a:r>
+              <a:rPr lang="en-US" dirty="0"/>
+              <a:t>Adding use cases - </a:t>
+            </a:r>
+            <a:r>
               <a:rPr lang="en-US" dirty="0" smtClean="0"/>
-              <a:t>Adding use cases </a:t>
-            </a:r>
-            <a:r>
-              <a:rPr lang="mr-IN" dirty="0" smtClean="0"/>
-              <a:t>–</a:t>
-            </a:r>
-            <a:r>
-              <a:rPr lang="en-US" dirty="0"/>
-              <a:t> selenium </a:t>
-            </a:r>
-            <a:r>
-              <a:rPr lang="en-US" dirty="0" err="1"/>
-              <a:t>cont</a:t>
-            </a:r>
-            <a:r>
-              <a:rPr lang="en-US" dirty="0"/>
-              <a:t> </a:t>
-            </a:r>
-            <a:r>
-              <a:rPr lang="mr-IN" dirty="0"/>
-              <a:t>…</a:t>
+              <a:t>REST</a:t>
             </a:r>
             <a:endParaRPr lang="en-US" dirty="0"/>
-          </a:p>
-        </p:txBody>
-      </p:sp>
-      <p:sp>
-        <p:nvSpPr>
-          <p:cNvPr id="5" name="TextBox 4"/>
-          <p:cNvSpPr txBox="1"/>
-          <p:nvPr/>
-        </p:nvSpPr>
-        <p:spPr>
-          <a:xfrm>
-            <a:off x="1573967" y="5943597"/>
-            <a:ext cx="5840060" cy="369332"/>
-          </a:xfrm>
-          <a:prstGeom prst="rect">
-            <a:avLst/>
-          </a:prstGeom>
-          <a:noFill/>
-        </p:spPr>
-        <p:txBody>
-          <a:bodyPr wrap="none" rtlCol="0">
-            <a:spAutoFit/>
-          </a:bodyPr>
-          <a:lstStyle/>
-          <a:p>
-            <a:r>
-              <a:rPr lang="en-US" dirty="0"/>
-              <a:t>https://github.com/viant/endly/tree/master/runner/selenium</a:t>
-            </a:r>
           </a:p>
         </p:txBody>
       </p:sp>
       <p:pic>
         <p:nvPicPr>
-          <p:cNvPr id="7" name="Picture 6"/>
+          <p:cNvPr id="4" name="Content Placeholder 3"/>
           <p:cNvPicPr>
-            <a:picLocks noChangeAspect="1"/>
+            <a:picLocks noGrp="1" noChangeAspect="1"/>
           </p:cNvPicPr>
-          <p:nvPr/>
+          <p:nvPr>
+            <p:ph sz="quarter" idx="13"/>
+          </p:nvPr>
         </p:nvPicPr>
         <p:blipFill>
           <a:blip r:embed="rId3">
@@ -45984,18 +45862,49 @@
         </p:blipFill>
         <p:spPr>
           <a:xfrm>
-            <a:off x="3425869" y="2347627"/>
-            <a:ext cx="4844780" cy="3595970"/>
+            <a:off x="3432747" y="2040629"/>
+            <a:ext cx="4552014" cy="3672299"/>
+          </a:xfrm>
+        </p:spPr>
+      </p:pic>
+      <p:sp>
+        <p:nvSpPr>
+          <p:cNvPr id="5" name="TextBox 4"/>
+          <p:cNvSpPr txBox="1"/>
+          <p:nvPr/>
+        </p:nvSpPr>
+        <p:spPr>
+          <a:xfrm>
+            <a:off x="1573967" y="5943597"/>
+            <a:ext cx="5405647" cy="369332"/>
           </a:xfrm>
           <a:prstGeom prst="rect">
             <a:avLst/>
           </a:prstGeom>
+          <a:noFill/>
         </p:spPr>
-      </p:pic>
+        <p:txBody>
+          <a:bodyPr wrap="none" rtlCol="0">
+            <a:spAutoFit/>
+          </a:bodyPr>
+          <a:lstStyle/>
+          <a:p>
+            <a:r>
+              <a:rPr lang="en-US" dirty="0"/>
+              <a:t>https://</a:t>
+            </a:r>
+            <a:r>
+              <a:rPr lang="en-US" dirty="0" smtClean="0"/>
+              <a:t>github.com/viant/endly/tree/master/runner/rest</a:t>
+            </a:r>
+            <a:endParaRPr lang="en-US" dirty="0"/>
+          </a:p>
+        </p:txBody>
+      </p:sp>
     </p:spTree>
     <p:extLst>
       <p:ext uri="{BB962C8B-B14F-4D97-AF65-F5344CB8AC3E}">
-        <p14:creationId xmlns:p14="http://schemas.microsoft.com/office/powerpoint/2010/main" val="1108746837"/>
+        <p14:creationId xmlns:p14="http://schemas.microsoft.com/office/powerpoint/2010/main" val="1539058935"/>
       </p:ext>
     </p:extLst>
   </p:cSld>
@@ -46039,12 +45948,7 @@
             <p:ph type="title"/>
           </p:nvPr>
         </p:nvSpPr>
-        <p:spPr>
-          <a:xfrm>
-            <a:off x="913775" y="213783"/>
-            <a:ext cx="10364451" cy="1596177"/>
-          </a:xfrm>
-        </p:spPr>
+        <p:spPr/>
         <p:txBody>
           <a:bodyPr/>
           <a:lstStyle/>
@@ -46055,7 +45959,7 @@
             </a:r>
             <a:r>
               <a:rPr lang="en-US" dirty="0" smtClean="0"/>
-              <a:t>REST</a:t>
+              <a:t>HTTP</a:t>
             </a:r>
             <a:endParaRPr lang="en-US" dirty="0"/>
           </a:p>
@@ -46063,7 +45967,7 @@
       </p:sp>
       <p:pic>
         <p:nvPicPr>
-          <p:cNvPr id="4" name="Content Placeholder 3"/>
+          <p:cNvPr id="6" name="Content Placeholder 5"/>
           <p:cNvPicPr>
             <a:picLocks noGrp="1" noChangeAspect="1"/>
           </p:cNvPicPr>
@@ -46085,21 +45989,21 @@
         </p:blipFill>
         <p:spPr>
           <a:xfrm>
-            <a:off x="3417757" y="2455963"/>
-            <a:ext cx="4552014" cy="3672299"/>
+            <a:off x="3447470" y="2214694"/>
+            <a:ext cx="5112817" cy="3252866"/>
           </a:xfrm>
         </p:spPr>
       </p:pic>
       <p:sp>
         <p:nvSpPr>
-          <p:cNvPr id="5" name="TextBox 4"/>
+          <p:cNvPr id="7" name="TextBox 6"/>
           <p:cNvSpPr txBox="1"/>
           <p:nvPr/>
         </p:nvSpPr>
         <p:spPr>
           <a:xfrm>
             <a:off x="1573967" y="5943597"/>
-            <a:ext cx="5405647" cy="369332"/>
+            <a:ext cx="5426486" cy="369332"/>
           </a:xfrm>
           <a:prstGeom prst="rect">
             <a:avLst/>
@@ -46118,7 +46022,7 @@
             </a:r>
             <a:r>
               <a:rPr lang="en-US" dirty="0" smtClean="0"/>
-              <a:t>github.com/viant/endly/tree/master/runner/rest</a:t>
+              <a:t>github.com/viant/endly/tree/master/runner/http</a:t>
             </a:r>
             <a:endParaRPr lang="en-US" dirty="0"/>
           </a:p>
@@ -46127,7 +46031,7 @@
     </p:spTree>
     <p:extLst>
       <p:ext uri="{BB962C8B-B14F-4D97-AF65-F5344CB8AC3E}">
-        <p14:creationId xmlns:p14="http://schemas.microsoft.com/office/powerpoint/2010/main" val="1539058935"/>
+        <p14:creationId xmlns:p14="http://schemas.microsoft.com/office/powerpoint/2010/main" val="203980116"/>
       </p:ext>
     </p:extLst>
   </p:cSld>
@@ -46259,56 +46163,103 @@
           <a:lstStyle/>
           <a:p>
             <a:r>
-              <a:rPr lang="en-US" dirty="0"/>
-              <a:t>Adding use cases - </a:t>
-            </a:r>
-            <a:r>
               <a:rPr lang="en-US" dirty="0" smtClean="0"/>
-              <a:t>HTTP</a:t>
+              <a:t>Global workflow</a:t>
             </a:r>
             <a:endParaRPr lang="en-US" dirty="0"/>
           </a:p>
         </p:txBody>
       </p:sp>
-      <p:pic>
-        <p:nvPicPr>
-          <p:cNvPr id="6" name="Content Placeholder 5"/>
-          <p:cNvPicPr>
-            <a:picLocks noGrp="1" noChangeAspect="1"/>
-          </p:cNvPicPr>
+      <p:sp>
+        <p:nvSpPr>
+          <p:cNvPr id="3" name="Content Placeholder 2"/>
+          <p:cNvSpPr>
+            <a:spLocks noGrp="1"/>
+          </p:cNvSpPr>
           <p:nvPr>
             <p:ph sz="quarter" idx="13"/>
           </p:nvPr>
-        </p:nvPicPr>
-        <p:blipFill>
-          <a:blip r:embed="rId3">
-            <a:extLst>
-              <a:ext uri="{28A0092B-C50C-407E-A947-70E740481C1C}">
-                <a14:useLocalDpi xmlns:a14="http://schemas.microsoft.com/office/drawing/2010/main" val="0"/>
-              </a:ext>
-            </a:extLst>
-          </a:blip>
-          <a:stretch>
-            <a:fillRect/>
-          </a:stretch>
-        </p:blipFill>
-        <p:spPr>
-          <a:xfrm>
-            <a:off x="3647901" y="3097217"/>
-            <a:ext cx="4277773" cy="2721596"/>
-          </a:xfrm>
-        </p:spPr>
-      </p:pic>
+        </p:nvSpPr>
+        <p:spPr/>
+        <p:txBody>
+          <a:bodyPr/>
+          <a:lstStyle/>
+          <a:p>
+            <a:r>
+              <a:rPr lang="en-US" dirty="0">
+                <a:hlinkClick r:id="rId2"/>
+              </a:rPr>
+              <a:t>Services</a:t>
+            </a:r>
+            <a:r>
+              <a:rPr lang="en-US" dirty="0"/>
+              <a:t> (datastore/caching services)</a:t>
+            </a:r>
+          </a:p>
+          <a:p>
+            <a:r>
+              <a:rPr lang="en-US" dirty="0">
+                <a:hlinkClick r:id="rId3"/>
+              </a:rPr>
+              <a:t>App</a:t>
+            </a:r>
+            <a:r>
+              <a:rPr lang="en-US" dirty="0"/>
+              <a:t> </a:t>
+            </a:r>
+            <a:r>
+              <a:rPr lang="en-US" dirty="0" smtClean="0"/>
+              <a:t>(</a:t>
+            </a:r>
+            <a:r>
+              <a:rPr lang="en-US" dirty="0" err="1" smtClean="0"/>
+              <a:t>buiLd</a:t>
+            </a:r>
+            <a:r>
+              <a:rPr lang="en-US" dirty="0" smtClean="0"/>
+              <a:t>/deployment)</a:t>
+            </a:r>
+            <a:endParaRPr lang="en-US" dirty="0"/>
+          </a:p>
+          <a:p>
+            <a:r>
+              <a:rPr lang="en-US" dirty="0">
+                <a:hlinkClick r:id="rId4"/>
+              </a:rPr>
+              <a:t>Cloud</a:t>
+            </a:r>
+            <a:r>
+              <a:rPr lang="en-US" dirty="0"/>
+              <a:t> (ec2, gce)</a:t>
+            </a:r>
+          </a:p>
+          <a:p>
+            <a:r>
+              <a:rPr lang="en-US" dirty="0">
+                <a:hlinkClick r:id="rId5"/>
+              </a:rPr>
+              <a:t>Testing</a:t>
+            </a:r>
+            <a:r>
+              <a:rPr lang="en-US" dirty="0"/>
+              <a:t> (assert)</a:t>
+            </a:r>
+          </a:p>
+          <a:p>
+            <a:endParaRPr lang="en-US" dirty="0"/>
+          </a:p>
+        </p:txBody>
+      </p:sp>
       <p:sp>
         <p:nvSpPr>
-          <p:cNvPr id="7" name="TextBox 6"/>
+          <p:cNvPr id="4" name="TextBox 3"/>
           <p:cNvSpPr txBox="1"/>
           <p:nvPr/>
         </p:nvSpPr>
         <p:spPr>
           <a:xfrm>
-            <a:off x="1573967" y="5943597"/>
-            <a:ext cx="5426486" cy="369332"/>
+            <a:off x="1888761" y="6190938"/>
+            <a:ext cx="5005088" cy="369332"/>
           </a:xfrm>
           <a:prstGeom prst="rect">
             <a:avLst/>
@@ -46323,20 +46274,15 @@
           <a:p>
             <a:r>
               <a:rPr lang="en-US" dirty="0"/>
-              <a:t>https://</a:t>
-            </a:r>
-            <a:r>
-              <a:rPr lang="en-US" dirty="0" smtClean="0"/>
-              <a:t>github.com/viant/endly/tree/master/runner/http</a:t>
-            </a:r>
-            <a:endParaRPr lang="en-US" dirty="0"/>
+              <a:t>https://github.com/viant/endly/tree/master/shared</a:t>
+            </a:r>
           </a:p>
         </p:txBody>
       </p:sp>
     </p:spTree>
     <p:extLst>
       <p:ext uri="{BB962C8B-B14F-4D97-AF65-F5344CB8AC3E}">
-        <p14:creationId xmlns:p14="http://schemas.microsoft.com/office/powerpoint/2010/main" val="203980116"/>
+        <p14:creationId xmlns:p14="http://schemas.microsoft.com/office/powerpoint/2010/main" val="1004017037"/>
       </p:ext>
     </p:extLst>
   </p:cSld>
@@ -46387,175 +46333,6 @@
           <a:p>
             <a:r>
               <a:rPr lang="en-US" dirty="0" smtClean="0"/>
-              <a:t>Global workflow</a:t>
-            </a:r>
-            <a:endParaRPr lang="en-US" dirty="0"/>
-          </a:p>
-        </p:txBody>
-      </p:sp>
-      <p:sp>
-        <p:nvSpPr>
-          <p:cNvPr id="3" name="Content Placeholder 2"/>
-          <p:cNvSpPr>
-            <a:spLocks noGrp="1"/>
-          </p:cNvSpPr>
-          <p:nvPr>
-            <p:ph sz="quarter" idx="13"/>
-          </p:nvPr>
-        </p:nvSpPr>
-        <p:spPr/>
-        <p:txBody>
-          <a:bodyPr/>
-          <a:lstStyle/>
-          <a:p>
-            <a:r>
-              <a:rPr lang="en-US" dirty="0">
-                <a:hlinkClick r:id="rId2"/>
-              </a:rPr>
-              <a:t>Services</a:t>
-            </a:r>
-            <a:r>
-              <a:rPr lang="en-US" dirty="0"/>
-              <a:t> (datastore/caching services)</a:t>
-            </a:r>
-          </a:p>
-          <a:p>
-            <a:r>
-              <a:rPr lang="en-US" dirty="0">
-                <a:hlinkClick r:id="rId3"/>
-              </a:rPr>
-              <a:t>App</a:t>
-            </a:r>
-            <a:r>
-              <a:rPr lang="en-US" dirty="0"/>
-              <a:t> </a:t>
-            </a:r>
-            <a:r>
-              <a:rPr lang="en-US" dirty="0" smtClean="0"/>
-              <a:t>(</a:t>
-            </a:r>
-            <a:r>
-              <a:rPr lang="en-US" dirty="0" err="1" smtClean="0"/>
-              <a:t>buiLd</a:t>
-            </a:r>
-            <a:r>
-              <a:rPr lang="en-US" dirty="0" smtClean="0"/>
-              <a:t>/deployment)</a:t>
-            </a:r>
-            <a:endParaRPr lang="en-US" dirty="0"/>
-          </a:p>
-          <a:p>
-            <a:r>
-              <a:rPr lang="en-US" dirty="0">
-                <a:hlinkClick r:id="rId4"/>
-              </a:rPr>
-              <a:t>Cloud</a:t>
-            </a:r>
-            <a:r>
-              <a:rPr lang="en-US" dirty="0"/>
-              <a:t> (ec2, gce)</a:t>
-            </a:r>
-          </a:p>
-          <a:p>
-            <a:r>
-              <a:rPr lang="en-US" dirty="0">
-                <a:hlinkClick r:id="rId5"/>
-              </a:rPr>
-              <a:t>Testing</a:t>
-            </a:r>
-            <a:r>
-              <a:rPr lang="en-US" dirty="0"/>
-              <a:t> (assert)</a:t>
-            </a:r>
-          </a:p>
-          <a:p>
-            <a:endParaRPr lang="en-US" dirty="0"/>
-          </a:p>
-        </p:txBody>
-      </p:sp>
-      <p:sp>
-        <p:nvSpPr>
-          <p:cNvPr id="4" name="TextBox 3"/>
-          <p:cNvSpPr txBox="1"/>
-          <p:nvPr/>
-        </p:nvSpPr>
-        <p:spPr>
-          <a:xfrm>
-            <a:off x="1888761" y="6190938"/>
-            <a:ext cx="5005088" cy="369332"/>
-          </a:xfrm>
-          <a:prstGeom prst="rect">
-            <a:avLst/>
-          </a:prstGeom>
-          <a:noFill/>
-        </p:spPr>
-        <p:txBody>
-          <a:bodyPr wrap="none" rtlCol="0">
-            <a:spAutoFit/>
-          </a:bodyPr>
-          <a:lstStyle/>
-          <a:p>
-            <a:r>
-              <a:rPr lang="en-US" dirty="0"/>
-              <a:t>https://github.com/viant/endly/tree/master/shared</a:t>
-            </a:r>
-          </a:p>
-        </p:txBody>
-      </p:sp>
-    </p:spTree>
-    <p:extLst>
-      <p:ext uri="{BB962C8B-B14F-4D97-AF65-F5344CB8AC3E}">
-        <p14:creationId xmlns:p14="http://schemas.microsoft.com/office/powerpoint/2010/main" val="1004017037"/>
-      </p:ext>
-    </p:extLst>
-  </p:cSld>
-  <p:clrMapOvr>
-    <a:masterClrMapping/>
-  </p:clrMapOvr>
-  <p:timing>
-    <p:tnLst>
-      <p:par>
-        <p:cTn id="1" dur="indefinite" restart="never" nodeType="tmRoot"/>
-      </p:par>
-    </p:tnLst>
-  </p:timing>
-</p:sld>
-</file>
-
-<file path=ppt/slides/slide22.xml><?xml version="1.0" encoding="utf-8"?>
-<p:sld xmlns:a="http://schemas.openxmlformats.org/drawingml/2006/main" xmlns:r="http://schemas.openxmlformats.org/officeDocument/2006/relationships" xmlns:p="http://schemas.openxmlformats.org/presentationml/2006/main">
-  <p:cSld>
-    <p:spTree>
-      <p:nvGrpSpPr>
-        <p:cNvPr id="1" name=""/>
-        <p:cNvGrpSpPr/>
-        <p:nvPr/>
-      </p:nvGrpSpPr>
-      <p:grpSpPr>
-        <a:xfrm>
-          <a:off x="0" y="0"/>
-          <a:ext cx="0" cy="0"/>
-          <a:chOff x="0" y="0"/>
-          <a:chExt cx="0" cy="0"/>
-        </a:xfrm>
-      </p:grpSpPr>
-      <p:sp>
-        <p:nvSpPr>
-          <p:cNvPr id="2" name="Title 1"/>
-          <p:cNvSpPr>
-            <a:spLocks noGrp="1"/>
-          </p:cNvSpPr>
-          <p:nvPr>
-            <p:ph type="title"/>
-          </p:nvPr>
-        </p:nvSpPr>
-        <p:spPr/>
-        <p:txBody>
-          <a:bodyPr/>
-          <a:lstStyle/>
-          <a:p>
-            <a:r>
-              <a:rPr lang="en-US" dirty="0" smtClean="0"/>
               <a:t>debugging &amp; Troubleshooting</a:t>
             </a:r>
             <a:endParaRPr lang="en-US" dirty="0"/>
@@ -46636,7 +46413,7 @@
 </p:sld>
 </file>
 
-<file path=ppt/slides/slide23.xml><?xml version="1.0" encoding="utf-8"?>
+<file path=ppt/slides/slide22.xml><?xml version="1.0" encoding="utf-8"?>
 <p:sld xmlns:a="http://schemas.openxmlformats.org/drawingml/2006/main" xmlns:r="http://schemas.openxmlformats.org/officeDocument/2006/relationships" xmlns:p="http://schemas.openxmlformats.org/presentationml/2006/main">
   <p:cSld>
     <p:spTree>

--- a/golang-e2e.pptx
+++ b/golang-e2e.pptx
@@ -7,19 +7,28 @@
   <p:sldIdLst>
     <p:sldId id="256" r:id="rId2"/>
     <p:sldId id="257" r:id="rId3"/>
-    <p:sldId id="258" r:id="rId4"/>
-    <p:sldId id="259" r:id="rId5"/>
-    <p:sldId id="260" r:id="rId6"/>
-    <p:sldId id="263" r:id="rId7"/>
-    <p:sldId id="264" r:id="rId8"/>
-    <p:sldId id="262" r:id="rId9"/>
-    <p:sldId id="261" r:id="rId10"/>
-    <p:sldId id="265" r:id="rId11"/>
-    <p:sldId id="266" r:id="rId12"/>
-    <p:sldId id="267" r:id="rId13"/>
-    <p:sldId id="270" r:id="rId14"/>
-    <p:sldId id="268" r:id="rId15"/>
-    <p:sldId id="269" r:id="rId16"/>
+    <p:sldId id="278" r:id="rId4"/>
+    <p:sldId id="258" r:id="rId5"/>
+    <p:sldId id="259" r:id="rId6"/>
+    <p:sldId id="260" r:id="rId7"/>
+    <p:sldId id="262" r:id="rId8"/>
+    <p:sldId id="263" r:id="rId9"/>
+    <p:sldId id="264" r:id="rId10"/>
+    <p:sldId id="279" r:id="rId11"/>
+    <p:sldId id="261" r:id="rId12"/>
+    <p:sldId id="265" r:id="rId13"/>
+    <p:sldId id="266" r:id="rId14"/>
+    <p:sldId id="267" r:id="rId15"/>
+    <p:sldId id="271" r:id="rId16"/>
+    <p:sldId id="276" r:id="rId17"/>
+    <p:sldId id="272" r:id="rId18"/>
+    <p:sldId id="274" r:id="rId19"/>
+    <p:sldId id="275" r:id="rId20"/>
+    <p:sldId id="273" r:id="rId21"/>
+    <p:sldId id="277" r:id="rId22"/>
+    <p:sldId id="270" r:id="rId23"/>
+    <p:sldId id="268" r:id="rId24"/>
+    <p:sldId id="269" r:id="rId25"/>
   </p:sldIdLst>
   <p:sldSz cx="12192000" cy="6858000"/>
   <p:notesSz cx="6858000" cy="9144000"/>
@@ -638,7 +647,7 @@
           <a:p>
             <a:fld id="{83284890-85D2-4D7B-8EF5-15A9C1DB8F42}" type="datetimeFigureOut">
               <a:rPr lang="en-US" smtClean="0"/>
-              <a:t>4/27/18</a:t>
+              <a:t>4/29/18</a:t>
             </a:fld>
             <a:endParaRPr lang="en-US"/>
           </a:p>
@@ -818,7 +827,7 @@
           <a:p>
             <a:fld id="{87157CC2-0FC8-4686-B024-99790E0F5162}" type="datetimeFigureOut">
               <a:rPr lang="en-US" smtClean="0"/>
-              <a:t>4/27/18</a:t>
+              <a:t>4/29/18</a:t>
             </a:fld>
             <a:endParaRPr lang="en-US"/>
           </a:p>
@@ -998,7 +1007,7 @@
           <a:p>
             <a:fld id="{F6764DA5-CD3D-4590-A511-FCD3BC7A793E}" type="datetimeFigureOut">
               <a:rPr lang="en-US" smtClean="0"/>
-              <a:t>4/27/18</a:t>
+              <a:t>4/29/18</a:t>
             </a:fld>
             <a:endParaRPr lang="en-US"/>
           </a:p>
@@ -1168,7 +1177,7 @@
           <a:p>
             <a:fld id="{82F5661D-6934-4B32-B92C-470368BF1EC6}" type="datetimeFigureOut">
               <a:rPr lang="en-US" smtClean="0"/>
-              <a:t>4/27/18</a:t>
+              <a:t>4/29/18</a:t>
             </a:fld>
             <a:endParaRPr lang="en-US"/>
           </a:p>
@@ -1489,7 +1498,7 @@
           <a:p>
             <a:fld id="{C6F822A4-8DA6-4447-9B1F-C5DB58435268}" type="datetimeFigureOut">
               <a:rPr lang="en-US" smtClean="0"/>
-              <a:t>4/27/18</a:t>
+              <a:t>4/29/18</a:t>
             </a:fld>
             <a:endParaRPr lang="en-US" dirty="0"/>
           </a:p>
@@ -1950,7 +1959,7 @@
           <a:p>
             <a:fld id="{E548D31E-DCDA-41A7-9C67-C4B11B94D21D}" type="datetimeFigureOut">
               <a:rPr lang="en-US" smtClean="0"/>
-              <a:t>4/27/18</a:t>
+              <a:t>4/29/18</a:t>
             </a:fld>
             <a:endParaRPr lang="en-US"/>
           </a:p>
@@ -2361,7 +2370,7 @@
           <a:p>
             <a:fld id="{9B3762C0-B258-48F1-ADE6-176B4174CCDD}" type="datetimeFigureOut">
               <a:rPr lang="en-US" smtClean="0"/>
-              <a:t>4/27/18</a:t>
+              <a:t>4/29/18</a:t>
             </a:fld>
             <a:endParaRPr lang="en-US"/>
           </a:p>
@@ -2479,7 +2488,7 @@
           <a:p>
             <a:fld id="{677919A6-33EB-49BD-A62F-1FA56B9F9712}" type="datetimeFigureOut">
               <a:rPr lang="en-US" smtClean="0"/>
-              <a:t>4/27/18</a:t>
+              <a:t>4/29/18</a:t>
             </a:fld>
             <a:endParaRPr lang="en-US"/>
           </a:p>
@@ -2597,7 +2606,7 @@
           <a:p>
             <a:fld id="{CA4E7D1B-D673-4CF6-8672-009D42ABD2A0}" type="datetimeFigureOut">
               <a:rPr lang="en-US" smtClean="0"/>
-              <a:t>4/27/18</a:t>
+              <a:t>4/29/18</a:t>
             </a:fld>
             <a:endParaRPr lang="en-US"/>
           </a:p>
@@ -2955,7 +2964,7 @@
           <a:p>
             <a:fld id="{DA16AA21-1863-4931-97CB-99D0A168701B}" type="datetimeFigureOut">
               <a:rPr lang="en-US" smtClean="0"/>
-              <a:t>4/27/18</a:t>
+              <a:t>4/29/18</a:t>
             </a:fld>
             <a:endParaRPr lang="en-US"/>
           </a:p>
@@ -3462,7 +3471,7 @@
           <a:p>
             <a:fld id="{3772C379-9A7C-4C87-A116-CBE9F58B04C5}" type="datetimeFigureOut">
               <a:rPr lang="en-US" smtClean="0"/>
-              <a:t>4/27/18</a:t>
+              <a:t>4/29/18</a:t>
             </a:fld>
             <a:endParaRPr lang="en-US"/>
           </a:p>
@@ -3817,7 +3826,7 @@
           <a:p>
             <a:fld id="{8664C608-40B1-4030-A28D-5B74BC98ADCE}" type="datetimeFigureOut">
               <a:rPr lang="en-US" smtClean="0"/>
-              <a:t>4/27/18</a:t>
+              <a:t>4/29/18</a:t>
             </a:fld>
             <a:endParaRPr lang="en-US" dirty="0"/>
           </a:p>
@@ -4550,6 +4559,800 @@
 <file path=ppt/slides/slide10.xml><?xml version="1.0" encoding="utf-8"?>
 <p:sld xmlns:a="http://schemas.openxmlformats.org/drawingml/2006/main" xmlns:r="http://schemas.openxmlformats.org/officeDocument/2006/relationships" xmlns:p="http://schemas.openxmlformats.org/presentationml/2006/main">
   <p:cSld>
+    <p:bg>
+      <p:bgPr>
+        <a:solidFill>
+          <a:schemeClr val="bg1">
+            <a:alpha val="77000"/>
+          </a:schemeClr>
+        </a:solidFill>
+        <a:effectLst/>
+      </p:bgPr>
+    </p:bg>
+    <p:spTree>
+      <p:nvGrpSpPr>
+        <p:cNvPr id="1" name=""/>
+        <p:cNvGrpSpPr/>
+        <p:nvPr/>
+      </p:nvGrpSpPr>
+      <p:grpSpPr>
+        <a:xfrm>
+          <a:off x="0" y="0"/>
+          <a:ext cx="0" cy="0"/>
+          <a:chOff x="0" y="0"/>
+          <a:chExt cx="0" cy="0"/>
+        </a:xfrm>
+      </p:grpSpPr>
+      <p:sp>
+        <p:nvSpPr>
+          <p:cNvPr id="2" name="Title 1"/>
+          <p:cNvSpPr>
+            <a:spLocks noGrp="1"/>
+          </p:cNvSpPr>
+          <p:nvPr>
+            <p:ph type="title"/>
+          </p:nvPr>
+        </p:nvSpPr>
+        <p:spPr/>
+        <p:txBody>
+          <a:bodyPr/>
+          <a:lstStyle/>
+          <a:p>
+            <a:r>
+              <a:rPr lang="en-US" dirty="0" smtClean="0"/>
+              <a:t>Endly testing workflow</a:t>
+            </a:r>
+            <a:endParaRPr lang="en-US" dirty="0"/>
+          </a:p>
+        </p:txBody>
+      </p:sp>
+      <p:sp>
+        <p:nvSpPr>
+          <p:cNvPr id="3" name="Content Placeholder 2"/>
+          <p:cNvSpPr>
+            <a:spLocks noGrp="1"/>
+          </p:cNvSpPr>
+          <p:nvPr>
+            <p:ph idx="1"/>
+          </p:nvPr>
+        </p:nvSpPr>
+        <p:spPr/>
+        <p:txBody>
+          <a:bodyPr/>
+          <a:lstStyle/>
+          <a:p>
+            <a:r>
+              <a:rPr lang="en-US" dirty="0"/>
+              <a:t>System </a:t>
+            </a:r>
+            <a:r>
+              <a:rPr lang="mr-IN" dirty="0"/>
+              <a:t>–</a:t>
+            </a:r>
+            <a:r>
+              <a:rPr lang="en-US" dirty="0"/>
+              <a:t> application environment setup</a:t>
+            </a:r>
+          </a:p>
+          <a:p>
+            <a:r>
+              <a:rPr lang="en-US" dirty="0"/>
+              <a:t>Datastore </a:t>
+            </a:r>
+            <a:r>
+              <a:rPr lang="mr-IN" dirty="0"/>
+              <a:t>–</a:t>
+            </a:r>
+            <a:r>
+              <a:rPr lang="en-US" dirty="0"/>
+              <a:t> </a:t>
+            </a:r>
+            <a:r>
+              <a:rPr lang="en-US" dirty="0" smtClean="0"/>
+              <a:t>create &amp; load </a:t>
+            </a:r>
+            <a:r>
+              <a:rPr lang="en-US" dirty="0"/>
+              <a:t>database schema</a:t>
+            </a:r>
+          </a:p>
+          <a:p>
+            <a:r>
+              <a:rPr lang="en-US" dirty="0"/>
+              <a:t>App </a:t>
+            </a:r>
+            <a:r>
+              <a:rPr lang="mr-IN" dirty="0"/>
+              <a:t>–</a:t>
+            </a:r>
+            <a:r>
+              <a:rPr lang="en-US" dirty="0"/>
+              <a:t> build and deploy an app</a:t>
+            </a:r>
+          </a:p>
+          <a:p>
+            <a:r>
+              <a:rPr lang="en-US" dirty="0"/>
+              <a:t>Regression </a:t>
+            </a:r>
+            <a:r>
+              <a:rPr lang="mr-IN" dirty="0"/>
+              <a:t>–</a:t>
+            </a:r>
+            <a:r>
+              <a:rPr lang="en-US" dirty="0"/>
+              <a:t> test plan and execution </a:t>
+            </a:r>
+          </a:p>
+          <a:p>
+            <a:endParaRPr lang="en-US" dirty="0"/>
+          </a:p>
+        </p:txBody>
+      </p:sp>
+      <p:pic>
+        <p:nvPicPr>
+          <p:cNvPr id="6" name="Picture 5"/>
+          <p:cNvPicPr>
+            <a:picLocks noChangeAspect="1"/>
+          </p:cNvPicPr>
+          <p:nvPr/>
+        </p:nvPicPr>
+        <p:blipFill>
+          <a:blip r:embed="rId2">
+            <a:alphaModFix amt="28000"/>
+            <a:extLst>
+              <a:ext uri="{28A0092B-C50C-407E-A947-70E740481C1C}">
+                <a14:useLocalDpi xmlns:a14="http://schemas.microsoft.com/office/drawing/2010/main" val="0"/>
+              </a:ext>
+            </a:extLst>
+          </a:blip>
+          <a:stretch>
+            <a:fillRect/>
+          </a:stretch>
+        </p:blipFill>
+        <p:spPr>
+          <a:xfrm>
+            <a:off x="7628003" y="1896207"/>
+            <a:ext cx="3073400" cy="3975100"/>
+          </a:xfrm>
+          <a:prstGeom prst="rect">
+            <a:avLst/>
+          </a:prstGeom>
+        </p:spPr>
+      </p:pic>
+    </p:spTree>
+    <p:extLst>
+      <p:ext uri="{BB962C8B-B14F-4D97-AF65-F5344CB8AC3E}">
+        <p14:creationId xmlns:p14="http://schemas.microsoft.com/office/powerpoint/2010/main" val="1364844790"/>
+      </p:ext>
+    </p:extLst>
+  </p:cSld>
+  <p:clrMapOvr>
+    <a:masterClrMapping/>
+  </p:clrMapOvr>
+  <p:timing>
+    <p:tnLst>
+      <p:par>
+        <p:cTn id="1" dur="indefinite" restart="never" nodeType="tmRoot">
+          <p:childTnLst>
+            <p:seq concurrent="1" nextAc="seek">
+              <p:cTn id="2" dur="indefinite" nodeType="mainSeq">
+                <p:childTnLst>
+                  <p:par>
+                    <p:cTn id="3" fill="hold">
+                      <p:stCondLst>
+                        <p:cond delay="indefinite"/>
+                      </p:stCondLst>
+                      <p:childTnLst>
+                        <p:par>
+                          <p:cTn id="4" fill="hold">
+                            <p:stCondLst>
+                              <p:cond delay="0"/>
+                            </p:stCondLst>
+                            <p:childTnLst>
+                              <p:par>
+                                <p:cTn id="5" presetID="1" presetClass="entr" presetSubtype="0" fill="hold" nodeType="clickEffect">
+                                  <p:stCondLst>
+                                    <p:cond delay="0"/>
+                                  </p:stCondLst>
+                                  <p:childTnLst>
+                                    <p:set>
+                                      <p:cBhvr>
+                                        <p:cTn id="6" dur="1" fill="hold">
+                                          <p:stCondLst>
+                                            <p:cond delay="0"/>
+                                          </p:stCondLst>
+                                        </p:cTn>
+                                        <p:tgtEl>
+                                          <p:spTgt spid="3">
+                                            <p:txEl>
+                                              <p:pRg st="0" end="0"/>
+                                            </p:txEl>
+                                          </p:spTgt>
+                                        </p:tgtEl>
+                                        <p:attrNameLst>
+                                          <p:attrName>style.visibility</p:attrName>
+                                        </p:attrNameLst>
+                                      </p:cBhvr>
+                                      <p:to>
+                                        <p:strVal val="visible"/>
+                                      </p:to>
+                                    </p:set>
+                                  </p:childTnLst>
+                                </p:cTn>
+                              </p:par>
+                            </p:childTnLst>
+                          </p:cTn>
+                        </p:par>
+                      </p:childTnLst>
+                    </p:cTn>
+                  </p:par>
+                  <p:par>
+                    <p:cTn id="7" fill="hold">
+                      <p:stCondLst>
+                        <p:cond delay="indefinite"/>
+                      </p:stCondLst>
+                      <p:childTnLst>
+                        <p:par>
+                          <p:cTn id="8" fill="hold">
+                            <p:stCondLst>
+                              <p:cond delay="0"/>
+                            </p:stCondLst>
+                            <p:childTnLst>
+                              <p:par>
+                                <p:cTn id="9" presetID="9" presetClass="entr" presetSubtype="0" fill="hold" nodeType="clickEffect">
+                                  <p:stCondLst>
+                                    <p:cond delay="0"/>
+                                  </p:stCondLst>
+                                  <p:childTnLst>
+                                    <p:set>
+                                      <p:cBhvr>
+                                        <p:cTn id="10" dur="1" fill="hold">
+                                          <p:stCondLst>
+                                            <p:cond delay="0"/>
+                                          </p:stCondLst>
+                                        </p:cTn>
+                                        <p:tgtEl>
+                                          <p:spTgt spid="3">
+                                            <p:txEl>
+                                              <p:pRg st="1" end="1"/>
+                                            </p:txEl>
+                                          </p:spTgt>
+                                        </p:tgtEl>
+                                        <p:attrNameLst>
+                                          <p:attrName>style.visibility</p:attrName>
+                                        </p:attrNameLst>
+                                      </p:cBhvr>
+                                      <p:to>
+                                        <p:strVal val="visible"/>
+                                      </p:to>
+                                    </p:set>
+                                    <p:animEffect transition="in" filter="dissolve">
+                                      <p:cBhvr>
+                                        <p:cTn id="11" dur="500"/>
+                                        <p:tgtEl>
+                                          <p:spTgt spid="3">
+                                            <p:txEl>
+                                              <p:pRg st="1" end="1"/>
+                                            </p:txEl>
+                                          </p:spTgt>
+                                        </p:tgtEl>
+                                      </p:cBhvr>
+                                    </p:animEffect>
+                                  </p:childTnLst>
+                                </p:cTn>
+                              </p:par>
+                            </p:childTnLst>
+                          </p:cTn>
+                        </p:par>
+                      </p:childTnLst>
+                    </p:cTn>
+                  </p:par>
+                  <p:par>
+                    <p:cTn id="12" fill="hold">
+                      <p:stCondLst>
+                        <p:cond delay="indefinite"/>
+                      </p:stCondLst>
+                      <p:childTnLst>
+                        <p:par>
+                          <p:cTn id="13" fill="hold">
+                            <p:stCondLst>
+                              <p:cond delay="0"/>
+                            </p:stCondLst>
+                            <p:childTnLst>
+                              <p:par>
+                                <p:cTn id="14" presetID="2" presetClass="entr" presetSubtype="4" fill="hold" nodeType="clickEffect">
+                                  <p:stCondLst>
+                                    <p:cond delay="0"/>
+                                  </p:stCondLst>
+                                  <p:childTnLst>
+                                    <p:set>
+                                      <p:cBhvr>
+                                        <p:cTn id="15" dur="1" fill="hold">
+                                          <p:stCondLst>
+                                            <p:cond delay="0"/>
+                                          </p:stCondLst>
+                                        </p:cTn>
+                                        <p:tgtEl>
+                                          <p:spTgt spid="3">
+                                            <p:txEl>
+                                              <p:pRg st="2" end="2"/>
+                                            </p:txEl>
+                                          </p:spTgt>
+                                        </p:tgtEl>
+                                        <p:attrNameLst>
+                                          <p:attrName>style.visibility</p:attrName>
+                                        </p:attrNameLst>
+                                      </p:cBhvr>
+                                      <p:to>
+                                        <p:strVal val="visible"/>
+                                      </p:to>
+                                    </p:set>
+                                    <p:anim calcmode="lin" valueType="num">
+                                      <p:cBhvr additive="base">
+                                        <p:cTn id="16" dur="500" fill="hold"/>
+                                        <p:tgtEl>
+                                          <p:spTgt spid="3">
+                                            <p:txEl>
+                                              <p:pRg st="2" end="2"/>
+                                            </p:txEl>
+                                          </p:spTgt>
+                                        </p:tgtEl>
+                                        <p:attrNameLst>
+                                          <p:attrName>ppt_x</p:attrName>
+                                        </p:attrNameLst>
+                                      </p:cBhvr>
+                                      <p:tavLst>
+                                        <p:tav tm="0">
+                                          <p:val>
+                                            <p:strVal val="#ppt_x"/>
+                                          </p:val>
+                                        </p:tav>
+                                        <p:tav tm="100000">
+                                          <p:val>
+                                            <p:strVal val="#ppt_x"/>
+                                          </p:val>
+                                        </p:tav>
+                                      </p:tavLst>
+                                    </p:anim>
+                                    <p:anim calcmode="lin" valueType="num">
+                                      <p:cBhvr additive="base">
+                                        <p:cTn id="17" dur="500" fill="hold"/>
+                                        <p:tgtEl>
+                                          <p:spTgt spid="3">
+                                            <p:txEl>
+                                              <p:pRg st="2" end="2"/>
+                                            </p:txEl>
+                                          </p:spTgt>
+                                        </p:tgtEl>
+                                        <p:attrNameLst>
+                                          <p:attrName>ppt_y</p:attrName>
+                                        </p:attrNameLst>
+                                      </p:cBhvr>
+                                      <p:tavLst>
+                                        <p:tav tm="0">
+                                          <p:val>
+                                            <p:strVal val="1+#ppt_h/2"/>
+                                          </p:val>
+                                        </p:tav>
+                                        <p:tav tm="100000">
+                                          <p:val>
+                                            <p:strVal val="#ppt_y"/>
+                                          </p:val>
+                                        </p:tav>
+                                      </p:tavLst>
+                                    </p:anim>
+                                  </p:childTnLst>
+                                </p:cTn>
+                              </p:par>
+                            </p:childTnLst>
+                          </p:cTn>
+                        </p:par>
+                      </p:childTnLst>
+                    </p:cTn>
+                  </p:par>
+                  <p:par>
+                    <p:cTn id="18" fill="hold">
+                      <p:stCondLst>
+                        <p:cond delay="indefinite"/>
+                      </p:stCondLst>
+                      <p:childTnLst>
+                        <p:par>
+                          <p:cTn id="19" fill="hold">
+                            <p:stCondLst>
+                              <p:cond delay="0"/>
+                            </p:stCondLst>
+                            <p:childTnLst>
+                              <p:par>
+                                <p:cTn id="20" presetID="1" presetClass="entr" presetSubtype="0" fill="hold" nodeType="clickEffect">
+                                  <p:stCondLst>
+                                    <p:cond delay="0"/>
+                                  </p:stCondLst>
+                                  <p:childTnLst>
+                                    <p:set>
+                                      <p:cBhvr>
+                                        <p:cTn id="21" dur="1" fill="hold">
+                                          <p:stCondLst>
+                                            <p:cond delay="0"/>
+                                          </p:stCondLst>
+                                        </p:cTn>
+                                        <p:tgtEl>
+                                          <p:spTgt spid="3">
+                                            <p:txEl>
+                                              <p:pRg st="3" end="3"/>
+                                            </p:txEl>
+                                          </p:spTgt>
+                                        </p:tgtEl>
+                                        <p:attrNameLst>
+                                          <p:attrName>style.visibility</p:attrName>
+                                        </p:attrNameLst>
+                                      </p:cBhvr>
+                                      <p:to>
+                                        <p:strVal val="visible"/>
+                                      </p:to>
+                                    </p:set>
+                                  </p:childTnLst>
+                                </p:cTn>
+                              </p:par>
+                            </p:childTnLst>
+                          </p:cTn>
+                        </p:par>
+                      </p:childTnLst>
+                    </p:cTn>
+                  </p:par>
+                </p:childTnLst>
+              </p:cTn>
+              <p:prevCondLst>
+                <p:cond evt="onPrev" delay="0">
+                  <p:tgtEl>
+                    <p:sldTgt/>
+                  </p:tgtEl>
+                </p:cond>
+              </p:prevCondLst>
+              <p:nextCondLst>
+                <p:cond evt="onNext" delay="0">
+                  <p:tgtEl>
+                    <p:sldTgt/>
+                  </p:tgtEl>
+                </p:cond>
+              </p:nextCondLst>
+            </p:seq>
+          </p:childTnLst>
+        </p:cTn>
+      </p:par>
+    </p:tnLst>
+  </p:timing>
+</p:sld>
+</file>
+
+<file path=ppt/slides/slide11.xml><?xml version="1.0" encoding="utf-8"?>
+<p:sld xmlns:a="http://schemas.openxmlformats.org/drawingml/2006/main" xmlns:r="http://schemas.openxmlformats.org/officeDocument/2006/relationships" xmlns:p="http://schemas.openxmlformats.org/presentationml/2006/main">
+  <p:cSld>
+    <p:spTree>
+      <p:nvGrpSpPr>
+        <p:cNvPr id="1" name=""/>
+        <p:cNvGrpSpPr/>
+        <p:nvPr/>
+      </p:nvGrpSpPr>
+      <p:grpSpPr>
+        <a:xfrm>
+          <a:off x="0" y="0"/>
+          <a:ext cx="0" cy="0"/>
+          <a:chOff x="0" y="0"/>
+          <a:chExt cx="0" cy="0"/>
+        </a:xfrm>
+      </p:grpSpPr>
+      <p:sp>
+        <p:nvSpPr>
+          <p:cNvPr id="2" name="Title 1"/>
+          <p:cNvSpPr>
+            <a:spLocks noGrp="1"/>
+          </p:cNvSpPr>
+          <p:nvPr>
+            <p:ph type="title"/>
+          </p:nvPr>
+        </p:nvSpPr>
+        <p:spPr/>
+        <p:txBody>
+          <a:bodyPr/>
+          <a:lstStyle/>
+          <a:p>
+            <a:r>
+              <a:rPr lang="en-US" dirty="0"/>
+              <a:t>application </a:t>
+            </a:r>
+            <a:r>
+              <a:rPr lang="en-US" dirty="0" smtClean="0"/>
+              <a:t>environment workflow</a:t>
+            </a:r>
+            <a:endParaRPr lang="en-US" dirty="0"/>
+          </a:p>
+        </p:txBody>
+      </p:sp>
+      <p:sp>
+        <p:nvSpPr>
+          <p:cNvPr id="3" name="Content Placeholder 2"/>
+          <p:cNvSpPr>
+            <a:spLocks noGrp="1"/>
+          </p:cNvSpPr>
+          <p:nvPr>
+            <p:ph idx="1"/>
+          </p:nvPr>
+        </p:nvSpPr>
+        <p:spPr/>
+        <p:txBody>
+          <a:bodyPr/>
+          <a:lstStyle/>
+          <a:p>
+            <a:r>
+              <a:rPr lang="en-US" dirty="0" smtClean="0"/>
+              <a:t>Datastore/database</a:t>
+            </a:r>
+          </a:p>
+          <a:p>
+            <a:r>
+              <a:rPr lang="en-US" dirty="0" smtClean="0"/>
+              <a:t>Caching services</a:t>
+            </a:r>
+          </a:p>
+          <a:p>
+            <a:r>
+              <a:rPr lang="en-US" dirty="0" smtClean="0"/>
+              <a:t>Geo location service</a:t>
+            </a:r>
+          </a:p>
+          <a:p>
+            <a:endParaRPr lang="en-US" dirty="0"/>
+          </a:p>
+        </p:txBody>
+      </p:sp>
+      <p:pic>
+        <p:nvPicPr>
+          <p:cNvPr id="4" name="Picture 3"/>
+          <p:cNvPicPr>
+            <a:picLocks noChangeAspect="1"/>
+          </p:cNvPicPr>
+          <p:nvPr/>
+        </p:nvPicPr>
+        <p:blipFill>
+          <a:blip r:embed="rId2">
+            <a:extLst>
+              <a:ext uri="{28A0092B-C50C-407E-A947-70E740481C1C}">
+                <a14:useLocalDpi xmlns:a14="http://schemas.microsoft.com/office/drawing/2010/main" val="0"/>
+              </a:ext>
+            </a:extLst>
+          </a:blip>
+          <a:stretch>
+            <a:fillRect/>
+          </a:stretch>
+        </p:blipFill>
+        <p:spPr>
+          <a:xfrm>
+            <a:off x="5716740" y="1803654"/>
+            <a:ext cx="4165600" cy="4686300"/>
+          </a:xfrm>
+          <a:prstGeom prst="rect">
+            <a:avLst/>
+          </a:prstGeom>
+        </p:spPr>
+      </p:pic>
+    </p:spTree>
+    <p:extLst>
+      <p:ext uri="{BB962C8B-B14F-4D97-AF65-F5344CB8AC3E}">
+        <p14:creationId xmlns:p14="http://schemas.microsoft.com/office/powerpoint/2010/main" val="1759382051"/>
+      </p:ext>
+    </p:extLst>
+  </p:cSld>
+  <p:clrMapOvr>
+    <a:masterClrMapping/>
+  </p:clrMapOvr>
+  <p:timing>
+    <p:tnLst>
+      <p:par>
+        <p:cTn id="1" dur="indefinite" restart="never" nodeType="tmRoot">
+          <p:childTnLst>
+            <p:seq concurrent="1" nextAc="seek">
+              <p:cTn id="2" dur="indefinite" nodeType="mainSeq">
+                <p:childTnLst>
+                  <p:par>
+                    <p:cTn id="3" fill="hold">
+                      <p:stCondLst>
+                        <p:cond delay="indefinite"/>
+                      </p:stCondLst>
+                      <p:childTnLst>
+                        <p:par>
+                          <p:cTn id="4" fill="hold">
+                            <p:stCondLst>
+                              <p:cond delay="0"/>
+                            </p:stCondLst>
+                            <p:childTnLst>
+                              <p:par>
+                                <p:cTn id="5" presetID="9" presetClass="entr" presetSubtype="0" fill="hold" nodeType="clickEffect">
+                                  <p:stCondLst>
+                                    <p:cond delay="0"/>
+                                  </p:stCondLst>
+                                  <p:childTnLst>
+                                    <p:set>
+                                      <p:cBhvr>
+                                        <p:cTn id="6" dur="1" fill="hold">
+                                          <p:stCondLst>
+                                            <p:cond delay="0"/>
+                                          </p:stCondLst>
+                                        </p:cTn>
+                                        <p:tgtEl>
+                                          <p:spTgt spid="3">
+                                            <p:txEl>
+                                              <p:pRg st="0" end="0"/>
+                                            </p:txEl>
+                                          </p:spTgt>
+                                        </p:tgtEl>
+                                        <p:attrNameLst>
+                                          <p:attrName>style.visibility</p:attrName>
+                                        </p:attrNameLst>
+                                      </p:cBhvr>
+                                      <p:to>
+                                        <p:strVal val="visible"/>
+                                      </p:to>
+                                    </p:set>
+                                    <p:animEffect transition="in" filter="dissolve">
+                                      <p:cBhvr>
+                                        <p:cTn id="7" dur="500"/>
+                                        <p:tgtEl>
+                                          <p:spTgt spid="3">
+                                            <p:txEl>
+                                              <p:pRg st="0" end="0"/>
+                                            </p:txEl>
+                                          </p:spTgt>
+                                        </p:tgtEl>
+                                      </p:cBhvr>
+                                    </p:animEffect>
+                                  </p:childTnLst>
+                                </p:cTn>
+                              </p:par>
+                            </p:childTnLst>
+                          </p:cTn>
+                        </p:par>
+                      </p:childTnLst>
+                    </p:cTn>
+                  </p:par>
+                  <p:par>
+                    <p:cTn id="8" fill="hold">
+                      <p:stCondLst>
+                        <p:cond delay="indefinite"/>
+                      </p:stCondLst>
+                      <p:childTnLst>
+                        <p:par>
+                          <p:cTn id="9" fill="hold">
+                            <p:stCondLst>
+                              <p:cond delay="0"/>
+                            </p:stCondLst>
+                            <p:childTnLst>
+                              <p:par>
+                                <p:cTn id="10" presetID="3" presetClass="entr" presetSubtype="10" fill="hold" nodeType="clickEffect">
+                                  <p:stCondLst>
+                                    <p:cond delay="0"/>
+                                  </p:stCondLst>
+                                  <p:childTnLst>
+                                    <p:set>
+                                      <p:cBhvr>
+                                        <p:cTn id="11" dur="1" fill="hold">
+                                          <p:stCondLst>
+                                            <p:cond delay="0"/>
+                                          </p:stCondLst>
+                                        </p:cTn>
+                                        <p:tgtEl>
+                                          <p:spTgt spid="3">
+                                            <p:txEl>
+                                              <p:pRg st="1" end="1"/>
+                                            </p:txEl>
+                                          </p:spTgt>
+                                        </p:tgtEl>
+                                        <p:attrNameLst>
+                                          <p:attrName>style.visibility</p:attrName>
+                                        </p:attrNameLst>
+                                      </p:cBhvr>
+                                      <p:to>
+                                        <p:strVal val="visible"/>
+                                      </p:to>
+                                    </p:set>
+                                    <p:animEffect transition="in" filter="blinds(horizontal)">
+                                      <p:cBhvr>
+                                        <p:cTn id="12" dur="500"/>
+                                        <p:tgtEl>
+                                          <p:spTgt spid="3">
+                                            <p:txEl>
+                                              <p:pRg st="1" end="1"/>
+                                            </p:txEl>
+                                          </p:spTgt>
+                                        </p:tgtEl>
+                                      </p:cBhvr>
+                                    </p:animEffect>
+                                  </p:childTnLst>
+                                </p:cTn>
+                              </p:par>
+                            </p:childTnLst>
+                          </p:cTn>
+                        </p:par>
+                      </p:childTnLst>
+                    </p:cTn>
+                  </p:par>
+                  <p:par>
+                    <p:cTn id="13" fill="hold">
+                      <p:stCondLst>
+                        <p:cond delay="indefinite"/>
+                      </p:stCondLst>
+                      <p:childTnLst>
+                        <p:par>
+                          <p:cTn id="14" fill="hold">
+                            <p:stCondLst>
+                              <p:cond delay="0"/>
+                            </p:stCondLst>
+                            <p:childTnLst>
+                              <p:par>
+                                <p:cTn id="15" presetID="1" presetClass="entr" presetSubtype="0" fill="hold" nodeType="clickEffect">
+                                  <p:stCondLst>
+                                    <p:cond delay="0"/>
+                                  </p:stCondLst>
+                                  <p:childTnLst>
+                                    <p:set>
+                                      <p:cBhvr>
+                                        <p:cTn id="16" dur="1" fill="hold">
+                                          <p:stCondLst>
+                                            <p:cond delay="0"/>
+                                          </p:stCondLst>
+                                        </p:cTn>
+                                        <p:tgtEl>
+                                          <p:spTgt spid="3">
+                                            <p:txEl>
+                                              <p:pRg st="2" end="2"/>
+                                            </p:txEl>
+                                          </p:spTgt>
+                                        </p:tgtEl>
+                                        <p:attrNameLst>
+                                          <p:attrName>style.visibility</p:attrName>
+                                        </p:attrNameLst>
+                                      </p:cBhvr>
+                                      <p:to>
+                                        <p:strVal val="visible"/>
+                                      </p:to>
+                                    </p:set>
+                                  </p:childTnLst>
+                                </p:cTn>
+                              </p:par>
+                            </p:childTnLst>
+                          </p:cTn>
+                        </p:par>
+                      </p:childTnLst>
+                    </p:cTn>
+                  </p:par>
+                </p:childTnLst>
+              </p:cTn>
+              <p:prevCondLst>
+                <p:cond evt="onPrev" delay="0">
+                  <p:tgtEl>
+                    <p:sldTgt/>
+                  </p:tgtEl>
+                </p:cond>
+              </p:prevCondLst>
+              <p:nextCondLst>
+                <p:cond evt="onNext" delay="0">
+                  <p:tgtEl>
+                    <p:sldTgt/>
+                  </p:tgtEl>
+                </p:cond>
+              </p:nextCondLst>
+            </p:seq>
+          </p:childTnLst>
+        </p:cTn>
+      </p:par>
+    </p:tnLst>
+  </p:timing>
+</p:sld>
+</file>
+
+<file path=ppt/slides/slide12.xml><?xml version="1.0" encoding="utf-8"?>
+<p:sld xmlns:a="http://schemas.openxmlformats.org/drawingml/2006/main" xmlns:r="http://schemas.openxmlformats.org/officeDocument/2006/relationships" xmlns:p="http://schemas.openxmlformats.org/presentationml/2006/main">
+  <p:cSld>
     <p:spTree>
       <p:nvGrpSpPr>
         <p:cNvPr id="1" name=""/>
@@ -4980,7 +5783,7 @@
 </p:sld>
 </file>
 
-<file path=ppt/slides/slide11.xml><?xml version="1.0" encoding="utf-8"?>
+<file path=ppt/slides/slide13.xml><?xml version="1.0" encoding="utf-8"?>
 <p:sld xmlns:a="http://schemas.openxmlformats.org/drawingml/2006/main" xmlns:r="http://schemas.openxmlformats.org/officeDocument/2006/relationships" xmlns:p="http://schemas.openxmlformats.org/presentationml/2006/main">
   <p:cSld>
     <p:spTree>
@@ -5316,216 +6119,6 @@
 </p:sld>
 </file>
 
-<file path=ppt/slides/slide12.xml><?xml version="1.0" encoding="utf-8"?>
-<p:sld xmlns:a="http://schemas.openxmlformats.org/drawingml/2006/main" xmlns:r="http://schemas.openxmlformats.org/officeDocument/2006/relationships" xmlns:p="http://schemas.openxmlformats.org/presentationml/2006/main">
-  <p:cSld>
-    <p:spTree>
-      <p:nvGrpSpPr>
-        <p:cNvPr id="1" name=""/>
-        <p:cNvGrpSpPr/>
-        <p:nvPr/>
-      </p:nvGrpSpPr>
-      <p:grpSpPr>
-        <a:xfrm>
-          <a:off x="0" y="0"/>
-          <a:ext cx="0" cy="0"/>
-          <a:chOff x="0" y="0"/>
-          <a:chExt cx="0" cy="0"/>
-        </a:xfrm>
-      </p:grpSpPr>
-      <p:sp>
-        <p:nvSpPr>
-          <p:cNvPr id="2" name="Title 1"/>
-          <p:cNvSpPr>
-            <a:spLocks noGrp="1"/>
-          </p:cNvSpPr>
-          <p:nvPr>
-            <p:ph type="title"/>
-          </p:nvPr>
-        </p:nvSpPr>
-        <p:spPr/>
-        <p:txBody>
-          <a:bodyPr/>
-          <a:lstStyle/>
-          <a:p>
-            <a:r>
-              <a:rPr lang="en-US" dirty="0" smtClean="0"/>
-              <a:t>regression</a:t>
-            </a:r>
-            <a:endParaRPr lang="en-US" dirty="0"/>
-          </a:p>
-        </p:txBody>
-      </p:sp>
-      <p:sp>
-        <p:nvSpPr>
-          <p:cNvPr id="3" name="Content Placeholder 2"/>
-          <p:cNvSpPr>
-            <a:spLocks noGrp="1"/>
-          </p:cNvSpPr>
-          <p:nvPr>
-            <p:ph idx="1"/>
-          </p:nvPr>
-        </p:nvSpPr>
-        <p:spPr/>
-        <p:txBody>
-          <a:bodyPr/>
-          <a:lstStyle/>
-          <a:p>
-            <a:endParaRPr lang="en-US"/>
-          </a:p>
-        </p:txBody>
-      </p:sp>
-    </p:spTree>
-    <p:extLst>
-      <p:ext uri="{BB962C8B-B14F-4D97-AF65-F5344CB8AC3E}">
-        <p14:creationId xmlns:p14="http://schemas.microsoft.com/office/powerpoint/2010/main" val="815621313"/>
-      </p:ext>
-    </p:extLst>
-  </p:cSld>
-  <p:clrMapOvr>
-    <a:masterClrMapping/>
-  </p:clrMapOvr>
-  <p:timing>
-    <p:tnLst>
-      <p:par>
-        <p:cTn id="1" dur="indefinite" restart="never" nodeType="tmRoot"/>
-      </p:par>
-    </p:tnLst>
-  </p:timing>
-</p:sld>
-</file>
-
-<file path=ppt/slides/slide13.xml><?xml version="1.0" encoding="utf-8"?>
-<p:sld xmlns:a="http://schemas.openxmlformats.org/drawingml/2006/main" xmlns:r="http://schemas.openxmlformats.org/officeDocument/2006/relationships" xmlns:p="http://schemas.openxmlformats.org/presentationml/2006/main">
-  <p:cSld>
-    <p:spTree>
-      <p:nvGrpSpPr>
-        <p:cNvPr id="1" name=""/>
-        <p:cNvGrpSpPr/>
-        <p:nvPr/>
-      </p:nvGrpSpPr>
-      <p:grpSpPr>
-        <a:xfrm>
-          <a:off x="0" y="0"/>
-          <a:ext cx="0" cy="0"/>
-          <a:chOff x="0" y="0"/>
-          <a:chExt cx="0" cy="0"/>
-        </a:xfrm>
-      </p:grpSpPr>
-      <p:sp>
-        <p:nvSpPr>
-          <p:cNvPr id="2" name="Title 1"/>
-          <p:cNvSpPr>
-            <a:spLocks noGrp="1"/>
-          </p:cNvSpPr>
-          <p:nvPr>
-            <p:ph type="title"/>
-          </p:nvPr>
-        </p:nvSpPr>
-        <p:spPr>
-          <a:xfrm>
-            <a:off x="1069848" y="0"/>
-            <a:ext cx="10058400" cy="1609344"/>
-          </a:xfrm>
-        </p:spPr>
-        <p:txBody>
-          <a:bodyPr/>
-          <a:lstStyle/>
-          <a:p>
-            <a:r>
-              <a:rPr lang="en-US" dirty="0" smtClean="0"/>
-              <a:t>Workflow generator</a:t>
-            </a:r>
-            <a:endParaRPr lang="en-US" dirty="0"/>
-          </a:p>
-        </p:txBody>
-      </p:sp>
-      <p:sp>
-        <p:nvSpPr>
-          <p:cNvPr id="4" name="Rectangle 3"/>
-          <p:cNvSpPr/>
-          <p:nvPr/>
-        </p:nvSpPr>
-        <p:spPr>
-          <a:xfrm>
-            <a:off x="1069848" y="1060209"/>
-            <a:ext cx="10143744" cy="369332"/>
-          </a:xfrm>
-          <a:prstGeom prst="rect">
-            <a:avLst/>
-          </a:prstGeom>
-        </p:spPr>
-        <p:txBody>
-          <a:bodyPr wrap="square">
-            <a:spAutoFit/>
-          </a:bodyPr>
-          <a:lstStyle/>
-          <a:p>
-            <a:r>
-              <a:rPr lang="en-US" dirty="0"/>
-              <a:t>http://endly-</a:t>
-            </a:r>
-            <a:r>
-              <a:rPr lang="en-US" dirty="0" err="1"/>
-              <a:t>external.appspot.com</a:t>
-            </a:r>
-            <a:r>
-              <a:rPr lang="en-US" dirty="0"/>
-              <a:t>/</a:t>
-            </a:r>
-            <a:endParaRPr lang="en-US" dirty="0"/>
-          </a:p>
-        </p:txBody>
-      </p:sp>
-      <p:pic>
-        <p:nvPicPr>
-          <p:cNvPr id="7" name="Content Placeholder 6"/>
-          <p:cNvPicPr>
-            <a:picLocks noGrp="1" noChangeAspect="1"/>
-          </p:cNvPicPr>
-          <p:nvPr>
-            <p:ph idx="1"/>
-          </p:nvPr>
-        </p:nvPicPr>
-        <p:blipFill>
-          <a:blip r:embed="rId2">
-            <a:extLst>
-              <a:ext uri="{28A0092B-C50C-407E-A947-70E740481C1C}">
-                <a14:useLocalDpi xmlns:a14="http://schemas.microsoft.com/office/drawing/2010/main" val="0"/>
-              </a:ext>
-            </a:extLst>
-          </a:blip>
-          <a:stretch>
-            <a:fillRect/>
-          </a:stretch>
-        </p:blipFill>
-        <p:spPr>
-          <a:xfrm>
-            <a:off x="1182025" y="1456828"/>
-            <a:ext cx="9239233" cy="5248656"/>
-          </a:xfrm>
-        </p:spPr>
-      </p:pic>
-    </p:spTree>
-    <p:extLst>
-      <p:ext uri="{BB962C8B-B14F-4D97-AF65-F5344CB8AC3E}">
-        <p14:creationId xmlns:p14="http://schemas.microsoft.com/office/powerpoint/2010/main" val="298533694"/>
-      </p:ext>
-    </p:extLst>
-  </p:cSld>
-  <p:clrMapOvr>
-    <a:masterClrMapping/>
-  </p:clrMapOvr>
-  <p:timing>
-    <p:tnLst>
-      <p:par>
-        <p:cTn id="1" dur="indefinite" restart="never" nodeType="tmRoot"/>
-      </p:par>
-    </p:tnLst>
-  </p:timing>
-</p:sld>
-</file>
-
 <file path=ppt/slides/slide14.xml><?xml version="1.0" encoding="utf-8"?>
 <p:sld xmlns:a="http://schemas.openxmlformats.org/drawingml/2006/main" xmlns:r="http://schemas.openxmlformats.org/officeDocument/2006/relationships" xmlns:p="http://schemas.openxmlformats.org/presentationml/2006/main">
   <p:cSld>
@@ -5560,7 +6153,7 @@
           <a:p>
             <a:r>
               <a:rPr lang="en-US" dirty="0" smtClean="0"/>
-              <a:t>Beyond e2e testing</a:t>
+              <a:t>Regression workflow</a:t>
             </a:r>
             <a:endParaRPr lang="en-US" dirty="0"/>
           </a:p>
@@ -5581,6 +6174,70 @@
           <a:bodyPr/>
           <a:lstStyle/>
           <a:p>
+            <a:r>
+              <a:rPr lang="en-US" dirty="0" smtClean="0"/>
+              <a:t>Setting initial application state</a:t>
+            </a:r>
+          </a:p>
+          <a:p>
+            <a:r>
+              <a:rPr lang="en-US" dirty="0"/>
+              <a:t>Setting up log listeners</a:t>
+            </a:r>
+          </a:p>
+          <a:p>
+            <a:r>
+              <a:rPr lang="en-US" dirty="0" smtClean="0"/>
+              <a:t>Starting application</a:t>
+            </a:r>
+          </a:p>
+          <a:p>
+            <a:r>
+              <a:rPr lang="en-US" dirty="0" smtClean="0"/>
+              <a:t>Test plan execution</a:t>
+            </a:r>
+          </a:p>
+          <a:p>
+            <a:pPr lvl="1"/>
+            <a:r>
+              <a:rPr lang="en-US" dirty="0" smtClean="0"/>
+              <a:t>Setting up initial use case state</a:t>
+            </a:r>
+          </a:p>
+          <a:p>
+            <a:pPr lvl="1"/>
+            <a:r>
+              <a:rPr lang="en-US" dirty="0" smtClean="0"/>
+              <a:t>Selenium/HTTP/Rest runner</a:t>
+            </a:r>
+          </a:p>
+          <a:p>
+            <a:pPr lvl="1"/>
+            <a:r>
+              <a:rPr lang="en-US" dirty="0" smtClean="0"/>
+              <a:t>Expected output verification per use case</a:t>
+            </a:r>
+          </a:p>
+          <a:p>
+            <a:r>
+              <a:rPr lang="en-US" dirty="0" smtClean="0"/>
+              <a:t>Post tests execution </a:t>
+            </a:r>
+            <a:r>
+              <a:rPr lang="en-US" dirty="0"/>
+              <a:t>output verification </a:t>
+            </a:r>
+            <a:endParaRPr lang="en-US" dirty="0" smtClean="0"/>
+          </a:p>
+          <a:p>
+            <a:pPr lvl="1"/>
+            <a:endParaRPr lang="en-US" dirty="0" smtClean="0"/>
+          </a:p>
+          <a:p>
+            <a:pPr lvl="1"/>
+            <a:endParaRPr lang="en-US" dirty="0" smtClean="0"/>
+          </a:p>
+          <a:p>
             <a:endParaRPr lang="en-US" dirty="0"/>
           </a:p>
         </p:txBody>
@@ -5588,7 +6245,7 @@
     </p:spTree>
     <p:extLst>
       <p:ext uri="{BB962C8B-B14F-4D97-AF65-F5344CB8AC3E}">
-        <p14:creationId xmlns:p14="http://schemas.microsoft.com/office/powerpoint/2010/main" val="2105622571"/>
+        <p14:creationId xmlns:p14="http://schemas.microsoft.com/office/powerpoint/2010/main" val="815621313"/>
       </p:ext>
     </p:extLst>
   </p:cSld>
@@ -5639,7 +6296,7 @@
           <a:p>
             <a:r>
               <a:rPr lang="en-US" dirty="0" smtClean="0"/>
-              <a:t>Q &amp; a</a:t>
+              <a:t>Initial application state</a:t>
             </a:r>
             <a:endParaRPr lang="en-US" dirty="0"/>
           </a:p>
@@ -5647,7 +6304,7 @@
       </p:sp>
       <p:sp>
         <p:nvSpPr>
-          <p:cNvPr id="3" name="Content Placeholder 2"/>
+          <p:cNvPr id="5" name="Content Placeholder 4"/>
           <p:cNvSpPr>
             <a:spLocks noGrp="1"/>
           </p:cNvSpPr>
@@ -5655,19 +6312,744 @@
             <p:ph idx="1"/>
           </p:nvPr>
         </p:nvSpPr>
+        <p:spPr>
+          <a:xfrm>
+            <a:off x="601249" y="2121408"/>
+            <a:ext cx="10526999" cy="4050792"/>
+          </a:xfrm>
+        </p:spPr>
+        <p:txBody>
+          <a:bodyPr/>
+          <a:lstStyle/>
+          <a:p>
+            <a:r>
+              <a:rPr lang="en-US" dirty="0" smtClean="0"/>
+              <a:t>Load static data</a:t>
+            </a:r>
+          </a:p>
+          <a:p>
+            <a:r>
+              <a:rPr lang="en-US" dirty="0" smtClean="0"/>
+              <a:t>Use case data</a:t>
+            </a:r>
+          </a:p>
+          <a:p>
+            <a:pPr lvl="1"/>
+            <a:r>
+              <a:rPr lang="en-US" dirty="0" smtClean="0"/>
+              <a:t>Reading sequences</a:t>
+            </a:r>
+          </a:p>
+          <a:p>
+            <a:pPr lvl="1"/>
+            <a:r>
+              <a:rPr lang="en-US" dirty="0" smtClean="0"/>
+              <a:t>updating use case data with SEQ/UUID</a:t>
+            </a:r>
+          </a:p>
+          <a:p>
+            <a:pPr lvl="1"/>
+            <a:r>
+              <a:rPr lang="en-US" dirty="0"/>
+              <a:t>l</a:t>
+            </a:r>
+            <a:r>
+              <a:rPr lang="en-US" dirty="0" smtClean="0"/>
+              <a:t>oad data into database</a:t>
+            </a:r>
+          </a:p>
+          <a:p>
+            <a:pPr lvl="1"/>
+            <a:endParaRPr lang="en-US" dirty="0" smtClean="0"/>
+          </a:p>
+        </p:txBody>
+      </p:sp>
+      <p:pic>
+        <p:nvPicPr>
+          <p:cNvPr id="6" name="Picture 5"/>
+          <p:cNvPicPr>
+            <a:picLocks noChangeAspect="1"/>
+          </p:cNvPicPr>
+          <p:nvPr/>
+        </p:nvPicPr>
+        <p:blipFill>
+          <a:blip r:embed="rId2">
+            <a:extLst>
+              <a:ext uri="{28A0092B-C50C-407E-A947-70E740481C1C}">
+                <a14:useLocalDpi xmlns:a14="http://schemas.microsoft.com/office/drawing/2010/main" val="0"/>
+              </a:ext>
+            </a:extLst>
+          </a:blip>
+          <a:stretch>
+            <a:fillRect/>
+          </a:stretch>
+        </p:blipFill>
+        <p:spPr>
+          <a:xfrm>
+            <a:off x="5505590" y="1753818"/>
+            <a:ext cx="6470206" cy="4606273"/>
+          </a:xfrm>
+          <a:prstGeom prst="rect">
+            <a:avLst/>
+          </a:prstGeom>
+        </p:spPr>
+      </p:pic>
+    </p:spTree>
+    <p:extLst>
+      <p:ext uri="{BB962C8B-B14F-4D97-AF65-F5344CB8AC3E}">
+        <p14:creationId xmlns:p14="http://schemas.microsoft.com/office/powerpoint/2010/main" val="1323179085"/>
+      </p:ext>
+    </p:extLst>
+  </p:cSld>
+  <p:clrMapOvr>
+    <a:masterClrMapping/>
+  </p:clrMapOvr>
+  <p:timing>
+    <p:tnLst>
+      <p:par>
+        <p:cTn id="1" dur="indefinite" restart="never" nodeType="tmRoot"/>
+      </p:par>
+    </p:tnLst>
+  </p:timing>
+</p:sld>
+</file>
+
+<file path=ppt/slides/slide16.xml><?xml version="1.0" encoding="utf-8"?>
+<p:sld xmlns:a="http://schemas.openxmlformats.org/drawingml/2006/main" xmlns:r="http://schemas.openxmlformats.org/officeDocument/2006/relationships" xmlns:p="http://schemas.openxmlformats.org/presentationml/2006/main">
+  <p:cSld>
+    <p:spTree>
+      <p:nvGrpSpPr>
+        <p:cNvPr id="1" name=""/>
+        <p:cNvGrpSpPr/>
+        <p:nvPr/>
+      </p:nvGrpSpPr>
+      <p:grpSpPr>
+        <a:xfrm>
+          <a:off x="0" y="0"/>
+          <a:ext cx="0" cy="0"/>
+          <a:chOff x="0" y="0"/>
+          <a:chExt cx="0" cy="0"/>
+        </a:xfrm>
+      </p:grpSpPr>
+      <p:sp>
+        <p:nvSpPr>
+          <p:cNvPr id="2" name="Title 1"/>
+          <p:cNvSpPr>
+            <a:spLocks noGrp="1"/>
+          </p:cNvSpPr>
+          <p:nvPr>
+            <p:ph type="title"/>
+          </p:nvPr>
+        </p:nvSpPr>
         <p:spPr/>
         <p:txBody>
           <a:bodyPr/>
           <a:lstStyle/>
           <a:p>
+            <a:r>
+              <a:rPr lang="en-US" dirty="0" smtClean="0"/>
+              <a:t>Initial Use case state</a:t>
+            </a:r>
             <a:endParaRPr lang="en-US" dirty="0"/>
           </a:p>
         </p:txBody>
       </p:sp>
+      <p:pic>
+        <p:nvPicPr>
+          <p:cNvPr id="8" name="Content Placeholder 7"/>
+          <p:cNvPicPr>
+            <a:picLocks noGrp="1" noChangeAspect="1"/>
+          </p:cNvPicPr>
+          <p:nvPr>
+            <p:ph idx="1"/>
+          </p:nvPr>
+        </p:nvPicPr>
+        <p:blipFill>
+          <a:blip r:embed="rId2">
+            <a:extLst>
+              <a:ext uri="{28A0092B-C50C-407E-A947-70E740481C1C}">
+                <a14:useLocalDpi xmlns:a14="http://schemas.microsoft.com/office/drawing/2010/main" val="0"/>
+              </a:ext>
+            </a:extLst>
+          </a:blip>
+          <a:stretch>
+            <a:fillRect/>
+          </a:stretch>
+        </p:blipFill>
+        <p:spPr>
+          <a:xfrm>
+            <a:off x="771699" y="2351413"/>
+            <a:ext cx="3314700" cy="3314700"/>
+          </a:xfrm>
+        </p:spPr>
+      </p:pic>
+      <p:pic>
+        <p:nvPicPr>
+          <p:cNvPr id="9" name="Picture 8"/>
+          <p:cNvPicPr>
+            <a:picLocks noChangeAspect="1"/>
+          </p:cNvPicPr>
+          <p:nvPr/>
+        </p:nvPicPr>
+        <p:blipFill>
+          <a:blip r:embed="rId3">
+            <a:extLst>
+              <a:ext uri="{28A0092B-C50C-407E-A947-70E740481C1C}">
+                <a14:useLocalDpi xmlns:a14="http://schemas.microsoft.com/office/drawing/2010/main" val="0"/>
+              </a:ext>
+            </a:extLst>
+          </a:blip>
+          <a:stretch>
+            <a:fillRect/>
+          </a:stretch>
+        </p:blipFill>
+        <p:spPr>
+          <a:xfrm>
+            <a:off x="4520503" y="2351413"/>
+            <a:ext cx="3504079" cy="3230323"/>
+          </a:xfrm>
+          <a:prstGeom prst="rect">
+            <a:avLst/>
+          </a:prstGeom>
+        </p:spPr>
+      </p:pic>
+      <p:pic>
+        <p:nvPicPr>
+          <p:cNvPr id="10" name="Picture 9"/>
+          <p:cNvPicPr>
+            <a:picLocks noChangeAspect="1"/>
+          </p:cNvPicPr>
+          <p:nvPr/>
+        </p:nvPicPr>
+        <p:blipFill>
+          <a:blip r:embed="rId4">
+            <a:extLst>
+              <a:ext uri="{28A0092B-C50C-407E-A947-70E740481C1C}">
+                <a14:useLocalDpi xmlns:a14="http://schemas.microsoft.com/office/drawing/2010/main" val="0"/>
+              </a:ext>
+            </a:extLst>
+          </a:blip>
+          <a:stretch>
+            <a:fillRect/>
+          </a:stretch>
+        </p:blipFill>
+        <p:spPr>
+          <a:xfrm>
+            <a:off x="8024582" y="2518774"/>
+            <a:ext cx="3060700" cy="2895600"/>
+          </a:xfrm>
+          <a:prstGeom prst="rect">
+            <a:avLst/>
+          </a:prstGeom>
+        </p:spPr>
+      </p:pic>
     </p:spTree>
     <p:extLst>
       <p:ext uri="{BB962C8B-B14F-4D97-AF65-F5344CB8AC3E}">
-        <p14:creationId xmlns:p14="http://schemas.microsoft.com/office/powerpoint/2010/main" val="815531884"/>
+        <p14:creationId xmlns:p14="http://schemas.microsoft.com/office/powerpoint/2010/main" val="1767380619"/>
+      </p:ext>
+    </p:extLst>
+  </p:cSld>
+  <p:clrMapOvr>
+    <a:masterClrMapping/>
+  </p:clrMapOvr>
+  <p:timing>
+    <p:tnLst>
+      <p:par>
+        <p:cTn id="1" dur="indefinite" restart="never" nodeType="tmRoot">
+          <p:childTnLst>
+            <p:seq concurrent="1" nextAc="seek">
+              <p:cTn id="2" dur="indefinite" nodeType="mainSeq">
+                <p:childTnLst>
+                  <p:par>
+                    <p:cTn id="3" fill="hold">
+                      <p:stCondLst>
+                        <p:cond delay="indefinite"/>
+                      </p:stCondLst>
+                      <p:childTnLst>
+                        <p:par>
+                          <p:cTn id="4" fill="hold">
+                            <p:stCondLst>
+                              <p:cond delay="0"/>
+                            </p:stCondLst>
+                            <p:childTnLst>
+                              <p:par>
+                                <p:cTn id="5" presetID="3" presetClass="entr" presetSubtype="10" fill="hold" nodeType="clickEffect">
+                                  <p:stCondLst>
+                                    <p:cond delay="0"/>
+                                  </p:stCondLst>
+                                  <p:childTnLst>
+                                    <p:set>
+                                      <p:cBhvr>
+                                        <p:cTn id="6" dur="1" fill="hold">
+                                          <p:stCondLst>
+                                            <p:cond delay="0"/>
+                                          </p:stCondLst>
+                                        </p:cTn>
+                                        <p:tgtEl>
+                                          <p:spTgt spid="8"/>
+                                        </p:tgtEl>
+                                        <p:attrNameLst>
+                                          <p:attrName>style.visibility</p:attrName>
+                                        </p:attrNameLst>
+                                      </p:cBhvr>
+                                      <p:to>
+                                        <p:strVal val="visible"/>
+                                      </p:to>
+                                    </p:set>
+                                    <p:animEffect transition="in" filter="blinds(horizontal)">
+                                      <p:cBhvr>
+                                        <p:cTn id="7" dur="500"/>
+                                        <p:tgtEl>
+                                          <p:spTgt spid="8"/>
+                                        </p:tgtEl>
+                                      </p:cBhvr>
+                                    </p:animEffect>
+                                  </p:childTnLst>
+                                </p:cTn>
+                              </p:par>
+                            </p:childTnLst>
+                          </p:cTn>
+                        </p:par>
+                      </p:childTnLst>
+                    </p:cTn>
+                  </p:par>
+                  <p:par>
+                    <p:cTn id="8" fill="hold">
+                      <p:stCondLst>
+                        <p:cond delay="indefinite"/>
+                      </p:stCondLst>
+                      <p:childTnLst>
+                        <p:par>
+                          <p:cTn id="9" fill="hold">
+                            <p:stCondLst>
+                              <p:cond delay="0"/>
+                            </p:stCondLst>
+                            <p:childTnLst>
+                              <p:par>
+                                <p:cTn id="10" presetID="3" presetClass="entr" presetSubtype="10" fill="hold" nodeType="clickEffect">
+                                  <p:stCondLst>
+                                    <p:cond delay="0"/>
+                                  </p:stCondLst>
+                                  <p:childTnLst>
+                                    <p:set>
+                                      <p:cBhvr>
+                                        <p:cTn id="11" dur="1" fill="hold">
+                                          <p:stCondLst>
+                                            <p:cond delay="0"/>
+                                          </p:stCondLst>
+                                        </p:cTn>
+                                        <p:tgtEl>
+                                          <p:spTgt spid="9"/>
+                                        </p:tgtEl>
+                                        <p:attrNameLst>
+                                          <p:attrName>style.visibility</p:attrName>
+                                        </p:attrNameLst>
+                                      </p:cBhvr>
+                                      <p:to>
+                                        <p:strVal val="visible"/>
+                                      </p:to>
+                                    </p:set>
+                                    <p:animEffect transition="in" filter="blinds(horizontal)">
+                                      <p:cBhvr>
+                                        <p:cTn id="12" dur="500"/>
+                                        <p:tgtEl>
+                                          <p:spTgt spid="9"/>
+                                        </p:tgtEl>
+                                      </p:cBhvr>
+                                    </p:animEffect>
+                                  </p:childTnLst>
+                                </p:cTn>
+                              </p:par>
+                            </p:childTnLst>
+                          </p:cTn>
+                        </p:par>
+                      </p:childTnLst>
+                    </p:cTn>
+                  </p:par>
+                  <p:par>
+                    <p:cTn id="13" fill="hold">
+                      <p:stCondLst>
+                        <p:cond delay="indefinite"/>
+                      </p:stCondLst>
+                      <p:childTnLst>
+                        <p:par>
+                          <p:cTn id="14" fill="hold">
+                            <p:stCondLst>
+                              <p:cond delay="0"/>
+                            </p:stCondLst>
+                            <p:childTnLst>
+                              <p:par>
+                                <p:cTn id="15" presetID="2" presetClass="entr" presetSubtype="4" fill="hold" nodeType="clickEffect">
+                                  <p:stCondLst>
+                                    <p:cond delay="0"/>
+                                  </p:stCondLst>
+                                  <p:childTnLst>
+                                    <p:set>
+                                      <p:cBhvr>
+                                        <p:cTn id="16" dur="1" fill="hold">
+                                          <p:stCondLst>
+                                            <p:cond delay="0"/>
+                                          </p:stCondLst>
+                                        </p:cTn>
+                                        <p:tgtEl>
+                                          <p:spTgt spid="10"/>
+                                        </p:tgtEl>
+                                        <p:attrNameLst>
+                                          <p:attrName>style.visibility</p:attrName>
+                                        </p:attrNameLst>
+                                      </p:cBhvr>
+                                      <p:to>
+                                        <p:strVal val="visible"/>
+                                      </p:to>
+                                    </p:set>
+                                    <p:anim calcmode="lin" valueType="num">
+                                      <p:cBhvr additive="base">
+                                        <p:cTn id="17" dur="500" fill="hold"/>
+                                        <p:tgtEl>
+                                          <p:spTgt spid="10"/>
+                                        </p:tgtEl>
+                                        <p:attrNameLst>
+                                          <p:attrName>ppt_x</p:attrName>
+                                        </p:attrNameLst>
+                                      </p:cBhvr>
+                                      <p:tavLst>
+                                        <p:tav tm="0">
+                                          <p:val>
+                                            <p:strVal val="#ppt_x"/>
+                                          </p:val>
+                                        </p:tav>
+                                        <p:tav tm="100000">
+                                          <p:val>
+                                            <p:strVal val="#ppt_x"/>
+                                          </p:val>
+                                        </p:tav>
+                                      </p:tavLst>
+                                    </p:anim>
+                                    <p:anim calcmode="lin" valueType="num">
+                                      <p:cBhvr additive="base">
+                                        <p:cTn id="18" dur="500" fill="hold"/>
+                                        <p:tgtEl>
+                                          <p:spTgt spid="10"/>
+                                        </p:tgtEl>
+                                        <p:attrNameLst>
+                                          <p:attrName>ppt_y</p:attrName>
+                                        </p:attrNameLst>
+                                      </p:cBhvr>
+                                      <p:tavLst>
+                                        <p:tav tm="0">
+                                          <p:val>
+                                            <p:strVal val="1+#ppt_h/2"/>
+                                          </p:val>
+                                        </p:tav>
+                                        <p:tav tm="100000">
+                                          <p:val>
+                                            <p:strVal val="#ppt_y"/>
+                                          </p:val>
+                                        </p:tav>
+                                      </p:tavLst>
+                                    </p:anim>
+                                  </p:childTnLst>
+                                </p:cTn>
+                              </p:par>
+                            </p:childTnLst>
+                          </p:cTn>
+                        </p:par>
+                      </p:childTnLst>
+                    </p:cTn>
+                  </p:par>
+                </p:childTnLst>
+              </p:cTn>
+              <p:prevCondLst>
+                <p:cond evt="onPrev" delay="0">
+                  <p:tgtEl>
+                    <p:sldTgt/>
+                  </p:tgtEl>
+                </p:cond>
+              </p:prevCondLst>
+              <p:nextCondLst>
+                <p:cond evt="onNext" delay="0">
+                  <p:tgtEl>
+                    <p:sldTgt/>
+                  </p:tgtEl>
+                </p:cond>
+              </p:nextCondLst>
+            </p:seq>
+          </p:childTnLst>
+        </p:cTn>
+      </p:par>
+    </p:tnLst>
+  </p:timing>
+</p:sld>
+</file>
+
+<file path=ppt/slides/slide17.xml><?xml version="1.0" encoding="utf-8"?>
+<p:sld xmlns:a="http://schemas.openxmlformats.org/drawingml/2006/main" xmlns:r="http://schemas.openxmlformats.org/officeDocument/2006/relationships" xmlns:p="http://schemas.openxmlformats.org/presentationml/2006/main">
+  <p:cSld>
+    <p:spTree>
+      <p:nvGrpSpPr>
+        <p:cNvPr id="1" name=""/>
+        <p:cNvGrpSpPr/>
+        <p:nvPr/>
+      </p:nvGrpSpPr>
+      <p:grpSpPr>
+        <a:xfrm>
+          <a:off x="0" y="0"/>
+          <a:ext cx="0" cy="0"/>
+          <a:chOff x="0" y="0"/>
+          <a:chExt cx="0" cy="0"/>
+        </a:xfrm>
+      </p:grpSpPr>
+      <p:sp>
+        <p:nvSpPr>
+          <p:cNvPr id="2" name="Title 1"/>
+          <p:cNvSpPr>
+            <a:spLocks noGrp="1"/>
+          </p:cNvSpPr>
+          <p:nvPr>
+            <p:ph type="title"/>
+          </p:nvPr>
+        </p:nvSpPr>
+        <p:spPr/>
+        <p:txBody>
+          <a:bodyPr/>
+          <a:lstStyle/>
+          <a:p>
+            <a:r>
+              <a:rPr lang="en-US" dirty="0" smtClean="0"/>
+              <a:t>Regression testing - selenium</a:t>
+            </a:r>
+            <a:endParaRPr lang="en-US" dirty="0"/>
+          </a:p>
+        </p:txBody>
+      </p:sp>
+      <p:pic>
+        <p:nvPicPr>
+          <p:cNvPr id="4" name="Content Placeholder 3"/>
+          <p:cNvPicPr>
+            <a:picLocks noGrp="1" noChangeAspect="1"/>
+          </p:cNvPicPr>
+          <p:nvPr>
+            <p:ph idx="1"/>
+          </p:nvPr>
+        </p:nvPicPr>
+        <p:blipFill>
+          <a:blip r:embed="rId2">
+            <a:extLst>
+              <a:ext uri="{28A0092B-C50C-407E-A947-70E740481C1C}">
+                <a14:useLocalDpi xmlns:a14="http://schemas.microsoft.com/office/drawing/2010/main" val="0"/>
+              </a:ext>
+            </a:extLst>
+          </a:blip>
+          <a:stretch>
+            <a:fillRect/>
+          </a:stretch>
+        </p:blipFill>
+        <p:spPr>
+          <a:xfrm>
+            <a:off x="1963840" y="2093976"/>
+            <a:ext cx="7443953" cy="4051300"/>
+          </a:xfrm>
+        </p:spPr>
+      </p:pic>
+    </p:spTree>
+    <p:extLst>
+      <p:ext uri="{BB962C8B-B14F-4D97-AF65-F5344CB8AC3E}">
+        <p14:creationId xmlns:p14="http://schemas.microsoft.com/office/powerpoint/2010/main" val="1334390747"/>
+      </p:ext>
+    </p:extLst>
+  </p:cSld>
+  <p:clrMapOvr>
+    <a:masterClrMapping/>
+  </p:clrMapOvr>
+  <p:timing>
+    <p:tnLst>
+      <p:par>
+        <p:cTn id="1" dur="indefinite" restart="never" nodeType="tmRoot"/>
+      </p:par>
+    </p:tnLst>
+  </p:timing>
+</p:sld>
+</file>
+
+<file path=ppt/slides/slide18.xml><?xml version="1.0" encoding="utf-8"?>
+<p:sld xmlns:a="http://schemas.openxmlformats.org/drawingml/2006/main" xmlns:r="http://schemas.openxmlformats.org/officeDocument/2006/relationships" xmlns:p="http://schemas.openxmlformats.org/presentationml/2006/main">
+  <p:cSld>
+    <p:spTree>
+      <p:nvGrpSpPr>
+        <p:cNvPr id="1" name=""/>
+        <p:cNvGrpSpPr/>
+        <p:nvPr/>
+      </p:nvGrpSpPr>
+      <p:grpSpPr>
+        <a:xfrm>
+          <a:off x="0" y="0"/>
+          <a:ext cx="0" cy="0"/>
+          <a:chOff x="0" y="0"/>
+          <a:chExt cx="0" cy="0"/>
+        </a:xfrm>
+      </p:grpSpPr>
+      <p:sp>
+        <p:nvSpPr>
+          <p:cNvPr id="2" name="Title 1"/>
+          <p:cNvSpPr>
+            <a:spLocks noGrp="1"/>
+          </p:cNvSpPr>
+          <p:nvPr>
+            <p:ph type="title"/>
+          </p:nvPr>
+        </p:nvSpPr>
+        <p:spPr/>
+        <p:txBody>
+          <a:bodyPr/>
+          <a:lstStyle/>
+          <a:p>
+            <a:r>
+              <a:rPr lang="en-US" dirty="0"/>
+              <a:t>Regression testing </a:t>
+            </a:r>
+            <a:r>
+              <a:rPr lang="mr-IN" dirty="0" smtClean="0"/>
+              <a:t>–</a:t>
+            </a:r>
+            <a:r>
+              <a:rPr lang="en-US" dirty="0" smtClean="0"/>
+              <a:t> REST runner</a:t>
+            </a:r>
+            <a:endParaRPr lang="en-US" dirty="0"/>
+          </a:p>
+        </p:txBody>
+      </p:sp>
+      <p:pic>
+        <p:nvPicPr>
+          <p:cNvPr id="8" name="Content Placeholder 7"/>
+          <p:cNvPicPr>
+            <a:picLocks noGrp="1" noChangeAspect="1"/>
+          </p:cNvPicPr>
+          <p:nvPr>
+            <p:ph idx="1"/>
+          </p:nvPr>
+        </p:nvPicPr>
+        <p:blipFill>
+          <a:blip r:embed="rId2">
+            <a:extLst>
+              <a:ext uri="{28A0092B-C50C-407E-A947-70E740481C1C}">
+                <a14:useLocalDpi xmlns:a14="http://schemas.microsoft.com/office/drawing/2010/main" val="0"/>
+              </a:ext>
+            </a:extLst>
+          </a:blip>
+          <a:stretch>
+            <a:fillRect/>
+          </a:stretch>
+        </p:blipFill>
+        <p:spPr>
+          <a:xfrm>
+            <a:off x="2012037" y="1981241"/>
+            <a:ext cx="4191000" cy="3708400"/>
+          </a:xfrm>
+        </p:spPr>
+      </p:pic>
+    </p:spTree>
+    <p:extLst>
+      <p:ext uri="{BB962C8B-B14F-4D97-AF65-F5344CB8AC3E}">
+        <p14:creationId xmlns:p14="http://schemas.microsoft.com/office/powerpoint/2010/main" val="1628278550"/>
+      </p:ext>
+    </p:extLst>
+  </p:cSld>
+  <p:clrMapOvr>
+    <a:masterClrMapping/>
+  </p:clrMapOvr>
+  <p:timing>
+    <p:tnLst>
+      <p:par>
+        <p:cTn id="1" dur="indefinite" restart="never" nodeType="tmRoot"/>
+      </p:par>
+    </p:tnLst>
+  </p:timing>
+</p:sld>
+</file>
+
+<file path=ppt/slides/slide19.xml><?xml version="1.0" encoding="utf-8"?>
+<p:sld xmlns:a="http://schemas.openxmlformats.org/drawingml/2006/main" xmlns:r="http://schemas.openxmlformats.org/officeDocument/2006/relationships" xmlns:p="http://schemas.openxmlformats.org/presentationml/2006/main">
+  <p:cSld>
+    <p:spTree>
+      <p:nvGrpSpPr>
+        <p:cNvPr id="1" name=""/>
+        <p:cNvGrpSpPr/>
+        <p:nvPr/>
+      </p:nvGrpSpPr>
+      <p:grpSpPr>
+        <a:xfrm>
+          <a:off x="0" y="0"/>
+          <a:ext cx="0" cy="0"/>
+          <a:chOff x="0" y="0"/>
+          <a:chExt cx="0" cy="0"/>
+        </a:xfrm>
+      </p:grpSpPr>
+      <p:sp>
+        <p:nvSpPr>
+          <p:cNvPr id="2" name="Title 1"/>
+          <p:cNvSpPr>
+            <a:spLocks noGrp="1"/>
+          </p:cNvSpPr>
+          <p:nvPr>
+            <p:ph type="title"/>
+          </p:nvPr>
+        </p:nvSpPr>
+        <p:spPr/>
+        <p:txBody>
+          <a:bodyPr/>
+          <a:lstStyle/>
+          <a:p>
+            <a:r>
+              <a:rPr lang="en-US" dirty="0"/>
+              <a:t>Regression testing </a:t>
+            </a:r>
+            <a:r>
+              <a:rPr lang="mr-IN" dirty="0" smtClean="0"/>
+              <a:t>–</a:t>
+            </a:r>
+            <a:r>
+              <a:rPr lang="en-US" dirty="0" smtClean="0"/>
+              <a:t> HTTP runner</a:t>
+            </a:r>
+            <a:endParaRPr lang="en-US" dirty="0"/>
+          </a:p>
+        </p:txBody>
+      </p:sp>
+      <p:pic>
+        <p:nvPicPr>
+          <p:cNvPr id="6" name="Content Placeholder 5"/>
+          <p:cNvPicPr>
+            <a:picLocks noGrp="1" noChangeAspect="1"/>
+          </p:cNvPicPr>
+          <p:nvPr>
+            <p:ph idx="1"/>
+          </p:nvPr>
+        </p:nvPicPr>
+        <p:blipFill>
+          <a:blip r:embed="rId2">
+            <a:extLst>
+              <a:ext uri="{28A0092B-C50C-407E-A947-70E740481C1C}">
+                <a14:useLocalDpi xmlns:a14="http://schemas.microsoft.com/office/drawing/2010/main" val="0"/>
+              </a:ext>
+            </a:extLst>
+          </a:blip>
+          <a:stretch>
+            <a:fillRect/>
+          </a:stretch>
+        </p:blipFill>
+        <p:spPr>
+          <a:xfrm>
+            <a:off x="2469236" y="2471542"/>
+            <a:ext cx="5105400" cy="3149600"/>
+          </a:xfrm>
+        </p:spPr>
+      </p:pic>
+    </p:spTree>
+    <p:extLst>
+      <p:ext uri="{BB962C8B-B14F-4D97-AF65-F5344CB8AC3E}">
+        <p14:creationId xmlns:p14="http://schemas.microsoft.com/office/powerpoint/2010/main" val="139122365"/>
       </p:ext>
     </p:extLst>
   </p:cSld>
@@ -5760,12 +7142,8 @@
               <a:t>the entire application in an environment that exactly imitates production with all network communication, </a:t>
             </a:r>
             <a:r>
-              <a:rPr lang="en-US" dirty="0" err="1" smtClean="0"/>
-              <a:t>datastores</a:t>
-            </a:r>
-            <a:r>
               <a:rPr lang="en-US" dirty="0" smtClean="0"/>
-              <a:t> </a:t>
+              <a:t>datastore </a:t>
             </a:r>
             <a:r>
               <a:rPr lang="en-US" dirty="0"/>
@@ -6128,7 +7506,700 @@
 </p:sld>
 </file>
 
+<file path=ppt/slides/slide20.xml><?xml version="1.0" encoding="utf-8"?>
+<p:sld xmlns:a="http://schemas.openxmlformats.org/drawingml/2006/main" xmlns:r="http://schemas.openxmlformats.org/officeDocument/2006/relationships" xmlns:p="http://schemas.openxmlformats.org/presentationml/2006/main">
+  <p:cSld>
+    <p:spTree>
+      <p:nvGrpSpPr>
+        <p:cNvPr id="1" name=""/>
+        <p:cNvGrpSpPr/>
+        <p:nvPr/>
+      </p:nvGrpSpPr>
+      <p:grpSpPr>
+        <a:xfrm>
+          <a:off x="0" y="0"/>
+          <a:ext cx="0" cy="0"/>
+          <a:chOff x="0" y="0"/>
+          <a:chExt cx="0" cy="0"/>
+        </a:xfrm>
+      </p:grpSpPr>
+      <p:sp>
+        <p:nvSpPr>
+          <p:cNvPr id="2" name="Title 1"/>
+          <p:cNvSpPr>
+            <a:spLocks noGrp="1"/>
+          </p:cNvSpPr>
+          <p:nvPr>
+            <p:ph type="title"/>
+          </p:nvPr>
+        </p:nvSpPr>
+        <p:spPr/>
+        <p:txBody>
+          <a:bodyPr/>
+          <a:lstStyle/>
+          <a:p>
+            <a:r>
+              <a:rPr lang="en-US" dirty="0" smtClean="0"/>
+              <a:t>Regression test cohesion</a:t>
+            </a:r>
+            <a:endParaRPr lang="en-US" dirty="0"/>
+          </a:p>
+        </p:txBody>
+      </p:sp>
+      <p:pic>
+        <p:nvPicPr>
+          <p:cNvPr id="6" name="Content Placeholder 5"/>
+          <p:cNvPicPr>
+            <a:picLocks noGrp="1" noChangeAspect="1"/>
+          </p:cNvPicPr>
+          <p:nvPr>
+            <p:ph idx="1"/>
+          </p:nvPr>
+        </p:nvPicPr>
+        <p:blipFill>
+          <a:blip r:embed="rId2">
+            <a:extLst>
+              <a:ext uri="{28A0092B-C50C-407E-A947-70E740481C1C}">
+                <a14:useLocalDpi xmlns:a14="http://schemas.microsoft.com/office/drawing/2010/main" val="0"/>
+              </a:ext>
+            </a:extLst>
+          </a:blip>
+          <a:stretch>
+            <a:fillRect/>
+          </a:stretch>
+        </p:blipFill>
+        <p:spPr>
+          <a:xfrm>
+            <a:off x="2324665" y="2093976"/>
+            <a:ext cx="4267200" cy="3848100"/>
+          </a:xfrm>
+        </p:spPr>
+      </p:pic>
+    </p:spTree>
+    <p:extLst>
+      <p:ext uri="{BB962C8B-B14F-4D97-AF65-F5344CB8AC3E}">
+        <p14:creationId xmlns:p14="http://schemas.microsoft.com/office/powerpoint/2010/main" val="1001873015"/>
+      </p:ext>
+    </p:extLst>
+  </p:cSld>
+  <p:clrMapOvr>
+    <a:masterClrMapping/>
+  </p:clrMapOvr>
+  <p:timing>
+    <p:tnLst>
+      <p:par>
+        <p:cTn id="1" dur="indefinite" restart="never" nodeType="tmRoot"/>
+      </p:par>
+    </p:tnLst>
+  </p:timing>
+</p:sld>
+</file>
+
+<file path=ppt/slides/slide21.xml><?xml version="1.0" encoding="utf-8"?>
+<p:sld xmlns:a="http://schemas.openxmlformats.org/drawingml/2006/main" xmlns:r="http://schemas.openxmlformats.org/officeDocument/2006/relationships" xmlns:p="http://schemas.openxmlformats.org/presentationml/2006/main">
+  <p:cSld>
+    <p:spTree>
+      <p:nvGrpSpPr>
+        <p:cNvPr id="1" name=""/>
+        <p:cNvGrpSpPr/>
+        <p:nvPr/>
+      </p:nvGrpSpPr>
+      <p:grpSpPr>
+        <a:xfrm>
+          <a:off x="0" y="0"/>
+          <a:ext cx="0" cy="0"/>
+          <a:chOff x="0" y="0"/>
+          <a:chExt cx="0" cy="0"/>
+        </a:xfrm>
+      </p:grpSpPr>
+      <p:sp>
+        <p:nvSpPr>
+          <p:cNvPr id="2" name="Title 1"/>
+          <p:cNvSpPr>
+            <a:spLocks noGrp="1"/>
+          </p:cNvSpPr>
+          <p:nvPr>
+            <p:ph type="title"/>
+          </p:nvPr>
+        </p:nvSpPr>
+        <p:spPr/>
+        <p:txBody>
+          <a:bodyPr/>
+          <a:lstStyle/>
+          <a:p>
+            <a:pPr algn="ctr"/>
+            <a:r>
+              <a:rPr lang="en-US" dirty="0" smtClean="0"/>
+              <a:t>Testing Workflows </a:t>
+            </a:r>
+            <a:br>
+              <a:rPr lang="en-US" dirty="0" smtClean="0"/>
+            </a:br>
+            <a:r>
+              <a:rPr lang="en-US" dirty="0" smtClean="0"/>
+              <a:t>complexity &amp; automation</a:t>
+            </a:r>
+            <a:endParaRPr lang="en-US" dirty="0"/>
+          </a:p>
+        </p:txBody>
+      </p:sp>
+      <p:sp>
+        <p:nvSpPr>
+          <p:cNvPr id="3" name="Content Placeholder 2"/>
+          <p:cNvSpPr>
+            <a:spLocks noGrp="1"/>
+          </p:cNvSpPr>
+          <p:nvPr>
+            <p:ph idx="1"/>
+          </p:nvPr>
+        </p:nvSpPr>
+        <p:spPr/>
+        <p:txBody>
+          <a:bodyPr/>
+          <a:lstStyle/>
+          <a:p>
+            <a:r>
+              <a:rPr lang="en-US" dirty="0"/>
+              <a:t>System </a:t>
+            </a:r>
+            <a:r>
+              <a:rPr lang="mr-IN" dirty="0"/>
+              <a:t>–</a:t>
+            </a:r>
+            <a:r>
+              <a:rPr lang="en-US" dirty="0"/>
+              <a:t> application environment setup</a:t>
+            </a:r>
+          </a:p>
+          <a:p>
+            <a:r>
+              <a:rPr lang="en-US" dirty="0"/>
+              <a:t>Datastore </a:t>
+            </a:r>
+            <a:r>
+              <a:rPr lang="mr-IN" dirty="0"/>
+              <a:t>–</a:t>
+            </a:r>
+            <a:r>
+              <a:rPr lang="en-US" dirty="0"/>
+              <a:t> create &amp; load database schema</a:t>
+            </a:r>
+          </a:p>
+          <a:p>
+            <a:r>
+              <a:rPr lang="en-US" dirty="0"/>
+              <a:t>App </a:t>
+            </a:r>
+            <a:r>
+              <a:rPr lang="mr-IN" dirty="0"/>
+              <a:t>–</a:t>
+            </a:r>
+            <a:r>
+              <a:rPr lang="en-US" dirty="0"/>
+              <a:t> build and deploy an app</a:t>
+            </a:r>
+          </a:p>
+          <a:p>
+            <a:r>
+              <a:rPr lang="en-US" dirty="0"/>
+              <a:t>Regression </a:t>
+            </a:r>
+            <a:r>
+              <a:rPr lang="mr-IN" dirty="0"/>
+              <a:t>–</a:t>
+            </a:r>
+            <a:r>
+              <a:rPr lang="en-US" dirty="0"/>
+              <a:t> test plan and execution </a:t>
+            </a:r>
+          </a:p>
+          <a:p>
+            <a:endParaRPr lang="en-US" dirty="0"/>
+          </a:p>
+        </p:txBody>
+      </p:sp>
+    </p:spTree>
+    <p:extLst>
+      <p:ext uri="{BB962C8B-B14F-4D97-AF65-F5344CB8AC3E}">
+        <p14:creationId xmlns:p14="http://schemas.microsoft.com/office/powerpoint/2010/main" val="551470474"/>
+      </p:ext>
+    </p:extLst>
+  </p:cSld>
+  <p:clrMapOvr>
+    <a:masterClrMapping/>
+  </p:clrMapOvr>
+  <p:timing>
+    <p:tnLst>
+      <p:par>
+        <p:cTn id="1" dur="indefinite" restart="never" nodeType="tmRoot"/>
+      </p:par>
+    </p:tnLst>
+  </p:timing>
+</p:sld>
+</file>
+
+<file path=ppt/slides/slide22.xml><?xml version="1.0" encoding="utf-8"?>
+<p:sld xmlns:a="http://schemas.openxmlformats.org/drawingml/2006/main" xmlns:r="http://schemas.openxmlformats.org/officeDocument/2006/relationships" xmlns:p="http://schemas.openxmlformats.org/presentationml/2006/main">
+  <p:cSld>
+    <p:spTree>
+      <p:nvGrpSpPr>
+        <p:cNvPr id="1" name=""/>
+        <p:cNvGrpSpPr/>
+        <p:nvPr/>
+      </p:nvGrpSpPr>
+      <p:grpSpPr>
+        <a:xfrm>
+          <a:off x="0" y="0"/>
+          <a:ext cx="0" cy="0"/>
+          <a:chOff x="0" y="0"/>
+          <a:chExt cx="0" cy="0"/>
+        </a:xfrm>
+      </p:grpSpPr>
+      <p:sp>
+        <p:nvSpPr>
+          <p:cNvPr id="2" name="Title 1"/>
+          <p:cNvSpPr>
+            <a:spLocks noGrp="1"/>
+          </p:cNvSpPr>
+          <p:nvPr>
+            <p:ph type="title"/>
+          </p:nvPr>
+        </p:nvSpPr>
+        <p:spPr>
+          <a:xfrm>
+            <a:off x="1069848" y="0"/>
+            <a:ext cx="10058400" cy="1609344"/>
+          </a:xfrm>
+        </p:spPr>
+        <p:txBody>
+          <a:bodyPr/>
+          <a:lstStyle/>
+          <a:p>
+            <a:r>
+              <a:rPr lang="en-US" dirty="0" smtClean="0"/>
+              <a:t>Workflow generator</a:t>
+            </a:r>
+            <a:endParaRPr lang="en-US" dirty="0"/>
+          </a:p>
+        </p:txBody>
+      </p:sp>
+      <p:sp>
+        <p:nvSpPr>
+          <p:cNvPr id="4" name="Rectangle 3"/>
+          <p:cNvSpPr/>
+          <p:nvPr/>
+        </p:nvSpPr>
+        <p:spPr>
+          <a:xfrm>
+            <a:off x="1069848" y="1060209"/>
+            <a:ext cx="10143744" cy="369332"/>
+          </a:xfrm>
+          <a:prstGeom prst="rect">
+            <a:avLst/>
+          </a:prstGeom>
+        </p:spPr>
+        <p:txBody>
+          <a:bodyPr wrap="square">
+            <a:spAutoFit/>
+          </a:bodyPr>
+          <a:lstStyle/>
+          <a:p>
+            <a:r>
+              <a:rPr lang="en-US" dirty="0"/>
+              <a:t>http://endly-</a:t>
+            </a:r>
+            <a:r>
+              <a:rPr lang="en-US" dirty="0" err="1"/>
+              <a:t>external.appspot.com</a:t>
+            </a:r>
+            <a:r>
+              <a:rPr lang="en-US" dirty="0"/>
+              <a:t>/</a:t>
+            </a:r>
+          </a:p>
+        </p:txBody>
+      </p:sp>
+      <p:pic>
+        <p:nvPicPr>
+          <p:cNvPr id="7" name="Content Placeholder 6"/>
+          <p:cNvPicPr>
+            <a:picLocks noGrp="1" noChangeAspect="1"/>
+          </p:cNvPicPr>
+          <p:nvPr>
+            <p:ph idx="1"/>
+          </p:nvPr>
+        </p:nvPicPr>
+        <p:blipFill>
+          <a:blip r:embed="rId2">
+            <a:extLst>
+              <a:ext uri="{28A0092B-C50C-407E-A947-70E740481C1C}">
+                <a14:useLocalDpi xmlns:a14="http://schemas.microsoft.com/office/drawing/2010/main" val="0"/>
+              </a:ext>
+            </a:extLst>
+          </a:blip>
+          <a:stretch>
+            <a:fillRect/>
+          </a:stretch>
+        </p:blipFill>
+        <p:spPr>
+          <a:xfrm>
+            <a:off x="1182025" y="1456828"/>
+            <a:ext cx="9239233" cy="5248656"/>
+          </a:xfrm>
+        </p:spPr>
+      </p:pic>
+    </p:spTree>
+    <p:extLst>
+      <p:ext uri="{BB962C8B-B14F-4D97-AF65-F5344CB8AC3E}">
+        <p14:creationId xmlns:p14="http://schemas.microsoft.com/office/powerpoint/2010/main" val="298533694"/>
+      </p:ext>
+    </p:extLst>
+  </p:cSld>
+  <p:clrMapOvr>
+    <a:masterClrMapping/>
+  </p:clrMapOvr>
+  <p:timing>
+    <p:tnLst>
+      <p:par>
+        <p:cTn id="1" dur="indefinite" restart="never" nodeType="tmRoot"/>
+      </p:par>
+    </p:tnLst>
+  </p:timing>
+</p:sld>
+</file>
+
+<file path=ppt/slides/slide23.xml><?xml version="1.0" encoding="utf-8"?>
+<p:sld xmlns:a="http://schemas.openxmlformats.org/drawingml/2006/main" xmlns:r="http://schemas.openxmlformats.org/officeDocument/2006/relationships" xmlns:p="http://schemas.openxmlformats.org/presentationml/2006/main">
+  <p:cSld>
+    <p:spTree>
+      <p:nvGrpSpPr>
+        <p:cNvPr id="1" name=""/>
+        <p:cNvGrpSpPr/>
+        <p:nvPr/>
+      </p:nvGrpSpPr>
+      <p:grpSpPr>
+        <a:xfrm>
+          <a:off x="0" y="0"/>
+          <a:ext cx="0" cy="0"/>
+          <a:chOff x="0" y="0"/>
+          <a:chExt cx="0" cy="0"/>
+        </a:xfrm>
+      </p:grpSpPr>
+      <p:sp>
+        <p:nvSpPr>
+          <p:cNvPr id="2" name="Title 1"/>
+          <p:cNvSpPr>
+            <a:spLocks noGrp="1"/>
+          </p:cNvSpPr>
+          <p:nvPr>
+            <p:ph type="title"/>
+          </p:nvPr>
+        </p:nvSpPr>
+        <p:spPr/>
+        <p:txBody>
+          <a:bodyPr/>
+          <a:lstStyle/>
+          <a:p>
+            <a:r>
+              <a:rPr lang="en-US" dirty="0" smtClean="0"/>
+              <a:t>Beyond e2e testing</a:t>
+            </a:r>
+            <a:endParaRPr lang="en-US" dirty="0"/>
+          </a:p>
+        </p:txBody>
+      </p:sp>
+      <p:sp>
+        <p:nvSpPr>
+          <p:cNvPr id="3" name="Content Placeholder 2"/>
+          <p:cNvSpPr>
+            <a:spLocks noGrp="1"/>
+          </p:cNvSpPr>
+          <p:nvPr>
+            <p:ph idx="1"/>
+          </p:nvPr>
+        </p:nvSpPr>
+        <p:spPr/>
+        <p:txBody>
+          <a:bodyPr/>
+          <a:lstStyle/>
+          <a:p>
+            <a:r>
+              <a:rPr lang="en-US" dirty="0"/>
+              <a:t>a</a:t>
+            </a:r>
+            <a:r>
+              <a:rPr lang="en-US" dirty="0" smtClean="0"/>
+              <a:t>bility to run complex system on engineer laptop or cloud</a:t>
+            </a:r>
+          </a:p>
+          <a:p>
+            <a:r>
+              <a:rPr lang="en-US" dirty="0" smtClean="0"/>
+              <a:t>focus on deliverable’s input and output</a:t>
+            </a:r>
+          </a:p>
+          <a:p>
+            <a:r>
+              <a:rPr lang="en-US" dirty="0" smtClean="0"/>
+              <a:t>development environment setup automation</a:t>
+            </a:r>
+          </a:p>
+          <a:p>
+            <a:r>
+              <a:rPr lang="en-US" dirty="0"/>
+              <a:t>s</a:t>
+            </a:r>
+            <a:r>
+              <a:rPr lang="en-US" dirty="0" smtClean="0"/>
+              <a:t>taging system setup automation</a:t>
+            </a:r>
+          </a:p>
+          <a:p>
+            <a:r>
+              <a:rPr lang="en-US" dirty="0" smtClean="0"/>
+              <a:t>auto generating use cases for production raised defect</a:t>
+            </a:r>
+          </a:p>
+          <a:p>
+            <a:r>
+              <a:rPr lang="en-US" dirty="0" smtClean="0"/>
+              <a:t>debugging and troubleshooting simplification</a:t>
+            </a:r>
+          </a:p>
+          <a:p>
+            <a:r>
+              <a:rPr lang="en-US" dirty="0"/>
+              <a:t>s</a:t>
+            </a:r>
+            <a:r>
+              <a:rPr lang="en-US" dirty="0" smtClean="0"/>
+              <a:t>implifies learning complex systems with many dependencies</a:t>
+            </a:r>
+          </a:p>
+          <a:p>
+            <a:r>
+              <a:rPr lang="en-US" dirty="0" smtClean="0"/>
+              <a:t>QA team / testing engineer integration</a:t>
+            </a:r>
+          </a:p>
+          <a:p>
+            <a:endParaRPr lang="en-US" dirty="0"/>
+          </a:p>
+        </p:txBody>
+      </p:sp>
+    </p:spTree>
+    <p:extLst>
+      <p:ext uri="{BB962C8B-B14F-4D97-AF65-F5344CB8AC3E}">
+        <p14:creationId xmlns:p14="http://schemas.microsoft.com/office/powerpoint/2010/main" val="2105622571"/>
+      </p:ext>
+    </p:extLst>
+  </p:cSld>
+  <p:clrMapOvr>
+    <a:masterClrMapping/>
+  </p:clrMapOvr>
+  <p:timing>
+    <p:tnLst>
+      <p:par>
+        <p:cTn id="1" dur="indefinite" restart="never" nodeType="tmRoot"/>
+      </p:par>
+    </p:tnLst>
+  </p:timing>
+</p:sld>
+</file>
+
+<file path=ppt/slides/slide24.xml><?xml version="1.0" encoding="utf-8"?>
+<p:sld xmlns:a="http://schemas.openxmlformats.org/drawingml/2006/main" xmlns:r="http://schemas.openxmlformats.org/officeDocument/2006/relationships" xmlns:p="http://schemas.openxmlformats.org/presentationml/2006/main">
+  <p:cSld>
+    <p:spTree>
+      <p:nvGrpSpPr>
+        <p:cNvPr id="1" name=""/>
+        <p:cNvGrpSpPr/>
+        <p:nvPr/>
+      </p:nvGrpSpPr>
+      <p:grpSpPr>
+        <a:xfrm>
+          <a:off x="0" y="0"/>
+          <a:ext cx="0" cy="0"/>
+          <a:chOff x="0" y="0"/>
+          <a:chExt cx="0" cy="0"/>
+        </a:xfrm>
+      </p:grpSpPr>
+      <p:sp>
+        <p:nvSpPr>
+          <p:cNvPr id="2" name="Title 1"/>
+          <p:cNvSpPr>
+            <a:spLocks noGrp="1"/>
+          </p:cNvSpPr>
+          <p:nvPr>
+            <p:ph type="title"/>
+          </p:nvPr>
+        </p:nvSpPr>
+        <p:spPr/>
+        <p:txBody>
+          <a:bodyPr/>
+          <a:lstStyle/>
+          <a:p>
+            <a:r>
+              <a:rPr lang="en-US" dirty="0" smtClean="0"/>
+              <a:t>Q &amp; a</a:t>
+            </a:r>
+            <a:endParaRPr lang="en-US" dirty="0"/>
+          </a:p>
+        </p:txBody>
+      </p:sp>
+      <p:sp>
+        <p:nvSpPr>
+          <p:cNvPr id="3" name="Content Placeholder 2"/>
+          <p:cNvSpPr>
+            <a:spLocks noGrp="1"/>
+          </p:cNvSpPr>
+          <p:nvPr>
+            <p:ph idx="1"/>
+          </p:nvPr>
+        </p:nvSpPr>
+        <p:spPr/>
+        <p:txBody>
+          <a:bodyPr/>
+          <a:lstStyle/>
+          <a:p>
+            <a:endParaRPr lang="en-US" dirty="0"/>
+          </a:p>
+        </p:txBody>
+      </p:sp>
+    </p:spTree>
+    <p:extLst>
+      <p:ext uri="{BB962C8B-B14F-4D97-AF65-F5344CB8AC3E}">
+        <p14:creationId xmlns:p14="http://schemas.microsoft.com/office/powerpoint/2010/main" val="815531884"/>
+      </p:ext>
+    </p:extLst>
+  </p:cSld>
+  <p:clrMapOvr>
+    <a:masterClrMapping/>
+  </p:clrMapOvr>
+  <p:timing>
+    <p:tnLst>
+      <p:par>
+        <p:cTn id="1" dur="indefinite" restart="never" nodeType="tmRoot"/>
+      </p:par>
+    </p:tnLst>
+  </p:timing>
+</p:sld>
+</file>
+
 <file path=ppt/slides/slide3.xml><?xml version="1.0" encoding="utf-8"?>
+<p:sld xmlns:a="http://schemas.openxmlformats.org/drawingml/2006/main" xmlns:r="http://schemas.openxmlformats.org/officeDocument/2006/relationships" xmlns:p="http://schemas.openxmlformats.org/presentationml/2006/main">
+  <p:cSld>
+    <p:spTree>
+      <p:nvGrpSpPr>
+        <p:cNvPr id="1" name=""/>
+        <p:cNvGrpSpPr/>
+        <p:nvPr/>
+      </p:nvGrpSpPr>
+      <p:grpSpPr>
+        <a:xfrm>
+          <a:off x="0" y="0"/>
+          <a:ext cx="0" cy="0"/>
+          <a:chOff x="0" y="0"/>
+          <a:chExt cx="0" cy="0"/>
+        </a:xfrm>
+      </p:grpSpPr>
+      <p:sp>
+        <p:nvSpPr>
+          <p:cNvPr id="2" name="Title 1"/>
+          <p:cNvSpPr>
+            <a:spLocks noGrp="1"/>
+          </p:cNvSpPr>
+          <p:nvPr>
+            <p:ph type="title"/>
+          </p:nvPr>
+        </p:nvSpPr>
+        <p:spPr/>
+        <p:txBody>
+          <a:bodyPr/>
+          <a:lstStyle/>
+          <a:p>
+            <a:pPr algn="ctr"/>
+            <a:r>
+              <a:rPr lang="en-US" dirty="0" smtClean="0"/>
+              <a:t>Single Sign On </a:t>
+            </a:r>
+            <a:r>
+              <a:rPr lang="en-US" dirty="0"/>
+              <a:t>application </a:t>
+            </a:r>
+            <a:r>
+              <a:rPr lang="en-US" dirty="0" smtClean="0"/>
+              <a:t/>
+            </a:r>
+            <a:br>
+              <a:rPr lang="en-US" dirty="0" smtClean="0"/>
+            </a:br>
+            <a:r>
+              <a:rPr lang="en-US" dirty="0" smtClean="0"/>
+              <a:t>USE </a:t>
+            </a:r>
+            <a:r>
+              <a:rPr lang="en-US" dirty="0"/>
+              <a:t>CASE </a:t>
+            </a:r>
+            <a:r>
+              <a:rPr lang="en-US" dirty="0" smtClean="0"/>
+              <a:t>architecture</a:t>
+            </a:r>
+            <a:endParaRPr lang="en-US" dirty="0"/>
+          </a:p>
+        </p:txBody>
+      </p:sp>
+      <p:pic>
+        <p:nvPicPr>
+          <p:cNvPr id="8" name="Content Placeholder 7"/>
+          <p:cNvPicPr>
+            <a:picLocks noGrp="1" noChangeAspect="1"/>
+          </p:cNvPicPr>
+          <p:nvPr>
+            <p:ph idx="1"/>
+          </p:nvPr>
+        </p:nvPicPr>
+        <p:blipFill>
+          <a:blip r:embed="rId2">
+            <a:extLst>
+              <a:ext uri="{28A0092B-C50C-407E-A947-70E740481C1C}">
+                <a14:useLocalDpi xmlns:a14="http://schemas.microsoft.com/office/drawing/2010/main" val="0"/>
+              </a:ext>
+            </a:extLst>
+          </a:blip>
+          <a:stretch>
+            <a:fillRect/>
+          </a:stretch>
+        </p:blipFill>
+        <p:spPr>
+          <a:xfrm>
+            <a:off x="2900462" y="2120900"/>
+            <a:ext cx="6397425" cy="4051300"/>
+          </a:xfrm>
+        </p:spPr>
+      </p:pic>
+    </p:spTree>
+    <p:extLst>
+      <p:ext uri="{BB962C8B-B14F-4D97-AF65-F5344CB8AC3E}">
+        <p14:creationId xmlns:p14="http://schemas.microsoft.com/office/powerpoint/2010/main" val="1722513696"/>
+      </p:ext>
+    </p:extLst>
+  </p:cSld>
+  <p:clrMapOvr>
+    <a:masterClrMapping/>
+  </p:clrMapOvr>
+  <p:timing>
+    <p:tnLst>
+      <p:par>
+        <p:cTn id="1" dur="indefinite" restart="never" nodeType="tmRoot"/>
+      </p:par>
+    </p:tnLst>
+  </p:timing>
+</p:sld>
+</file>
+
+<file path=ppt/slides/slide4.xml><?xml version="1.0" encoding="utf-8"?>
 <p:sld xmlns:a="http://schemas.openxmlformats.org/drawingml/2006/main" xmlns:r="http://schemas.openxmlformats.org/officeDocument/2006/relationships" xmlns:p="http://schemas.openxmlformats.org/presentationml/2006/main">
   <p:cSld>
     <p:spTree>
@@ -6192,15 +8263,11 @@
           <a:p>
             <a:r>
               <a:rPr lang="en-US" dirty="0" smtClean="0"/>
-              <a:t>SSO application </a:t>
+              <a:t>SSO </a:t>
             </a:r>
             <a:r>
               <a:rPr lang="en-US" dirty="0" smtClean="0"/>
-              <a:t>e2e use </a:t>
-            </a:r>
-            <a:r>
-              <a:rPr lang="en-US" dirty="0" smtClean="0"/>
-              <a:t>case</a:t>
+              <a:t>application USE CASE MODEL</a:t>
             </a:r>
             <a:endParaRPr lang="en-US" dirty="0"/>
           </a:p>
@@ -6696,7 +8763,7 @@
 </p:sld>
 </file>
 
-<file path=ppt/slides/slide4.xml><?xml version="1.0" encoding="utf-8"?>
+<file path=ppt/slides/slide5.xml><?xml version="1.0" encoding="utf-8"?>
 <p:sld xmlns:a="http://schemas.openxmlformats.org/drawingml/2006/main" xmlns:r="http://schemas.openxmlformats.org/officeDocument/2006/relationships" xmlns:p="http://schemas.openxmlformats.org/presentationml/2006/main">
   <p:cSld>
     <p:spTree>
@@ -6730,7 +8797,11 @@
           <a:p>
             <a:r>
               <a:rPr lang="en-US" dirty="0" smtClean="0"/>
-              <a:t>Signup process flow</a:t>
+              <a:t>Register user process </a:t>
+            </a:r>
+            <a:r>
+              <a:rPr lang="en-US" dirty="0" smtClean="0"/>
+              <a:t>flow</a:t>
             </a:r>
             <a:endParaRPr lang="en-US" dirty="0"/>
           </a:p>
@@ -6789,11 +8860,7 @@
           <a:p>
             <a:r>
               <a:rPr lang="en-US" dirty="0" smtClean="0"/>
-              <a:t>register </a:t>
-            </a:r>
-            <a:r>
-              <a:rPr lang="en-US" dirty="0" smtClean="0"/>
-              <a:t>user </a:t>
+              <a:t>register user </a:t>
             </a:r>
           </a:p>
           <a:p>
@@ -6805,7 +8872,6 @@
               <a:rPr lang="en-US" dirty="0" smtClean="0"/>
               <a:t>ending activation/verification email </a:t>
             </a:r>
-            <a:endParaRPr lang="en-US" dirty="0" smtClean="0"/>
           </a:p>
           <a:p>
             <a:endParaRPr lang="en-US" dirty="0"/>
@@ -7251,7 +9317,7 @@
 </p:sld>
 </file>
 
-<file path=ppt/slides/slide5.xml><?xml version="1.0" encoding="utf-8"?>
+<file path=ppt/slides/slide6.xml><?xml version="1.0" encoding="utf-8"?>
 <p:sld xmlns:a="http://schemas.openxmlformats.org/drawingml/2006/main" xmlns:r="http://schemas.openxmlformats.org/officeDocument/2006/relationships" xmlns:p="http://schemas.openxmlformats.org/presentationml/2006/main">
   <p:cSld>
     <p:spTree>
@@ -7285,11 +9351,7 @@
           <a:p>
             <a:r>
               <a:rPr lang="en-US" dirty="0" smtClean="0"/>
-              <a:t>Sign-in </a:t>
-            </a:r>
-            <a:r>
-              <a:rPr lang="en-US" dirty="0" smtClean="0"/>
-              <a:t>process </a:t>
+              <a:t>Login process </a:t>
             </a:r>
             <a:r>
               <a:rPr lang="en-US" dirty="0"/>
@@ -7350,7 +9412,11 @@
           <a:p>
             <a:r>
               <a:rPr lang="en-US" dirty="0" smtClean="0"/>
-              <a:t>sing in valid user use case</a:t>
+              <a:t>sign </a:t>
+            </a:r>
+            <a:r>
+              <a:rPr lang="en-US" dirty="0" smtClean="0"/>
+              <a:t>in valid user use case</a:t>
             </a:r>
             <a:endParaRPr lang="en-US" dirty="0"/>
           </a:p>
@@ -7676,153 +9742,6 @@
 </p:sld>
 </file>
 
-<file path=ppt/slides/slide6.xml><?xml version="1.0" encoding="utf-8"?>
-<p:sld xmlns:a="http://schemas.openxmlformats.org/drawingml/2006/main" xmlns:r="http://schemas.openxmlformats.org/officeDocument/2006/relationships" xmlns:p="http://schemas.openxmlformats.org/presentationml/2006/main">
-  <p:cSld>
-    <p:spTree>
-      <p:nvGrpSpPr>
-        <p:cNvPr id="1" name=""/>
-        <p:cNvGrpSpPr/>
-        <p:nvPr/>
-      </p:nvGrpSpPr>
-      <p:grpSpPr>
-        <a:xfrm>
-          <a:off x="0" y="0"/>
-          <a:ext cx="0" cy="0"/>
-          <a:chOff x="0" y="0"/>
-          <a:chExt cx="0" cy="0"/>
-        </a:xfrm>
-      </p:grpSpPr>
-      <p:sp>
-        <p:nvSpPr>
-          <p:cNvPr id="2" name="Title 1"/>
-          <p:cNvSpPr>
-            <a:spLocks noGrp="1"/>
-          </p:cNvSpPr>
-          <p:nvPr>
-            <p:ph type="title"/>
-          </p:nvPr>
-        </p:nvSpPr>
-        <p:spPr/>
-        <p:txBody>
-          <a:bodyPr/>
-          <a:lstStyle/>
-          <a:p>
-            <a:pPr algn="ctr"/>
-            <a:r>
-              <a:rPr lang="en-US" smtClean="0"/>
-              <a:t>Endly </a:t>
-            </a:r>
-            <a:r>
-              <a:rPr lang="en-US" smtClean="0"/>
-              <a:t>e2e </a:t>
-            </a:r>
-            <a:r>
-              <a:rPr lang="en-US" dirty="0" smtClean="0"/>
-              <a:t>testing </a:t>
-            </a:r>
-            <a:r>
-              <a:rPr lang="en-US" dirty="0" smtClean="0"/>
-              <a:t>framework</a:t>
-            </a:r>
-            <a:endParaRPr lang="en-US" dirty="0"/>
-          </a:p>
-        </p:txBody>
-      </p:sp>
-      <p:sp>
-        <p:nvSpPr>
-          <p:cNvPr id="3" name="Content Placeholder 2"/>
-          <p:cNvSpPr>
-            <a:spLocks noGrp="1"/>
-          </p:cNvSpPr>
-          <p:nvPr>
-            <p:ph idx="1"/>
-          </p:nvPr>
-        </p:nvSpPr>
-        <p:spPr/>
-        <p:txBody>
-          <a:bodyPr>
-            <a:normAutofit/>
-          </a:bodyPr>
-          <a:lstStyle/>
-          <a:p>
-            <a:r>
-              <a:rPr lang="en-US" sz="2800" dirty="0" smtClean="0"/>
-              <a:t>Endly </a:t>
-            </a:r>
-            <a:r>
-              <a:rPr lang="en-US" sz="2800" dirty="0"/>
-              <a:t>is engineer centric language agnostic automation and end to end functional testing framework written in </a:t>
-            </a:r>
-            <a:r>
-              <a:rPr lang="en-US" sz="2800" dirty="0" smtClean="0"/>
-              <a:t>go </a:t>
-            </a:r>
-            <a:r>
-              <a:rPr lang="en-US" sz="2800" dirty="0"/>
-              <a:t>addressing most of the aspects of testing </a:t>
-            </a:r>
-            <a:r>
-              <a:rPr lang="en-US" sz="2800" dirty="0" smtClean="0"/>
-              <a:t>automation.</a:t>
-            </a:r>
-            <a:endParaRPr lang="en-US" sz="2800" dirty="0"/>
-          </a:p>
-        </p:txBody>
-      </p:sp>
-      <p:sp>
-        <p:nvSpPr>
-          <p:cNvPr id="4" name="Rectangle 3"/>
-          <p:cNvSpPr/>
-          <p:nvPr/>
-        </p:nvSpPr>
-        <p:spPr>
-          <a:xfrm>
-            <a:off x="1069848" y="1553694"/>
-            <a:ext cx="10143744" cy="369332"/>
-          </a:xfrm>
-          <a:prstGeom prst="rect">
-            <a:avLst/>
-          </a:prstGeom>
-        </p:spPr>
-        <p:txBody>
-          <a:bodyPr wrap="square">
-            <a:spAutoFit/>
-          </a:bodyPr>
-          <a:lstStyle/>
-          <a:p>
-            <a:r>
-              <a:rPr lang="en-US" dirty="0"/>
-              <a:t>https://</a:t>
-            </a:r>
-            <a:r>
-              <a:rPr lang="en-US" dirty="0" smtClean="0"/>
-              <a:t>github.com/viant/endly/</a:t>
-            </a:r>
-            <a:endParaRPr lang="en-US" dirty="0"/>
-          </a:p>
-        </p:txBody>
-      </p:sp>
-    </p:spTree>
-    <p:extLst>
-      <p:ext uri="{BB962C8B-B14F-4D97-AF65-F5344CB8AC3E}">
-        <p14:creationId xmlns:p14="http://schemas.microsoft.com/office/powerpoint/2010/main" val="1838844525"/>
-      </p:ext>
-    </p:extLst>
-  </p:cSld>
-  <p:clrMapOvr>
-    <a:masterClrMapping/>
-  </p:clrMapOvr>
-  <p:timing>
-    <p:tnLst>
-      <p:par>
-        <p:cTn id="1" dur="indefinite" restart="never" nodeType="tmRoot"/>
-      </p:par>
-    </p:tnLst>
-  </p:timing>
-</p:sld>
-</file>
-
 <file path=ppt/slides/slide7.xml><?xml version="1.0" encoding="utf-8"?>
 <p:sld xmlns:a="http://schemas.openxmlformats.org/drawingml/2006/main" xmlns:r="http://schemas.openxmlformats.org/officeDocument/2006/relationships" xmlns:p="http://schemas.openxmlformats.org/presentationml/2006/main">
   <p:cSld>
@@ -7857,75 +9776,143 @@
           <a:p>
             <a:r>
               <a:rPr lang="en-US" dirty="0" smtClean="0"/>
-              <a:t>Imperative vs Declarative </a:t>
+              <a:t>End to end testing breakdown</a:t>
             </a:r>
             <a:endParaRPr lang="en-US" dirty="0"/>
           </a:p>
         </p:txBody>
       </p:sp>
-      <p:pic>
-        <p:nvPicPr>
-          <p:cNvPr id="8" name="Content Placeholder 7"/>
-          <p:cNvPicPr>
-            <a:picLocks noGrp="1" noChangeAspect="1"/>
-          </p:cNvPicPr>
+      <p:sp>
+        <p:nvSpPr>
+          <p:cNvPr id="3" name="Content Placeholder 2"/>
+          <p:cNvSpPr>
+            <a:spLocks noGrp="1"/>
+          </p:cNvSpPr>
           <p:nvPr>
             <p:ph idx="1"/>
           </p:nvPr>
-        </p:nvPicPr>
-        <p:blipFill>
-          <a:blip r:embed="rId2">
-            <a:extLst>
-              <a:ext uri="{28A0092B-C50C-407E-A947-70E740481C1C}">
-                <a14:useLocalDpi xmlns:a14="http://schemas.microsoft.com/office/drawing/2010/main" val="0"/>
-              </a:ext>
-            </a:extLst>
-          </a:blip>
-          <a:stretch>
-            <a:fillRect/>
-          </a:stretch>
-        </p:blipFill>
-        <p:spPr>
-          <a:xfrm>
-            <a:off x="356960" y="2636782"/>
-            <a:ext cx="7204983" cy="3053443"/>
-          </a:xfrm>
-        </p:spPr>
-      </p:pic>
-      <p:pic>
-        <p:nvPicPr>
-          <p:cNvPr id="9" name="Picture 8"/>
-          <p:cNvPicPr>
-            <a:picLocks noChangeAspect="1"/>
-          </p:cNvPicPr>
-          <p:nvPr/>
-        </p:nvPicPr>
-        <p:blipFill>
-          <a:blip r:embed="rId3">
-            <a:extLst>
-              <a:ext uri="{28A0092B-C50C-407E-A947-70E740481C1C}">
-                <a14:useLocalDpi xmlns:a14="http://schemas.microsoft.com/office/drawing/2010/main" val="0"/>
-              </a:ext>
-            </a:extLst>
-          </a:blip>
-          <a:stretch>
-            <a:fillRect/>
-          </a:stretch>
-        </p:blipFill>
-        <p:spPr>
-          <a:xfrm>
-            <a:off x="7809017" y="2600482"/>
-            <a:ext cx="4382983" cy="2659132"/>
-          </a:xfrm>
-          <a:prstGeom prst="rect">
-            <a:avLst/>
-          </a:prstGeom>
-        </p:spPr>
-      </p:pic>
+        </p:nvSpPr>
+        <p:spPr/>
+        <p:txBody>
+          <a:bodyPr>
+            <a:normAutofit fontScale="92500" lnSpcReduction="20000"/>
+          </a:bodyPr>
+          <a:lstStyle/>
+          <a:p>
+            <a:r>
+              <a:rPr lang="en-US" dirty="0" smtClean="0"/>
+              <a:t>Application environment</a:t>
+            </a:r>
+          </a:p>
+          <a:p>
+            <a:pPr lvl="1"/>
+            <a:r>
+              <a:rPr lang="en-US" dirty="0"/>
+              <a:t>Datastore/database</a:t>
+            </a:r>
+          </a:p>
+          <a:p>
+            <a:pPr lvl="1"/>
+            <a:r>
+              <a:rPr lang="en-US" dirty="0"/>
+              <a:t>Caching services</a:t>
+            </a:r>
+          </a:p>
+          <a:p>
+            <a:pPr lvl="1"/>
+            <a:r>
+              <a:rPr lang="en-US" dirty="0"/>
+              <a:t>Geo location </a:t>
+            </a:r>
+            <a:r>
+              <a:rPr lang="en-US" dirty="0" smtClean="0"/>
+              <a:t>service</a:t>
+            </a:r>
+          </a:p>
+          <a:p>
+            <a:r>
+              <a:rPr lang="en-US" dirty="0" smtClean="0"/>
+              <a:t>Datastore</a:t>
+            </a:r>
+            <a:endParaRPr lang="en-US" dirty="0"/>
+          </a:p>
+          <a:p>
+            <a:pPr lvl="1"/>
+            <a:r>
+              <a:rPr lang="en-US" dirty="0" smtClean="0"/>
+              <a:t>Loading schema</a:t>
+            </a:r>
+          </a:p>
+          <a:p>
+            <a:pPr lvl="1"/>
+            <a:r>
+              <a:rPr lang="en-US" dirty="0" smtClean="0"/>
+              <a:t>Pre-seeding static </a:t>
+            </a:r>
+            <a:r>
+              <a:rPr lang="en-US" dirty="0" smtClean="0"/>
+              <a:t>data</a:t>
+            </a:r>
+          </a:p>
+          <a:p>
+            <a:r>
+              <a:rPr lang="en-US" dirty="0" smtClean="0"/>
+              <a:t>App </a:t>
+            </a:r>
+          </a:p>
+          <a:p>
+            <a:pPr lvl="1"/>
+            <a:r>
+              <a:rPr lang="en-US" dirty="0" smtClean="0"/>
+              <a:t>Build and deploy</a:t>
+            </a:r>
+            <a:endParaRPr lang="en-US" dirty="0" smtClean="0"/>
+          </a:p>
+          <a:p>
+            <a:r>
+              <a:rPr lang="en-US" dirty="0" smtClean="0"/>
+              <a:t>Regression</a:t>
+            </a:r>
+          </a:p>
+          <a:p>
+            <a:pPr lvl="1"/>
+            <a:r>
+              <a:rPr lang="en-US" dirty="0" smtClean="0"/>
+              <a:t>Test plan</a:t>
+            </a:r>
+          </a:p>
+          <a:p>
+            <a:pPr lvl="2"/>
+            <a:r>
+              <a:rPr lang="en-US" dirty="0" smtClean="0"/>
+              <a:t>Data setup</a:t>
+            </a:r>
+          </a:p>
+          <a:p>
+            <a:pPr lvl="2"/>
+            <a:r>
+              <a:rPr lang="en-US" dirty="0" smtClean="0"/>
+              <a:t>Test execution</a:t>
+            </a:r>
+          </a:p>
+          <a:p>
+            <a:pPr lvl="2"/>
+            <a:r>
+              <a:rPr lang="en-US" dirty="0" smtClean="0"/>
+              <a:t>Output verification</a:t>
+            </a:r>
+            <a:endParaRPr lang="en-US" dirty="0"/>
+          </a:p>
+          <a:p>
+            <a:pPr lvl="1"/>
+            <a:endParaRPr lang="en-US" dirty="0"/>
+          </a:p>
+        </p:txBody>
+      </p:sp>
     </p:spTree>
     <p:extLst>
       <p:ext uri="{BB962C8B-B14F-4D97-AF65-F5344CB8AC3E}">
-        <p14:creationId xmlns:p14="http://schemas.microsoft.com/office/powerpoint/2010/main" val="413941375"/>
+        <p14:creationId xmlns:p14="http://schemas.microsoft.com/office/powerpoint/2010/main" val="1188253447"/>
       </p:ext>
     </p:extLst>
   </p:cSld>
@@ -7953,7 +9940,7 @@
                             </p:stCondLst>
                             <p:childTnLst>
                               <p:par>
-                                <p:cTn id="5" presetID="2" presetClass="entr" presetSubtype="4" fill="hold" nodeType="clickEffect">
+                                <p:cTn id="5" presetID="5" presetClass="entr" presetSubtype="10" fill="hold" nodeType="clickEffect">
                                   <p:stCondLst>
                                     <p:cond delay="0"/>
                                   </p:stCondLst>
@@ -7966,7 +9953,11 @@
                                           </p:stCondLst>
                                         </p:cTn>
                                         <p:tgtEl>
-                                          <p:spTgt spid="8"/>
+                                          <p:spTgt spid="3">
+                                            <p:txEl>
+                                              <p:pRg st="0" end="0"/>
+                                            </p:txEl>
+                                          </p:spTgt>
                                         </p:tgtEl>
                                         <p:attrNameLst>
                                           <p:attrName>style.visibility</p:attrName>
@@ -7976,75 +9967,66 @@
                                         <p:strVal val="visible"/>
                                       </p:to>
                                     </p:set>
-                                    <p:anim calcmode="lin" valueType="num">
-                                      <p:cBhvr additive="base">
-                                        <p:cTn id="7" dur="500" fill="hold"/>
+                                    <p:animEffect transition="in" filter="checkerboard(across)">
+                                      <p:cBhvr>
+                                        <p:cTn id="7" dur="500"/>
                                         <p:tgtEl>
-                                          <p:spTgt spid="8"/>
+                                          <p:spTgt spid="3">
+                                            <p:txEl>
+                                              <p:pRg st="0" end="0"/>
+                                            </p:txEl>
+                                          </p:spTgt>
                                         </p:tgtEl>
-                                        <p:attrNameLst>
-                                          <p:attrName>ppt_x</p:attrName>
-                                        </p:attrNameLst>
                                       </p:cBhvr>
-                                      <p:tavLst>
-                                        <p:tav tm="0">
-                                          <p:val>
-                                            <p:strVal val="#ppt_x"/>
-                                          </p:val>
-                                        </p:tav>
-                                        <p:tav tm="100000">
-                                          <p:val>
-                                            <p:strVal val="#ppt_x"/>
-                                          </p:val>
-                                        </p:tav>
-                                      </p:tavLst>
-                                    </p:anim>
-                                    <p:anim calcmode="lin" valueType="num">
-                                      <p:cBhvr additive="base">
-                                        <p:cTn id="8" dur="500" fill="hold"/>
-                                        <p:tgtEl>
-                                          <p:spTgt spid="8"/>
-                                        </p:tgtEl>
-                                        <p:attrNameLst>
-                                          <p:attrName>ppt_y</p:attrName>
-                                        </p:attrNameLst>
-                                      </p:cBhvr>
-                                      <p:tavLst>
-                                        <p:tav tm="0">
-                                          <p:val>
-                                            <p:strVal val="1+#ppt_h/2"/>
-                                          </p:val>
-                                        </p:tav>
-                                        <p:tav tm="100000">
-                                          <p:val>
-                                            <p:strVal val="#ppt_y"/>
-                                          </p:val>
-                                        </p:tav>
-                                      </p:tavLst>
-                                    </p:anim>
+                                    </p:animEffect>
                                   </p:childTnLst>
                                 </p:cTn>
                               </p:par>
-                            </p:childTnLst>
-                          </p:cTn>
-                        </p:par>
-                      </p:childTnLst>
-                    </p:cTn>
-                  </p:par>
-                  <p:par>
-                    <p:cTn id="9" fill="hold">
-                      <p:stCondLst>
-                        <p:cond delay="indefinite"/>
-                      </p:stCondLst>
-                      <p:childTnLst>
-                        <p:par>
-                          <p:cTn id="10" fill="hold">
-                            <p:stCondLst>
-                              <p:cond delay="0"/>
-                            </p:stCondLst>
-                            <p:childTnLst>
                               <p:par>
-                                <p:cTn id="11" presetID="3" presetClass="entr" presetSubtype="10" fill="hold" nodeType="clickEffect">
+                                <p:cTn id="8" presetID="5" presetClass="entr" presetSubtype="10" fill="hold" nodeType="withEffect">
+                                  <p:stCondLst>
+                                    <p:cond delay="0"/>
+                                  </p:stCondLst>
+                                  <p:childTnLst>
+                                    <p:set>
+                                      <p:cBhvr>
+                                        <p:cTn id="9" dur="1" fill="hold">
+                                          <p:stCondLst>
+                                            <p:cond delay="0"/>
+                                          </p:stCondLst>
+                                        </p:cTn>
+                                        <p:tgtEl>
+                                          <p:spTgt spid="3">
+                                            <p:txEl>
+                                              <p:pRg st="1" end="1"/>
+                                            </p:txEl>
+                                          </p:spTgt>
+                                        </p:tgtEl>
+                                        <p:attrNameLst>
+                                          <p:attrName>style.visibility</p:attrName>
+                                        </p:attrNameLst>
+                                      </p:cBhvr>
+                                      <p:to>
+                                        <p:strVal val="visible"/>
+                                      </p:to>
+                                    </p:set>
+                                    <p:animEffect transition="in" filter="checkerboard(across)">
+                                      <p:cBhvr>
+                                        <p:cTn id="10" dur="500"/>
+                                        <p:tgtEl>
+                                          <p:spTgt spid="3">
+                                            <p:txEl>
+                                              <p:pRg st="1" end="1"/>
+                                            </p:txEl>
+                                          </p:spTgt>
+                                        </p:tgtEl>
+                                      </p:cBhvr>
+                                    </p:animEffect>
+                                  </p:childTnLst>
+                                </p:cTn>
+                              </p:par>
+                              <p:par>
+                                <p:cTn id="11" presetID="5" presetClass="entr" presetSubtype="10" fill="hold" nodeType="withEffect">
                                   <p:stCondLst>
                                     <p:cond delay="0"/>
                                   </p:stCondLst>
@@ -8057,7 +10039,11 @@
                                           </p:stCondLst>
                                         </p:cTn>
                                         <p:tgtEl>
-                                          <p:spTgt spid="9"/>
+                                          <p:spTgt spid="3">
+                                            <p:txEl>
+                                              <p:pRg st="2" end="2"/>
+                                            </p:txEl>
+                                          </p:spTgt>
                                         </p:tgtEl>
                                         <p:attrNameLst>
                                           <p:attrName>style.visibility</p:attrName>
@@ -8067,14 +10053,485 @@
                                         <p:strVal val="visible"/>
                                       </p:to>
                                     </p:set>
-                                    <p:animEffect transition="in" filter="blinds(horizontal)">
+                                    <p:animEffect transition="in" filter="checkerboard(across)">
                                       <p:cBhvr>
                                         <p:cTn id="13" dur="500"/>
                                         <p:tgtEl>
-                                          <p:spTgt spid="9"/>
+                                          <p:spTgt spid="3">
+                                            <p:txEl>
+                                              <p:pRg st="2" end="2"/>
+                                            </p:txEl>
+                                          </p:spTgt>
                                         </p:tgtEl>
                                       </p:cBhvr>
                                     </p:animEffect>
+                                  </p:childTnLst>
+                                </p:cTn>
+                              </p:par>
+                              <p:par>
+                                <p:cTn id="14" presetID="5" presetClass="entr" presetSubtype="10" fill="hold" nodeType="withEffect">
+                                  <p:stCondLst>
+                                    <p:cond delay="0"/>
+                                  </p:stCondLst>
+                                  <p:childTnLst>
+                                    <p:set>
+                                      <p:cBhvr>
+                                        <p:cTn id="15" dur="1" fill="hold">
+                                          <p:stCondLst>
+                                            <p:cond delay="0"/>
+                                          </p:stCondLst>
+                                        </p:cTn>
+                                        <p:tgtEl>
+                                          <p:spTgt spid="3">
+                                            <p:txEl>
+                                              <p:pRg st="3" end="3"/>
+                                            </p:txEl>
+                                          </p:spTgt>
+                                        </p:tgtEl>
+                                        <p:attrNameLst>
+                                          <p:attrName>style.visibility</p:attrName>
+                                        </p:attrNameLst>
+                                      </p:cBhvr>
+                                      <p:to>
+                                        <p:strVal val="visible"/>
+                                      </p:to>
+                                    </p:set>
+                                    <p:animEffect transition="in" filter="checkerboard(across)">
+                                      <p:cBhvr>
+                                        <p:cTn id="16" dur="500"/>
+                                        <p:tgtEl>
+                                          <p:spTgt spid="3">
+                                            <p:txEl>
+                                              <p:pRg st="3" end="3"/>
+                                            </p:txEl>
+                                          </p:spTgt>
+                                        </p:tgtEl>
+                                      </p:cBhvr>
+                                    </p:animEffect>
+                                  </p:childTnLst>
+                                </p:cTn>
+                              </p:par>
+                            </p:childTnLst>
+                          </p:cTn>
+                        </p:par>
+                      </p:childTnLst>
+                    </p:cTn>
+                  </p:par>
+                  <p:par>
+                    <p:cTn id="17" fill="hold">
+                      <p:stCondLst>
+                        <p:cond delay="indefinite"/>
+                      </p:stCondLst>
+                      <p:childTnLst>
+                        <p:par>
+                          <p:cTn id="18" fill="hold">
+                            <p:stCondLst>
+                              <p:cond delay="0"/>
+                            </p:stCondLst>
+                            <p:childTnLst>
+                              <p:par>
+                                <p:cTn id="19" presetID="5" presetClass="entr" presetSubtype="10" fill="hold" nodeType="clickEffect">
+                                  <p:stCondLst>
+                                    <p:cond delay="0"/>
+                                  </p:stCondLst>
+                                  <p:childTnLst>
+                                    <p:set>
+                                      <p:cBhvr>
+                                        <p:cTn id="20" dur="1" fill="hold">
+                                          <p:stCondLst>
+                                            <p:cond delay="0"/>
+                                          </p:stCondLst>
+                                        </p:cTn>
+                                        <p:tgtEl>
+                                          <p:spTgt spid="3">
+                                            <p:txEl>
+                                              <p:pRg st="4" end="4"/>
+                                            </p:txEl>
+                                          </p:spTgt>
+                                        </p:tgtEl>
+                                        <p:attrNameLst>
+                                          <p:attrName>style.visibility</p:attrName>
+                                        </p:attrNameLst>
+                                      </p:cBhvr>
+                                      <p:to>
+                                        <p:strVal val="visible"/>
+                                      </p:to>
+                                    </p:set>
+                                    <p:animEffect transition="in" filter="checkerboard(across)">
+                                      <p:cBhvr>
+                                        <p:cTn id="21" dur="500"/>
+                                        <p:tgtEl>
+                                          <p:spTgt spid="3">
+                                            <p:txEl>
+                                              <p:pRg st="4" end="4"/>
+                                            </p:txEl>
+                                          </p:spTgt>
+                                        </p:tgtEl>
+                                      </p:cBhvr>
+                                    </p:animEffect>
+                                  </p:childTnLst>
+                                </p:cTn>
+                              </p:par>
+                              <p:par>
+                                <p:cTn id="22" presetID="5" presetClass="entr" presetSubtype="10" fill="hold" nodeType="withEffect">
+                                  <p:stCondLst>
+                                    <p:cond delay="0"/>
+                                  </p:stCondLst>
+                                  <p:childTnLst>
+                                    <p:set>
+                                      <p:cBhvr>
+                                        <p:cTn id="23" dur="1" fill="hold">
+                                          <p:stCondLst>
+                                            <p:cond delay="0"/>
+                                          </p:stCondLst>
+                                        </p:cTn>
+                                        <p:tgtEl>
+                                          <p:spTgt spid="3">
+                                            <p:txEl>
+                                              <p:pRg st="5" end="5"/>
+                                            </p:txEl>
+                                          </p:spTgt>
+                                        </p:tgtEl>
+                                        <p:attrNameLst>
+                                          <p:attrName>style.visibility</p:attrName>
+                                        </p:attrNameLst>
+                                      </p:cBhvr>
+                                      <p:to>
+                                        <p:strVal val="visible"/>
+                                      </p:to>
+                                    </p:set>
+                                    <p:animEffect transition="in" filter="checkerboard(across)">
+                                      <p:cBhvr>
+                                        <p:cTn id="24" dur="500"/>
+                                        <p:tgtEl>
+                                          <p:spTgt spid="3">
+                                            <p:txEl>
+                                              <p:pRg st="5" end="5"/>
+                                            </p:txEl>
+                                          </p:spTgt>
+                                        </p:tgtEl>
+                                      </p:cBhvr>
+                                    </p:animEffect>
+                                  </p:childTnLst>
+                                </p:cTn>
+                              </p:par>
+                              <p:par>
+                                <p:cTn id="25" presetID="5" presetClass="entr" presetSubtype="10" fill="hold" nodeType="withEffect">
+                                  <p:stCondLst>
+                                    <p:cond delay="0"/>
+                                  </p:stCondLst>
+                                  <p:childTnLst>
+                                    <p:set>
+                                      <p:cBhvr>
+                                        <p:cTn id="26" dur="1" fill="hold">
+                                          <p:stCondLst>
+                                            <p:cond delay="0"/>
+                                          </p:stCondLst>
+                                        </p:cTn>
+                                        <p:tgtEl>
+                                          <p:spTgt spid="3">
+                                            <p:txEl>
+                                              <p:pRg st="6" end="6"/>
+                                            </p:txEl>
+                                          </p:spTgt>
+                                        </p:tgtEl>
+                                        <p:attrNameLst>
+                                          <p:attrName>style.visibility</p:attrName>
+                                        </p:attrNameLst>
+                                      </p:cBhvr>
+                                      <p:to>
+                                        <p:strVal val="visible"/>
+                                      </p:to>
+                                    </p:set>
+                                    <p:animEffect transition="in" filter="checkerboard(across)">
+                                      <p:cBhvr>
+                                        <p:cTn id="27" dur="500"/>
+                                        <p:tgtEl>
+                                          <p:spTgt spid="3">
+                                            <p:txEl>
+                                              <p:pRg st="6" end="6"/>
+                                            </p:txEl>
+                                          </p:spTgt>
+                                        </p:tgtEl>
+                                      </p:cBhvr>
+                                    </p:animEffect>
+                                  </p:childTnLst>
+                                </p:cTn>
+                              </p:par>
+                            </p:childTnLst>
+                          </p:cTn>
+                        </p:par>
+                      </p:childTnLst>
+                    </p:cTn>
+                  </p:par>
+                  <p:par>
+                    <p:cTn id="28" fill="hold">
+                      <p:stCondLst>
+                        <p:cond delay="indefinite"/>
+                      </p:stCondLst>
+                      <p:childTnLst>
+                        <p:par>
+                          <p:cTn id="29" fill="hold">
+                            <p:stCondLst>
+                              <p:cond delay="0"/>
+                            </p:stCondLst>
+                            <p:childTnLst>
+                              <p:par>
+                                <p:cTn id="30" presetID="5" presetClass="entr" presetSubtype="10" fill="hold" nodeType="clickEffect">
+                                  <p:stCondLst>
+                                    <p:cond delay="0"/>
+                                  </p:stCondLst>
+                                  <p:childTnLst>
+                                    <p:set>
+                                      <p:cBhvr>
+                                        <p:cTn id="31" dur="1" fill="hold">
+                                          <p:stCondLst>
+                                            <p:cond delay="0"/>
+                                          </p:stCondLst>
+                                        </p:cTn>
+                                        <p:tgtEl>
+                                          <p:spTgt spid="3">
+                                            <p:txEl>
+                                              <p:pRg st="7" end="7"/>
+                                            </p:txEl>
+                                          </p:spTgt>
+                                        </p:tgtEl>
+                                        <p:attrNameLst>
+                                          <p:attrName>style.visibility</p:attrName>
+                                        </p:attrNameLst>
+                                      </p:cBhvr>
+                                      <p:to>
+                                        <p:strVal val="visible"/>
+                                      </p:to>
+                                    </p:set>
+                                    <p:animEffect transition="in" filter="checkerboard(across)">
+                                      <p:cBhvr>
+                                        <p:cTn id="32" dur="500"/>
+                                        <p:tgtEl>
+                                          <p:spTgt spid="3">
+                                            <p:txEl>
+                                              <p:pRg st="7" end="7"/>
+                                            </p:txEl>
+                                          </p:spTgt>
+                                        </p:tgtEl>
+                                      </p:cBhvr>
+                                    </p:animEffect>
+                                  </p:childTnLst>
+                                </p:cTn>
+                              </p:par>
+                              <p:par>
+                                <p:cTn id="33" presetID="5" presetClass="entr" presetSubtype="10" fill="hold" nodeType="withEffect">
+                                  <p:stCondLst>
+                                    <p:cond delay="0"/>
+                                  </p:stCondLst>
+                                  <p:childTnLst>
+                                    <p:set>
+                                      <p:cBhvr>
+                                        <p:cTn id="34" dur="1" fill="hold">
+                                          <p:stCondLst>
+                                            <p:cond delay="0"/>
+                                          </p:stCondLst>
+                                        </p:cTn>
+                                        <p:tgtEl>
+                                          <p:spTgt spid="3">
+                                            <p:txEl>
+                                              <p:pRg st="8" end="8"/>
+                                            </p:txEl>
+                                          </p:spTgt>
+                                        </p:tgtEl>
+                                        <p:attrNameLst>
+                                          <p:attrName>style.visibility</p:attrName>
+                                        </p:attrNameLst>
+                                      </p:cBhvr>
+                                      <p:to>
+                                        <p:strVal val="visible"/>
+                                      </p:to>
+                                    </p:set>
+                                    <p:animEffect transition="in" filter="checkerboard(across)">
+                                      <p:cBhvr>
+                                        <p:cTn id="35" dur="500"/>
+                                        <p:tgtEl>
+                                          <p:spTgt spid="3">
+                                            <p:txEl>
+                                              <p:pRg st="8" end="8"/>
+                                            </p:txEl>
+                                          </p:spTgt>
+                                        </p:tgtEl>
+                                      </p:cBhvr>
+                                    </p:animEffect>
+                                  </p:childTnLst>
+                                </p:cTn>
+                              </p:par>
+                            </p:childTnLst>
+                          </p:cTn>
+                        </p:par>
+                      </p:childTnLst>
+                    </p:cTn>
+                  </p:par>
+                  <p:par>
+                    <p:cTn id="36" fill="hold">
+                      <p:stCondLst>
+                        <p:cond delay="indefinite"/>
+                      </p:stCondLst>
+                      <p:childTnLst>
+                        <p:par>
+                          <p:cTn id="37" fill="hold">
+                            <p:stCondLst>
+                              <p:cond delay="0"/>
+                            </p:stCondLst>
+                            <p:childTnLst>
+                              <p:par>
+                                <p:cTn id="38" presetID="1" presetClass="entr" presetSubtype="0" fill="hold" nodeType="clickEffect">
+                                  <p:stCondLst>
+                                    <p:cond delay="0"/>
+                                  </p:stCondLst>
+                                  <p:childTnLst>
+                                    <p:set>
+                                      <p:cBhvr>
+                                        <p:cTn id="39" dur="1" fill="hold">
+                                          <p:stCondLst>
+                                            <p:cond delay="0"/>
+                                          </p:stCondLst>
+                                        </p:cTn>
+                                        <p:tgtEl>
+                                          <p:spTgt spid="3">
+                                            <p:txEl>
+                                              <p:pRg st="9" end="9"/>
+                                            </p:txEl>
+                                          </p:spTgt>
+                                        </p:tgtEl>
+                                        <p:attrNameLst>
+                                          <p:attrName>style.visibility</p:attrName>
+                                        </p:attrNameLst>
+                                      </p:cBhvr>
+                                      <p:to>
+                                        <p:strVal val="visible"/>
+                                      </p:to>
+                                    </p:set>
+                                  </p:childTnLst>
+                                </p:cTn>
+                              </p:par>
+                              <p:par>
+                                <p:cTn id="40" presetID="1" presetClass="entr" presetSubtype="0" fill="hold" nodeType="withEffect">
+                                  <p:stCondLst>
+                                    <p:cond delay="0"/>
+                                  </p:stCondLst>
+                                  <p:childTnLst>
+                                    <p:set>
+                                      <p:cBhvr>
+                                        <p:cTn id="41" dur="1" fill="hold">
+                                          <p:stCondLst>
+                                            <p:cond delay="0"/>
+                                          </p:stCondLst>
+                                        </p:cTn>
+                                        <p:tgtEl>
+                                          <p:spTgt spid="3">
+                                            <p:txEl>
+                                              <p:pRg st="10" end="10"/>
+                                            </p:txEl>
+                                          </p:spTgt>
+                                        </p:tgtEl>
+                                        <p:attrNameLst>
+                                          <p:attrName>style.visibility</p:attrName>
+                                        </p:attrNameLst>
+                                      </p:cBhvr>
+                                      <p:to>
+                                        <p:strVal val="visible"/>
+                                      </p:to>
+                                    </p:set>
+                                  </p:childTnLst>
+                                </p:cTn>
+                              </p:par>
+                              <p:par>
+                                <p:cTn id="42" presetID="1" presetClass="entr" presetSubtype="0" fill="hold" nodeType="withEffect">
+                                  <p:stCondLst>
+                                    <p:cond delay="0"/>
+                                  </p:stCondLst>
+                                  <p:childTnLst>
+                                    <p:set>
+                                      <p:cBhvr>
+                                        <p:cTn id="43" dur="1" fill="hold">
+                                          <p:stCondLst>
+                                            <p:cond delay="0"/>
+                                          </p:stCondLst>
+                                        </p:cTn>
+                                        <p:tgtEl>
+                                          <p:spTgt spid="3">
+                                            <p:txEl>
+                                              <p:pRg st="11" end="11"/>
+                                            </p:txEl>
+                                          </p:spTgt>
+                                        </p:tgtEl>
+                                        <p:attrNameLst>
+                                          <p:attrName>style.visibility</p:attrName>
+                                        </p:attrNameLst>
+                                      </p:cBhvr>
+                                      <p:to>
+                                        <p:strVal val="visible"/>
+                                      </p:to>
+                                    </p:set>
+                                  </p:childTnLst>
+                                </p:cTn>
+                              </p:par>
+                              <p:par>
+                                <p:cTn id="44" presetID="1" presetClass="entr" presetSubtype="0" fill="hold" nodeType="withEffect">
+                                  <p:stCondLst>
+                                    <p:cond delay="0"/>
+                                  </p:stCondLst>
+                                  <p:childTnLst>
+                                    <p:set>
+                                      <p:cBhvr>
+                                        <p:cTn id="45" dur="1" fill="hold">
+                                          <p:stCondLst>
+                                            <p:cond delay="0"/>
+                                          </p:stCondLst>
+                                        </p:cTn>
+                                        <p:tgtEl>
+                                          <p:spTgt spid="3">
+                                            <p:txEl>
+                                              <p:pRg st="12" end="12"/>
+                                            </p:txEl>
+                                          </p:spTgt>
+                                        </p:tgtEl>
+                                        <p:attrNameLst>
+                                          <p:attrName>style.visibility</p:attrName>
+                                        </p:attrNameLst>
+                                      </p:cBhvr>
+                                      <p:to>
+                                        <p:strVal val="visible"/>
+                                      </p:to>
+                                    </p:set>
+                                  </p:childTnLst>
+                                </p:cTn>
+                              </p:par>
+                              <p:par>
+                                <p:cTn id="46" presetID="1" presetClass="entr" presetSubtype="0" fill="hold" nodeType="withEffect">
+                                  <p:stCondLst>
+                                    <p:cond delay="0"/>
+                                  </p:stCondLst>
+                                  <p:childTnLst>
+                                    <p:set>
+                                      <p:cBhvr>
+                                        <p:cTn id="47" dur="1" fill="hold">
+                                          <p:stCondLst>
+                                            <p:cond delay="0"/>
+                                          </p:stCondLst>
+                                        </p:cTn>
+                                        <p:tgtEl>
+                                          <p:spTgt spid="3">
+                                            <p:txEl>
+                                              <p:pRg st="13" end="13"/>
+                                            </p:txEl>
+                                          </p:spTgt>
+                                        </p:tgtEl>
+                                        <p:attrNameLst>
+                                          <p:attrName>style.visibility</p:attrName>
+                                        </p:attrNameLst>
+                                      </p:cBhvr>
+                                      <p:to>
+                                        <p:strVal val="visible"/>
+                                      </p:to>
+                                    </p:set>
                                   </p:childTnLst>
                                 </p:cTn>
                               </p:par>
@@ -8141,13 +10598,10 @@
           <a:bodyPr/>
           <a:lstStyle/>
           <a:p>
+            <a:pPr algn="ctr"/>
             <a:r>
               <a:rPr lang="en-US" dirty="0" smtClean="0"/>
-              <a:t>End to end testing </a:t>
-            </a:r>
-            <a:r>
-              <a:rPr lang="en-US" dirty="0" smtClean="0"/>
-              <a:t>breakdown</a:t>
+              <a:t>What is endly Endly ?</a:t>
             </a:r>
             <a:endParaRPr lang="en-US" dirty="0"/>
           </a:p>
@@ -8165,114 +10619,96 @@
         </p:nvSpPr>
         <p:spPr/>
         <p:txBody>
-          <a:bodyPr/>
+          <a:bodyPr>
+            <a:normAutofit/>
+          </a:bodyPr>
           <a:lstStyle/>
           <a:p>
             <a:r>
+              <a:rPr lang="en-US" sz="2800" dirty="0" smtClean="0"/>
+              <a:t>Engineer </a:t>
+            </a:r>
+            <a:r>
+              <a:rPr lang="en-US" sz="2800" dirty="0"/>
+              <a:t>centric </a:t>
+            </a:r>
+            <a:r>
+              <a:rPr lang="en-US" sz="2800" dirty="0" smtClean="0"/>
+              <a:t>automation </a:t>
+            </a:r>
+            <a:r>
+              <a:rPr lang="en-US" sz="2800" dirty="0"/>
+              <a:t>and </a:t>
+            </a:r>
+            <a:r>
+              <a:rPr lang="en-US" sz="2800" dirty="0" smtClean="0"/>
+              <a:t>end </a:t>
+            </a:r>
+            <a:r>
+              <a:rPr lang="en-US" sz="2800" dirty="0"/>
+              <a:t>to end functional testing framework written in </a:t>
+            </a:r>
+            <a:r>
+              <a:rPr lang="en-US" sz="2800" dirty="0" smtClean="0"/>
+              <a:t>go.</a:t>
+            </a:r>
+          </a:p>
+          <a:p>
+            <a:r>
+              <a:rPr lang="en-US" sz="2800" dirty="0" smtClean="0"/>
+              <a:t>Extendable (pluggable services)</a:t>
+            </a:r>
+          </a:p>
+          <a:p>
+            <a:r>
+              <a:rPr lang="en-US" sz="2800" dirty="0" smtClean="0"/>
+              <a:t>Flexible (easy task orchestration)</a:t>
+            </a:r>
+          </a:p>
+          <a:p>
+            <a:r>
+              <a:rPr lang="en-US" sz="2800" dirty="0" smtClean="0"/>
+              <a:t>Language agnostic</a:t>
+            </a:r>
+          </a:p>
+          <a:p>
+            <a:r>
+              <a:rPr lang="en-US" sz="2800" dirty="0" smtClean="0"/>
+              <a:t>Declarative</a:t>
+            </a:r>
+            <a:endParaRPr lang="en-US" sz="2800" dirty="0"/>
+          </a:p>
+        </p:txBody>
+      </p:sp>
+      <p:sp>
+        <p:nvSpPr>
+          <p:cNvPr id="4" name="Rectangle 3"/>
+          <p:cNvSpPr/>
+          <p:nvPr/>
+        </p:nvSpPr>
+        <p:spPr>
+          <a:xfrm>
+            <a:off x="1069848" y="1553694"/>
+            <a:ext cx="10143744" cy="369332"/>
+          </a:xfrm>
+          <a:prstGeom prst="rect">
+            <a:avLst/>
+          </a:prstGeom>
+        </p:spPr>
+        <p:txBody>
+          <a:bodyPr wrap="square">
+            <a:spAutoFit/>
+          </a:bodyPr>
+          <a:lstStyle/>
+          <a:p>
+            <a:r>
+              <a:rPr lang="en-US" dirty="0"/>
+              <a:t>https://</a:t>
+            </a:r>
+            <a:r>
               <a:rPr lang="en-US" dirty="0" smtClean="0"/>
-              <a:t>Application </a:t>
-            </a:r>
-            <a:r>
-              <a:rPr lang="en-US" dirty="0" smtClean="0"/>
-              <a:t>environment</a:t>
-            </a:r>
-            <a:endParaRPr lang="en-US" dirty="0" smtClean="0"/>
-          </a:p>
-          <a:p>
-            <a:pPr lvl="1"/>
-            <a:r>
-              <a:rPr lang="en-US" dirty="0"/>
-              <a:t>Datastore/database</a:t>
-            </a:r>
-          </a:p>
-          <a:p>
-            <a:pPr lvl="1"/>
-            <a:r>
-              <a:rPr lang="en-US" dirty="0"/>
-              <a:t>Caching services</a:t>
-            </a:r>
-          </a:p>
-          <a:p>
-            <a:pPr lvl="1"/>
-            <a:r>
-              <a:rPr lang="en-US" dirty="0"/>
-              <a:t>Geo location </a:t>
-            </a:r>
-            <a:r>
-              <a:rPr lang="en-US" dirty="0" smtClean="0"/>
-              <a:t>service</a:t>
-            </a:r>
-          </a:p>
-          <a:p>
-            <a:r>
-              <a:rPr lang="en-US" dirty="0" smtClean="0"/>
-              <a:t>Datastore</a:t>
-            </a:r>
-            <a:endParaRPr lang="en-US" dirty="0"/>
-          </a:p>
-          <a:p>
-            <a:pPr lvl="1"/>
-            <a:r>
-              <a:rPr lang="en-US" dirty="0" smtClean="0"/>
-              <a:t>Loading </a:t>
-            </a:r>
-            <a:r>
-              <a:rPr lang="en-US" dirty="0" smtClean="0"/>
-              <a:t>schema</a:t>
-            </a:r>
-          </a:p>
-          <a:p>
-            <a:pPr lvl="1"/>
-            <a:r>
-              <a:rPr lang="en-US" dirty="0" smtClean="0"/>
-              <a:t>Pre-seeding </a:t>
-            </a:r>
-            <a:r>
-              <a:rPr lang="en-US" dirty="0" smtClean="0"/>
-              <a:t>static </a:t>
-            </a:r>
-            <a:r>
-              <a:rPr lang="en-US" dirty="0" smtClean="0"/>
-              <a:t>data</a:t>
-            </a:r>
-          </a:p>
-          <a:p>
-            <a:r>
-              <a:rPr lang="en-US" dirty="0" smtClean="0"/>
-              <a:t>Regression</a:t>
-            </a:r>
-          </a:p>
-          <a:p>
-            <a:pPr lvl="1"/>
-            <a:r>
-              <a:rPr lang="en-US" dirty="0" smtClean="0"/>
-              <a:t>Test plan</a:t>
-            </a:r>
-          </a:p>
-          <a:p>
-            <a:pPr lvl="2"/>
-            <a:r>
-              <a:rPr lang="en-US" dirty="0" smtClean="0"/>
-              <a:t>Data setup</a:t>
-            </a:r>
-          </a:p>
-          <a:p>
-            <a:pPr lvl="2"/>
-            <a:r>
-              <a:rPr lang="en-US" dirty="0" smtClean="0"/>
-              <a:t>Test execution</a:t>
-            </a:r>
-          </a:p>
-          <a:p>
-            <a:pPr lvl="2"/>
-            <a:r>
-              <a:rPr lang="en-US" dirty="0" smtClean="0"/>
-              <a:t>Output verification</a:t>
-            </a:r>
-            <a:endParaRPr lang="en-US" dirty="0"/>
-          </a:p>
-          <a:p>
-            <a:pPr lvl="1"/>
+              <a:t>github.com/viant/endly/</a:t>
+            </a:r>
             <a:endParaRPr lang="en-US" dirty="0"/>
           </a:p>
         </p:txBody>
@@ -8280,7 +10716,7 @@
     </p:spTree>
     <p:extLst>
       <p:ext uri="{BB962C8B-B14F-4D97-AF65-F5344CB8AC3E}">
-        <p14:creationId xmlns:p14="http://schemas.microsoft.com/office/powerpoint/2010/main" val="1188253447"/>
+        <p14:creationId xmlns:p14="http://schemas.microsoft.com/office/powerpoint/2010/main" val="1838844525"/>
       </p:ext>
     </p:extLst>
   </p:cSld>
@@ -8369,7 +10805,7 @@
                             </p:stCondLst>
                             <p:childTnLst>
                               <p:par>
-                                <p:cTn id="10" presetID="9" presetClass="entr" presetSubtype="0" fill="hold" nodeType="clickEffect">
+                                <p:cTn id="10" presetID="1" presetClass="entr" presetSubtype="0" fill="hold" nodeType="clickEffect">
                                   <p:stCondLst>
                                     <p:cond delay="0"/>
                                   </p:stCondLst>
@@ -8396,30 +10832,36 @@
                                         <p:strVal val="visible"/>
                                       </p:to>
                                     </p:set>
-                                    <p:animEffect transition="in" filter="dissolve">
-                                      <p:cBhvr>
-                                        <p:cTn id="12" dur="500"/>
-                                        <p:tgtEl>
-                                          <p:spTgt spid="3">
-                                            <p:txEl>
-                                              <p:pRg st="1" end="1"/>
-                                            </p:txEl>
-                                          </p:spTgt>
-                                        </p:tgtEl>
-                                      </p:cBhvr>
-                                    </p:animEffect>
                                   </p:childTnLst>
                                 </p:cTn>
                               </p:par>
+                            </p:childTnLst>
+                          </p:cTn>
+                        </p:par>
+                      </p:childTnLst>
+                    </p:cTn>
+                  </p:par>
+                  <p:par>
+                    <p:cTn id="12" fill="hold">
+                      <p:stCondLst>
+                        <p:cond delay="indefinite"/>
+                      </p:stCondLst>
+                      <p:childTnLst>
+                        <p:par>
+                          <p:cTn id="13" fill="hold">
+                            <p:stCondLst>
+                              <p:cond delay="0"/>
+                            </p:stCondLst>
+                            <p:childTnLst>
                               <p:par>
-                                <p:cTn id="13" presetID="9" presetClass="entr" presetSubtype="0" fill="hold" nodeType="withEffect">
+                                <p:cTn id="14" presetID="2" presetClass="entr" presetSubtype="4" fill="hold" nodeType="clickEffect">
                                   <p:stCondLst>
                                     <p:cond delay="0"/>
                                   </p:stCondLst>
                                   <p:childTnLst>
                                     <p:set>
                                       <p:cBhvr>
-                                        <p:cTn id="14" dur="1" fill="hold">
+                                        <p:cTn id="15" dur="1" fill="hold">
                                           <p:stCondLst>
                                             <p:cond delay="0"/>
                                           </p:stCondLst>
@@ -8439,9 +10881,9 @@
                                         <p:strVal val="visible"/>
                                       </p:to>
                                     </p:set>
-                                    <p:animEffect transition="in" filter="dissolve">
-                                      <p:cBhvr>
-                                        <p:cTn id="15" dur="500"/>
+                                    <p:anim calcmode="lin" valueType="num">
+                                      <p:cBhvr additive="base">
+                                        <p:cTn id="16" dur="500" fill="hold"/>
                                         <p:tgtEl>
                                           <p:spTgt spid="3">
                                             <p:txEl>
@@ -8449,20 +10891,80 @@
                                             </p:txEl>
                                           </p:spTgt>
                                         </p:tgtEl>
+                                        <p:attrNameLst>
+                                          <p:attrName>ppt_x</p:attrName>
+                                        </p:attrNameLst>
                                       </p:cBhvr>
-                                    </p:animEffect>
+                                      <p:tavLst>
+                                        <p:tav tm="0">
+                                          <p:val>
+                                            <p:strVal val="#ppt_x"/>
+                                          </p:val>
+                                        </p:tav>
+                                        <p:tav tm="100000">
+                                          <p:val>
+                                            <p:strVal val="#ppt_x"/>
+                                          </p:val>
+                                        </p:tav>
+                                      </p:tavLst>
+                                    </p:anim>
+                                    <p:anim calcmode="lin" valueType="num">
+                                      <p:cBhvr additive="base">
+                                        <p:cTn id="17" dur="500" fill="hold"/>
+                                        <p:tgtEl>
+                                          <p:spTgt spid="3">
+                                            <p:txEl>
+                                              <p:pRg st="2" end="2"/>
+                                            </p:txEl>
+                                          </p:spTgt>
+                                        </p:tgtEl>
+                                        <p:attrNameLst>
+                                          <p:attrName>ppt_y</p:attrName>
+                                        </p:attrNameLst>
+                                      </p:cBhvr>
+                                      <p:tavLst>
+                                        <p:tav tm="0">
+                                          <p:val>
+                                            <p:strVal val="1+#ppt_h/2"/>
+                                          </p:val>
+                                        </p:tav>
+                                        <p:tav tm="100000">
+                                          <p:val>
+                                            <p:strVal val="#ppt_y"/>
+                                          </p:val>
+                                        </p:tav>
+                                      </p:tavLst>
+                                    </p:anim>
                                   </p:childTnLst>
                                 </p:cTn>
                               </p:par>
+                            </p:childTnLst>
+                          </p:cTn>
+                        </p:par>
+                      </p:childTnLst>
+                    </p:cTn>
+                  </p:par>
+                  <p:par>
+                    <p:cTn id="18" fill="hold">
+                      <p:stCondLst>
+                        <p:cond delay="indefinite"/>
+                      </p:stCondLst>
+                      <p:childTnLst>
+                        <p:par>
+                          <p:cTn id="19" fill="hold">
+                            <p:stCondLst>
+                              <p:cond delay="0"/>
+                            </p:stCondLst>
+                            <p:childTnLst>
                               <p:par>
-                                <p:cTn id="16" presetID="9" presetClass="entr" presetSubtype="0" fill="hold" nodeType="withEffect">
+                                <p:cTn id="20" presetID="3" presetClass="entr" presetSubtype="10" fill="hold" nodeType="clickEffect">
                                   <p:stCondLst>
                                     <p:cond delay="0"/>
                                   </p:stCondLst>
                                   <p:childTnLst>
                                     <p:set>
                                       <p:cBhvr>
-                                        <p:cTn id="17" dur="1" fill="hold">
+                                        <p:cTn id="21" dur="1" fill="hold">
                                           <p:stCondLst>
                                             <p:cond delay="0"/>
                                           </p:stCondLst>
@@ -8482,9 +10984,9 @@
                                         <p:strVal val="visible"/>
                                       </p:to>
                                     </p:set>
-                                    <p:animEffect transition="in" filter="dissolve">
+                                    <p:animEffect transition="in" filter="blinds(horizontal)">
                                       <p:cBhvr>
-                                        <p:cTn id="18" dur="500"/>
+                                        <p:cTn id="22" dur="500"/>
                                         <p:tgtEl>
                                           <p:spTgt spid="3">
                                             <p:txEl>
@@ -8494,55 +10996,6 @@
                                         </p:tgtEl>
                                       </p:cBhvr>
                                     </p:animEffect>
-                                  </p:childTnLst>
-                                </p:cTn>
-                              </p:par>
-                            </p:childTnLst>
-                          </p:cTn>
-                        </p:par>
-                      </p:childTnLst>
-                    </p:cTn>
-                  </p:par>
-                  <p:par>
-                    <p:cTn id="19" fill="hold">
-                      <p:stCondLst>
-                        <p:cond delay="indefinite"/>
-                      </p:stCondLst>
-                      <p:childTnLst>
-                        <p:par>
-                          <p:cTn id="20" fill="hold">
-                            <p:stCondLst>
-                              <p:cond delay="0"/>
-                            </p:stCondLst>
-                            <p:childTnLst>
-                              <p:par>
-                                <p:cTn id="21" presetID="1" presetClass="entr" presetSubtype="0" fill="hold" nodeType="clickEffect">
-                                  <p:stCondLst>
-                                    <p:cond delay="0"/>
-                                  </p:stCondLst>
-                                  <p:childTnLst>
-                                    <p:set>
-                                      <p:cBhvr>
-                                        <p:cTn id="22" dur="1" fill="hold">
-                                          <p:stCondLst>
-                                            <p:cond delay="0"/>
-                                          </p:stCondLst>
-                                        </p:cTn>
-                                        <p:tgtEl>
-                                          <p:spTgt spid="3">
-                                            <p:txEl>
-                                              <p:pRg st="4" end="4"/>
-                                            </p:txEl>
-                                          </p:spTgt>
-                                        </p:tgtEl>
-                                        <p:attrNameLst>
-                                          <p:attrName>style.visibility</p:attrName>
-                                        </p:attrNameLst>
-                                      </p:cBhvr>
-                                      <p:to>
-                                        <p:strVal val="visible"/>
-                                      </p:to>
-                                    </p:set>
                                   </p:childTnLst>
                                 </p:cTn>
                               </p:par>
@@ -8580,7 +11033,7 @@
                                         <p:tgtEl>
                                           <p:spTgt spid="3">
                                             <p:txEl>
-                                              <p:pRg st="5" end="5"/>
+                                              <p:pRg st="4" end="4"/>
                                             </p:txEl>
                                           </p:spTgt>
                                         </p:tgtEl>
@@ -8598,343 +11051,7 @@
                                         <p:tgtEl>
                                           <p:spTgt spid="3">
                                             <p:txEl>
-                                              <p:pRg st="5" end="5"/>
-                                            </p:txEl>
-                                          </p:spTgt>
-                                        </p:tgtEl>
-                                      </p:cBhvr>
-                                    </p:animEffect>
-                                  </p:childTnLst>
-                                </p:cTn>
-                              </p:par>
-                              <p:par>
-                                <p:cTn id="28" presetID="9" presetClass="entr" presetSubtype="0" fill="hold" nodeType="withEffect">
-                                  <p:stCondLst>
-                                    <p:cond delay="0"/>
-                                  </p:stCondLst>
-                                  <p:childTnLst>
-                                    <p:set>
-                                      <p:cBhvr>
-                                        <p:cTn id="29" dur="1" fill="hold">
-                                          <p:stCondLst>
-                                            <p:cond delay="0"/>
-                                          </p:stCondLst>
-                                        </p:cTn>
-                                        <p:tgtEl>
-                                          <p:spTgt spid="3">
-                                            <p:txEl>
-                                              <p:pRg st="6" end="6"/>
-                                            </p:txEl>
-                                          </p:spTgt>
-                                        </p:tgtEl>
-                                        <p:attrNameLst>
-                                          <p:attrName>style.visibility</p:attrName>
-                                        </p:attrNameLst>
-                                      </p:cBhvr>
-                                      <p:to>
-                                        <p:strVal val="visible"/>
-                                      </p:to>
-                                    </p:set>
-                                    <p:animEffect transition="in" filter="dissolve">
-                                      <p:cBhvr>
-                                        <p:cTn id="30" dur="500"/>
-                                        <p:tgtEl>
-                                          <p:spTgt spid="3">
-                                            <p:txEl>
-                                              <p:pRg st="6" end="6"/>
-                                            </p:txEl>
-                                          </p:spTgt>
-                                        </p:tgtEl>
-                                      </p:cBhvr>
-                                    </p:animEffect>
-                                  </p:childTnLst>
-                                </p:cTn>
-                              </p:par>
-                            </p:childTnLst>
-                          </p:cTn>
-                        </p:par>
-                      </p:childTnLst>
-                    </p:cTn>
-                  </p:par>
-                  <p:par>
-                    <p:cTn id="31" fill="hold">
-                      <p:stCondLst>
-                        <p:cond delay="indefinite"/>
-                      </p:stCondLst>
-                      <p:childTnLst>
-                        <p:par>
-                          <p:cTn id="32" fill="hold">
-                            <p:stCondLst>
-                              <p:cond delay="0"/>
-                            </p:stCondLst>
-                            <p:childTnLst>
-                              <p:par>
-                                <p:cTn id="33" presetID="2" presetClass="entr" presetSubtype="4" fill="hold" nodeType="clickEffect">
-                                  <p:stCondLst>
-                                    <p:cond delay="0"/>
-                                  </p:stCondLst>
-                                  <p:childTnLst>
-                                    <p:set>
-                                      <p:cBhvr>
-                                        <p:cTn id="34" dur="1" fill="hold">
-                                          <p:stCondLst>
-                                            <p:cond delay="0"/>
-                                          </p:stCondLst>
-                                        </p:cTn>
-                                        <p:tgtEl>
-                                          <p:spTgt spid="3">
-                                            <p:txEl>
-                                              <p:pRg st="7" end="7"/>
-                                            </p:txEl>
-                                          </p:spTgt>
-                                        </p:tgtEl>
-                                        <p:attrNameLst>
-                                          <p:attrName>style.visibility</p:attrName>
-                                        </p:attrNameLst>
-                                      </p:cBhvr>
-                                      <p:to>
-                                        <p:strVal val="visible"/>
-                                      </p:to>
-                                    </p:set>
-                                    <p:anim calcmode="lin" valueType="num">
-                                      <p:cBhvr additive="base">
-                                        <p:cTn id="35" dur="500" fill="hold"/>
-                                        <p:tgtEl>
-                                          <p:spTgt spid="3">
-                                            <p:txEl>
-                                              <p:pRg st="7" end="7"/>
-                                            </p:txEl>
-                                          </p:spTgt>
-                                        </p:tgtEl>
-                                        <p:attrNameLst>
-                                          <p:attrName>ppt_x</p:attrName>
-                                        </p:attrNameLst>
-                                      </p:cBhvr>
-                                      <p:tavLst>
-                                        <p:tav tm="0">
-                                          <p:val>
-                                            <p:strVal val="#ppt_x"/>
-                                          </p:val>
-                                        </p:tav>
-                                        <p:tav tm="100000">
-                                          <p:val>
-                                            <p:strVal val="#ppt_x"/>
-                                          </p:val>
-                                        </p:tav>
-                                      </p:tavLst>
-                                    </p:anim>
-                                    <p:anim calcmode="lin" valueType="num">
-                                      <p:cBhvr additive="base">
-                                        <p:cTn id="36" dur="500" fill="hold"/>
-                                        <p:tgtEl>
-                                          <p:spTgt spid="3">
-                                            <p:txEl>
-                                              <p:pRg st="7" end="7"/>
-                                            </p:txEl>
-                                          </p:spTgt>
-                                        </p:tgtEl>
-                                        <p:attrNameLst>
-                                          <p:attrName>ppt_y</p:attrName>
-                                        </p:attrNameLst>
-                                      </p:cBhvr>
-                                      <p:tavLst>
-                                        <p:tav tm="0">
-                                          <p:val>
-                                            <p:strVal val="1+#ppt_h/2"/>
-                                          </p:val>
-                                        </p:tav>
-                                        <p:tav tm="100000">
-                                          <p:val>
-                                            <p:strVal val="#ppt_y"/>
-                                          </p:val>
-                                        </p:tav>
-                                      </p:tavLst>
-                                    </p:anim>
-                                  </p:childTnLst>
-                                </p:cTn>
-                              </p:par>
-                            </p:childTnLst>
-                          </p:cTn>
-                        </p:par>
-                      </p:childTnLst>
-                    </p:cTn>
-                  </p:par>
-                  <p:par>
-                    <p:cTn id="37" fill="hold">
-                      <p:stCondLst>
-                        <p:cond delay="indefinite"/>
-                      </p:stCondLst>
-                      <p:childTnLst>
-                        <p:par>
-                          <p:cTn id="38" fill="hold">
-                            <p:stCondLst>
-                              <p:cond delay="0"/>
-                            </p:stCondLst>
-                            <p:childTnLst>
-                              <p:par>
-                                <p:cTn id="39" presetID="3" presetClass="entr" presetSubtype="10" fill="hold" nodeType="clickEffect">
-                                  <p:stCondLst>
-                                    <p:cond delay="0"/>
-                                  </p:stCondLst>
-                                  <p:childTnLst>
-                                    <p:set>
-                                      <p:cBhvr>
-                                        <p:cTn id="40" dur="1" fill="hold">
-                                          <p:stCondLst>
-                                            <p:cond delay="0"/>
-                                          </p:stCondLst>
-                                        </p:cTn>
-                                        <p:tgtEl>
-                                          <p:spTgt spid="3">
-                                            <p:txEl>
-                                              <p:pRg st="8" end="8"/>
-                                            </p:txEl>
-                                          </p:spTgt>
-                                        </p:tgtEl>
-                                        <p:attrNameLst>
-                                          <p:attrName>style.visibility</p:attrName>
-                                        </p:attrNameLst>
-                                      </p:cBhvr>
-                                      <p:to>
-                                        <p:strVal val="visible"/>
-                                      </p:to>
-                                    </p:set>
-                                    <p:animEffect transition="in" filter="blinds(horizontal)">
-                                      <p:cBhvr>
-                                        <p:cTn id="41" dur="500"/>
-                                        <p:tgtEl>
-                                          <p:spTgt spid="3">
-                                            <p:txEl>
-                                              <p:pRg st="8" end="8"/>
-                                            </p:txEl>
-                                          </p:spTgt>
-                                        </p:tgtEl>
-                                      </p:cBhvr>
-                                    </p:animEffect>
-                                  </p:childTnLst>
-                                </p:cTn>
-                              </p:par>
-                              <p:par>
-                                <p:cTn id="42" presetID="3" presetClass="entr" presetSubtype="10" fill="hold" nodeType="withEffect">
-                                  <p:stCondLst>
-                                    <p:cond delay="0"/>
-                                  </p:stCondLst>
-                                  <p:childTnLst>
-                                    <p:set>
-                                      <p:cBhvr>
-                                        <p:cTn id="43" dur="1" fill="hold">
-                                          <p:stCondLst>
-                                            <p:cond delay="0"/>
-                                          </p:stCondLst>
-                                        </p:cTn>
-                                        <p:tgtEl>
-                                          <p:spTgt spid="3">
-                                            <p:txEl>
-                                              <p:pRg st="9" end="9"/>
-                                            </p:txEl>
-                                          </p:spTgt>
-                                        </p:tgtEl>
-                                        <p:attrNameLst>
-                                          <p:attrName>style.visibility</p:attrName>
-                                        </p:attrNameLst>
-                                      </p:cBhvr>
-                                      <p:to>
-                                        <p:strVal val="visible"/>
-                                      </p:to>
-                                    </p:set>
-                                    <p:animEffect transition="in" filter="blinds(horizontal)">
-                                      <p:cBhvr>
-                                        <p:cTn id="44" dur="500"/>
-                                        <p:tgtEl>
-                                          <p:spTgt spid="3">
-                                            <p:txEl>
-                                              <p:pRg st="9" end="9"/>
-                                            </p:txEl>
-                                          </p:spTgt>
-                                        </p:tgtEl>
-                                      </p:cBhvr>
-                                    </p:animEffect>
-                                  </p:childTnLst>
-                                </p:cTn>
-                              </p:par>
-                              <p:par>
-                                <p:cTn id="45" presetID="3" presetClass="entr" presetSubtype="10" fill="hold" nodeType="withEffect">
-                                  <p:stCondLst>
-                                    <p:cond delay="0"/>
-                                  </p:stCondLst>
-                                  <p:childTnLst>
-                                    <p:set>
-                                      <p:cBhvr>
-                                        <p:cTn id="46" dur="1" fill="hold">
-                                          <p:stCondLst>
-                                            <p:cond delay="0"/>
-                                          </p:stCondLst>
-                                        </p:cTn>
-                                        <p:tgtEl>
-                                          <p:spTgt spid="3">
-                                            <p:txEl>
-                                              <p:pRg st="10" end="10"/>
-                                            </p:txEl>
-                                          </p:spTgt>
-                                        </p:tgtEl>
-                                        <p:attrNameLst>
-                                          <p:attrName>style.visibility</p:attrName>
-                                        </p:attrNameLst>
-                                      </p:cBhvr>
-                                      <p:to>
-                                        <p:strVal val="visible"/>
-                                      </p:to>
-                                    </p:set>
-                                    <p:animEffect transition="in" filter="blinds(horizontal)">
-                                      <p:cBhvr>
-                                        <p:cTn id="47" dur="500"/>
-                                        <p:tgtEl>
-                                          <p:spTgt spid="3">
-                                            <p:txEl>
-                                              <p:pRg st="10" end="10"/>
-                                            </p:txEl>
-                                          </p:spTgt>
-                                        </p:tgtEl>
-                                      </p:cBhvr>
-                                    </p:animEffect>
-                                  </p:childTnLst>
-                                </p:cTn>
-                              </p:par>
-                              <p:par>
-                                <p:cTn id="48" presetID="3" presetClass="entr" presetSubtype="10" fill="hold" nodeType="withEffect">
-                                  <p:stCondLst>
-                                    <p:cond delay="0"/>
-                                  </p:stCondLst>
-                                  <p:childTnLst>
-                                    <p:set>
-                                      <p:cBhvr>
-                                        <p:cTn id="49" dur="1" fill="hold">
-                                          <p:stCondLst>
-                                            <p:cond delay="0"/>
-                                          </p:stCondLst>
-                                        </p:cTn>
-                                        <p:tgtEl>
-                                          <p:spTgt spid="3">
-                                            <p:txEl>
-                                              <p:pRg st="11" end="11"/>
-                                            </p:txEl>
-                                          </p:spTgt>
-                                        </p:tgtEl>
-                                        <p:attrNameLst>
-                                          <p:attrName>style.visibility</p:attrName>
-                                        </p:attrNameLst>
-                                      </p:cBhvr>
-                                      <p:to>
-                                        <p:strVal val="visible"/>
-                                      </p:to>
-                                    </p:set>
-                                    <p:animEffect transition="in" filter="blinds(horizontal)">
-                                      <p:cBhvr>
-                                        <p:cTn id="50" dur="500"/>
-                                        <p:tgtEl>
-                                          <p:spTgt spid="3">
-                                            <p:txEl>
-                                              <p:pRg st="11" end="11"/>
+                                              <p:pRg st="4" end="4"/>
                                             </p:txEl>
                                           </p:spTgt>
                                         </p:tgtEl>
@@ -9007,61 +11124,22 @@
           <a:lstStyle/>
           <a:p>
             <a:r>
-              <a:rPr lang="en-US" dirty="0"/>
-              <a:t>application </a:t>
-            </a:r>
-            <a:r>
               <a:rPr lang="en-US" dirty="0" smtClean="0"/>
-              <a:t>environment</a:t>
-            </a:r>
-            <a:endParaRPr lang="en-US" dirty="0"/>
-          </a:p>
-        </p:txBody>
-      </p:sp>
-      <p:sp>
-        <p:nvSpPr>
-          <p:cNvPr id="3" name="Content Placeholder 2"/>
-          <p:cNvSpPr>
-            <a:spLocks noGrp="1"/>
-          </p:cNvSpPr>
-          <p:nvPr>
-            <p:ph idx="1"/>
-          </p:nvPr>
-        </p:nvSpPr>
-        <p:spPr/>
-        <p:txBody>
-          <a:bodyPr/>
-          <a:lstStyle/>
-          <a:p>
-            <a:r>
-              <a:rPr lang="en-US" dirty="0" smtClean="0"/>
-              <a:t>Datastore/database</a:t>
-            </a:r>
-          </a:p>
-          <a:p>
-            <a:r>
-              <a:rPr lang="en-US" dirty="0" smtClean="0"/>
-              <a:t>Caching services</a:t>
-            </a:r>
-          </a:p>
-          <a:p>
-            <a:r>
-              <a:rPr lang="en-US" dirty="0" smtClean="0"/>
-              <a:t>Geo location service</a:t>
-            </a:r>
-          </a:p>
-          <a:p>
+              <a:t>Declarative vs Imperative</a:t>
+            </a:r>
             <a:endParaRPr lang="en-US" dirty="0"/>
           </a:p>
         </p:txBody>
       </p:sp>
       <p:pic>
         <p:nvPicPr>
-          <p:cNvPr id="6" name="Picture 5"/>
+          <p:cNvPr id="8" name="Content Placeholder 7"/>
           <p:cNvPicPr>
-            <a:picLocks noChangeAspect="1"/>
+            <a:picLocks noGrp="1" noChangeAspect="1"/>
           </p:cNvPicPr>
-          <p:nvPr/>
+          <p:nvPr>
+            <p:ph idx="1"/>
+          </p:nvPr>
         </p:nvPicPr>
         <p:blipFill>
           <a:blip r:embed="rId2">
@@ -9077,18 +11155,75 @@
         </p:blipFill>
         <p:spPr>
           <a:xfrm>
-            <a:off x="4778930" y="2093976"/>
-            <a:ext cx="4996201" cy="4078224"/>
+            <a:off x="4987017" y="2774567"/>
+            <a:ext cx="7204983" cy="3053443"/>
+          </a:xfrm>
+        </p:spPr>
+      </p:pic>
+      <p:pic>
+        <p:nvPicPr>
+          <p:cNvPr id="9" name="Picture 8"/>
+          <p:cNvPicPr>
+            <a:picLocks noChangeAspect="1"/>
+          </p:cNvPicPr>
+          <p:nvPr/>
+        </p:nvPicPr>
+        <p:blipFill>
+          <a:blip r:embed="rId3">
+            <a:extLst>
+              <a:ext uri="{28A0092B-C50C-407E-A947-70E740481C1C}">
+                <a14:useLocalDpi xmlns:a14="http://schemas.microsoft.com/office/drawing/2010/main" val="0"/>
+              </a:ext>
+            </a:extLst>
+          </a:blip>
+          <a:stretch>
+            <a:fillRect/>
+          </a:stretch>
+        </p:blipFill>
+        <p:spPr>
+          <a:xfrm>
+            <a:off x="481292" y="2774567"/>
+            <a:ext cx="4382983" cy="2659132"/>
           </a:xfrm>
           <a:prstGeom prst="rect">
             <a:avLst/>
           </a:prstGeom>
         </p:spPr>
       </p:pic>
+      <p:sp>
+        <p:nvSpPr>
+          <p:cNvPr id="3" name="TextBox 2"/>
+          <p:cNvSpPr txBox="1"/>
+          <p:nvPr/>
+        </p:nvSpPr>
+        <p:spPr>
+          <a:xfrm>
+            <a:off x="3494762" y="1724644"/>
+            <a:ext cx="4324645" cy="369332"/>
+          </a:xfrm>
+          <a:prstGeom prst="rect">
+            <a:avLst/>
+          </a:prstGeom>
+          <a:noFill/>
+        </p:spPr>
+        <p:txBody>
+          <a:bodyPr wrap="none" rtlCol="0">
+            <a:spAutoFit/>
+          </a:bodyPr>
+          <a:lstStyle/>
+          <a:p>
+            <a:r>
+              <a:rPr lang="en-US" smtClean="0"/>
+              <a:t>Transferring data from AWS go GS task</a:t>
+            </a:r>
+            <a:endParaRPr lang="en-US"/>
+          </a:p>
+        </p:txBody>
+      </p:sp>
     </p:spTree>
     <p:extLst>
       <p:ext uri="{BB962C8B-B14F-4D97-AF65-F5344CB8AC3E}">
-        <p14:creationId xmlns:p14="http://schemas.microsoft.com/office/powerpoint/2010/main" val="1759382051"/>
+        <p14:creationId xmlns:p14="http://schemas.microsoft.com/office/powerpoint/2010/main" val="413941375"/>
       </p:ext>
     </p:extLst>
   </p:cSld>
@@ -9116,7 +11251,7 @@
                             </p:stCondLst>
                             <p:childTnLst>
                               <p:par>
-                                <p:cTn id="5" presetID="9" presetClass="entr" presetSubtype="0" fill="hold" nodeType="clickEffect">
+                                <p:cTn id="5" presetID="3" presetClass="entr" presetSubtype="10" fill="hold" nodeType="clickEffect">
                                   <p:stCondLst>
                                     <p:cond delay="0"/>
                                   </p:stCondLst>
@@ -9129,11 +11264,7 @@
                                           </p:stCondLst>
                                         </p:cTn>
                                         <p:tgtEl>
-                                          <p:spTgt spid="3">
-                                            <p:txEl>
-                                              <p:pRg st="0" end="0"/>
-                                            </p:txEl>
-                                          </p:spTgt>
+                                          <p:spTgt spid="9"/>
                                         </p:tgtEl>
                                         <p:attrNameLst>
                                           <p:attrName>style.visibility</p:attrName>
@@ -9143,15 +11274,11 @@
                                         <p:strVal val="visible"/>
                                       </p:to>
                                     </p:set>
-                                    <p:animEffect transition="in" filter="dissolve">
+                                    <p:animEffect transition="in" filter="blinds(horizontal)">
                                       <p:cBhvr>
                                         <p:cTn id="7" dur="500"/>
                                         <p:tgtEl>
-                                          <p:spTgt spid="3">
-                                            <p:txEl>
-                                              <p:pRg st="0" end="0"/>
-                                            </p:txEl>
-                                          </p:spTgt>
+                                          <p:spTgt spid="9"/>
                                         </p:tgtEl>
                                       </p:cBhvr>
                                     </p:animEffect>
@@ -9177,7 +11304,7 @@
                             </p:stCondLst>
                             <p:childTnLst>
                               <p:par>
-                                <p:cTn id="10" presetID="3" presetClass="entr" presetSubtype="10" fill="hold" nodeType="clickEffect">
+                                <p:cTn id="10" presetID="2" presetClass="entr" presetSubtype="4" fill="hold" nodeType="clickEffect">
                                   <p:stCondLst>
                                     <p:cond delay="0"/>
                                   </p:stCondLst>
@@ -9190,11 +11317,7 @@
                                           </p:stCondLst>
                                         </p:cTn>
                                         <p:tgtEl>
-                                          <p:spTgt spid="3">
-                                            <p:txEl>
-                                              <p:pRg st="1" end="1"/>
-                                            </p:txEl>
-                                          </p:spTgt>
+                                          <p:spTgt spid="8"/>
                                         </p:tgtEl>
                                         <p:attrNameLst>
                                           <p:attrName>style.visibility</p:attrName>
@@ -9204,67 +11327,52 @@
                                         <p:strVal val="visible"/>
                                       </p:to>
                                     </p:set>
-                                    <p:animEffect transition="in" filter="blinds(horizontal)">
-                                      <p:cBhvr>
-                                        <p:cTn id="12" dur="500"/>
+                                    <p:anim calcmode="lin" valueType="num">
+                                      <p:cBhvr additive="base">
+                                        <p:cTn id="12" dur="500" fill="hold"/>
                                         <p:tgtEl>
-                                          <p:spTgt spid="3">
-                                            <p:txEl>
-                                              <p:pRg st="1" end="1"/>
-                                            </p:txEl>
-                                          </p:spTgt>
-                                        </p:tgtEl>
-                                      </p:cBhvr>
-                                    </p:animEffect>
-                                  </p:childTnLst>
-                                </p:cTn>
-                              </p:par>
-                            </p:childTnLst>
-                          </p:cTn>
-                        </p:par>
-                      </p:childTnLst>
-                    </p:cTn>
-                  </p:par>
-                  <p:par>
-                    <p:cTn id="13" fill="hold">
-                      <p:stCondLst>
-                        <p:cond delay="indefinite"/>
-                      </p:stCondLst>
-                      <p:childTnLst>
-                        <p:par>
-                          <p:cTn id="14" fill="hold">
-                            <p:stCondLst>
-                              <p:cond delay="0"/>
-                            </p:stCondLst>
-                            <p:childTnLst>
-                              <p:par>
-                                <p:cTn id="15" presetID="1" presetClass="entr" presetSubtype="0" fill="hold" nodeType="clickEffect">
-                                  <p:stCondLst>
-                                    <p:cond delay="0"/>
-                                  </p:stCondLst>
-                                  <p:childTnLst>
-                                    <p:set>
-                                      <p:cBhvr>
-                                        <p:cTn id="16" dur="1" fill="hold">
-                                          <p:stCondLst>
-                                            <p:cond delay="0"/>
-                                          </p:stCondLst>
-                                        </p:cTn>
-                                        <p:tgtEl>
-                                          <p:spTgt spid="3">
-                                            <p:txEl>
-                                              <p:pRg st="2" end="2"/>
-                                            </p:txEl>
-                                          </p:spTgt>
+                                          <p:spTgt spid="8"/>
                                         </p:tgtEl>
                                         <p:attrNameLst>
-                                          <p:attrName>style.visibility</p:attrName>
+                                          <p:attrName>ppt_x</p:attrName>
                                         </p:attrNameLst>
                                       </p:cBhvr>
-                                      <p:to>
-                                        <p:strVal val="visible"/>
-                                      </p:to>
-                                    </p:set>
+                                      <p:tavLst>
+                                        <p:tav tm="0">
+                                          <p:val>
+                                            <p:strVal val="#ppt_x"/>
+                                          </p:val>
+                                        </p:tav>
+                                        <p:tav tm="100000">
+                                          <p:val>
+                                            <p:strVal val="#ppt_x"/>
+                                          </p:val>
+                                        </p:tav>
+                                      </p:tavLst>
+                                    </p:anim>
+                                    <p:anim calcmode="lin" valueType="num">
+                                      <p:cBhvr additive="base">
+                                        <p:cTn id="13" dur="500" fill="hold"/>
+                                        <p:tgtEl>
+                                          <p:spTgt spid="8"/>
+                                        </p:tgtEl>
+                                        <p:attrNameLst>
+                                          <p:attrName>ppt_y</p:attrName>
+                                        </p:attrNameLst>
+                                      </p:cBhvr>
+                                      <p:tavLst>
+                                        <p:tav tm="0">
+                                          <p:val>
+                                            <p:strVal val="1+#ppt_h/2"/>
+                                          </p:val>
+                                        </p:tav>
+                                        <p:tav tm="100000">
+                                          <p:val>
+                                            <p:strVal val="#ppt_y"/>
+                                          </p:val>
+                                        </p:tav>
+                                      </p:tavLst>
+                                    </p:anim>
                                   </p:childTnLst>
                                 </p:cTn>
                               </p:par>
